--- a/Slide_APCS/CH1 資料結構與演算法_前言.pptx
+++ b/Slide_APCS/CH1 資料結構與演算法_前言.pptx
@@ -845,7 +845,7 @@
             <a:fld id="{B61BEF0D-F0BB-DE4B-95CE-6DB70DBA9567}" type="datetimeFigureOut">
               <a:rPr lang="en-US" dirty="0"/>
               <a:pPr/>
-              <a:t>8/16/19</a:t>
+              <a:t>8/17/19</a:t>
             </a:fld>
             <a:endParaRPr lang="en-US" dirty="0"/>
           </a:p>
@@ -1093,7 +1093,7 @@
             <a:fld id="{B61BEF0D-F0BB-DE4B-95CE-6DB70DBA9567}" type="datetimeFigureOut">
               <a:rPr lang="en-US" dirty="0"/>
               <a:pPr/>
-              <a:t>8/16/19</a:t>
+              <a:t>8/17/19</a:t>
             </a:fld>
             <a:endParaRPr lang="en-US" dirty="0"/>
           </a:p>
@@ -1404,7 +1404,7 @@
             <a:fld id="{B61BEF0D-F0BB-DE4B-95CE-6DB70DBA9567}" type="datetimeFigureOut">
               <a:rPr lang="en-US" dirty="0"/>
               <a:pPr/>
-              <a:t>8/16/19</a:t>
+              <a:t>8/17/19</a:t>
             </a:fld>
             <a:endParaRPr lang="en-US" dirty="0"/>
           </a:p>
@@ -1742,7 +1742,7 @@
             <a:fld id="{B61BEF0D-F0BB-DE4B-95CE-6DB70DBA9567}" type="datetimeFigureOut">
               <a:rPr lang="en-US" dirty="0"/>
               <a:pPr/>
-              <a:t>8/16/19</a:t>
+              <a:t>8/17/19</a:t>
             </a:fld>
             <a:endParaRPr lang="en-US" dirty="0"/>
           </a:p>
@@ -2053,7 +2053,7 @@
             <a:fld id="{B61BEF0D-F0BB-DE4B-95CE-6DB70DBA9567}" type="datetimeFigureOut">
               <a:rPr lang="en-US" dirty="0"/>
               <a:pPr/>
-              <a:t>8/16/19</a:t>
+              <a:t>8/17/19</a:t>
             </a:fld>
             <a:endParaRPr lang="en-US" dirty="0"/>
           </a:p>
@@ -2443,7 +2443,7 @@
             <a:fld id="{B61BEF0D-F0BB-DE4B-95CE-6DB70DBA9567}" type="datetimeFigureOut">
               <a:rPr lang="en-US" dirty="0"/>
               <a:pPr/>
-              <a:t>8/16/19</a:t>
+              <a:t>8/17/19</a:t>
             </a:fld>
             <a:endParaRPr lang="en-US" dirty="0"/>
           </a:p>
@@ -2609,7 +2609,7 @@
           <a:p>
             <a:fld id="{55C6B4A9-1611-4792-9094-5F34BCA07E0B}" type="datetimeFigureOut">
               <a:rPr lang="en-US" dirty="0"/>
-              <a:t>8/16/19</a:t>
+              <a:t>8/17/19</a:t>
             </a:fld>
             <a:endParaRPr lang="en-US" dirty="0"/>
           </a:p>
@@ -2785,7 +2785,7 @@
             <a:fld id="{B61BEF0D-F0BB-DE4B-95CE-6DB70DBA9567}" type="datetimeFigureOut">
               <a:rPr lang="en-US" dirty="0"/>
               <a:pPr/>
-              <a:t>8/16/19</a:t>
+              <a:t>8/17/19</a:t>
             </a:fld>
             <a:endParaRPr lang="en-US" dirty="0"/>
           </a:p>
@@ -2958,7 +2958,7 @@
             <a:fld id="{B61BEF0D-F0BB-DE4B-95CE-6DB70DBA9567}" type="datetimeFigureOut">
               <a:rPr lang="en-US" dirty="0"/>
               <a:pPr/>
-              <a:t>8/16/19</a:t>
+              <a:t>8/17/19</a:t>
             </a:fld>
             <a:endParaRPr lang="en-US" dirty="0"/>
           </a:p>
@@ -3202,7 +3202,7 @@
             <a:fld id="{B61BEF0D-F0BB-DE4B-95CE-6DB70DBA9567}" type="datetimeFigureOut">
               <a:rPr lang="en-US" dirty="0"/>
               <a:pPr/>
-              <a:t>8/16/19</a:t>
+              <a:t>8/17/19</a:t>
             </a:fld>
             <a:endParaRPr lang="en-US" dirty="0"/>
           </a:p>
@@ -3430,7 +3430,7 @@
           <a:p>
             <a:fld id="{EB712588-04B1-427B-82EE-E8DB90309F08}" type="datetimeFigureOut">
               <a:rPr lang="en-US" dirty="0"/>
-              <a:t>8/16/19</a:t>
+              <a:t>8/17/19</a:t>
             </a:fld>
             <a:endParaRPr lang="en-US" dirty="0"/>
           </a:p>
@@ -3800,7 +3800,7 @@
             <a:fld id="{B61BEF0D-F0BB-DE4B-95CE-6DB70DBA9567}" type="datetimeFigureOut">
               <a:rPr lang="en-US" dirty="0"/>
               <a:pPr/>
-              <a:t>8/16/19</a:t>
+              <a:t>8/17/19</a:t>
             </a:fld>
             <a:endParaRPr lang="en-US" dirty="0"/>
           </a:p>
@@ -3920,7 +3920,7 @@
             <a:fld id="{B61BEF0D-F0BB-DE4B-95CE-6DB70DBA9567}" type="datetimeFigureOut">
               <a:rPr lang="en-US" dirty="0"/>
               <a:pPr/>
-              <a:t>8/16/19</a:t>
+              <a:t>8/17/19</a:t>
             </a:fld>
             <a:endParaRPr lang="en-US" dirty="0"/>
           </a:p>
@@ -4012,7 +4012,7 @@
             <a:fld id="{B61BEF0D-F0BB-DE4B-95CE-6DB70DBA9567}" type="datetimeFigureOut">
               <a:rPr lang="en-US" dirty="0"/>
               <a:pPr/>
-              <a:t>8/16/19</a:t>
+              <a:t>8/17/19</a:t>
             </a:fld>
             <a:endParaRPr lang="en-US" dirty="0"/>
           </a:p>
@@ -4263,7 +4263,7 @@
           <a:p>
             <a:fld id="{42A54C80-263E-416B-A8E0-580EDEADCBDC}" type="datetimeFigureOut">
               <a:rPr lang="en-US" dirty="0"/>
-              <a:t>8/16/19</a:t>
+              <a:t>8/17/19</a:t>
             </a:fld>
             <a:endParaRPr lang="en-US" dirty="0"/>
           </a:p>
@@ -4522,7 +4522,7 @@
             <a:fld id="{B61BEF0D-F0BB-DE4B-95CE-6DB70DBA9567}" type="datetimeFigureOut">
               <a:rPr lang="en-US" dirty="0"/>
               <a:pPr/>
-              <a:t>8/16/19</a:t>
+              <a:t>8/17/19</a:t>
             </a:fld>
             <a:endParaRPr lang="en-US" dirty="0"/>
           </a:p>
@@ -5262,7 +5262,7 @@
             <a:fld id="{B61BEF0D-F0BB-DE4B-95CE-6DB70DBA9567}" type="datetimeFigureOut">
               <a:rPr lang="en-US" dirty="0"/>
               <a:pPr/>
-              <a:t>8/16/19</a:t>
+              <a:t>8/17/19</a:t>
             </a:fld>
             <a:endParaRPr lang="en-US" dirty="0"/>
           </a:p>
@@ -6481,7 +6481,32 @@
               </a:rPr>
               <a:t>(2 ^ 40) * 1 ns = 18 minutes </a:t>
             </a:r>
+            <a:r>
+              <a:rPr kumimoji="1" lang="zh-TW" altLang="en-US" dirty="0">
+                <a:solidFill>
+                  <a:srgbClr val="FF0000"/>
+                </a:solidFill>
+                <a:latin typeface="Menlo" panose="020B0609030804020204" pitchFamily="49" charset="0"/>
+                <a:ea typeface="Menlo" panose="020B0609030804020204" pitchFamily="49" charset="0"/>
+                <a:cs typeface="Menlo" panose="020B0609030804020204" pitchFamily="49" charset="0"/>
+              </a:rPr>
+              <a:t>我的電腦當掉了</a:t>
+            </a:r>
+            <a:r>
+              <a:rPr kumimoji="1" lang="en-US" altLang="zh-TW" dirty="0">
+                <a:solidFill>
+                  <a:srgbClr val="FF0000"/>
+                </a:solidFill>
+                <a:latin typeface="Menlo" panose="020B0609030804020204" pitchFamily="49" charset="0"/>
+                <a:ea typeface="Menlo" panose="020B0609030804020204" pitchFamily="49" charset="0"/>
+                <a:cs typeface="Menlo" panose="020B0609030804020204" pitchFamily="49" charset="0"/>
+              </a:rPr>
+              <a:t>?</a:t>
+            </a:r>
             <a:endParaRPr kumimoji="1" lang="zh-TW" altLang="en-US" dirty="0">
+              <a:solidFill>
+                <a:srgbClr val="FF0000"/>
+              </a:solidFill>
               <a:latin typeface="Menlo" panose="020B0609030804020204" pitchFamily="49" charset="0"/>
               <a:cs typeface="Menlo" panose="020B0609030804020204" pitchFamily="49" charset="0"/>
             </a:endParaRPr>
@@ -6975,7 +7000,7 @@
           <a:p>
             <a:r>
               <a:rPr kumimoji="1" lang="en-US" altLang="zh-TW" sz="2400" dirty="0"/>
-              <a:t>0~100,</a:t>
+              <a:t>1~100,</a:t>
             </a:r>
             <a:r>
               <a:rPr kumimoji="1" lang="zh-TW" altLang="en-US" sz="2400" dirty="0"/>
@@ -8257,7 +8282,7 @@
             </a:r>
             <a:r>
               <a:rPr kumimoji="1" lang="en-US" altLang="zh-TW" dirty="0"/>
-              <a:t> (Binary Search)</a:t>
+              <a:t> performance analysis</a:t>
             </a:r>
             <a:endParaRPr kumimoji="1" lang="zh-TW" altLang="en-US" dirty="0"/>
           </a:p>

--- a/Slide_APCS/CH1 資料結構與演算法_前言.pptx
+++ b/Slide_APCS/CH1 資料結構與演算法_前言.pptx
@@ -12,10 +12,11 @@
     <p:sldId id="260" r:id="rId6"/>
     <p:sldId id="262" r:id="rId7"/>
     <p:sldId id="265" r:id="rId8"/>
-    <p:sldId id="261" r:id="rId9"/>
-    <p:sldId id="263" r:id="rId10"/>
-    <p:sldId id="264" r:id="rId11"/>
-    <p:sldId id="266" r:id="rId12"/>
+    <p:sldId id="267" r:id="rId9"/>
+    <p:sldId id="261" r:id="rId10"/>
+    <p:sldId id="263" r:id="rId11"/>
+    <p:sldId id="264" r:id="rId12"/>
+    <p:sldId id="266" r:id="rId13"/>
   </p:sldIdLst>
   <p:sldSz cx="12192000" cy="6858000"/>
   <p:notesSz cx="6858000" cy="9144000"/>
@@ -5922,3542 +5923,6 @@
           </a:p>
         </p:txBody>
       </p:sp>
-      <p:sp>
-        <p:nvSpPr>
-          <p:cNvPr id="5" name="文字方塊 4">
-            <a:extLst>
-              <a:ext uri="{FF2B5EF4-FFF2-40B4-BE49-F238E27FC236}">
-                <a16:creationId xmlns:a16="http://schemas.microsoft.com/office/drawing/2014/main" id="{3AB9D118-DF2C-CD4D-8383-0B320FE8D615}"/>
-              </a:ext>
-            </a:extLst>
-          </p:cNvPr>
-          <p:cNvSpPr txBox="1"/>
-          <p:nvPr/>
-        </p:nvSpPr>
-        <p:spPr>
-          <a:xfrm>
-            <a:off x="677334" y="1930400"/>
-            <a:ext cx="3764172" cy="830997"/>
-          </a:xfrm>
-          <a:prstGeom prst="rect">
-            <a:avLst/>
-          </a:prstGeom>
-          <a:noFill/>
-        </p:spPr>
-        <p:txBody>
-          <a:bodyPr wrap="none" rtlCol="0">
-            <a:spAutoFit/>
-          </a:bodyPr>
-          <a:lstStyle/>
-          <a:p>
-            <a:r>
-              <a:rPr kumimoji="1" lang="en-US" altLang="zh-TW" sz="1600" dirty="0">
-                <a:latin typeface="Menlo" panose="020B0609030804020204" pitchFamily="49" charset="0"/>
-                <a:ea typeface="Menlo" panose="020B0609030804020204" pitchFamily="49" charset="0"/>
-                <a:cs typeface="Menlo" panose="020B0609030804020204" pitchFamily="49" charset="0"/>
-              </a:rPr>
-              <a:t>F(0) = 0</a:t>
-            </a:r>
-          </a:p>
-          <a:p>
-            <a:r>
-              <a:rPr kumimoji="1" lang="en-US" altLang="zh-TW" sz="1600" dirty="0">
-                <a:latin typeface="Menlo" panose="020B0609030804020204" pitchFamily="49" charset="0"/>
-                <a:ea typeface="Menlo" panose="020B0609030804020204" pitchFamily="49" charset="0"/>
-                <a:cs typeface="Menlo" panose="020B0609030804020204" pitchFamily="49" charset="0"/>
-              </a:rPr>
-              <a:t>F(1) = 1</a:t>
-            </a:r>
-          </a:p>
-          <a:p>
-            <a:r>
-              <a:rPr kumimoji="1" lang="en-US" altLang="zh-TW" sz="1600" dirty="0">
-                <a:latin typeface="Menlo" panose="020B0609030804020204" pitchFamily="49" charset="0"/>
-                <a:ea typeface="Menlo" panose="020B0609030804020204" pitchFamily="49" charset="0"/>
-                <a:cs typeface="Menlo" panose="020B0609030804020204" pitchFamily="49" charset="0"/>
-              </a:rPr>
-              <a:t>F(n) = F(n-1) + F(n-2),  n&gt;=2</a:t>
-            </a:r>
-            <a:endParaRPr kumimoji="1" lang="zh-TW" altLang="en-US" sz="1600" dirty="0">
-              <a:latin typeface="Menlo" panose="020B0609030804020204" pitchFamily="49" charset="0"/>
-              <a:cs typeface="Menlo" panose="020B0609030804020204" pitchFamily="49" charset="0"/>
-            </a:endParaRPr>
-          </a:p>
-        </p:txBody>
-      </p:sp>
-      <p:sp>
-        <p:nvSpPr>
-          <p:cNvPr id="6" name="文字方塊 5">
-            <a:extLst>
-              <a:ext uri="{FF2B5EF4-FFF2-40B4-BE49-F238E27FC236}">
-                <a16:creationId xmlns:a16="http://schemas.microsoft.com/office/drawing/2014/main" id="{315DC7D1-0A51-1148-9B67-0D81D790D3DC}"/>
-              </a:ext>
-            </a:extLst>
-          </p:cNvPr>
-          <p:cNvSpPr txBox="1"/>
-          <p:nvPr/>
-        </p:nvSpPr>
-        <p:spPr>
-          <a:xfrm>
-            <a:off x="677334" y="2980184"/>
-            <a:ext cx="3887603" cy="1877437"/>
-          </a:xfrm>
-          <a:prstGeom prst="rect">
-            <a:avLst/>
-          </a:prstGeom>
-          <a:noFill/>
-          <a:ln>
-            <a:solidFill>
-              <a:schemeClr val="accent1"/>
-            </a:solidFill>
-          </a:ln>
-        </p:spPr>
-        <p:txBody>
-          <a:bodyPr wrap="none" rtlCol="0">
-            <a:spAutoFit/>
-          </a:bodyPr>
-          <a:lstStyle/>
-          <a:p>
-            <a:r>
-              <a:rPr kumimoji="1" lang="en" altLang="zh-TW" sz="1600" dirty="0">
-                <a:solidFill>
-                  <a:srgbClr val="FF0000"/>
-                </a:solidFill>
-                <a:latin typeface="Menlo" panose="020B0609030804020204" pitchFamily="49" charset="0"/>
-                <a:ea typeface="Menlo" panose="020B0609030804020204" pitchFamily="49" charset="0"/>
-                <a:cs typeface="Menlo" panose="020B0609030804020204" pitchFamily="49" charset="0"/>
-              </a:rPr>
-              <a:t>#Fibonacci number - iterative</a:t>
-            </a:r>
-          </a:p>
-          <a:p>
-            <a:r>
-              <a:rPr kumimoji="1" lang="en" altLang="zh-TW" sz="1600" dirty="0">
-                <a:latin typeface="Menlo" panose="020B0609030804020204" pitchFamily="49" charset="0"/>
-                <a:ea typeface="Menlo" panose="020B0609030804020204" pitchFamily="49" charset="0"/>
-                <a:cs typeface="Menlo" panose="020B0609030804020204" pitchFamily="49" charset="0"/>
-              </a:rPr>
-              <a:t>N = 9</a:t>
-            </a:r>
-          </a:p>
-          <a:p>
-            <a:r>
-              <a:rPr kumimoji="1" lang="en" altLang="zh-TW" sz="1600" dirty="0">
-                <a:latin typeface="Menlo" panose="020B0609030804020204" pitchFamily="49" charset="0"/>
-                <a:ea typeface="Menlo" panose="020B0609030804020204" pitchFamily="49" charset="0"/>
-                <a:cs typeface="Menlo" panose="020B0609030804020204" pitchFamily="49" charset="0"/>
-              </a:rPr>
-              <a:t>F = [0, 1]</a:t>
-            </a:r>
-          </a:p>
-          <a:p>
-            <a:r>
-              <a:rPr kumimoji="1" lang="en" altLang="zh-TW" sz="1600" dirty="0">
-                <a:latin typeface="Menlo" panose="020B0609030804020204" pitchFamily="49" charset="0"/>
-                <a:ea typeface="Menlo" panose="020B0609030804020204" pitchFamily="49" charset="0"/>
-                <a:cs typeface="Menlo" panose="020B0609030804020204" pitchFamily="49" charset="0"/>
-              </a:rPr>
-              <a:t>for n in range(2, N+1):</a:t>
-            </a:r>
-          </a:p>
-          <a:p>
-            <a:r>
-              <a:rPr kumimoji="1" lang="en" altLang="zh-TW" sz="1600" dirty="0">
-                <a:latin typeface="Menlo" panose="020B0609030804020204" pitchFamily="49" charset="0"/>
-                <a:ea typeface="Menlo" panose="020B0609030804020204" pitchFamily="49" charset="0"/>
-                <a:cs typeface="Menlo" panose="020B0609030804020204" pitchFamily="49" charset="0"/>
-              </a:rPr>
-              <a:t>    </a:t>
-            </a:r>
-            <a:r>
-              <a:rPr kumimoji="1" lang="en" altLang="zh-TW" sz="1600" dirty="0" err="1">
-                <a:latin typeface="Menlo" panose="020B0609030804020204" pitchFamily="49" charset="0"/>
-                <a:ea typeface="Menlo" panose="020B0609030804020204" pitchFamily="49" charset="0"/>
-                <a:cs typeface="Menlo" panose="020B0609030804020204" pitchFamily="49" charset="0"/>
-              </a:rPr>
-              <a:t>F.append</a:t>
-            </a:r>
-            <a:r>
-              <a:rPr kumimoji="1" lang="en" altLang="zh-TW" sz="1600" dirty="0">
-                <a:latin typeface="Menlo" panose="020B0609030804020204" pitchFamily="49" charset="0"/>
-                <a:ea typeface="Menlo" panose="020B0609030804020204" pitchFamily="49" charset="0"/>
-                <a:cs typeface="Menlo" panose="020B0609030804020204" pitchFamily="49" charset="0"/>
-              </a:rPr>
-              <a:t>(F[n-1] + F[n-2])</a:t>
-            </a:r>
-          </a:p>
-          <a:p>
-            <a:r>
-              <a:rPr kumimoji="1" lang="en" altLang="zh-TW" sz="1600" dirty="0">
-                <a:latin typeface="Menlo" panose="020B0609030804020204" pitchFamily="49" charset="0"/>
-                <a:ea typeface="Menlo" panose="020B0609030804020204" pitchFamily="49" charset="0"/>
-                <a:cs typeface="Menlo" panose="020B0609030804020204" pitchFamily="49" charset="0"/>
-              </a:rPr>
-              <a:t>    </a:t>
-            </a:r>
-          </a:p>
-          <a:p>
-            <a:r>
-              <a:rPr kumimoji="1" lang="en" altLang="zh-TW" sz="1600" dirty="0">
-                <a:latin typeface="Menlo" panose="020B0609030804020204" pitchFamily="49" charset="0"/>
-                <a:ea typeface="Menlo" panose="020B0609030804020204" pitchFamily="49" charset="0"/>
-                <a:cs typeface="Menlo" panose="020B0609030804020204" pitchFamily="49" charset="0"/>
-              </a:rPr>
-              <a:t>print(F[N])</a:t>
-            </a:r>
-            <a:endParaRPr kumimoji="1" lang="zh-TW" altLang="en-US" sz="1600" dirty="0">
-              <a:latin typeface="Menlo" panose="020B0609030804020204" pitchFamily="49" charset="0"/>
-              <a:cs typeface="Menlo" panose="020B0609030804020204" pitchFamily="49" charset="0"/>
-            </a:endParaRPr>
-          </a:p>
-        </p:txBody>
-      </p:sp>
-      <p:sp>
-        <p:nvSpPr>
-          <p:cNvPr id="7" name="文字方塊 6">
-            <a:extLst>
-              <a:ext uri="{FF2B5EF4-FFF2-40B4-BE49-F238E27FC236}">
-                <a16:creationId xmlns:a16="http://schemas.microsoft.com/office/drawing/2014/main" id="{ACD7510D-DADC-B341-9E05-49049560EC32}"/>
-              </a:ext>
-            </a:extLst>
-          </p:cNvPr>
-          <p:cNvSpPr txBox="1"/>
-          <p:nvPr/>
-        </p:nvSpPr>
-        <p:spPr>
-          <a:xfrm>
-            <a:off x="5219751" y="2980184"/>
-            <a:ext cx="3887603" cy="2308324"/>
-          </a:xfrm>
-          <a:prstGeom prst="rect">
-            <a:avLst/>
-          </a:prstGeom>
-          <a:noFill/>
-          <a:ln>
-            <a:solidFill>
-              <a:schemeClr val="accent1"/>
-            </a:solidFill>
-          </a:ln>
-        </p:spPr>
-        <p:txBody>
-          <a:bodyPr wrap="none" rtlCol="0">
-            <a:spAutoFit/>
-          </a:bodyPr>
-          <a:lstStyle/>
-          <a:p>
-            <a:r>
-              <a:rPr kumimoji="1" lang="en" altLang="zh-TW" sz="1600" dirty="0">
-                <a:solidFill>
-                  <a:srgbClr val="FF0000"/>
-                </a:solidFill>
-                <a:latin typeface="Menlo" panose="020B0609030804020204" pitchFamily="49" charset="0"/>
-                <a:ea typeface="Menlo" panose="020B0609030804020204" pitchFamily="49" charset="0"/>
-                <a:cs typeface="Menlo" panose="020B0609030804020204" pitchFamily="49" charset="0"/>
-              </a:rPr>
-              <a:t>#Fibonacci number - recursion</a:t>
-            </a:r>
-          </a:p>
-          <a:p>
-            <a:r>
-              <a:rPr kumimoji="1" lang="en" altLang="zh-TW" sz="1600" dirty="0">
-                <a:latin typeface="Menlo" panose="020B0609030804020204" pitchFamily="49" charset="0"/>
-                <a:ea typeface="Menlo" panose="020B0609030804020204" pitchFamily="49" charset="0"/>
-                <a:cs typeface="Menlo" panose="020B0609030804020204" pitchFamily="49" charset="0"/>
-              </a:rPr>
-              <a:t>def F(n):</a:t>
-            </a:r>
-          </a:p>
-          <a:p>
-            <a:r>
-              <a:rPr kumimoji="1" lang="en" altLang="zh-TW" sz="1600" dirty="0">
-                <a:latin typeface="Menlo" panose="020B0609030804020204" pitchFamily="49" charset="0"/>
-                <a:ea typeface="Menlo" panose="020B0609030804020204" pitchFamily="49" charset="0"/>
-                <a:cs typeface="Menlo" panose="020B0609030804020204" pitchFamily="49" charset="0"/>
-              </a:rPr>
-              <a:t>    if n &lt;= 1:</a:t>
-            </a:r>
-          </a:p>
-          <a:p>
-            <a:r>
-              <a:rPr kumimoji="1" lang="en" altLang="zh-TW" sz="1600" dirty="0">
-                <a:latin typeface="Menlo" panose="020B0609030804020204" pitchFamily="49" charset="0"/>
-                <a:ea typeface="Menlo" panose="020B0609030804020204" pitchFamily="49" charset="0"/>
-                <a:cs typeface="Menlo" panose="020B0609030804020204" pitchFamily="49" charset="0"/>
-              </a:rPr>
-              <a:t>        return n</a:t>
-            </a:r>
-          </a:p>
-          <a:p>
-            <a:r>
-              <a:rPr kumimoji="1" lang="en" altLang="zh-TW" sz="1600" dirty="0">
-                <a:latin typeface="Menlo" panose="020B0609030804020204" pitchFamily="49" charset="0"/>
-                <a:ea typeface="Menlo" panose="020B0609030804020204" pitchFamily="49" charset="0"/>
-                <a:cs typeface="Menlo" panose="020B0609030804020204" pitchFamily="49" charset="0"/>
-              </a:rPr>
-              <a:t>    else:</a:t>
-            </a:r>
-          </a:p>
-          <a:p>
-            <a:r>
-              <a:rPr kumimoji="1" lang="en" altLang="zh-TW" sz="1600" dirty="0">
-                <a:latin typeface="Menlo" panose="020B0609030804020204" pitchFamily="49" charset="0"/>
-                <a:ea typeface="Menlo" panose="020B0609030804020204" pitchFamily="49" charset="0"/>
-                <a:cs typeface="Menlo" panose="020B0609030804020204" pitchFamily="49" charset="0"/>
-              </a:rPr>
-              <a:t>        return F(n-1) + F(n-2)</a:t>
-            </a:r>
-          </a:p>
-          <a:p>
-            <a:r>
-              <a:rPr kumimoji="1" lang="en" altLang="zh-TW" sz="1600" dirty="0">
-                <a:latin typeface="Menlo" panose="020B0609030804020204" pitchFamily="49" charset="0"/>
-                <a:ea typeface="Menlo" panose="020B0609030804020204" pitchFamily="49" charset="0"/>
-                <a:cs typeface="Menlo" panose="020B0609030804020204" pitchFamily="49" charset="0"/>
-              </a:rPr>
-              <a:t>    </a:t>
-            </a:r>
-          </a:p>
-          <a:p>
-            <a:r>
-              <a:rPr kumimoji="1" lang="en" altLang="zh-TW" sz="1600" dirty="0">
-                <a:latin typeface="Menlo" panose="020B0609030804020204" pitchFamily="49" charset="0"/>
-                <a:ea typeface="Menlo" panose="020B0609030804020204" pitchFamily="49" charset="0"/>
-                <a:cs typeface="Menlo" panose="020B0609030804020204" pitchFamily="49" charset="0"/>
-              </a:rPr>
-              <a:t>N = 9    </a:t>
-            </a:r>
-          </a:p>
-          <a:p>
-            <a:r>
-              <a:rPr kumimoji="1" lang="en" altLang="zh-TW" sz="1600" dirty="0">
-                <a:latin typeface="Menlo" panose="020B0609030804020204" pitchFamily="49" charset="0"/>
-                <a:ea typeface="Menlo" panose="020B0609030804020204" pitchFamily="49" charset="0"/>
-                <a:cs typeface="Menlo" panose="020B0609030804020204" pitchFamily="49" charset="0"/>
-              </a:rPr>
-              <a:t>print(F(N))</a:t>
-            </a:r>
-            <a:endParaRPr kumimoji="1" lang="zh-TW" altLang="en-US" sz="1600" dirty="0">
-              <a:latin typeface="Menlo" panose="020B0609030804020204" pitchFamily="49" charset="0"/>
-              <a:cs typeface="Menlo" panose="020B0609030804020204" pitchFamily="49" charset="0"/>
-            </a:endParaRPr>
-          </a:p>
-        </p:txBody>
-      </p:sp>
-      <p:sp>
-        <p:nvSpPr>
-          <p:cNvPr id="3" name="文字方塊 2">
-            <a:extLst>
-              <a:ext uri="{FF2B5EF4-FFF2-40B4-BE49-F238E27FC236}">
-                <a16:creationId xmlns:a16="http://schemas.microsoft.com/office/drawing/2014/main" id="{D7C7CAD8-0417-FE4E-8D11-BBC6208FBEE6}"/>
-              </a:ext>
-            </a:extLst>
-          </p:cNvPr>
-          <p:cNvSpPr txBox="1"/>
-          <p:nvPr/>
-        </p:nvSpPr>
-        <p:spPr>
-          <a:xfrm>
-            <a:off x="2230644" y="5722739"/>
-            <a:ext cx="657552" cy="369332"/>
-          </a:xfrm>
-          <a:prstGeom prst="rect">
-            <a:avLst/>
-          </a:prstGeom>
-          <a:noFill/>
-        </p:spPr>
-        <p:txBody>
-          <a:bodyPr wrap="none" rtlCol="0">
-            <a:spAutoFit/>
-          </a:bodyPr>
-          <a:lstStyle/>
-          <a:p>
-            <a:r>
-              <a:rPr kumimoji="1" lang="en-US" altLang="zh-TW" dirty="0">
-                <a:solidFill>
-                  <a:srgbClr val="FF0000"/>
-                </a:solidFill>
-              </a:rPr>
-              <a:t>O(N)</a:t>
-            </a:r>
-            <a:endParaRPr kumimoji="1" lang="zh-TW" altLang="en-US" dirty="0">
-              <a:solidFill>
-                <a:srgbClr val="FF0000"/>
-              </a:solidFill>
-            </a:endParaRPr>
-          </a:p>
-        </p:txBody>
-      </p:sp>
-      <p:sp>
-        <p:nvSpPr>
-          <p:cNvPr id="8" name="文字方塊 7">
-            <a:extLst>
-              <a:ext uri="{FF2B5EF4-FFF2-40B4-BE49-F238E27FC236}">
-                <a16:creationId xmlns:a16="http://schemas.microsoft.com/office/drawing/2014/main" id="{F428949A-759E-5F49-BD7A-4C4939B3FADA}"/>
-              </a:ext>
-            </a:extLst>
-          </p:cNvPr>
-          <p:cNvSpPr txBox="1"/>
-          <p:nvPr/>
-        </p:nvSpPr>
-        <p:spPr>
-          <a:xfrm>
-            <a:off x="6096000" y="5722739"/>
-            <a:ext cx="970137" cy="369332"/>
-          </a:xfrm>
-          <a:prstGeom prst="rect">
-            <a:avLst/>
-          </a:prstGeom>
-          <a:noFill/>
-        </p:spPr>
-        <p:txBody>
-          <a:bodyPr wrap="none" rtlCol="0">
-            <a:spAutoFit/>
-          </a:bodyPr>
-          <a:lstStyle/>
-          <a:p>
-            <a:r>
-              <a:rPr kumimoji="1" lang="en-US" altLang="zh-TW" dirty="0">
-                <a:solidFill>
-                  <a:srgbClr val="FF0000"/>
-                </a:solidFill>
-              </a:rPr>
-              <a:t>O(2^N) </a:t>
-            </a:r>
-            <a:endParaRPr kumimoji="1" lang="zh-TW" altLang="en-US" dirty="0">
-              <a:solidFill>
-                <a:srgbClr val="FF0000"/>
-              </a:solidFill>
-            </a:endParaRPr>
-          </a:p>
-        </p:txBody>
-      </p:sp>
-    </p:spTree>
-    <p:extLst>
-      <p:ext uri="{BB962C8B-B14F-4D97-AF65-F5344CB8AC3E}">
-        <p14:creationId xmlns:p14="http://schemas.microsoft.com/office/powerpoint/2010/main" val="2359172155"/>
-      </p:ext>
-    </p:extLst>
-  </p:cSld>
-  <p:clrMapOvr>
-    <a:masterClrMapping/>
-  </p:clrMapOvr>
-</p:sld>
-</file>
-
-<file path=ppt/slides/slide11.xml><?xml version="1.0" encoding="utf-8"?>
-<p:sld xmlns:a="http://schemas.openxmlformats.org/drawingml/2006/main" xmlns:r="http://schemas.openxmlformats.org/officeDocument/2006/relationships" xmlns:p="http://schemas.openxmlformats.org/presentationml/2006/main">
-  <p:cSld>
-    <p:spTree>
-      <p:nvGrpSpPr>
-        <p:cNvPr id="1" name=""/>
-        <p:cNvGrpSpPr/>
-        <p:nvPr/>
-      </p:nvGrpSpPr>
-      <p:grpSpPr>
-        <a:xfrm>
-          <a:off x="0" y="0"/>
-          <a:ext cx="0" cy="0"/>
-          <a:chOff x="0" y="0"/>
-          <a:chExt cx="0" cy="0"/>
-        </a:xfrm>
-      </p:grpSpPr>
-      <p:sp>
-        <p:nvSpPr>
-          <p:cNvPr id="2" name="標題 1">
-            <a:extLst>
-              <a:ext uri="{FF2B5EF4-FFF2-40B4-BE49-F238E27FC236}">
-                <a16:creationId xmlns:a16="http://schemas.microsoft.com/office/drawing/2014/main" id="{533C0DDF-ED57-8444-BC27-19827A2C500E}"/>
-              </a:ext>
-            </a:extLst>
-          </p:cNvPr>
-          <p:cNvSpPr>
-            <a:spLocks noGrp="1"/>
-          </p:cNvSpPr>
-          <p:nvPr>
-            <p:ph type="title"/>
-          </p:nvPr>
-        </p:nvSpPr>
-        <p:spPr/>
-        <p:txBody>
-          <a:bodyPr/>
-          <a:lstStyle/>
-          <a:p>
-            <a:r>
-              <a:rPr kumimoji="1" lang="zh-TW" altLang="en-US" dirty="0"/>
-              <a:t>再舉個例子</a:t>
-            </a:r>
-            <a:r>
-              <a:rPr kumimoji="1" lang="en-US" altLang="zh-TW" dirty="0"/>
-              <a:t>:</a:t>
-            </a:r>
-            <a:r>
-              <a:rPr kumimoji="1" lang="zh-TW" altLang="en-US" dirty="0"/>
-              <a:t> 費氏數列</a:t>
-            </a:r>
-            <a:br>
-              <a:rPr kumimoji="1" lang="en-US" altLang="zh-TW" dirty="0"/>
-            </a:br>
-            <a:r>
-              <a:rPr kumimoji="1" lang="en-US" altLang="zh-TW" dirty="0"/>
-              <a:t>Fibonacci number</a:t>
-            </a:r>
-            <a:endParaRPr kumimoji="1" lang="zh-TW" altLang="en-US" dirty="0"/>
-          </a:p>
-        </p:txBody>
-      </p:sp>
-      <p:pic>
-        <p:nvPicPr>
-          <p:cNvPr id="4" name="圖片 3">
-            <a:extLst>
-              <a:ext uri="{FF2B5EF4-FFF2-40B4-BE49-F238E27FC236}">
-                <a16:creationId xmlns:a16="http://schemas.microsoft.com/office/drawing/2014/main" id="{9D29579A-6E0A-B14E-9630-4AE2863F4C2D}"/>
-              </a:ext>
-            </a:extLst>
-          </p:cNvPr>
-          <p:cNvPicPr>
-            <a:picLocks noChangeAspect="1"/>
-          </p:cNvPicPr>
-          <p:nvPr/>
-        </p:nvPicPr>
-        <p:blipFill>
-          <a:blip r:embed="rId2"/>
-          <a:stretch>
-            <a:fillRect/>
-          </a:stretch>
-        </p:blipFill>
-        <p:spPr>
-          <a:xfrm>
-            <a:off x="454050" y="2699966"/>
-            <a:ext cx="8596668" cy="4051708"/>
-          </a:xfrm>
-          <a:prstGeom prst="rect">
-            <a:avLst/>
-          </a:prstGeom>
-        </p:spPr>
-      </p:pic>
-      <p:sp>
-        <p:nvSpPr>
-          <p:cNvPr id="5" name="文字方塊 4">
-            <a:extLst>
-              <a:ext uri="{FF2B5EF4-FFF2-40B4-BE49-F238E27FC236}">
-                <a16:creationId xmlns:a16="http://schemas.microsoft.com/office/drawing/2014/main" id="{06151BA8-1898-844A-B920-242268C8BA32}"/>
-              </a:ext>
-            </a:extLst>
-          </p:cNvPr>
-          <p:cNvSpPr txBox="1"/>
-          <p:nvPr/>
-        </p:nvSpPr>
-        <p:spPr>
-          <a:xfrm>
-            <a:off x="746625" y="1930400"/>
-            <a:ext cx="7157729" cy="646331"/>
-          </a:xfrm>
-          <a:prstGeom prst="rect">
-            <a:avLst/>
-          </a:prstGeom>
-          <a:noFill/>
-        </p:spPr>
-        <p:txBody>
-          <a:bodyPr wrap="none" rtlCol="0">
-            <a:spAutoFit/>
-          </a:bodyPr>
-          <a:lstStyle/>
-          <a:p>
-            <a:r>
-              <a:rPr kumimoji="1" lang="en-US" altLang="zh-TW" dirty="0">
-                <a:latin typeface="Menlo" panose="020B0609030804020204" pitchFamily="49" charset="0"/>
-                <a:ea typeface="Menlo" panose="020B0609030804020204" pitchFamily="49" charset="0"/>
-                <a:cs typeface="Menlo" panose="020B0609030804020204" pitchFamily="49" charset="0"/>
-              </a:rPr>
-              <a:t>Given N = 40 and assume one instruction takes 1ns,</a:t>
-            </a:r>
-          </a:p>
-          <a:p>
-            <a:r>
-              <a:rPr kumimoji="1" lang="en-US" altLang="zh-TW" dirty="0">
-                <a:latin typeface="Menlo" panose="020B0609030804020204" pitchFamily="49" charset="0"/>
-                <a:ea typeface="Menlo" panose="020B0609030804020204" pitchFamily="49" charset="0"/>
-                <a:cs typeface="Menlo" panose="020B0609030804020204" pitchFamily="49" charset="0"/>
-              </a:rPr>
-              <a:t>(2 ^ 40) * 1 ns = 18 minutes </a:t>
-            </a:r>
-            <a:r>
-              <a:rPr kumimoji="1" lang="zh-TW" altLang="en-US" dirty="0">
-                <a:solidFill>
-                  <a:srgbClr val="FF0000"/>
-                </a:solidFill>
-                <a:latin typeface="Menlo" panose="020B0609030804020204" pitchFamily="49" charset="0"/>
-                <a:ea typeface="Menlo" panose="020B0609030804020204" pitchFamily="49" charset="0"/>
-                <a:cs typeface="Menlo" panose="020B0609030804020204" pitchFamily="49" charset="0"/>
-              </a:rPr>
-              <a:t>我的電腦當掉了</a:t>
-            </a:r>
-            <a:r>
-              <a:rPr kumimoji="1" lang="en-US" altLang="zh-TW" dirty="0">
-                <a:solidFill>
-                  <a:srgbClr val="FF0000"/>
-                </a:solidFill>
-                <a:latin typeface="Menlo" panose="020B0609030804020204" pitchFamily="49" charset="0"/>
-                <a:ea typeface="Menlo" panose="020B0609030804020204" pitchFamily="49" charset="0"/>
-                <a:cs typeface="Menlo" panose="020B0609030804020204" pitchFamily="49" charset="0"/>
-              </a:rPr>
-              <a:t>?</a:t>
-            </a:r>
-            <a:endParaRPr kumimoji="1" lang="zh-TW" altLang="en-US" dirty="0">
-              <a:solidFill>
-                <a:srgbClr val="FF0000"/>
-              </a:solidFill>
-              <a:latin typeface="Menlo" panose="020B0609030804020204" pitchFamily="49" charset="0"/>
-              <a:cs typeface="Menlo" panose="020B0609030804020204" pitchFamily="49" charset="0"/>
-            </a:endParaRPr>
-          </a:p>
-        </p:txBody>
-      </p:sp>
-    </p:spTree>
-    <p:extLst>
-      <p:ext uri="{BB962C8B-B14F-4D97-AF65-F5344CB8AC3E}">
-        <p14:creationId xmlns:p14="http://schemas.microsoft.com/office/powerpoint/2010/main" val="1590573023"/>
-      </p:ext>
-    </p:extLst>
-  </p:cSld>
-  <p:clrMapOvr>
-    <a:masterClrMapping/>
-  </p:clrMapOvr>
-</p:sld>
-</file>
-
-<file path=ppt/slides/slide2.xml><?xml version="1.0" encoding="utf-8"?>
-<p:sld xmlns:a="http://schemas.openxmlformats.org/drawingml/2006/main" xmlns:r="http://schemas.openxmlformats.org/officeDocument/2006/relationships" xmlns:p="http://schemas.openxmlformats.org/presentationml/2006/main">
-  <p:cSld>
-    <p:spTree>
-      <p:nvGrpSpPr>
-        <p:cNvPr id="1" name=""/>
-        <p:cNvGrpSpPr/>
-        <p:nvPr/>
-      </p:nvGrpSpPr>
-      <p:grpSpPr>
-        <a:xfrm>
-          <a:off x="0" y="0"/>
-          <a:ext cx="0" cy="0"/>
-          <a:chOff x="0" y="0"/>
-          <a:chExt cx="0" cy="0"/>
-        </a:xfrm>
-      </p:grpSpPr>
-      <p:sp>
-        <p:nvSpPr>
-          <p:cNvPr id="2" name="標題 1">
-            <a:extLst>
-              <a:ext uri="{FF2B5EF4-FFF2-40B4-BE49-F238E27FC236}">
-                <a16:creationId xmlns:a16="http://schemas.microsoft.com/office/drawing/2014/main" id="{15CF083F-3988-EC48-B2BB-8020172997A0}"/>
-              </a:ext>
-            </a:extLst>
-          </p:cNvPr>
-          <p:cNvSpPr>
-            <a:spLocks noGrp="1"/>
-          </p:cNvSpPr>
-          <p:nvPr>
-            <p:ph type="title"/>
-          </p:nvPr>
-        </p:nvSpPr>
-        <p:spPr/>
-        <p:txBody>
-          <a:bodyPr/>
-          <a:lstStyle/>
-          <a:p>
-            <a:r>
-              <a:rPr kumimoji="1" lang="en-US" altLang="zh-TW" dirty="0"/>
-              <a:t>Data structure &amp; Algorithm</a:t>
-            </a:r>
-            <a:endParaRPr kumimoji="1" lang="zh-TW" altLang="en-US" dirty="0"/>
-          </a:p>
-        </p:txBody>
-      </p:sp>
-      <p:sp>
-        <p:nvSpPr>
-          <p:cNvPr id="3" name="內容版面配置區 2">
-            <a:extLst>
-              <a:ext uri="{FF2B5EF4-FFF2-40B4-BE49-F238E27FC236}">
-                <a16:creationId xmlns:a16="http://schemas.microsoft.com/office/drawing/2014/main" id="{BE7A79AA-6380-AF43-A962-31BB72735FEE}"/>
-              </a:ext>
-            </a:extLst>
-          </p:cNvPr>
-          <p:cNvSpPr>
-            <a:spLocks noGrp="1"/>
-          </p:cNvSpPr>
-          <p:nvPr>
-            <p:ph idx="1"/>
-          </p:nvPr>
-        </p:nvSpPr>
-        <p:spPr/>
-        <p:txBody>
-          <a:bodyPr>
-            <a:normAutofit/>
-          </a:bodyPr>
-          <a:lstStyle/>
-          <a:p>
-            <a:r>
-              <a:rPr lang="zh-TW" altLang="en-US" sz="2400" dirty="0"/>
-              <a:t>資料結構</a:t>
-            </a:r>
-            <a:r>
-              <a:rPr lang="en-US" altLang="zh-TW" sz="2400" dirty="0"/>
-              <a:t>(</a:t>
-            </a:r>
-            <a:r>
-              <a:rPr lang="en" altLang="zh-TW" sz="2400" dirty="0"/>
-              <a:t>data structure</a:t>
-            </a:r>
-            <a:r>
-              <a:rPr lang="en-US" altLang="zh-TW" sz="2400" dirty="0"/>
-              <a:t>):</a:t>
-            </a:r>
-            <a:r>
-              <a:rPr lang="zh-TW" altLang="en-US" sz="2400" dirty="0"/>
-              <a:t> 電腦中儲存、組織資料的方式</a:t>
-            </a:r>
-            <a:endParaRPr lang="en-US" altLang="zh-TW" sz="2400" dirty="0"/>
-          </a:p>
-          <a:p>
-            <a:r>
-              <a:rPr kumimoji="1" lang="zh-TW" altLang="en-US" sz="2400" dirty="0"/>
-              <a:t>演算法</a:t>
-            </a:r>
-            <a:r>
-              <a:rPr kumimoji="1" lang="en-US" altLang="zh-TW" sz="2400" dirty="0"/>
-              <a:t>(algorithm): </a:t>
-            </a:r>
-            <a:r>
-              <a:rPr kumimoji="1" lang="zh-TW" altLang="en-US" sz="2400" dirty="0"/>
-              <a:t>為完成任務而下達的一組指示</a:t>
-            </a:r>
-            <a:endParaRPr kumimoji="1" lang="en-US" altLang="zh-TW" sz="2400" dirty="0"/>
-          </a:p>
-          <a:p>
-            <a:endParaRPr kumimoji="1" lang="en-US" altLang="zh-TW" sz="2400" dirty="0"/>
-          </a:p>
-          <a:p>
-            <a:r>
-              <a:rPr kumimoji="1" lang="zh-TW" altLang="en-US" sz="2400" dirty="0"/>
-              <a:t>程式 </a:t>
-            </a:r>
-            <a:r>
-              <a:rPr kumimoji="1" lang="en-US" altLang="zh-TW" sz="2400" dirty="0"/>
-              <a:t>= </a:t>
-            </a:r>
-            <a:r>
-              <a:rPr lang="zh-TW" altLang="en-US" sz="2400" dirty="0"/>
-              <a:t>資料結構 </a:t>
-            </a:r>
-            <a:r>
-              <a:rPr lang="en-US" altLang="zh-TW" sz="2400" dirty="0"/>
-              <a:t>+</a:t>
-            </a:r>
-            <a:r>
-              <a:rPr kumimoji="1" lang="zh-TW" altLang="en-US" sz="2400" dirty="0"/>
-              <a:t>演算法</a:t>
-            </a:r>
-          </a:p>
-        </p:txBody>
-      </p:sp>
-    </p:spTree>
-    <p:extLst>
-      <p:ext uri="{BB962C8B-B14F-4D97-AF65-F5344CB8AC3E}">
-        <p14:creationId xmlns:p14="http://schemas.microsoft.com/office/powerpoint/2010/main" val="1691678760"/>
-      </p:ext>
-    </p:extLst>
-  </p:cSld>
-  <p:clrMapOvr>
-    <a:masterClrMapping/>
-  </p:clrMapOvr>
-</p:sld>
-</file>
-
-<file path=ppt/slides/slide3.xml><?xml version="1.0" encoding="utf-8"?>
-<p:sld xmlns:a="http://schemas.openxmlformats.org/drawingml/2006/main" xmlns:r="http://schemas.openxmlformats.org/officeDocument/2006/relationships" xmlns:p="http://schemas.openxmlformats.org/presentationml/2006/main">
-  <p:cSld>
-    <p:spTree>
-      <p:nvGrpSpPr>
-        <p:cNvPr id="1" name=""/>
-        <p:cNvGrpSpPr/>
-        <p:nvPr/>
-      </p:nvGrpSpPr>
-      <p:grpSpPr>
-        <a:xfrm>
-          <a:off x="0" y="0"/>
-          <a:ext cx="0" cy="0"/>
-          <a:chOff x="0" y="0"/>
-          <a:chExt cx="0" cy="0"/>
-        </a:xfrm>
-      </p:grpSpPr>
-      <p:sp>
-        <p:nvSpPr>
-          <p:cNvPr id="2" name="標題 1">
-            <a:extLst>
-              <a:ext uri="{FF2B5EF4-FFF2-40B4-BE49-F238E27FC236}">
-                <a16:creationId xmlns:a16="http://schemas.microsoft.com/office/drawing/2014/main" id="{2F50D663-0E83-E84C-926D-B584783E4759}"/>
-              </a:ext>
-            </a:extLst>
-          </p:cNvPr>
-          <p:cNvSpPr>
-            <a:spLocks noGrp="1"/>
-          </p:cNvSpPr>
-          <p:nvPr>
-            <p:ph type="title"/>
-          </p:nvPr>
-        </p:nvSpPr>
-        <p:spPr/>
-        <p:txBody>
-          <a:bodyPr/>
-          <a:lstStyle/>
-          <a:p>
-            <a:r>
-              <a:rPr kumimoji="1" lang="zh-TW" altLang="en-US" dirty="0"/>
-              <a:t>什麼是效能</a:t>
-            </a:r>
-            <a:r>
-              <a:rPr kumimoji="1" lang="en-US" altLang="zh-TW" dirty="0"/>
-              <a:t>(performance)?</a:t>
-            </a:r>
-            <a:endParaRPr kumimoji="1" lang="zh-TW" altLang="en-US" dirty="0"/>
-          </a:p>
-        </p:txBody>
-      </p:sp>
-      <p:sp>
-        <p:nvSpPr>
-          <p:cNvPr id="3" name="內容版面配置區 2">
-            <a:extLst>
-              <a:ext uri="{FF2B5EF4-FFF2-40B4-BE49-F238E27FC236}">
-                <a16:creationId xmlns:a16="http://schemas.microsoft.com/office/drawing/2014/main" id="{0B086387-F78C-4148-9848-4D58E7CF179D}"/>
-              </a:ext>
-            </a:extLst>
-          </p:cNvPr>
-          <p:cNvSpPr>
-            <a:spLocks noGrp="1"/>
-          </p:cNvSpPr>
-          <p:nvPr>
-            <p:ph idx="1"/>
-          </p:nvPr>
-        </p:nvSpPr>
-        <p:spPr/>
-        <p:txBody>
-          <a:bodyPr>
-            <a:normAutofit/>
-          </a:bodyPr>
-          <a:lstStyle/>
-          <a:p>
-            <a:r>
-              <a:rPr kumimoji="1" lang="zh-TW" altLang="en-US" sz="2400" dirty="0"/>
-              <a:t>演算法評估</a:t>
-            </a:r>
-            <a:r>
-              <a:rPr kumimoji="1" lang="en-US" altLang="zh-TW" sz="2400" dirty="0"/>
-              <a:t>(performance analysis)</a:t>
-            </a:r>
-          </a:p>
-          <a:p>
-            <a:pPr lvl="1"/>
-            <a:r>
-              <a:rPr kumimoji="1" lang="zh-TW" altLang="en-US" sz="2000" dirty="0"/>
-              <a:t>時間複雜度</a:t>
-            </a:r>
-            <a:r>
-              <a:rPr kumimoji="1" lang="en-US" altLang="zh-TW" sz="2000" dirty="0"/>
-              <a:t>(time complexity)</a:t>
-            </a:r>
-          </a:p>
-          <a:p>
-            <a:pPr lvl="1"/>
-            <a:r>
-              <a:rPr kumimoji="1" lang="zh-TW" altLang="en-US" sz="2000" dirty="0"/>
-              <a:t>空間複雜度</a:t>
-            </a:r>
-            <a:r>
-              <a:rPr kumimoji="1" lang="en-US" altLang="zh-TW" sz="2000" dirty="0"/>
-              <a:t>(space complexity)</a:t>
-            </a:r>
-            <a:endParaRPr kumimoji="1" lang="zh-TW" altLang="en-US" sz="2000" dirty="0"/>
-          </a:p>
-        </p:txBody>
-      </p:sp>
-    </p:spTree>
-    <p:extLst>
-      <p:ext uri="{BB962C8B-B14F-4D97-AF65-F5344CB8AC3E}">
-        <p14:creationId xmlns:p14="http://schemas.microsoft.com/office/powerpoint/2010/main" val="3761996790"/>
-      </p:ext>
-    </p:extLst>
-  </p:cSld>
-  <p:clrMapOvr>
-    <a:masterClrMapping/>
-  </p:clrMapOvr>
-</p:sld>
-</file>
-
-<file path=ppt/slides/slide4.xml><?xml version="1.0" encoding="utf-8"?>
-<p:sld xmlns:a="http://schemas.openxmlformats.org/drawingml/2006/main" xmlns:r="http://schemas.openxmlformats.org/officeDocument/2006/relationships" xmlns:p="http://schemas.openxmlformats.org/presentationml/2006/main">
-  <p:cSld>
-    <p:spTree>
-      <p:nvGrpSpPr>
-        <p:cNvPr id="1" name=""/>
-        <p:cNvGrpSpPr/>
-        <p:nvPr/>
-      </p:nvGrpSpPr>
-      <p:grpSpPr>
-        <a:xfrm>
-          <a:off x="0" y="0"/>
-          <a:ext cx="0" cy="0"/>
-          <a:chOff x="0" y="0"/>
-          <a:chExt cx="0" cy="0"/>
-        </a:xfrm>
-      </p:grpSpPr>
-      <p:sp>
-        <p:nvSpPr>
-          <p:cNvPr id="2" name="標題 1">
-            <a:extLst>
-              <a:ext uri="{FF2B5EF4-FFF2-40B4-BE49-F238E27FC236}">
-                <a16:creationId xmlns:a16="http://schemas.microsoft.com/office/drawing/2014/main" id="{F3D90B03-F381-8A41-BE9F-B670B21CCF26}"/>
-              </a:ext>
-            </a:extLst>
-          </p:cNvPr>
-          <p:cNvSpPr>
-            <a:spLocks noGrp="1"/>
-          </p:cNvSpPr>
-          <p:nvPr>
-            <p:ph type="title"/>
-          </p:nvPr>
-        </p:nvSpPr>
-        <p:spPr/>
-        <p:txBody>
-          <a:bodyPr/>
-          <a:lstStyle/>
-          <a:p>
-            <a:r>
-              <a:rPr kumimoji="1" lang="zh-TW" altLang="en-US" dirty="0"/>
-              <a:t>舉個例子</a:t>
-            </a:r>
-            <a:r>
-              <a:rPr kumimoji="1" lang="en-US" altLang="zh-TW" dirty="0"/>
-              <a:t>:</a:t>
-            </a:r>
-            <a:r>
-              <a:rPr kumimoji="1" lang="zh-TW" altLang="en-US" dirty="0"/>
-              <a:t> 搜尋</a:t>
-            </a:r>
-          </a:p>
-        </p:txBody>
-      </p:sp>
-      <p:sp>
-        <p:nvSpPr>
-          <p:cNvPr id="3" name="內容版面配置區 2">
-            <a:extLst>
-              <a:ext uri="{FF2B5EF4-FFF2-40B4-BE49-F238E27FC236}">
-                <a16:creationId xmlns:a16="http://schemas.microsoft.com/office/drawing/2014/main" id="{2C121A92-5229-E44A-A204-56FD73277E7D}"/>
-              </a:ext>
-            </a:extLst>
-          </p:cNvPr>
-          <p:cNvSpPr>
-            <a:spLocks noGrp="1"/>
-          </p:cNvSpPr>
-          <p:nvPr>
-            <p:ph idx="1"/>
-          </p:nvPr>
-        </p:nvSpPr>
-        <p:spPr/>
-        <p:txBody>
-          <a:bodyPr>
-            <a:normAutofit/>
-          </a:bodyPr>
-          <a:lstStyle/>
-          <a:p>
-            <a:r>
-              <a:rPr kumimoji="1" lang="zh-TW" altLang="en-US" sz="2400" dirty="0"/>
-              <a:t>在手機裡</a:t>
-            </a:r>
-            <a:r>
-              <a:rPr kumimoji="1" lang="en-US" altLang="zh-TW" sz="2400" dirty="0"/>
-              <a:t>,</a:t>
-            </a:r>
-            <a:r>
-              <a:rPr kumimoji="1" lang="zh-TW" altLang="en-US" sz="2400" dirty="0"/>
-              <a:t> 搜尋朋友的電話號碼</a:t>
-            </a:r>
-            <a:endParaRPr kumimoji="1" lang="en-US" altLang="zh-TW" sz="2400" dirty="0"/>
-          </a:p>
-          <a:p>
-            <a:r>
-              <a:rPr kumimoji="1" lang="zh-TW" altLang="en-US" sz="2400" dirty="0"/>
-              <a:t>在臉書</a:t>
-            </a:r>
-            <a:r>
-              <a:rPr kumimoji="1" lang="en-US" altLang="zh-TW" sz="2400" dirty="0"/>
-              <a:t>(20+</a:t>
-            </a:r>
-            <a:r>
-              <a:rPr kumimoji="1" lang="zh-TW" altLang="en-US" sz="2400" dirty="0"/>
-              <a:t>億用戶</a:t>
-            </a:r>
-            <a:r>
-              <a:rPr kumimoji="1" lang="en-US" altLang="zh-TW" sz="2400" dirty="0"/>
-              <a:t>)</a:t>
-            </a:r>
-            <a:r>
-              <a:rPr kumimoji="1" lang="zh-TW" altLang="en-US" sz="2400" dirty="0"/>
-              <a:t>上搜尋某個人名</a:t>
-            </a:r>
-            <a:endParaRPr kumimoji="1" lang="en-US" altLang="zh-TW" sz="2400" dirty="0"/>
-          </a:p>
-        </p:txBody>
-      </p:sp>
-    </p:spTree>
-    <p:extLst>
-      <p:ext uri="{BB962C8B-B14F-4D97-AF65-F5344CB8AC3E}">
-        <p14:creationId xmlns:p14="http://schemas.microsoft.com/office/powerpoint/2010/main" val="2174169679"/>
-      </p:ext>
-    </p:extLst>
-  </p:cSld>
-  <p:clrMapOvr>
-    <a:masterClrMapping/>
-  </p:clrMapOvr>
-</p:sld>
-</file>
-
-<file path=ppt/slides/slide5.xml><?xml version="1.0" encoding="utf-8"?>
-<p:sld xmlns:a="http://schemas.openxmlformats.org/drawingml/2006/main" xmlns:r="http://schemas.openxmlformats.org/officeDocument/2006/relationships" xmlns:p="http://schemas.openxmlformats.org/presentationml/2006/main">
-  <p:cSld>
-    <p:spTree>
-      <p:nvGrpSpPr>
-        <p:cNvPr id="1" name=""/>
-        <p:cNvGrpSpPr/>
-        <p:nvPr/>
-      </p:nvGrpSpPr>
-      <p:grpSpPr>
-        <a:xfrm>
-          <a:off x="0" y="0"/>
-          <a:ext cx="0" cy="0"/>
-          <a:chOff x="0" y="0"/>
-          <a:chExt cx="0" cy="0"/>
-        </a:xfrm>
-      </p:grpSpPr>
-      <p:sp>
-        <p:nvSpPr>
-          <p:cNvPr id="2" name="標題 1">
-            <a:extLst>
-              <a:ext uri="{FF2B5EF4-FFF2-40B4-BE49-F238E27FC236}">
-                <a16:creationId xmlns:a16="http://schemas.microsoft.com/office/drawing/2014/main" id="{20222027-6953-F34F-B414-0AFEE556573D}"/>
-              </a:ext>
-            </a:extLst>
-          </p:cNvPr>
-          <p:cNvSpPr>
-            <a:spLocks noGrp="1"/>
-          </p:cNvSpPr>
-          <p:nvPr>
-            <p:ph type="title"/>
-          </p:nvPr>
-        </p:nvSpPr>
-        <p:spPr/>
-        <p:txBody>
-          <a:bodyPr/>
-          <a:lstStyle/>
-          <a:p>
-            <a:r>
-              <a:rPr kumimoji="1" lang="zh-TW" altLang="en-US" dirty="0"/>
-              <a:t>猜數字 </a:t>
-            </a:r>
-            <a:r>
-              <a:rPr kumimoji="1" lang="en-US" altLang="zh-TW" dirty="0"/>
-              <a:t>(Linear Search)</a:t>
-            </a:r>
-            <a:endParaRPr kumimoji="1" lang="zh-TW" altLang="en-US" dirty="0"/>
-          </a:p>
-        </p:txBody>
-      </p:sp>
-      <p:sp>
-        <p:nvSpPr>
-          <p:cNvPr id="3" name="內容版面配置區 2">
-            <a:extLst>
-              <a:ext uri="{FF2B5EF4-FFF2-40B4-BE49-F238E27FC236}">
-                <a16:creationId xmlns:a16="http://schemas.microsoft.com/office/drawing/2014/main" id="{E65A9056-5C71-3047-9726-B93C5DF18CCB}"/>
-              </a:ext>
-            </a:extLst>
-          </p:cNvPr>
-          <p:cNvSpPr>
-            <a:spLocks noGrp="1"/>
-          </p:cNvSpPr>
-          <p:nvPr>
-            <p:ph idx="1"/>
-          </p:nvPr>
-        </p:nvSpPr>
-        <p:spPr>
-          <a:xfrm>
-            <a:off x="677334" y="1534511"/>
-            <a:ext cx="8596668" cy="4506852"/>
-          </a:xfrm>
-        </p:spPr>
-        <p:txBody>
-          <a:bodyPr>
-            <a:normAutofit/>
-          </a:bodyPr>
-          <a:lstStyle/>
-          <a:p>
-            <a:r>
-              <a:rPr kumimoji="1" lang="en-US" altLang="zh-TW" sz="2400" dirty="0"/>
-              <a:t>1~100,</a:t>
-            </a:r>
-            <a:r>
-              <a:rPr kumimoji="1" lang="zh-TW" altLang="en-US" sz="2400" dirty="0"/>
-              <a:t> 我心裡想的是哪一個數字</a:t>
-            </a:r>
-            <a:r>
-              <a:rPr kumimoji="1" lang="en-US" altLang="zh-TW" sz="2400" dirty="0"/>
-              <a:t>?</a:t>
-            </a:r>
-          </a:p>
-          <a:p>
-            <a:r>
-              <a:rPr kumimoji="1" lang="en-US" altLang="zh-TW" sz="2400" dirty="0"/>
-              <a:t>(</a:t>
-            </a:r>
-            <a:r>
-              <a:rPr kumimoji="1" lang="zh-TW" altLang="en-US" sz="2400" dirty="0"/>
-              <a:t>提示</a:t>
-            </a:r>
-            <a:r>
-              <a:rPr kumimoji="1" lang="en-US" altLang="zh-TW" sz="2400" dirty="0"/>
-              <a:t>:</a:t>
-            </a:r>
-            <a:r>
-              <a:rPr kumimoji="1" lang="zh-TW" altLang="en-US" sz="2400" dirty="0"/>
-              <a:t> 太高、太低或正確</a:t>
-            </a:r>
-            <a:r>
-              <a:rPr kumimoji="1" lang="en-US" altLang="zh-TW" sz="2400" dirty="0"/>
-              <a:t>)</a:t>
-            </a:r>
-            <a:endParaRPr kumimoji="1" lang="zh-TW" altLang="en-US" sz="2400" dirty="0"/>
-          </a:p>
-        </p:txBody>
-      </p:sp>
-      <p:graphicFrame>
-        <p:nvGraphicFramePr>
-          <p:cNvPr id="4" name="表格 3">
-            <a:extLst>
-              <a:ext uri="{FF2B5EF4-FFF2-40B4-BE49-F238E27FC236}">
-                <a16:creationId xmlns:a16="http://schemas.microsoft.com/office/drawing/2014/main" id="{A21013F5-F966-6C4C-BE46-DC9590890B20}"/>
-              </a:ext>
-            </a:extLst>
-          </p:cNvPr>
-          <p:cNvGraphicFramePr>
-            <a:graphicFrameLocks noGrp="1"/>
-          </p:cNvGraphicFramePr>
-          <p:nvPr>
-            <p:extLst>
-              <p:ext uri="{D42A27DB-BD31-4B8C-83A1-F6EECF244321}">
-                <p14:modId xmlns:p14="http://schemas.microsoft.com/office/powerpoint/2010/main" val="4001582964"/>
-              </p:ext>
-            </p:extLst>
-          </p:nvPr>
-        </p:nvGraphicFramePr>
-        <p:xfrm>
-          <a:off x="1072429" y="3429000"/>
-          <a:ext cx="8128000" cy="370840"/>
-        </p:xfrm>
-        <a:graphic>
-          <a:graphicData uri="http://schemas.openxmlformats.org/drawingml/2006/table">
-            <a:tbl>
-              <a:tblPr>
-                <a:tableStyleId>{5C22544A-7EE6-4342-B048-85BDC9FD1C3A}</a:tableStyleId>
-              </a:tblPr>
-              <a:tblGrid>
-                <a:gridCol w="812800">
-                  <a:extLst>
-                    <a:ext uri="{9D8B030D-6E8A-4147-A177-3AD203B41FA5}">
-                      <a16:colId xmlns:a16="http://schemas.microsoft.com/office/drawing/2014/main" val="2444827006"/>
-                    </a:ext>
-                  </a:extLst>
-                </a:gridCol>
-                <a:gridCol w="812800">
-                  <a:extLst>
-                    <a:ext uri="{9D8B030D-6E8A-4147-A177-3AD203B41FA5}">
-                      <a16:colId xmlns:a16="http://schemas.microsoft.com/office/drawing/2014/main" val="2642972237"/>
-                    </a:ext>
-                  </a:extLst>
-                </a:gridCol>
-                <a:gridCol w="812800">
-                  <a:extLst>
-                    <a:ext uri="{9D8B030D-6E8A-4147-A177-3AD203B41FA5}">
-                      <a16:colId xmlns:a16="http://schemas.microsoft.com/office/drawing/2014/main" val="347857361"/>
-                    </a:ext>
-                  </a:extLst>
-                </a:gridCol>
-                <a:gridCol w="812800">
-                  <a:extLst>
-                    <a:ext uri="{9D8B030D-6E8A-4147-A177-3AD203B41FA5}">
-                      <a16:colId xmlns:a16="http://schemas.microsoft.com/office/drawing/2014/main" val="2317528319"/>
-                    </a:ext>
-                  </a:extLst>
-                </a:gridCol>
-                <a:gridCol w="812800">
-                  <a:extLst>
-                    <a:ext uri="{9D8B030D-6E8A-4147-A177-3AD203B41FA5}">
-                      <a16:colId xmlns:a16="http://schemas.microsoft.com/office/drawing/2014/main" val="3134997849"/>
-                    </a:ext>
-                  </a:extLst>
-                </a:gridCol>
-                <a:gridCol w="812800">
-                  <a:extLst>
-                    <a:ext uri="{9D8B030D-6E8A-4147-A177-3AD203B41FA5}">
-                      <a16:colId xmlns:a16="http://schemas.microsoft.com/office/drawing/2014/main" val="2005934046"/>
-                    </a:ext>
-                  </a:extLst>
-                </a:gridCol>
-                <a:gridCol w="812800">
-                  <a:extLst>
-                    <a:ext uri="{9D8B030D-6E8A-4147-A177-3AD203B41FA5}">
-                      <a16:colId xmlns:a16="http://schemas.microsoft.com/office/drawing/2014/main" val="2466201454"/>
-                    </a:ext>
-                  </a:extLst>
-                </a:gridCol>
-                <a:gridCol w="812800">
-                  <a:extLst>
-                    <a:ext uri="{9D8B030D-6E8A-4147-A177-3AD203B41FA5}">
-                      <a16:colId xmlns:a16="http://schemas.microsoft.com/office/drawing/2014/main" val="2637974380"/>
-                    </a:ext>
-                  </a:extLst>
-                </a:gridCol>
-                <a:gridCol w="812800">
-                  <a:extLst>
-                    <a:ext uri="{9D8B030D-6E8A-4147-A177-3AD203B41FA5}">
-                      <a16:colId xmlns:a16="http://schemas.microsoft.com/office/drawing/2014/main" val="1065718783"/>
-                    </a:ext>
-                  </a:extLst>
-                </a:gridCol>
-                <a:gridCol w="812800">
-                  <a:extLst>
-                    <a:ext uri="{9D8B030D-6E8A-4147-A177-3AD203B41FA5}">
-                      <a16:colId xmlns:a16="http://schemas.microsoft.com/office/drawing/2014/main" val="1928985985"/>
-                    </a:ext>
-                  </a:extLst>
-                </a:gridCol>
-              </a:tblGrid>
-              <a:tr h="370840">
-                <a:tc>
-                  <a:txBody>
-                    <a:bodyPr/>
-                    <a:lstStyle/>
-                    <a:p>
-                      <a:pPr algn="ctr"/>
-                      <a:r>
-                        <a:rPr lang="en-US" altLang="zh-TW" dirty="0">
-                          <a:latin typeface="Menlo" panose="020B0609030804020204" pitchFamily="49" charset="0"/>
-                          <a:ea typeface="Menlo" panose="020B0609030804020204" pitchFamily="49" charset="0"/>
-                          <a:cs typeface="Menlo" panose="020B0609030804020204" pitchFamily="49" charset="0"/>
-                        </a:rPr>
-                        <a:t>1</a:t>
-                      </a:r>
-                      <a:endParaRPr lang="zh-TW" altLang="en-US" dirty="0">
-                        <a:latin typeface="Menlo" panose="020B0609030804020204" pitchFamily="49" charset="0"/>
-                        <a:cs typeface="Menlo" panose="020B0609030804020204" pitchFamily="49" charset="0"/>
-                      </a:endParaRPr>
-                    </a:p>
-                  </a:txBody>
-                  <a:tcPr/>
-                </a:tc>
-                <a:tc>
-                  <a:txBody>
-                    <a:bodyPr/>
-                    <a:lstStyle/>
-                    <a:p>
-                      <a:pPr algn="ctr"/>
-                      <a:r>
-                        <a:rPr lang="en-US" altLang="zh-TW" dirty="0">
-                          <a:latin typeface="Menlo" panose="020B0609030804020204" pitchFamily="49" charset="0"/>
-                          <a:ea typeface="Menlo" panose="020B0609030804020204" pitchFamily="49" charset="0"/>
-                          <a:cs typeface="Menlo" panose="020B0609030804020204" pitchFamily="49" charset="0"/>
-                        </a:rPr>
-                        <a:t>2</a:t>
-                      </a:r>
-                      <a:endParaRPr lang="zh-TW" altLang="en-US" dirty="0">
-                        <a:latin typeface="Menlo" panose="020B0609030804020204" pitchFamily="49" charset="0"/>
-                        <a:cs typeface="Menlo" panose="020B0609030804020204" pitchFamily="49" charset="0"/>
-                      </a:endParaRPr>
-                    </a:p>
-                  </a:txBody>
-                  <a:tcPr/>
-                </a:tc>
-                <a:tc>
-                  <a:txBody>
-                    <a:bodyPr/>
-                    <a:lstStyle/>
-                    <a:p>
-                      <a:pPr algn="ctr"/>
-                      <a:r>
-                        <a:rPr lang="en-US" altLang="zh-TW" dirty="0">
-                          <a:latin typeface="Menlo" panose="020B0609030804020204" pitchFamily="49" charset="0"/>
-                          <a:ea typeface="Menlo" panose="020B0609030804020204" pitchFamily="49" charset="0"/>
-                          <a:cs typeface="Menlo" panose="020B0609030804020204" pitchFamily="49" charset="0"/>
-                        </a:rPr>
-                        <a:t>3</a:t>
-                      </a:r>
-                      <a:endParaRPr lang="zh-TW" altLang="en-US" dirty="0">
-                        <a:latin typeface="Menlo" panose="020B0609030804020204" pitchFamily="49" charset="0"/>
-                        <a:cs typeface="Menlo" panose="020B0609030804020204" pitchFamily="49" charset="0"/>
-                      </a:endParaRPr>
-                    </a:p>
-                  </a:txBody>
-                  <a:tcPr/>
-                </a:tc>
-                <a:tc>
-                  <a:txBody>
-                    <a:bodyPr/>
-                    <a:lstStyle/>
-                    <a:p>
-                      <a:pPr algn="ctr"/>
-                      <a:r>
-                        <a:rPr lang="en-US" altLang="zh-TW" dirty="0">
-                          <a:latin typeface="Menlo" panose="020B0609030804020204" pitchFamily="49" charset="0"/>
-                          <a:ea typeface="Menlo" panose="020B0609030804020204" pitchFamily="49" charset="0"/>
-                          <a:cs typeface="Menlo" panose="020B0609030804020204" pitchFamily="49" charset="0"/>
-                        </a:rPr>
-                        <a:t>4</a:t>
-                      </a:r>
-                      <a:endParaRPr lang="zh-TW" altLang="en-US" dirty="0">
-                        <a:latin typeface="Menlo" panose="020B0609030804020204" pitchFamily="49" charset="0"/>
-                        <a:cs typeface="Menlo" panose="020B0609030804020204" pitchFamily="49" charset="0"/>
-                      </a:endParaRPr>
-                    </a:p>
-                  </a:txBody>
-                  <a:tcPr/>
-                </a:tc>
-                <a:tc>
-                  <a:txBody>
-                    <a:bodyPr/>
-                    <a:lstStyle/>
-                    <a:p>
-                      <a:pPr algn="ctr"/>
-                      <a:r>
-                        <a:rPr lang="en-US" altLang="zh-TW" dirty="0">
-                          <a:latin typeface="Menlo" panose="020B0609030804020204" pitchFamily="49" charset="0"/>
-                          <a:ea typeface="Menlo" panose="020B0609030804020204" pitchFamily="49" charset="0"/>
-                          <a:cs typeface="Menlo" panose="020B0609030804020204" pitchFamily="49" charset="0"/>
-                        </a:rPr>
-                        <a:t>.</a:t>
-                      </a:r>
-                      <a:r>
-                        <a:rPr lang="zh-TW" altLang="en-US" dirty="0">
-                          <a:latin typeface="Menlo" panose="020B0609030804020204" pitchFamily="49" charset="0"/>
-                          <a:cs typeface="Menlo" panose="020B0609030804020204" pitchFamily="49" charset="0"/>
-                        </a:rPr>
-                        <a:t> </a:t>
-                      </a:r>
-                      <a:r>
-                        <a:rPr lang="en-US" altLang="zh-TW" dirty="0">
-                          <a:latin typeface="Menlo" panose="020B0609030804020204" pitchFamily="49" charset="0"/>
-                          <a:ea typeface="Menlo" panose="020B0609030804020204" pitchFamily="49" charset="0"/>
-                          <a:cs typeface="Menlo" panose="020B0609030804020204" pitchFamily="49" charset="0"/>
-                        </a:rPr>
-                        <a:t>.</a:t>
-                      </a:r>
-                      <a:r>
-                        <a:rPr lang="zh-TW" altLang="en-US" dirty="0">
-                          <a:latin typeface="Menlo" panose="020B0609030804020204" pitchFamily="49" charset="0"/>
-                          <a:cs typeface="Menlo" panose="020B0609030804020204" pitchFamily="49" charset="0"/>
-                        </a:rPr>
-                        <a:t> </a:t>
-                      </a:r>
-                      <a:r>
-                        <a:rPr lang="en-US" altLang="zh-TW" dirty="0">
-                          <a:latin typeface="Menlo" panose="020B0609030804020204" pitchFamily="49" charset="0"/>
-                          <a:ea typeface="Menlo" panose="020B0609030804020204" pitchFamily="49" charset="0"/>
-                          <a:cs typeface="Menlo" panose="020B0609030804020204" pitchFamily="49" charset="0"/>
-                        </a:rPr>
-                        <a:t>.</a:t>
-                      </a:r>
-                      <a:r>
-                        <a:rPr lang="zh-TW" altLang="en-US" dirty="0">
-                          <a:latin typeface="Menlo" panose="020B0609030804020204" pitchFamily="49" charset="0"/>
-                          <a:cs typeface="Menlo" panose="020B0609030804020204" pitchFamily="49" charset="0"/>
-                        </a:rPr>
-                        <a:t> </a:t>
-                      </a:r>
-                    </a:p>
-                  </a:txBody>
-                  <a:tcPr/>
-                </a:tc>
-                <a:tc>
-                  <a:txBody>
-                    <a:bodyPr/>
-                    <a:lstStyle/>
-                    <a:p>
-                      <a:pPr algn="ctr"/>
-                      <a:r>
-                        <a:rPr lang="en-US" altLang="zh-TW" dirty="0">
-                          <a:latin typeface="Menlo" panose="020B0609030804020204" pitchFamily="49" charset="0"/>
-                          <a:ea typeface="Menlo" panose="020B0609030804020204" pitchFamily="49" charset="0"/>
-                          <a:cs typeface="Menlo" panose="020B0609030804020204" pitchFamily="49" charset="0"/>
-                        </a:rPr>
-                        <a:t>.</a:t>
-                      </a:r>
-                      <a:r>
-                        <a:rPr lang="zh-TW" altLang="en-US" dirty="0">
-                          <a:latin typeface="Menlo" panose="020B0609030804020204" pitchFamily="49" charset="0"/>
-                          <a:cs typeface="Menlo" panose="020B0609030804020204" pitchFamily="49" charset="0"/>
-                        </a:rPr>
-                        <a:t> </a:t>
-                      </a:r>
-                      <a:r>
-                        <a:rPr lang="en-US" altLang="zh-TW" dirty="0">
-                          <a:latin typeface="Menlo" panose="020B0609030804020204" pitchFamily="49" charset="0"/>
-                          <a:ea typeface="Menlo" panose="020B0609030804020204" pitchFamily="49" charset="0"/>
-                          <a:cs typeface="Menlo" panose="020B0609030804020204" pitchFamily="49" charset="0"/>
-                        </a:rPr>
-                        <a:t>.</a:t>
-                      </a:r>
-                      <a:r>
-                        <a:rPr lang="zh-TW" altLang="en-US" dirty="0">
-                          <a:latin typeface="Menlo" panose="020B0609030804020204" pitchFamily="49" charset="0"/>
-                          <a:cs typeface="Menlo" panose="020B0609030804020204" pitchFamily="49" charset="0"/>
-                        </a:rPr>
-                        <a:t> </a:t>
-                      </a:r>
-                      <a:r>
-                        <a:rPr lang="en-US" altLang="zh-TW" dirty="0">
-                          <a:latin typeface="Menlo" panose="020B0609030804020204" pitchFamily="49" charset="0"/>
-                          <a:ea typeface="Menlo" panose="020B0609030804020204" pitchFamily="49" charset="0"/>
-                          <a:cs typeface="Menlo" panose="020B0609030804020204" pitchFamily="49" charset="0"/>
-                        </a:rPr>
-                        <a:t>.</a:t>
-                      </a:r>
-                      <a:r>
-                        <a:rPr lang="zh-TW" altLang="en-US" dirty="0">
-                          <a:latin typeface="Menlo" panose="020B0609030804020204" pitchFamily="49" charset="0"/>
-                          <a:cs typeface="Menlo" panose="020B0609030804020204" pitchFamily="49" charset="0"/>
-                        </a:rPr>
-                        <a:t> </a:t>
-                      </a:r>
-                    </a:p>
-                  </a:txBody>
-                  <a:tcPr/>
-                </a:tc>
-                <a:tc>
-                  <a:txBody>
-                    <a:bodyPr/>
-                    <a:lstStyle/>
-                    <a:p>
-                      <a:pPr algn="ctr"/>
-                      <a:r>
-                        <a:rPr lang="en-US" altLang="zh-TW" dirty="0">
-                          <a:latin typeface="Menlo" panose="020B0609030804020204" pitchFamily="49" charset="0"/>
-                          <a:ea typeface="Menlo" panose="020B0609030804020204" pitchFamily="49" charset="0"/>
-                          <a:cs typeface="Menlo" panose="020B0609030804020204" pitchFamily="49" charset="0"/>
-                        </a:rPr>
-                        <a:t>97</a:t>
-                      </a:r>
-                      <a:endParaRPr lang="zh-TW" altLang="en-US" dirty="0">
-                        <a:latin typeface="Menlo" panose="020B0609030804020204" pitchFamily="49" charset="0"/>
-                        <a:cs typeface="Menlo" panose="020B0609030804020204" pitchFamily="49" charset="0"/>
-                      </a:endParaRPr>
-                    </a:p>
-                  </a:txBody>
-                  <a:tcPr/>
-                </a:tc>
-                <a:tc>
-                  <a:txBody>
-                    <a:bodyPr/>
-                    <a:lstStyle/>
-                    <a:p>
-                      <a:pPr algn="ctr"/>
-                      <a:r>
-                        <a:rPr lang="en-US" altLang="zh-TW" dirty="0">
-                          <a:latin typeface="Menlo" panose="020B0609030804020204" pitchFamily="49" charset="0"/>
-                          <a:ea typeface="Menlo" panose="020B0609030804020204" pitchFamily="49" charset="0"/>
-                          <a:cs typeface="Menlo" panose="020B0609030804020204" pitchFamily="49" charset="0"/>
-                        </a:rPr>
-                        <a:t>98</a:t>
-                      </a:r>
-                      <a:endParaRPr lang="zh-TW" altLang="en-US" dirty="0">
-                        <a:latin typeface="Menlo" panose="020B0609030804020204" pitchFamily="49" charset="0"/>
-                        <a:cs typeface="Menlo" panose="020B0609030804020204" pitchFamily="49" charset="0"/>
-                      </a:endParaRPr>
-                    </a:p>
-                  </a:txBody>
-                  <a:tcPr/>
-                </a:tc>
-                <a:tc>
-                  <a:txBody>
-                    <a:bodyPr/>
-                    <a:lstStyle/>
-                    <a:p>
-                      <a:pPr algn="ctr"/>
-                      <a:r>
-                        <a:rPr lang="en-US" altLang="zh-TW" dirty="0">
-                          <a:latin typeface="Menlo" panose="020B0609030804020204" pitchFamily="49" charset="0"/>
-                          <a:ea typeface="Menlo" panose="020B0609030804020204" pitchFamily="49" charset="0"/>
-                          <a:cs typeface="Menlo" panose="020B0609030804020204" pitchFamily="49" charset="0"/>
-                        </a:rPr>
-                        <a:t>99</a:t>
-                      </a:r>
-                      <a:endParaRPr lang="zh-TW" altLang="en-US" dirty="0">
-                        <a:latin typeface="Menlo" panose="020B0609030804020204" pitchFamily="49" charset="0"/>
-                        <a:cs typeface="Menlo" panose="020B0609030804020204" pitchFamily="49" charset="0"/>
-                      </a:endParaRPr>
-                    </a:p>
-                  </a:txBody>
-                  <a:tcPr/>
-                </a:tc>
-                <a:tc>
-                  <a:txBody>
-                    <a:bodyPr/>
-                    <a:lstStyle/>
-                    <a:p>
-                      <a:pPr algn="ctr"/>
-                      <a:r>
-                        <a:rPr lang="en-US" altLang="zh-TW" dirty="0">
-                          <a:latin typeface="Menlo" panose="020B0609030804020204" pitchFamily="49" charset="0"/>
-                          <a:ea typeface="Menlo" panose="020B0609030804020204" pitchFamily="49" charset="0"/>
-                          <a:cs typeface="Menlo" panose="020B0609030804020204" pitchFamily="49" charset="0"/>
-                        </a:rPr>
-                        <a:t>100</a:t>
-                      </a:r>
-                      <a:endParaRPr lang="zh-TW" altLang="en-US" dirty="0">
-                        <a:latin typeface="Menlo" panose="020B0609030804020204" pitchFamily="49" charset="0"/>
-                        <a:cs typeface="Menlo" panose="020B0609030804020204" pitchFamily="49" charset="0"/>
-                      </a:endParaRPr>
-                    </a:p>
-                  </a:txBody>
-                  <a:tcPr/>
-                </a:tc>
-                <a:extLst>
-                  <a:ext uri="{0D108BD9-81ED-4DB2-BD59-A6C34878D82A}">
-                    <a16:rowId xmlns:a16="http://schemas.microsoft.com/office/drawing/2014/main" val="2284863870"/>
-                  </a:ext>
-                </a:extLst>
-              </a:tr>
-            </a:tbl>
-          </a:graphicData>
-        </a:graphic>
-      </p:graphicFrame>
-    </p:spTree>
-    <p:extLst>
-      <p:ext uri="{BB962C8B-B14F-4D97-AF65-F5344CB8AC3E}">
-        <p14:creationId xmlns:p14="http://schemas.microsoft.com/office/powerpoint/2010/main" val="441273958"/>
-      </p:ext>
-    </p:extLst>
-  </p:cSld>
-  <p:clrMapOvr>
-    <a:masterClrMapping/>
-  </p:clrMapOvr>
-</p:sld>
-</file>
-
-<file path=ppt/slides/slide6.xml><?xml version="1.0" encoding="utf-8"?>
-<p:sld xmlns:a="http://schemas.openxmlformats.org/drawingml/2006/main" xmlns:r="http://schemas.openxmlformats.org/officeDocument/2006/relationships" xmlns:p="http://schemas.openxmlformats.org/presentationml/2006/main">
-  <p:cSld>
-    <p:spTree>
-      <p:nvGrpSpPr>
-        <p:cNvPr id="1" name=""/>
-        <p:cNvGrpSpPr/>
-        <p:nvPr/>
-      </p:nvGrpSpPr>
-      <p:grpSpPr>
-        <a:xfrm>
-          <a:off x="0" y="0"/>
-          <a:ext cx="0" cy="0"/>
-          <a:chOff x="0" y="0"/>
-          <a:chExt cx="0" cy="0"/>
-        </a:xfrm>
-      </p:grpSpPr>
-      <p:sp>
-        <p:nvSpPr>
-          <p:cNvPr id="2" name="標題 1">
-            <a:extLst>
-              <a:ext uri="{FF2B5EF4-FFF2-40B4-BE49-F238E27FC236}">
-                <a16:creationId xmlns:a16="http://schemas.microsoft.com/office/drawing/2014/main" id="{20222027-6953-F34F-B414-0AFEE556573D}"/>
-              </a:ext>
-            </a:extLst>
-          </p:cNvPr>
-          <p:cNvSpPr>
-            <a:spLocks noGrp="1"/>
-          </p:cNvSpPr>
-          <p:nvPr>
-            <p:ph type="title"/>
-          </p:nvPr>
-        </p:nvSpPr>
-        <p:spPr/>
-        <p:txBody>
-          <a:bodyPr/>
-          <a:lstStyle/>
-          <a:p>
-            <a:r>
-              <a:rPr kumimoji="1" lang="zh-TW" altLang="en-US" dirty="0"/>
-              <a:t>猜數字</a:t>
-            </a:r>
-            <a:r>
-              <a:rPr kumimoji="1" lang="en-US" altLang="zh-TW" dirty="0"/>
-              <a:t> (Binary Search)</a:t>
-            </a:r>
-            <a:endParaRPr kumimoji="1" lang="zh-TW" altLang="en-US" dirty="0"/>
-          </a:p>
-        </p:txBody>
-      </p:sp>
-      <p:sp>
-        <p:nvSpPr>
-          <p:cNvPr id="3" name="內容版面配置區 2">
-            <a:extLst>
-              <a:ext uri="{FF2B5EF4-FFF2-40B4-BE49-F238E27FC236}">
-                <a16:creationId xmlns:a16="http://schemas.microsoft.com/office/drawing/2014/main" id="{E65A9056-5C71-3047-9726-B93C5DF18CCB}"/>
-              </a:ext>
-            </a:extLst>
-          </p:cNvPr>
-          <p:cNvSpPr>
-            <a:spLocks noGrp="1"/>
-          </p:cNvSpPr>
-          <p:nvPr>
-            <p:ph idx="1"/>
-          </p:nvPr>
-        </p:nvSpPr>
-        <p:spPr>
-          <a:xfrm>
-            <a:off x="677334" y="1534511"/>
-            <a:ext cx="8596668" cy="4506852"/>
-          </a:xfrm>
-        </p:spPr>
-        <p:txBody>
-          <a:bodyPr>
-            <a:normAutofit/>
-          </a:bodyPr>
-          <a:lstStyle/>
-          <a:p>
-            <a:r>
-              <a:rPr kumimoji="1" lang="en-US" altLang="zh-TW" sz="2400" dirty="0"/>
-              <a:t>1~100,</a:t>
-            </a:r>
-            <a:r>
-              <a:rPr kumimoji="1" lang="zh-TW" altLang="en-US" sz="2400" dirty="0"/>
-              <a:t> 我心裡想的是哪一個數字</a:t>
-            </a:r>
-            <a:r>
-              <a:rPr kumimoji="1" lang="en-US" altLang="zh-TW" sz="2400" dirty="0"/>
-              <a:t>?</a:t>
-            </a:r>
-          </a:p>
-          <a:p>
-            <a:r>
-              <a:rPr kumimoji="1" lang="en-US" altLang="zh-TW" sz="2400" dirty="0"/>
-              <a:t>(</a:t>
-            </a:r>
-            <a:r>
-              <a:rPr kumimoji="1" lang="zh-TW" altLang="en-US" sz="2400" dirty="0"/>
-              <a:t>提示</a:t>
-            </a:r>
-            <a:r>
-              <a:rPr kumimoji="1" lang="en-US" altLang="zh-TW" sz="2400" dirty="0"/>
-              <a:t>:</a:t>
-            </a:r>
-            <a:r>
-              <a:rPr kumimoji="1" lang="zh-TW" altLang="en-US" sz="2400" dirty="0"/>
-              <a:t> 太高、太低或正確</a:t>
-            </a:r>
-            <a:r>
-              <a:rPr kumimoji="1" lang="en-US" altLang="zh-TW" sz="2400" dirty="0"/>
-              <a:t>)</a:t>
-            </a:r>
-            <a:endParaRPr kumimoji="1" lang="zh-TW" altLang="en-US" sz="2400" dirty="0"/>
-          </a:p>
-        </p:txBody>
-      </p:sp>
-      <p:graphicFrame>
-        <p:nvGraphicFramePr>
-          <p:cNvPr id="4" name="表格 3">
-            <a:extLst>
-              <a:ext uri="{FF2B5EF4-FFF2-40B4-BE49-F238E27FC236}">
-                <a16:creationId xmlns:a16="http://schemas.microsoft.com/office/drawing/2014/main" id="{A21013F5-F966-6C4C-BE46-DC9590890B20}"/>
-              </a:ext>
-            </a:extLst>
-          </p:cNvPr>
-          <p:cNvGraphicFramePr>
-            <a:graphicFrameLocks noGrp="1"/>
-          </p:cNvGraphicFramePr>
-          <p:nvPr>
-            <p:extLst>
-              <p:ext uri="{D42A27DB-BD31-4B8C-83A1-F6EECF244321}">
-                <p14:modId xmlns:p14="http://schemas.microsoft.com/office/powerpoint/2010/main" val="998150992"/>
-              </p:ext>
-            </p:extLst>
-          </p:nvPr>
-        </p:nvGraphicFramePr>
-        <p:xfrm>
-          <a:off x="1146002" y="2699223"/>
-          <a:ext cx="8128000" cy="370840"/>
-        </p:xfrm>
-        <a:graphic>
-          <a:graphicData uri="http://schemas.openxmlformats.org/drawingml/2006/table">
-            <a:tbl>
-              <a:tblPr>
-                <a:tableStyleId>{5C22544A-7EE6-4342-B048-85BDC9FD1C3A}</a:tableStyleId>
-              </a:tblPr>
-              <a:tblGrid>
-                <a:gridCol w="812800">
-                  <a:extLst>
-                    <a:ext uri="{9D8B030D-6E8A-4147-A177-3AD203B41FA5}">
-                      <a16:colId xmlns:a16="http://schemas.microsoft.com/office/drawing/2014/main" val="2444827006"/>
-                    </a:ext>
-                  </a:extLst>
-                </a:gridCol>
-                <a:gridCol w="812800">
-                  <a:extLst>
-                    <a:ext uri="{9D8B030D-6E8A-4147-A177-3AD203B41FA5}">
-                      <a16:colId xmlns:a16="http://schemas.microsoft.com/office/drawing/2014/main" val="2642972237"/>
-                    </a:ext>
-                  </a:extLst>
-                </a:gridCol>
-                <a:gridCol w="812800">
-                  <a:extLst>
-                    <a:ext uri="{9D8B030D-6E8A-4147-A177-3AD203B41FA5}">
-                      <a16:colId xmlns:a16="http://schemas.microsoft.com/office/drawing/2014/main" val="347857361"/>
-                    </a:ext>
-                  </a:extLst>
-                </a:gridCol>
-                <a:gridCol w="812800">
-                  <a:extLst>
-                    <a:ext uri="{9D8B030D-6E8A-4147-A177-3AD203B41FA5}">
-                      <a16:colId xmlns:a16="http://schemas.microsoft.com/office/drawing/2014/main" val="2317528319"/>
-                    </a:ext>
-                  </a:extLst>
-                </a:gridCol>
-                <a:gridCol w="812800">
-                  <a:extLst>
-                    <a:ext uri="{9D8B030D-6E8A-4147-A177-3AD203B41FA5}">
-                      <a16:colId xmlns:a16="http://schemas.microsoft.com/office/drawing/2014/main" val="3134997849"/>
-                    </a:ext>
-                  </a:extLst>
-                </a:gridCol>
-                <a:gridCol w="812800">
-                  <a:extLst>
-                    <a:ext uri="{9D8B030D-6E8A-4147-A177-3AD203B41FA5}">
-                      <a16:colId xmlns:a16="http://schemas.microsoft.com/office/drawing/2014/main" val="2005934046"/>
-                    </a:ext>
-                  </a:extLst>
-                </a:gridCol>
-                <a:gridCol w="812800">
-                  <a:extLst>
-                    <a:ext uri="{9D8B030D-6E8A-4147-A177-3AD203B41FA5}">
-                      <a16:colId xmlns:a16="http://schemas.microsoft.com/office/drawing/2014/main" val="2466201454"/>
-                    </a:ext>
-                  </a:extLst>
-                </a:gridCol>
-                <a:gridCol w="812800">
-                  <a:extLst>
-                    <a:ext uri="{9D8B030D-6E8A-4147-A177-3AD203B41FA5}">
-                      <a16:colId xmlns:a16="http://schemas.microsoft.com/office/drawing/2014/main" val="2637974380"/>
-                    </a:ext>
-                  </a:extLst>
-                </a:gridCol>
-                <a:gridCol w="812800">
-                  <a:extLst>
-                    <a:ext uri="{9D8B030D-6E8A-4147-A177-3AD203B41FA5}">
-                      <a16:colId xmlns:a16="http://schemas.microsoft.com/office/drawing/2014/main" val="1065718783"/>
-                    </a:ext>
-                  </a:extLst>
-                </a:gridCol>
-                <a:gridCol w="812800">
-                  <a:extLst>
-                    <a:ext uri="{9D8B030D-6E8A-4147-A177-3AD203B41FA5}">
-                      <a16:colId xmlns:a16="http://schemas.microsoft.com/office/drawing/2014/main" val="1928985985"/>
-                    </a:ext>
-                  </a:extLst>
-                </a:gridCol>
-              </a:tblGrid>
-              <a:tr h="370840">
-                <a:tc>
-                  <a:txBody>
-                    <a:bodyPr/>
-                    <a:lstStyle/>
-                    <a:p>
-                      <a:pPr algn="ctr"/>
-                      <a:r>
-                        <a:rPr lang="en-US" altLang="zh-TW" dirty="0">
-                          <a:latin typeface="Menlo" panose="020B0609030804020204" pitchFamily="49" charset="0"/>
-                          <a:ea typeface="Menlo" panose="020B0609030804020204" pitchFamily="49" charset="0"/>
-                          <a:cs typeface="Menlo" panose="020B0609030804020204" pitchFamily="49" charset="0"/>
-                        </a:rPr>
-                        <a:t>1</a:t>
-                      </a:r>
-                      <a:endParaRPr lang="zh-TW" altLang="en-US" dirty="0">
-                        <a:latin typeface="Menlo" panose="020B0609030804020204" pitchFamily="49" charset="0"/>
-                        <a:cs typeface="Menlo" panose="020B0609030804020204" pitchFamily="49" charset="0"/>
-                      </a:endParaRPr>
-                    </a:p>
-                  </a:txBody>
-                  <a:tcPr/>
-                </a:tc>
-                <a:tc>
-                  <a:txBody>
-                    <a:bodyPr/>
-                    <a:lstStyle/>
-                    <a:p>
-                      <a:pPr algn="ctr"/>
-                      <a:r>
-                        <a:rPr lang="en-US" altLang="zh-TW" dirty="0">
-                          <a:latin typeface="Menlo" panose="020B0609030804020204" pitchFamily="49" charset="0"/>
-                          <a:ea typeface="Menlo" panose="020B0609030804020204" pitchFamily="49" charset="0"/>
-                          <a:cs typeface="Menlo" panose="020B0609030804020204" pitchFamily="49" charset="0"/>
-                        </a:rPr>
-                        <a:t>2</a:t>
-                      </a:r>
-                      <a:endParaRPr lang="zh-TW" altLang="en-US" dirty="0">
-                        <a:latin typeface="Menlo" panose="020B0609030804020204" pitchFamily="49" charset="0"/>
-                        <a:cs typeface="Menlo" panose="020B0609030804020204" pitchFamily="49" charset="0"/>
-                      </a:endParaRPr>
-                    </a:p>
-                  </a:txBody>
-                  <a:tcPr/>
-                </a:tc>
-                <a:tc>
-                  <a:txBody>
-                    <a:bodyPr/>
-                    <a:lstStyle/>
-                    <a:p>
-                      <a:pPr algn="ctr"/>
-                      <a:r>
-                        <a:rPr lang="en-US" altLang="zh-TW" dirty="0">
-                          <a:latin typeface="Menlo" panose="020B0609030804020204" pitchFamily="49" charset="0"/>
-                          <a:ea typeface="Menlo" panose="020B0609030804020204" pitchFamily="49" charset="0"/>
-                          <a:cs typeface="Menlo" panose="020B0609030804020204" pitchFamily="49" charset="0"/>
-                        </a:rPr>
-                        <a:t>3</a:t>
-                      </a:r>
-                      <a:endParaRPr lang="zh-TW" altLang="en-US" dirty="0">
-                        <a:latin typeface="Menlo" panose="020B0609030804020204" pitchFamily="49" charset="0"/>
-                        <a:cs typeface="Menlo" panose="020B0609030804020204" pitchFamily="49" charset="0"/>
-                      </a:endParaRPr>
-                    </a:p>
-                  </a:txBody>
-                  <a:tcPr/>
-                </a:tc>
-                <a:tc>
-                  <a:txBody>
-                    <a:bodyPr/>
-                    <a:lstStyle/>
-                    <a:p>
-                      <a:pPr algn="ctr"/>
-                      <a:r>
-                        <a:rPr lang="en-US" altLang="zh-TW" dirty="0">
-                          <a:latin typeface="Menlo" panose="020B0609030804020204" pitchFamily="49" charset="0"/>
-                          <a:ea typeface="Menlo" panose="020B0609030804020204" pitchFamily="49" charset="0"/>
-                          <a:cs typeface="Menlo" panose="020B0609030804020204" pitchFamily="49" charset="0"/>
-                        </a:rPr>
-                        <a:t>4</a:t>
-                      </a:r>
-                      <a:endParaRPr lang="zh-TW" altLang="en-US" dirty="0">
-                        <a:latin typeface="Menlo" panose="020B0609030804020204" pitchFamily="49" charset="0"/>
-                        <a:cs typeface="Menlo" panose="020B0609030804020204" pitchFamily="49" charset="0"/>
-                      </a:endParaRPr>
-                    </a:p>
-                  </a:txBody>
-                  <a:tcPr/>
-                </a:tc>
-                <a:tc>
-                  <a:txBody>
-                    <a:bodyPr/>
-                    <a:lstStyle/>
-                    <a:p>
-                      <a:pPr algn="ctr"/>
-                      <a:r>
-                        <a:rPr lang="en-US" altLang="zh-TW" dirty="0">
-                          <a:latin typeface="Menlo" panose="020B0609030804020204" pitchFamily="49" charset="0"/>
-                          <a:ea typeface="Menlo" panose="020B0609030804020204" pitchFamily="49" charset="0"/>
-                          <a:cs typeface="Menlo" panose="020B0609030804020204" pitchFamily="49" charset="0"/>
-                        </a:rPr>
-                        <a:t>.</a:t>
-                      </a:r>
-                      <a:r>
-                        <a:rPr lang="zh-TW" altLang="en-US" dirty="0">
-                          <a:latin typeface="Menlo" panose="020B0609030804020204" pitchFamily="49" charset="0"/>
-                          <a:cs typeface="Menlo" panose="020B0609030804020204" pitchFamily="49" charset="0"/>
-                        </a:rPr>
-                        <a:t> </a:t>
-                      </a:r>
-                      <a:r>
-                        <a:rPr lang="en-US" altLang="zh-TW" dirty="0">
-                          <a:latin typeface="Menlo" panose="020B0609030804020204" pitchFamily="49" charset="0"/>
-                          <a:ea typeface="Menlo" panose="020B0609030804020204" pitchFamily="49" charset="0"/>
-                          <a:cs typeface="Menlo" panose="020B0609030804020204" pitchFamily="49" charset="0"/>
-                        </a:rPr>
-                        <a:t>.</a:t>
-                      </a:r>
-                      <a:r>
-                        <a:rPr lang="zh-TW" altLang="en-US" dirty="0">
-                          <a:latin typeface="Menlo" panose="020B0609030804020204" pitchFamily="49" charset="0"/>
-                          <a:cs typeface="Menlo" panose="020B0609030804020204" pitchFamily="49" charset="0"/>
-                        </a:rPr>
-                        <a:t> </a:t>
-                      </a:r>
-                      <a:r>
-                        <a:rPr lang="en-US" altLang="zh-TW" dirty="0">
-                          <a:latin typeface="Menlo" panose="020B0609030804020204" pitchFamily="49" charset="0"/>
-                          <a:ea typeface="Menlo" panose="020B0609030804020204" pitchFamily="49" charset="0"/>
-                          <a:cs typeface="Menlo" panose="020B0609030804020204" pitchFamily="49" charset="0"/>
-                        </a:rPr>
-                        <a:t>.</a:t>
-                      </a:r>
-                      <a:r>
-                        <a:rPr lang="zh-TW" altLang="en-US" dirty="0">
-                          <a:latin typeface="Menlo" panose="020B0609030804020204" pitchFamily="49" charset="0"/>
-                          <a:cs typeface="Menlo" panose="020B0609030804020204" pitchFamily="49" charset="0"/>
-                        </a:rPr>
-                        <a:t> </a:t>
-                      </a:r>
-                    </a:p>
-                  </a:txBody>
-                  <a:tcPr/>
-                </a:tc>
-                <a:tc>
-                  <a:txBody>
-                    <a:bodyPr/>
-                    <a:lstStyle/>
-                    <a:p>
-                      <a:pPr algn="ctr"/>
-                      <a:r>
-                        <a:rPr lang="en-US" altLang="zh-TW" dirty="0">
-                          <a:latin typeface="Menlo" panose="020B0609030804020204" pitchFamily="49" charset="0"/>
-                          <a:ea typeface="Menlo" panose="020B0609030804020204" pitchFamily="49" charset="0"/>
-                          <a:cs typeface="Menlo" panose="020B0609030804020204" pitchFamily="49" charset="0"/>
-                        </a:rPr>
-                        <a:t>.</a:t>
-                      </a:r>
-                      <a:r>
-                        <a:rPr lang="zh-TW" altLang="en-US" dirty="0">
-                          <a:latin typeface="Menlo" panose="020B0609030804020204" pitchFamily="49" charset="0"/>
-                          <a:cs typeface="Menlo" panose="020B0609030804020204" pitchFamily="49" charset="0"/>
-                        </a:rPr>
-                        <a:t> </a:t>
-                      </a:r>
-                      <a:r>
-                        <a:rPr lang="en-US" altLang="zh-TW" dirty="0">
-                          <a:latin typeface="Menlo" panose="020B0609030804020204" pitchFamily="49" charset="0"/>
-                          <a:ea typeface="Menlo" panose="020B0609030804020204" pitchFamily="49" charset="0"/>
-                          <a:cs typeface="Menlo" panose="020B0609030804020204" pitchFamily="49" charset="0"/>
-                        </a:rPr>
-                        <a:t>.</a:t>
-                      </a:r>
-                      <a:r>
-                        <a:rPr lang="zh-TW" altLang="en-US" dirty="0">
-                          <a:latin typeface="Menlo" panose="020B0609030804020204" pitchFamily="49" charset="0"/>
-                          <a:cs typeface="Menlo" panose="020B0609030804020204" pitchFamily="49" charset="0"/>
-                        </a:rPr>
-                        <a:t> </a:t>
-                      </a:r>
-                      <a:r>
-                        <a:rPr lang="en-US" altLang="zh-TW" dirty="0">
-                          <a:latin typeface="Menlo" panose="020B0609030804020204" pitchFamily="49" charset="0"/>
-                          <a:ea typeface="Menlo" panose="020B0609030804020204" pitchFamily="49" charset="0"/>
-                          <a:cs typeface="Menlo" panose="020B0609030804020204" pitchFamily="49" charset="0"/>
-                        </a:rPr>
-                        <a:t>.</a:t>
-                      </a:r>
-                      <a:r>
-                        <a:rPr lang="zh-TW" altLang="en-US" dirty="0">
-                          <a:latin typeface="Menlo" panose="020B0609030804020204" pitchFamily="49" charset="0"/>
-                          <a:cs typeface="Menlo" panose="020B0609030804020204" pitchFamily="49" charset="0"/>
-                        </a:rPr>
-                        <a:t> </a:t>
-                      </a:r>
-                    </a:p>
-                  </a:txBody>
-                  <a:tcPr/>
-                </a:tc>
-                <a:tc>
-                  <a:txBody>
-                    <a:bodyPr/>
-                    <a:lstStyle/>
-                    <a:p>
-                      <a:pPr algn="ctr"/>
-                      <a:r>
-                        <a:rPr lang="en-US" altLang="zh-TW" dirty="0">
-                          <a:latin typeface="Menlo" panose="020B0609030804020204" pitchFamily="49" charset="0"/>
-                          <a:ea typeface="Menlo" panose="020B0609030804020204" pitchFamily="49" charset="0"/>
-                          <a:cs typeface="Menlo" panose="020B0609030804020204" pitchFamily="49" charset="0"/>
-                        </a:rPr>
-                        <a:t>97</a:t>
-                      </a:r>
-                      <a:endParaRPr lang="zh-TW" altLang="en-US" dirty="0">
-                        <a:latin typeface="Menlo" panose="020B0609030804020204" pitchFamily="49" charset="0"/>
-                        <a:cs typeface="Menlo" panose="020B0609030804020204" pitchFamily="49" charset="0"/>
-                      </a:endParaRPr>
-                    </a:p>
-                  </a:txBody>
-                  <a:tcPr/>
-                </a:tc>
-                <a:tc>
-                  <a:txBody>
-                    <a:bodyPr/>
-                    <a:lstStyle/>
-                    <a:p>
-                      <a:pPr algn="ctr"/>
-                      <a:r>
-                        <a:rPr lang="en-US" altLang="zh-TW" dirty="0">
-                          <a:latin typeface="Menlo" panose="020B0609030804020204" pitchFamily="49" charset="0"/>
-                          <a:ea typeface="Menlo" panose="020B0609030804020204" pitchFamily="49" charset="0"/>
-                          <a:cs typeface="Menlo" panose="020B0609030804020204" pitchFamily="49" charset="0"/>
-                        </a:rPr>
-                        <a:t>98</a:t>
-                      </a:r>
-                      <a:endParaRPr lang="zh-TW" altLang="en-US" dirty="0">
-                        <a:latin typeface="Menlo" panose="020B0609030804020204" pitchFamily="49" charset="0"/>
-                        <a:cs typeface="Menlo" panose="020B0609030804020204" pitchFamily="49" charset="0"/>
-                      </a:endParaRPr>
-                    </a:p>
-                  </a:txBody>
-                  <a:tcPr/>
-                </a:tc>
-                <a:tc>
-                  <a:txBody>
-                    <a:bodyPr/>
-                    <a:lstStyle/>
-                    <a:p>
-                      <a:pPr algn="ctr"/>
-                      <a:r>
-                        <a:rPr lang="en-US" altLang="zh-TW" dirty="0">
-                          <a:latin typeface="Menlo" panose="020B0609030804020204" pitchFamily="49" charset="0"/>
-                          <a:ea typeface="Menlo" panose="020B0609030804020204" pitchFamily="49" charset="0"/>
-                          <a:cs typeface="Menlo" panose="020B0609030804020204" pitchFamily="49" charset="0"/>
-                        </a:rPr>
-                        <a:t>99</a:t>
-                      </a:r>
-                      <a:endParaRPr lang="zh-TW" altLang="en-US" dirty="0">
-                        <a:latin typeface="Menlo" panose="020B0609030804020204" pitchFamily="49" charset="0"/>
-                        <a:cs typeface="Menlo" panose="020B0609030804020204" pitchFamily="49" charset="0"/>
-                      </a:endParaRPr>
-                    </a:p>
-                  </a:txBody>
-                  <a:tcPr/>
-                </a:tc>
-                <a:tc>
-                  <a:txBody>
-                    <a:bodyPr/>
-                    <a:lstStyle/>
-                    <a:p>
-                      <a:pPr algn="ctr"/>
-                      <a:r>
-                        <a:rPr lang="en-US" altLang="zh-TW" dirty="0">
-                          <a:latin typeface="Menlo" panose="020B0609030804020204" pitchFamily="49" charset="0"/>
-                          <a:ea typeface="Menlo" panose="020B0609030804020204" pitchFamily="49" charset="0"/>
-                          <a:cs typeface="Menlo" panose="020B0609030804020204" pitchFamily="49" charset="0"/>
-                        </a:rPr>
-                        <a:t>100</a:t>
-                      </a:r>
-                      <a:endParaRPr lang="zh-TW" altLang="en-US" dirty="0">
-                        <a:latin typeface="Menlo" panose="020B0609030804020204" pitchFamily="49" charset="0"/>
-                        <a:cs typeface="Menlo" panose="020B0609030804020204" pitchFamily="49" charset="0"/>
-                      </a:endParaRPr>
-                    </a:p>
-                  </a:txBody>
-                  <a:tcPr/>
-                </a:tc>
-                <a:extLst>
-                  <a:ext uri="{0D108BD9-81ED-4DB2-BD59-A6C34878D82A}">
-                    <a16:rowId xmlns:a16="http://schemas.microsoft.com/office/drawing/2014/main" val="2284863870"/>
-                  </a:ext>
-                </a:extLst>
-              </a:tr>
-            </a:tbl>
-          </a:graphicData>
-        </a:graphic>
-      </p:graphicFrame>
-      <p:sp>
-        <p:nvSpPr>
-          <p:cNvPr id="5" name="文字方塊 4">
-            <a:extLst>
-              <a:ext uri="{FF2B5EF4-FFF2-40B4-BE49-F238E27FC236}">
-                <a16:creationId xmlns:a16="http://schemas.microsoft.com/office/drawing/2014/main" id="{AFDCD3DE-E959-E843-BFD1-5E350B249776}"/>
-              </a:ext>
-            </a:extLst>
-          </p:cNvPr>
-          <p:cNvSpPr txBox="1"/>
-          <p:nvPr/>
-        </p:nvSpPr>
-        <p:spPr>
-          <a:xfrm>
-            <a:off x="1146002" y="3317091"/>
-            <a:ext cx="2685351" cy="2308324"/>
-          </a:xfrm>
-          <a:prstGeom prst="rect">
-            <a:avLst/>
-          </a:prstGeom>
-          <a:noFill/>
-        </p:spPr>
-        <p:txBody>
-          <a:bodyPr wrap="none" rtlCol="0">
-            <a:spAutoFit/>
-          </a:bodyPr>
-          <a:lstStyle/>
-          <a:p>
-            <a:r>
-              <a:rPr kumimoji="1" lang="en-US" altLang="zh-TW" dirty="0">
-                <a:latin typeface="Menlo" panose="020B0609030804020204" pitchFamily="49" charset="0"/>
-                <a:ea typeface="Menlo" panose="020B0609030804020204" pitchFamily="49" charset="0"/>
-                <a:cs typeface="Menlo" panose="020B0609030804020204" pitchFamily="49" charset="0"/>
-              </a:rPr>
-              <a:t>1~100</a:t>
-            </a:r>
-          </a:p>
-          <a:p>
-            <a:r>
-              <a:rPr kumimoji="1" lang="en-US" altLang="zh-TW" dirty="0">
-                <a:latin typeface="Menlo" panose="020B0609030804020204" pitchFamily="49" charset="0"/>
-                <a:ea typeface="Menlo" panose="020B0609030804020204" pitchFamily="49" charset="0"/>
-                <a:cs typeface="Menlo" panose="020B0609030804020204" pitchFamily="49" charset="0"/>
-              </a:rPr>
-              <a:t>50?</a:t>
-            </a:r>
-            <a:r>
-              <a:rPr kumimoji="1" lang="zh-TW" altLang="en-US" dirty="0">
-                <a:latin typeface="Menlo" panose="020B0609030804020204" pitchFamily="49" charset="0"/>
-                <a:cs typeface="Menlo" panose="020B0609030804020204" pitchFamily="49" charset="0"/>
-              </a:rPr>
-              <a:t> </a:t>
-            </a:r>
-            <a:r>
-              <a:rPr kumimoji="1" lang="en-US" altLang="zh-TW" dirty="0">
-                <a:latin typeface="Menlo" panose="020B0609030804020204" pitchFamily="49" charset="0"/>
-                <a:ea typeface="Menlo" panose="020B0609030804020204" pitchFamily="49" charset="0"/>
-                <a:cs typeface="Menlo" panose="020B0609030804020204" pitchFamily="49" charset="0"/>
-              </a:rPr>
-              <a:t>(</a:t>
-            </a:r>
-            <a:r>
-              <a:rPr kumimoji="1" lang="zh-TW" altLang="en-US" dirty="0">
-                <a:latin typeface="Menlo" panose="020B0609030804020204" pitchFamily="49" charset="0"/>
-                <a:cs typeface="Menlo" panose="020B0609030804020204" pitchFamily="49" charset="0"/>
-              </a:rPr>
-              <a:t>太高 </a:t>
-            </a:r>
-            <a:r>
-              <a:rPr kumimoji="1" lang="en-US" altLang="zh-TW" dirty="0">
-                <a:latin typeface="Menlo" panose="020B0609030804020204" pitchFamily="49" charset="0"/>
-                <a:ea typeface="Menlo" panose="020B0609030804020204" pitchFamily="49" charset="0"/>
-                <a:cs typeface="Menlo" panose="020B0609030804020204" pitchFamily="49" charset="0"/>
-                <a:sym typeface="Wingdings" pitchFamily="2" charset="2"/>
-              </a:rPr>
-              <a:t> 1~49</a:t>
-            </a:r>
-            <a:r>
-              <a:rPr kumimoji="1" lang="en-US" altLang="zh-TW" dirty="0">
-                <a:latin typeface="Menlo" panose="020B0609030804020204" pitchFamily="49" charset="0"/>
-                <a:ea typeface="Menlo" panose="020B0609030804020204" pitchFamily="49" charset="0"/>
-                <a:cs typeface="Menlo" panose="020B0609030804020204" pitchFamily="49" charset="0"/>
-              </a:rPr>
-              <a:t>)</a:t>
-            </a:r>
-          </a:p>
-          <a:p>
-            <a:r>
-              <a:rPr kumimoji="1" lang="en-US" altLang="zh-TW" dirty="0">
-                <a:latin typeface="Menlo" panose="020B0609030804020204" pitchFamily="49" charset="0"/>
-                <a:ea typeface="Menlo" panose="020B0609030804020204" pitchFamily="49" charset="0"/>
-                <a:cs typeface="Menlo" panose="020B0609030804020204" pitchFamily="49" charset="0"/>
-              </a:rPr>
-              <a:t>25?</a:t>
-            </a:r>
-            <a:r>
-              <a:rPr kumimoji="1" lang="zh-TW" altLang="en-US" dirty="0">
-                <a:latin typeface="Menlo" panose="020B0609030804020204" pitchFamily="49" charset="0"/>
-                <a:cs typeface="Menlo" panose="020B0609030804020204" pitchFamily="49" charset="0"/>
-              </a:rPr>
-              <a:t> </a:t>
-            </a:r>
-            <a:r>
-              <a:rPr kumimoji="1" lang="en-US" altLang="zh-TW" dirty="0">
-                <a:latin typeface="Menlo" panose="020B0609030804020204" pitchFamily="49" charset="0"/>
-                <a:ea typeface="Menlo" panose="020B0609030804020204" pitchFamily="49" charset="0"/>
-                <a:cs typeface="Menlo" panose="020B0609030804020204" pitchFamily="49" charset="0"/>
-              </a:rPr>
-              <a:t>(</a:t>
-            </a:r>
-            <a:r>
-              <a:rPr kumimoji="1" lang="zh-TW" altLang="en-US" dirty="0">
-                <a:latin typeface="Menlo" panose="020B0609030804020204" pitchFamily="49" charset="0"/>
-                <a:cs typeface="Menlo" panose="020B0609030804020204" pitchFamily="49" charset="0"/>
-              </a:rPr>
-              <a:t>太低</a:t>
-            </a:r>
-            <a:r>
-              <a:rPr kumimoji="1" lang="en-US" altLang="zh-TW" dirty="0">
-                <a:latin typeface="Menlo" panose="020B0609030804020204" pitchFamily="49" charset="0"/>
-                <a:ea typeface="Menlo" panose="020B0609030804020204" pitchFamily="49" charset="0"/>
-                <a:cs typeface="Menlo" panose="020B0609030804020204" pitchFamily="49" charset="0"/>
-              </a:rPr>
-              <a:t> </a:t>
-            </a:r>
-            <a:r>
-              <a:rPr kumimoji="1" lang="en-US" altLang="zh-TW" dirty="0">
-                <a:latin typeface="Menlo" panose="020B0609030804020204" pitchFamily="49" charset="0"/>
-                <a:ea typeface="Menlo" panose="020B0609030804020204" pitchFamily="49" charset="0"/>
-                <a:cs typeface="Menlo" panose="020B0609030804020204" pitchFamily="49" charset="0"/>
-                <a:sym typeface="Wingdings" pitchFamily="2" charset="2"/>
-              </a:rPr>
-              <a:t> 26~49)</a:t>
-            </a:r>
-          </a:p>
-          <a:p>
-            <a:r>
-              <a:rPr kumimoji="1" lang="en-US" altLang="zh-TW" dirty="0">
-                <a:latin typeface="Menlo" panose="020B0609030804020204" pitchFamily="49" charset="0"/>
-                <a:ea typeface="Menlo" panose="020B0609030804020204" pitchFamily="49" charset="0"/>
-                <a:cs typeface="Menlo" panose="020B0609030804020204" pitchFamily="49" charset="0"/>
-                <a:sym typeface="Wingdings" pitchFamily="2" charset="2"/>
-              </a:rPr>
-              <a:t>37? (</a:t>
-            </a:r>
-            <a:r>
-              <a:rPr kumimoji="1" lang="zh-TW" altLang="en-US" dirty="0">
-                <a:latin typeface="Menlo" panose="020B0609030804020204" pitchFamily="49" charset="0"/>
-                <a:ea typeface="Menlo" panose="020B0609030804020204" pitchFamily="49" charset="0"/>
-                <a:cs typeface="Menlo" panose="020B0609030804020204" pitchFamily="49" charset="0"/>
-                <a:sym typeface="Wingdings" pitchFamily="2" charset="2"/>
-              </a:rPr>
-              <a:t>太高 </a:t>
-            </a:r>
-            <a:r>
-              <a:rPr kumimoji="1" lang="en-US" altLang="zh-TW" dirty="0">
-                <a:latin typeface="Menlo" panose="020B0609030804020204" pitchFamily="49" charset="0"/>
-                <a:ea typeface="Menlo" panose="020B0609030804020204" pitchFamily="49" charset="0"/>
-                <a:cs typeface="Menlo" panose="020B0609030804020204" pitchFamily="49" charset="0"/>
-                <a:sym typeface="Wingdings" pitchFamily="2" charset="2"/>
-              </a:rPr>
-              <a:t> 26~36)</a:t>
-            </a:r>
-          </a:p>
-          <a:p>
-            <a:r>
-              <a:rPr kumimoji="1" lang="en-US" altLang="zh-TW" dirty="0">
-                <a:latin typeface="Menlo" panose="020B0609030804020204" pitchFamily="49" charset="0"/>
-                <a:ea typeface="Menlo" panose="020B0609030804020204" pitchFamily="49" charset="0"/>
-                <a:cs typeface="Menlo" panose="020B0609030804020204" pitchFamily="49" charset="0"/>
-                <a:sym typeface="Wingdings" pitchFamily="2" charset="2"/>
-              </a:rPr>
-              <a:t>31?</a:t>
-            </a:r>
-          </a:p>
-          <a:p>
-            <a:r>
-              <a:rPr kumimoji="1" lang="en-US" altLang="zh-TW" dirty="0">
-                <a:latin typeface="Menlo" panose="020B0609030804020204" pitchFamily="49" charset="0"/>
-                <a:ea typeface="Menlo" panose="020B0609030804020204" pitchFamily="49" charset="0"/>
-                <a:cs typeface="Menlo" panose="020B0609030804020204" pitchFamily="49" charset="0"/>
-                <a:sym typeface="Wingdings" pitchFamily="2" charset="2"/>
-              </a:rPr>
-              <a:t>.</a:t>
-            </a:r>
-          </a:p>
-          <a:p>
-            <a:r>
-              <a:rPr kumimoji="1" lang="en-US" altLang="zh-TW" dirty="0">
-                <a:latin typeface="Menlo" panose="020B0609030804020204" pitchFamily="49" charset="0"/>
-                <a:ea typeface="Menlo" panose="020B0609030804020204" pitchFamily="49" charset="0"/>
-                <a:cs typeface="Menlo" panose="020B0609030804020204" pitchFamily="49" charset="0"/>
-                <a:sym typeface="Wingdings" pitchFamily="2" charset="2"/>
-              </a:rPr>
-              <a:t>.</a:t>
-            </a:r>
-          </a:p>
-          <a:p>
-            <a:r>
-              <a:rPr kumimoji="1" lang="en-US" altLang="zh-TW" dirty="0">
-                <a:latin typeface="Menlo" panose="020B0609030804020204" pitchFamily="49" charset="0"/>
-                <a:ea typeface="Menlo" panose="020B0609030804020204" pitchFamily="49" charset="0"/>
-                <a:cs typeface="Menlo" panose="020B0609030804020204" pitchFamily="49" charset="0"/>
-                <a:sym typeface="Wingdings" pitchFamily="2" charset="2"/>
-              </a:rPr>
-              <a:t>.</a:t>
-            </a:r>
-          </a:p>
-        </p:txBody>
-      </p:sp>
-      <p:sp>
-        <p:nvSpPr>
-          <p:cNvPr id="6" name="文字方塊 5">
-            <a:extLst>
-              <a:ext uri="{FF2B5EF4-FFF2-40B4-BE49-F238E27FC236}">
-                <a16:creationId xmlns:a16="http://schemas.microsoft.com/office/drawing/2014/main" id="{7F7E5F12-E766-C74F-9727-0A3962E9B76E}"/>
-              </a:ext>
-            </a:extLst>
-          </p:cNvPr>
-          <p:cNvSpPr txBox="1"/>
-          <p:nvPr/>
-        </p:nvSpPr>
-        <p:spPr>
-          <a:xfrm>
-            <a:off x="1073866" y="5972147"/>
-            <a:ext cx="2829621" cy="523220"/>
-          </a:xfrm>
-          <a:prstGeom prst="rect">
-            <a:avLst/>
-          </a:prstGeom>
-          <a:noFill/>
-        </p:spPr>
-        <p:txBody>
-          <a:bodyPr wrap="none" rtlCol="0">
-            <a:spAutoFit/>
-          </a:bodyPr>
-          <a:lstStyle/>
-          <a:p>
-            <a:r>
-              <a:rPr kumimoji="1" lang="zh-TW" altLang="en-US" sz="2800" dirty="0">
-                <a:solidFill>
-                  <a:srgbClr val="FF0000"/>
-                </a:solidFill>
-              </a:rPr>
-              <a:t>最多需要猜幾次</a:t>
-            </a:r>
-            <a:r>
-              <a:rPr kumimoji="1" lang="en-US" altLang="zh-TW" sz="2800" dirty="0">
-                <a:solidFill>
-                  <a:srgbClr val="FF0000"/>
-                </a:solidFill>
-              </a:rPr>
-              <a:t>?</a:t>
-            </a:r>
-            <a:endParaRPr kumimoji="1" lang="zh-TW" altLang="en-US" sz="2800" dirty="0">
-              <a:solidFill>
-                <a:srgbClr val="FF0000"/>
-              </a:solidFill>
-            </a:endParaRPr>
-          </a:p>
-        </p:txBody>
-      </p:sp>
-    </p:spTree>
-    <p:extLst>
-      <p:ext uri="{BB962C8B-B14F-4D97-AF65-F5344CB8AC3E}">
-        <p14:creationId xmlns:p14="http://schemas.microsoft.com/office/powerpoint/2010/main" val="1201685758"/>
-      </p:ext>
-    </p:extLst>
-  </p:cSld>
-  <p:clrMapOvr>
-    <a:masterClrMapping/>
-  </p:clrMapOvr>
-</p:sld>
-</file>
-
-<file path=ppt/slides/slide7.xml><?xml version="1.0" encoding="utf-8"?>
-<p:sld xmlns:a="http://schemas.openxmlformats.org/drawingml/2006/main" xmlns:r="http://schemas.openxmlformats.org/officeDocument/2006/relationships" xmlns:p="http://schemas.openxmlformats.org/presentationml/2006/main">
-  <p:cSld>
-    <p:spTree>
-      <p:nvGrpSpPr>
-        <p:cNvPr id="1" name=""/>
-        <p:cNvGrpSpPr/>
-        <p:nvPr/>
-      </p:nvGrpSpPr>
-      <p:grpSpPr>
-        <a:xfrm>
-          <a:off x="0" y="0"/>
-          <a:ext cx="0" cy="0"/>
-          <a:chOff x="0" y="0"/>
-          <a:chExt cx="0" cy="0"/>
-        </a:xfrm>
-      </p:grpSpPr>
-      <p:sp>
-        <p:nvSpPr>
-          <p:cNvPr id="2" name="標題 1">
-            <a:extLst>
-              <a:ext uri="{FF2B5EF4-FFF2-40B4-BE49-F238E27FC236}">
-                <a16:creationId xmlns:a16="http://schemas.microsoft.com/office/drawing/2014/main" id="{40FABC1D-4A66-8846-AA32-01FD2E0DE12F}"/>
-              </a:ext>
-            </a:extLst>
-          </p:cNvPr>
-          <p:cNvSpPr>
-            <a:spLocks noGrp="1"/>
-          </p:cNvSpPr>
-          <p:nvPr>
-            <p:ph type="title"/>
-          </p:nvPr>
-        </p:nvSpPr>
-        <p:spPr/>
-        <p:txBody>
-          <a:bodyPr/>
-          <a:lstStyle/>
-          <a:p>
-            <a:r>
-              <a:rPr kumimoji="1" lang="zh-TW" altLang="en-US" dirty="0"/>
-              <a:t>猜數字</a:t>
-            </a:r>
-            <a:r>
-              <a:rPr kumimoji="1" lang="en-US" altLang="zh-TW" dirty="0"/>
-              <a:t> performance analysis</a:t>
-            </a:r>
-            <a:endParaRPr kumimoji="1" lang="zh-TW" altLang="en-US" dirty="0"/>
-          </a:p>
-        </p:txBody>
-      </p:sp>
-      <p:graphicFrame>
-        <p:nvGraphicFramePr>
-          <p:cNvPr id="4" name="表格 3">
-            <a:extLst>
-              <a:ext uri="{FF2B5EF4-FFF2-40B4-BE49-F238E27FC236}">
-                <a16:creationId xmlns:a16="http://schemas.microsoft.com/office/drawing/2014/main" id="{07F1E964-2D3B-C64F-89F0-24265182D6CF}"/>
-              </a:ext>
-            </a:extLst>
-          </p:cNvPr>
-          <p:cNvGraphicFramePr>
-            <a:graphicFrameLocks noGrp="1"/>
-          </p:cNvGraphicFramePr>
-          <p:nvPr>
-            <p:extLst>
-              <p:ext uri="{D42A27DB-BD31-4B8C-83A1-F6EECF244321}">
-                <p14:modId xmlns:p14="http://schemas.microsoft.com/office/powerpoint/2010/main" val="2450486580"/>
-              </p:ext>
-            </p:extLst>
-          </p:nvPr>
-        </p:nvGraphicFramePr>
-        <p:xfrm>
-          <a:off x="677334" y="1930400"/>
-          <a:ext cx="7342059" cy="3337560"/>
-        </p:xfrm>
-        <a:graphic>
-          <a:graphicData uri="http://schemas.openxmlformats.org/drawingml/2006/table">
-            <a:tbl>
-              <a:tblPr firstRow="1" bandRow="1">
-                <a:tableStyleId>{5C22544A-7EE6-4342-B048-85BDC9FD1C3A}</a:tableStyleId>
-              </a:tblPr>
-              <a:tblGrid>
-                <a:gridCol w="2447353">
-                  <a:extLst>
-                    <a:ext uri="{9D8B030D-6E8A-4147-A177-3AD203B41FA5}">
-                      <a16:colId xmlns:a16="http://schemas.microsoft.com/office/drawing/2014/main" val="1019328401"/>
-                    </a:ext>
-                  </a:extLst>
-                </a:gridCol>
-                <a:gridCol w="2447353">
-                  <a:extLst>
-                    <a:ext uri="{9D8B030D-6E8A-4147-A177-3AD203B41FA5}">
-                      <a16:colId xmlns:a16="http://schemas.microsoft.com/office/drawing/2014/main" val="1347877166"/>
-                    </a:ext>
-                  </a:extLst>
-                </a:gridCol>
-                <a:gridCol w="2447353">
-                  <a:extLst>
-                    <a:ext uri="{9D8B030D-6E8A-4147-A177-3AD203B41FA5}">
-                      <a16:colId xmlns:a16="http://schemas.microsoft.com/office/drawing/2014/main" val="340287349"/>
-                    </a:ext>
-                  </a:extLst>
-                </a:gridCol>
-              </a:tblGrid>
-              <a:tr h="370840">
-                <a:tc>
-                  <a:txBody>
-                    <a:bodyPr/>
-                    <a:lstStyle/>
-                    <a:p>
-                      <a:r>
-                        <a:rPr lang="zh-TW" altLang="en-US" dirty="0">
-                          <a:latin typeface="Menlo" panose="020B0609030804020204" pitchFamily="49" charset="0"/>
-                          <a:cs typeface="Menlo" panose="020B0609030804020204" pitchFamily="49" charset="0"/>
-                        </a:rPr>
-                        <a:t>數字個數</a:t>
-                      </a:r>
-                    </a:p>
-                  </a:txBody>
-                  <a:tcPr/>
-                </a:tc>
-                <a:tc>
-                  <a:txBody>
-                    <a:bodyPr/>
-                    <a:lstStyle/>
-                    <a:p>
-                      <a:r>
-                        <a:rPr lang="en-US" altLang="zh-TW" dirty="0">
-                          <a:latin typeface="Menlo" panose="020B0609030804020204" pitchFamily="49" charset="0"/>
-                          <a:ea typeface="Menlo" panose="020B0609030804020204" pitchFamily="49" charset="0"/>
-                          <a:cs typeface="Menlo" panose="020B0609030804020204" pitchFamily="49" charset="0"/>
-                        </a:rPr>
-                        <a:t>Linear Search</a:t>
-                      </a:r>
-                      <a:endParaRPr lang="zh-TW" altLang="en-US" dirty="0">
-                        <a:latin typeface="Menlo" panose="020B0609030804020204" pitchFamily="49" charset="0"/>
-                        <a:cs typeface="Menlo" panose="020B0609030804020204" pitchFamily="49" charset="0"/>
-                      </a:endParaRPr>
-                    </a:p>
-                  </a:txBody>
-                  <a:tcPr/>
-                </a:tc>
-                <a:tc>
-                  <a:txBody>
-                    <a:bodyPr/>
-                    <a:lstStyle/>
-                    <a:p>
-                      <a:r>
-                        <a:rPr lang="en-US" altLang="zh-TW" dirty="0">
-                          <a:latin typeface="Menlo" panose="020B0609030804020204" pitchFamily="49" charset="0"/>
-                          <a:ea typeface="Menlo" panose="020B0609030804020204" pitchFamily="49" charset="0"/>
-                          <a:cs typeface="Menlo" panose="020B0609030804020204" pitchFamily="49" charset="0"/>
-                        </a:rPr>
-                        <a:t>Binary Search</a:t>
-                      </a:r>
-                      <a:endParaRPr lang="zh-TW" altLang="en-US" dirty="0">
-                        <a:latin typeface="Menlo" panose="020B0609030804020204" pitchFamily="49" charset="0"/>
-                        <a:cs typeface="Menlo" panose="020B0609030804020204" pitchFamily="49" charset="0"/>
-                      </a:endParaRPr>
-                    </a:p>
-                  </a:txBody>
-                  <a:tcPr/>
-                </a:tc>
-                <a:extLst>
-                  <a:ext uri="{0D108BD9-81ED-4DB2-BD59-A6C34878D82A}">
-                    <a16:rowId xmlns:a16="http://schemas.microsoft.com/office/drawing/2014/main" val="2057730909"/>
-                  </a:ext>
-                </a:extLst>
-              </a:tr>
-              <a:tr h="370840">
-                <a:tc>
-                  <a:txBody>
-                    <a:bodyPr/>
-                    <a:lstStyle/>
-                    <a:p>
-                      <a:r>
-                        <a:rPr lang="en-US" altLang="zh-TW" dirty="0">
-                          <a:latin typeface="Menlo" panose="020B0609030804020204" pitchFamily="49" charset="0"/>
-                          <a:cs typeface="Menlo" panose="020B0609030804020204" pitchFamily="49" charset="0"/>
-                        </a:rPr>
-                        <a:t>1</a:t>
-                      </a:r>
-                      <a:endParaRPr lang="zh-TW" altLang="en-US" dirty="0">
-                        <a:latin typeface="Menlo" panose="020B0609030804020204" pitchFamily="49" charset="0"/>
-                        <a:cs typeface="Menlo" panose="020B0609030804020204" pitchFamily="49" charset="0"/>
-                      </a:endParaRPr>
-                    </a:p>
-                  </a:txBody>
-                  <a:tcPr/>
-                </a:tc>
-                <a:tc>
-                  <a:txBody>
-                    <a:bodyPr/>
-                    <a:lstStyle/>
-                    <a:p>
-                      <a:r>
-                        <a:rPr lang="en-US" altLang="zh-TW" dirty="0">
-                          <a:latin typeface="Menlo" panose="020B0609030804020204" pitchFamily="49" charset="0"/>
-                          <a:cs typeface="Menlo" panose="020B0609030804020204" pitchFamily="49" charset="0"/>
-                        </a:rPr>
-                        <a:t>1</a:t>
-                      </a:r>
-                      <a:endParaRPr lang="zh-TW" altLang="en-US" dirty="0">
-                        <a:latin typeface="Menlo" panose="020B0609030804020204" pitchFamily="49" charset="0"/>
-                        <a:cs typeface="Menlo" panose="020B0609030804020204" pitchFamily="49" charset="0"/>
-                      </a:endParaRPr>
-                    </a:p>
-                  </a:txBody>
-                  <a:tcPr/>
-                </a:tc>
-                <a:tc>
-                  <a:txBody>
-                    <a:bodyPr/>
-                    <a:lstStyle/>
-                    <a:p>
-                      <a:r>
-                        <a:rPr lang="en-US" altLang="zh-TW" dirty="0">
-                          <a:latin typeface="Menlo" panose="020B0609030804020204" pitchFamily="49" charset="0"/>
-                          <a:cs typeface="Menlo" panose="020B0609030804020204" pitchFamily="49" charset="0"/>
-                        </a:rPr>
-                        <a:t>1</a:t>
-                      </a:r>
-                      <a:endParaRPr lang="zh-TW" altLang="en-US" dirty="0">
-                        <a:latin typeface="Menlo" panose="020B0609030804020204" pitchFamily="49" charset="0"/>
-                        <a:cs typeface="Menlo" panose="020B0609030804020204" pitchFamily="49" charset="0"/>
-                      </a:endParaRPr>
-                    </a:p>
-                  </a:txBody>
-                  <a:tcPr/>
-                </a:tc>
-                <a:extLst>
-                  <a:ext uri="{0D108BD9-81ED-4DB2-BD59-A6C34878D82A}">
-                    <a16:rowId xmlns:a16="http://schemas.microsoft.com/office/drawing/2014/main" val="763440303"/>
-                  </a:ext>
-                </a:extLst>
-              </a:tr>
-              <a:tr h="370840">
-                <a:tc>
-                  <a:txBody>
-                    <a:bodyPr/>
-                    <a:lstStyle/>
-                    <a:p>
-                      <a:r>
-                        <a:rPr lang="en-US" altLang="zh-TW" dirty="0">
-                          <a:latin typeface="Menlo" panose="020B0609030804020204" pitchFamily="49" charset="0"/>
-                          <a:cs typeface="Menlo" panose="020B0609030804020204" pitchFamily="49" charset="0"/>
-                        </a:rPr>
-                        <a:t>10</a:t>
-                      </a:r>
-                      <a:endParaRPr lang="zh-TW" altLang="en-US" dirty="0">
-                        <a:latin typeface="Menlo" panose="020B0609030804020204" pitchFamily="49" charset="0"/>
-                        <a:cs typeface="Menlo" panose="020B0609030804020204" pitchFamily="49" charset="0"/>
-                      </a:endParaRPr>
-                    </a:p>
-                  </a:txBody>
-                  <a:tcPr/>
-                </a:tc>
-                <a:tc>
-                  <a:txBody>
-                    <a:bodyPr/>
-                    <a:lstStyle/>
-                    <a:p>
-                      <a:r>
-                        <a:rPr lang="en-US" altLang="zh-TW" dirty="0">
-                          <a:latin typeface="Menlo" panose="020B0609030804020204" pitchFamily="49" charset="0"/>
-                          <a:cs typeface="Menlo" panose="020B0609030804020204" pitchFamily="49" charset="0"/>
-                        </a:rPr>
-                        <a:t>10</a:t>
-                      </a:r>
-                      <a:endParaRPr lang="zh-TW" altLang="en-US" dirty="0">
-                        <a:latin typeface="Menlo" panose="020B0609030804020204" pitchFamily="49" charset="0"/>
-                        <a:cs typeface="Menlo" panose="020B0609030804020204" pitchFamily="49" charset="0"/>
-                      </a:endParaRPr>
-                    </a:p>
-                  </a:txBody>
-                  <a:tcPr/>
-                </a:tc>
-                <a:tc>
-                  <a:txBody>
-                    <a:bodyPr/>
-                    <a:lstStyle/>
-                    <a:p>
-                      <a:r>
-                        <a:rPr lang="en-US" altLang="zh-TW" dirty="0">
-                          <a:latin typeface="Menlo" panose="020B0609030804020204" pitchFamily="49" charset="0"/>
-                          <a:cs typeface="Menlo" panose="020B0609030804020204" pitchFamily="49" charset="0"/>
-                        </a:rPr>
-                        <a:t>4</a:t>
-                      </a:r>
-                      <a:endParaRPr lang="zh-TW" altLang="en-US" dirty="0">
-                        <a:latin typeface="Menlo" panose="020B0609030804020204" pitchFamily="49" charset="0"/>
-                        <a:cs typeface="Menlo" panose="020B0609030804020204" pitchFamily="49" charset="0"/>
-                      </a:endParaRPr>
-                    </a:p>
-                  </a:txBody>
-                  <a:tcPr/>
-                </a:tc>
-                <a:extLst>
-                  <a:ext uri="{0D108BD9-81ED-4DB2-BD59-A6C34878D82A}">
-                    <a16:rowId xmlns:a16="http://schemas.microsoft.com/office/drawing/2014/main" val="2812763644"/>
-                  </a:ext>
-                </a:extLst>
-              </a:tr>
-              <a:tr h="370840">
-                <a:tc>
-                  <a:txBody>
-                    <a:bodyPr/>
-                    <a:lstStyle/>
-                    <a:p>
-                      <a:r>
-                        <a:rPr lang="en-US" altLang="zh-TW" dirty="0">
-                          <a:latin typeface="Menlo" panose="020B0609030804020204" pitchFamily="49" charset="0"/>
-                          <a:ea typeface="Menlo" panose="020B0609030804020204" pitchFamily="49" charset="0"/>
-                          <a:cs typeface="Menlo" panose="020B0609030804020204" pitchFamily="49" charset="0"/>
-                        </a:rPr>
-                        <a:t>100</a:t>
-                      </a:r>
-                      <a:endParaRPr lang="zh-TW" altLang="en-US" dirty="0">
-                        <a:latin typeface="Menlo" panose="020B0609030804020204" pitchFamily="49" charset="0"/>
-                        <a:cs typeface="Menlo" panose="020B0609030804020204" pitchFamily="49" charset="0"/>
-                      </a:endParaRPr>
-                    </a:p>
-                  </a:txBody>
-                  <a:tcPr/>
-                </a:tc>
-                <a:tc>
-                  <a:txBody>
-                    <a:bodyPr/>
-                    <a:lstStyle/>
-                    <a:p>
-                      <a:r>
-                        <a:rPr lang="en-US" altLang="zh-TW" dirty="0">
-                          <a:latin typeface="Menlo" panose="020B0609030804020204" pitchFamily="49" charset="0"/>
-                          <a:ea typeface="Menlo" panose="020B0609030804020204" pitchFamily="49" charset="0"/>
-                          <a:cs typeface="Menlo" panose="020B0609030804020204" pitchFamily="49" charset="0"/>
-                        </a:rPr>
-                        <a:t>100</a:t>
-                      </a:r>
-                      <a:endParaRPr lang="zh-TW" altLang="en-US" dirty="0">
-                        <a:latin typeface="Menlo" panose="020B0609030804020204" pitchFamily="49" charset="0"/>
-                        <a:cs typeface="Menlo" panose="020B0609030804020204" pitchFamily="49" charset="0"/>
-                      </a:endParaRPr>
-                    </a:p>
-                  </a:txBody>
-                  <a:tcPr/>
-                </a:tc>
-                <a:tc>
-                  <a:txBody>
-                    <a:bodyPr/>
-                    <a:lstStyle/>
-                    <a:p>
-                      <a:r>
-                        <a:rPr lang="en-US" altLang="zh-TW" dirty="0">
-                          <a:latin typeface="Menlo" panose="020B0609030804020204" pitchFamily="49" charset="0"/>
-                          <a:ea typeface="Menlo" panose="020B0609030804020204" pitchFamily="49" charset="0"/>
-                          <a:cs typeface="Menlo" panose="020B0609030804020204" pitchFamily="49" charset="0"/>
-                        </a:rPr>
-                        <a:t>7</a:t>
-                      </a:r>
-                      <a:endParaRPr lang="zh-TW" altLang="en-US" dirty="0">
-                        <a:latin typeface="Menlo" panose="020B0609030804020204" pitchFamily="49" charset="0"/>
-                        <a:cs typeface="Menlo" panose="020B0609030804020204" pitchFamily="49" charset="0"/>
-                      </a:endParaRPr>
-                    </a:p>
-                  </a:txBody>
-                  <a:tcPr/>
-                </a:tc>
-                <a:extLst>
-                  <a:ext uri="{0D108BD9-81ED-4DB2-BD59-A6C34878D82A}">
-                    <a16:rowId xmlns:a16="http://schemas.microsoft.com/office/drawing/2014/main" val="2899947400"/>
-                  </a:ext>
-                </a:extLst>
-              </a:tr>
-              <a:tr h="370840">
-                <a:tc>
-                  <a:txBody>
-                    <a:bodyPr/>
-                    <a:lstStyle/>
-                    <a:p>
-                      <a:r>
-                        <a:rPr lang="en-US" altLang="zh-TW" dirty="0">
-                          <a:latin typeface="Menlo" panose="020B0609030804020204" pitchFamily="49" charset="0"/>
-                          <a:ea typeface="Menlo" panose="020B0609030804020204" pitchFamily="49" charset="0"/>
-                          <a:cs typeface="Menlo" panose="020B0609030804020204" pitchFamily="49" charset="0"/>
-                        </a:rPr>
-                        <a:t>1000</a:t>
-                      </a:r>
-                      <a:endParaRPr lang="zh-TW" altLang="en-US" dirty="0">
-                        <a:latin typeface="Menlo" panose="020B0609030804020204" pitchFamily="49" charset="0"/>
-                        <a:cs typeface="Menlo" panose="020B0609030804020204" pitchFamily="49" charset="0"/>
-                      </a:endParaRPr>
-                    </a:p>
-                  </a:txBody>
-                  <a:tcPr/>
-                </a:tc>
-                <a:tc>
-                  <a:txBody>
-                    <a:bodyPr/>
-                    <a:lstStyle/>
-                    <a:p>
-                      <a:r>
-                        <a:rPr lang="en-US" altLang="zh-TW" dirty="0">
-                          <a:latin typeface="Menlo" panose="020B0609030804020204" pitchFamily="49" charset="0"/>
-                          <a:ea typeface="Menlo" panose="020B0609030804020204" pitchFamily="49" charset="0"/>
-                          <a:cs typeface="Menlo" panose="020B0609030804020204" pitchFamily="49" charset="0"/>
-                        </a:rPr>
-                        <a:t>1000</a:t>
-                      </a:r>
-                      <a:endParaRPr lang="zh-TW" altLang="en-US" dirty="0">
-                        <a:latin typeface="Menlo" panose="020B0609030804020204" pitchFamily="49" charset="0"/>
-                        <a:cs typeface="Menlo" panose="020B0609030804020204" pitchFamily="49" charset="0"/>
-                      </a:endParaRPr>
-                    </a:p>
-                  </a:txBody>
-                  <a:tcPr/>
-                </a:tc>
-                <a:tc>
-                  <a:txBody>
-                    <a:bodyPr/>
-                    <a:lstStyle/>
-                    <a:p>
-                      <a:r>
-                        <a:rPr lang="en-US" altLang="zh-TW" dirty="0">
-                          <a:latin typeface="Menlo" panose="020B0609030804020204" pitchFamily="49" charset="0"/>
-                          <a:ea typeface="Menlo" panose="020B0609030804020204" pitchFamily="49" charset="0"/>
-                          <a:cs typeface="Menlo" panose="020B0609030804020204" pitchFamily="49" charset="0"/>
-                        </a:rPr>
-                        <a:t>10</a:t>
-                      </a:r>
-                      <a:endParaRPr lang="zh-TW" altLang="en-US" dirty="0">
-                        <a:latin typeface="Menlo" panose="020B0609030804020204" pitchFamily="49" charset="0"/>
-                        <a:cs typeface="Menlo" panose="020B0609030804020204" pitchFamily="49" charset="0"/>
-                      </a:endParaRPr>
-                    </a:p>
-                  </a:txBody>
-                  <a:tcPr/>
-                </a:tc>
-                <a:extLst>
-                  <a:ext uri="{0D108BD9-81ED-4DB2-BD59-A6C34878D82A}">
-                    <a16:rowId xmlns:a16="http://schemas.microsoft.com/office/drawing/2014/main" val="794740129"/>
-                  </a:ext>
-                </a:extLst>
-              </a:tr>
-              <a:tr h="370840">
-                <a:tc>
-                  <a:txBody>
-                    <a:bodyPr/>
-                    <a:lstStyle/>
-                    <a:p>
-                      <a:r>
-                        <a:rPr lang="en-US" altLang="zh-TW" dirty="0">
-                          <a:latin typeface="Menlo" panose="020B0609030804020204" pitchFamily="49" charset="0"/>
-                          <a:ea typeface="Menlo" panose="020B0609030804020204" pitchFamily="49" charset="0"/>
-                          <a:cs typeface="Menlo" panose="020B0609030804020204" pitchFamily="49" charset="0"/>
-                        </a:rPr>
-                        <a:t>10000</a:t>
-                      </a:r>
-                      <a:endParaRPr lang="zh-TW" altLang="en-US" dirty="0">
-                        <a:latin typeface="Menlo" panose="020B0609030804020204" pitchFamily="49" charset="0"/>
-                        <a:cs typeface="Menlo" panose="020B0609030804020204" pitchFamily="49" charset="0"/>
-                      </a:endParaRPr>
-                    </a:p>
-                  </a:txBody>
-                  <a:tcPr/>
-                </a:tc>
-                <a:tc>
-                  <a:txBody>
-                    <a:bodyPr/>
-                    <a:lstStyle/>
-                    <a:p>
-                      <a:r>
-                        <a:rPr lang="en-US" altLang="zh-TW" dirty="0">
-                          <a:latin typeface="Menlo" panose="020B0609030804020204" pitchFamily="49" charset="0"/>
-                          <a:ea typeface="Menlo" panose="020B0609030804020204" pitchFamily="49" charset="0"/>
-                          <a:cs typeface="Menlo" panose="020B0609030804020204" pitchFamily="49" charset="0"/>
-                        </a:rPr>
-                        <a:t>10000</a:t>
-                      </a:r>
-                      <a:endParaRPr lang="zh-TW" altLang="en-US" dirty="0">
-                        <a:latin typeface="Menlo" panose="020B0609030804020204" pitchFamily="49" charset="0"/>
-                        <a:cs typeface="Menlo" panose="020B0609030804020204" pitchFamily="49" charset="0"/>
-                      </a:endParaRPr>
-                    </a:p>
-                  </a:txBody>
-                  <a:tcPr/>
-                </a:tc>
-                <a:tc>
-                  <a:txBody>
-                    <a:bodyPr/>
-                    <a:lstStyle/>
-                    <a:p>
-                      <a:r>
-                        <a:rPr lang="en-US" altLang="zh-TW" dirty="0">
-                          <a:latin typeface="Menlo" panose="020B0609030804020204" pitchFamily="49" charset="0"/>
-                          <a:ea typeface="Menlo" panose="020B0609030804020204" pitchFamily="49" charset="0"/>
-                          <a:cs typeface="Menlo" panose="020B0609030804020204" pitchFamily="49" charset="0"/>
-                        </a:rPr>
-                        <a:t>14</a:t>
-                      </a:r>
-                      <a:endParaRPr lang="zh-TW" altLang="en-US" dirty="0">
-                        <a:latin typeface="Menlo" panose="020B0609030804020204" pitchFamily="49" charset="0"/>
-                        <a:cs typeface="Menlo" panose="020B0609030804020204" pitchFamily="49" charset="0"/>
-                      </a:endParaRPr>
-                    </a:p>
-                  </a:txBody>
-                  <a:tcPr/>
-                </a:tc>
-                <a:extLst>
-                  <a:ext uri="{0D108BD9-81ED-4DB2-BD59-A6C34878D82A}">
-                    <a16:rowId xmlns:a16="http://schemas.microsoft.com/office/drawing/2014/main" val="177599134"/>
-                  </a:ext>
-                </a:extLst>
-              </a:tr>
-              <a:tr h="370840">
-                <a:tc>
-                  <a:txBody>
-                    <a:bodyPr/>
-                    <a:lstStyle/>
-                    <a:p>
-                      <a:r>
-                        <a:rPr lang="en-US" altLang="zh-TW" dirty="0">
-                          <a:latin typeface="Menlo" panose="020B0609030804020204" pitchFamily="49" charset="0"/>
-                          <a:ea typeface="Menlo" panose="020B0609030804020204" pitchFamily="49" charset="0"/>
-                          <a:cs typeface="Menlo" panose="020B0609030804020204" pitchFamily="49" charset="0"/>
-                        </a:rPr>
-                        <a:t>100000</a:t>
-                      </a:r>
-                      <a:endParaRPr lang="zh-TW" altLang="en-US" dirty="0">
-                        <a:latin typeface="Menlo" panose="020B0609030804020204" pitchFamily="49" charset="0"/>
-                        <a:cs typeface="Menlo" panose="020B0609030804020204" pitchFamily="49" charset="0"/>
-                      </a:endParaRPr>
-                    </a:p>
-                  </a:txBody>
-                  <a:tcPr/>
-                </a:tc>
-                <a:tc>
-                  <a:txBody>
-                    <a:bodyPr/>
-                    <a:lstStyle/>
-                    <a:p>
-                      <a:r>
-                        <a:rPr lang="en-US" altLang="zh-TW" dirty="0">
-                          <a:latin typeface="Menlo" panose="020B0609030804020204" pitchFamily="49" charset="0"/>
-                          <a:ea typeface="Menlo" panose="020B0609030804020204" pitchFamily="49" charset="0"/>
-                          <a:cs typeface="Menlo" panose="020B0609030804020204" pitchFamily="49" charset="0"/>
-                        </a:rPr>
-                        <a:t>100000</a:t>
-                      </a:r>
-                      <a:endParaRPr lang="zh-TW" altLang="en-US" dirty="0">
-                        <a:latin typeface="Menlo" panose="020B0609030804020204" pitchFamily="49" charset="0"/>
-                        <a:cs typeface="Menlo" panose="020B0609030804020204" pitchFamily="49" charset="0"/>
-                      </a:endParaRPr>
-                    </a:p>
-                  </a:txBody>
-                  <a:tcPr/>
-                </a:tc>
-                <a:tc>
-                  <a:txBody>
-                    <a:bodyPr/>
-                    <a:lstStyle/>
-                    <a:p>
-                      <a:r>
-                        <a:rPr lang="en-US" altLang="zh-TW" dirty="0">
-                          <a:latin typeface="Menlo" panose="020B0609030804020204" pitchFamily="49" charset="0"/>
-                          <a:ea typeface="Menlo" panose="020B0609030804020204" pitchFamily="49" charset="0"/>
-                          <a:cs typeface="Menlo" panose="020B0609030804020204" pitchFamily="49" charset="0"/>
-                        </a:rPr>
-                        <a:t>17</a:t>
-                      </a:r>
-                      <a:endParaRPr lang="zh-TW" altLang="en-US" dirty="0">
-                        <a:latin typeface="Menlo" panose="020B0609030804020204" pitchFamily="49" charset="0"/>
-                        <a:cs typeface="Menlo" panose="020B0609030804020204" pitchFamily="49" charset="0"/>
-                      </a:endParaRPr>
-                    </a:p>
-                  </a:txBody>
-                  <a:tcPr/>
-                </a:tc>
-                <a:extLst>
-                  <a:ext uri="{0D108BD9-81ED-4DB2-BD59-A6C34878D82A}">
-                    <a16:rowId xmlns:a16="http://schemas.microsoft.com/office/drawing/2014/main" val="2125198806"/>
-                  </a:ext>
-                </a:extLst>
-              </a:tr>
-              <a:tr h="370840">
-                <a:tc>
-                  <a:txBody>
-                    <a:bodyPr/>
-                    <a:lstStyle/>
-                    <a:p>
-                      <a:r>
-                        <a:rPr lang="en-US" altLang="zh-TW" dirty="0">
-                          <a:latin typeface="Menlo" panose="020B0609030804020204" pitchFamily="49" charset="0"/>
-                          <a:ea typeface="Menlo" panose="020B0609030804020204" pitchFamily="49" charset="0"/>
-                          <a:cs typeface="Menlo" panose="020B0609030804020204" pitchFamily="49" charset="0"/>
-                        </a:rPr>
-                        <a:t>1000000000</a:t>
-                      </a:r>
-                      <a:endParaRPr lang="zh-TW" altLang="en-US" dirty="0">
-                        <a:latin typeface="Menlo" panose="020B0609030804020204" pitchFamily="49" charset="0"/>
-                        <a:cs typeface="Menlo" panose="020B0609030804020204" pitchFamily="49" charset="0"/>
-                      </a:endParaRPr>
-                    </a:p>
-                  </a:txBody>
-                  <a:tcPr/>
-                </a:tc>
-                <a:tc>
-                  <a:txBody>
-                    <a:bodyPr/>
-                    <a:lstStyle/>
-                    <a:p>
-                      <a:pPr marL="0" marR="0" lvl="0" indent="0" algn="l" defTabSz="457200" rtl="0" eaLnBrk="1" fontAlgn="auto" latinLnBrk="0" hangingPunct="1">
-                        <a:lnSpc>
-                          <a:spcPct val="100000"/>
-                        </a:lnSpc>
-                        <a:spcBef>
-                          <a:spcPts val="0"/>
-                        </a:spcBef>
-                        <a:spcAft>
-                          <a:spcPts val="0"/>
-                        </a:spcAft>
-                        <a:buClrTx/>
-                        <a:buSzTx/>
-                        <a:buFontTx/>
-                        <a:buNone/>
-                        <a:tabLst/>
-                        <a:defRPr/>
-                      </a:pPr>
-                      <a:r>
-                        <a:rPr lang="en-US" altLang="zh-TW" dirty="0">
-                          <a:latin typeface="Menlo" panose="020B0609030804020204" pitchFamily="49" charset="0"/>
-                          <a:ea typeface="Menlo" panose="020B0609030804020204" pitchFamily="49" charset="0"/>
-                          <a:cs typeface="Menlo" panose="020B0609030804020204" pitchFamily="49" charset="0"/>
-                        </a:rPr>
-                        <a:t>1000000000</a:t>
-                      </a:r>
-                      <a:endParaRPr lang="zh-TW" altLang="en-US" dirty="0">
-                        <a:latin typeface="Menlo" panose="020B0609030804020204" pitchFamily="49" charset="0"/>
-                        <a:cs typeface="Menlo" panose="020B0609030804020204" pitchFamily="49" charset="0"/>
-                      </a:endParaRPr>
-                    </a:p>
-                  </a:txBody>
-                  <a:tcPr/>
-                </a:tc>
-                <a:tc>
-                  <a:txBody>
-                    <a:bodyPr/>
-                    <a:lstStyle/>
-                    <a:p>
-                      <a:r>
-                        <a:rPr lang="en-US" altLang="zh-TW" dirty="0">
-                          <a:latin typeface="Menlo" panose="020B0609030804020204" pitchFamily="49" charset="0"/>
-                          <a:ea typeface="Menlo" panose="020B0609030804020204" pitchFamily="49" charset="0"/>
-                          <a:cs typeface="Menlo" panose="020B0609030804020204" pitchFamily="49" charset="0"/>
-                        </a:rPr>
-                        <a:t>30</a:t>
-                      </a:r>
-                      <a:endParaRPr lang="zh-TW" altLang="en-US" dirty="0">
-                        <a:latin typeface="Menlo" panose="020B0609030804020204" pitchFamily="49" charset="0"/>
-                        <a:cs typeface="Menlo" panose="020B0609030804020204" pitchFamily="49" charset="0"/>
-                      </a:endParaRPr>
-                    </a:p>
-                  </a:txBody>
-                  <a:tcPr/>
-                </a:tc>
-                <a:extLst>
-                  <a:ext uri="{0D108BD9-81ED-4DB2-BD59-A6C34878D82A}">
-                    <a16:rowId xmlns:a16="http://schemas.microsoft.com/office/drawing/2014/main" val="1191617602"/>
-                  </a:ext>
-                </a:extLst>
-              </a:tr>
-              <a:tr h="370840">
-                <a:tc>
-                  <a:txBody>
-                    <a:bodyPr/>
-                    <a:lstStyle/>
-                    <a:p>
-                      <a:endParaRPr lang="zh-TW" altLang="en-US">
-                        <a:latin typeface="Menlo" panose="020B0609030804020204" pitchFamily="49" charset="0"/>
-                        <a:cs typeface="Menlo" panose="020B0609030804020204" pitchFamily="49" charset="0"/>
-                      </a:endParaRPr>
-                    </a:p>
-                  </a:txBody>
-                  <a:tcPr/>
-                </a:tc>
-                <a:tc>
-                  <a:txBody>
-                    <a:bodyPr/>
-                    <a:lstStyle/>
-                    <a:p>
-                      <a:r>
-                        <a:rPr lang="en-US" altLang="zh-TW" dirty="0">
-                          <a:latin typeface="Menlo" panose="020B0609030804020204" pitchFamily="49" charset="0"/>
-                          <a:ea typeface="Menlo" panose="020B0609030804020204" pitchFamily="49" charset="0"/>
-                          <a:cs typeface="Menlo" panose="020B0609030804020204" pitchFamily="49" charset="0"/>
-                        </a:rPr>
-                        <a:t>O(N)</a:t>
-                      </a:r>
-                      <a:endParaRPr lang="zh-TW" altLang="en-US" dirty="0">
-                        <a:latin typeface="Menlo" panose="020B0609030804020204" pitchFamily="49" charset="0"/>
-                        <a:cs typeface="Menlo" panose="020B0609030804020204" pitchFamily="49" charset="0"/>
-                      </a:endParaRPr>
-                    </a:p>
-                  </a:txBody>
-                  <a:tcPr/>
-                </a:tc>
-                <a:tc>
-                  <a:txBody>
-                    <a:bodyPr/>
-                    <a:lstStyle/>
-                    <a:p>
-                      <a:r>
-                        <a:rPr lang="en-US" altLang="zh-TW" dirty="0">
-                          <a:latin typeface="Menlo" panose="020B0609030804020204" pitchFamily="49" charset="0"/>
-                          <a:ea typeface="Menlo" panose="020B0609030804020204" pitchFamily="49" charset="0"/>
-                          <a:cs typeface="Menlo" panose="020B0609030804020204" pitchFamily="49" charset="0"/>
-                        </a:rPr>
-                        <a:t>O(log N)</a:t>
-                      </a:r>
-                      <a:endParaRPr lang="zh-TW" altLang="en-US" dirty="0">
-                        <a:latin typeface="Menlo" panose="020B0609030804020204" pitchFamily="49" charset="0"/>
-                        <a:cs typeface="Menlo" panose="020B0609030804020204" pitchFamily="49" charset="0"/>
-                      </a:endParaRPr>
-                    </a:p>
-                  </a:txBody>
-                  <a:tcPr/>
-                </a:tc>
-                <a:extLst>
-                  <a:ext uri="{0D108BD9-81ED-4DB2-BD59-A6C34878D82A}">
-                    <a16:rowId xmlns:a16="http://schemas.microsoft.com/office/drawing/2014/main" val="329051383"/>
-                  </a:ext>
-                </a:extLst>
-              </a:tr>
-            </a:tbl>
-          </a:graphicData>
-        </a:graphic>
-      </p:graphicFrame>
-      <p:sp>
-        <p:nvSpPr>
-          <p:cNvPr id="5" name="文字方塊 4">
-            <a:extLst>
-              <a:ext uri="{FF2B5EF4-FFF2-40B4-BE49-F238E27FC236}">
-                <a16:creationId xmlns:a16="http://schemas.microsoft.com/office/drawing/2014/main" id="{0CE4A261-2AF2-9C43-8586-1F70AC7B85D3}"/>
-              </a:ext>
-            </a:extLst>
-          </p:cNvPr>
-          <p:cNvSpPr txBox="1"/>
-          <p:nvPr/>
-        </p:nvSpPr>
-        <p:spPr>
-          <a:xfrm>
-            <a:off x="5609541" y="5407388"/>
-            <a:ext cx="1221809" cy="461665"/>
-          </a:xfrm>
-          <a:prstGeom prst="rect">
-            <a:avLst/>
-          </a:prstGeom>
-          <a:noFill/>
-        </p:spPr>
-        <p:txBody>
-          <a:bodyPr wrap="none" rtlCol="0">
-            <a:spAutoFit/>
-          </a:bodyPr>
-          <a:lstStyle/>
-          <a:p>
-            <a:r>
-              <a:rPr kumimoji="1" lang="zh-TW" altLang="en-US" sz="2400" dirty="0">
-                <a:solidFill>
-                  <a:srgbClr val="FF0000"/>
-                </a:solidFill>
-              </a:rPr>
-              <a:t>省很大</a:t>
-            </a:r>
-            <a:r>
-              <a:rPr kumimoji="1" lang="en-US" altLang="zh-TW" sz="2400" dirty="0">
-                <a:solidFill>
-                  <a:srgbClr val="FF0000"/>
-                </a:solidFill>
-              </a:rPr>
-              <a:t>!</a:t>
-            </a:r>
-            <a:endParaRPr kumimoji="1" lang="zh-TW" altLang="en-US" sz="2400" dirty="0">
-              <a:solidFill>
-                <a:srgbClr val="FF0000"/>
-              </a:solidFill>
-            </a:endParaRPr>
-          </a:p>
-        </p:txBody>
-      </p:sp>
-      <p:sp>
-        <p:nvSpPr>
-          <p:cNvPr id="3" name="矩形 2">
-            <a:extLst>
-              <a:ext uri="{FF2B5EF4-FFF2-40B4-BE49-F238E27FC236}">
-                <a16:creationId xmlns:a16="http://schemas.microsoft.com/office/drawing/2014/main" id="{C7146ABD-5768-6E46-909D-18D1DDDF3B2D}"/>
-              </a:ext>
-            </a:extLst>
-          </p:cNvPr>
-          <p:cNvSpPr/>
-          <p:nvPr/>
-        </p:nvSpPr>
-        <p:spPr>
-          <a:xfrm>
-            <a:off x="677334" y="2638097"/>
-            <a:ext cx="7342059" cy="441434"/>
-          </a:xfrm>
-          <a:prstGeom prst="rect">
-            <a:avLst/>
-          </a:prstGeom>
-          <a:noFill/>
-          <a:ln>
-            <a:solidFill>
-              <a:srgbClr val="FF0000"/>
-            </a:solidFill>
-          </a:ln>
-        </p:spPr>
-        <p:style>
-          <a:lnRef idx="2">
-            <a:schemeClr val="accent1">
-              <a:shade val="50000"/>
-            </a:schemeClr>
-          </a:lnRef>
-          <a:fillRef idx="1">
-            <a:schemeClr val="accent1"/>
-          </a:fillRef>
-          <a:effectRef idx="0">
-            <a:schemeClr val="accent1"/>
-          </a:effectRef>
-          <a:fontRef idx="minor">
-            <a:schemeClr val="lt1"/>
-          </a:fontRef>
-        </p:style>
-        <p:txBody>
-          <a:bodyPr rtlCol="0" anchor="ctr"/>
-          <a:lstStyle/>
-          <a:p>
-            <a:pPr algn="ctr"/>
-            <a:endParaRPr kumimoji="1" lang="zh-TW" altLang="en-US"/>
-          </a:p>
-        </p:txBody>
-      </p:sp>
-      <p:sp>
-        <p:nvSpPr>
-          <p:cNvPr id="6" name="文字方塊 5">
-            <a:extLst>
-              <a:ext uri="{FF2B5EF4-FFF2-40B4-BE49-F238E27FC236}">
-                <a16:creationId xmlns:a16="http://schemas.microsoft.com/office/drawing/2014/main" id="{46D44915-7D1E-0643-9A69-02BEC14F9496}"/>
-              </a:ext>
-            </a:extLst>
-          </p:cNvPr>
-          <p:cNvSpPr txBox="1"/>
-          <p:nvPr/>
-        </p:nvSpPr>
-        <p:spPr>
-          <a:xfrm>
-            <a:off x="8092428" y="2674148"/>
-            <a:ext cx="2363147" cy="369332"/>
-          </a:xfrm>
-          <a:prstGeom prst="rect">
-            <a:avLst/>
-          </a:prstGeom>
-          <a:noFill/>
-        </p:spPr>
-        <p:txBody>
-          <a:bodyPr wrap="none" rtlCol="0">
-            <a:spAutoFit/>
-          </a:bodyPr>
-          <a:lstStyle/>
-          <a:p>
-            <a:r>
-              <a:rPr kumimoji="1" lang="en-US" altLang="zh-TW" dirty="0">
-                <a:solidFill>
-                  <a:srgbClr val="FF0000"/>
-                </a:solidFill>
-                <a:latin typeface="Menlo" panose="020B0609030804020204" pitchFamily="49" charset="0"/>
-                <a:ea typeface="Menlo" panose="020B0609030804020204" pitchFamily="49" charset="0"/>
-                <a:cs typeface="Menlo" panose="020B0609030804020204" pitchFamily="49" charset="0"/>
-              </a:rPr>
-              <a:t>2.5</a:t>
-            </a:r>
-            <a:r>
-              <a:rPr kumimoji="1" lang="zh-TW" altLang="en-US" dirty="0">
-                <a:solidFill>
-                  <a:srgbClr val="FF0000"/>
-                </a:solidFill>
-                <a:latin typeface="Menlo" panose="020B0609030804020204" pitchFamily="49" charset="0"/>
-                <a:cs typeface="Menlo" panose="020B0609030804020204" pitchFamily="49" charset="0"/>
-              </a:rPr>
-              <a:t>倍</a:t>
-            </a:r>
-            <a:r>
-              <a:rPr kumimoji="1" lang="en-US" altLang="zh-TW" dirty="0">
-                <a:solidFill>
-                  <a:srgbClr val="FF0000"/>
-                </a:solidFill>
-                <a:latin typeface="Menlo" panose="020B0609030804020204" pitchFamily="49" charset="0"/>
-                <a:ea typeface="Menlo" panose="020B0609030804020204" pitchFamily="49" charset="0"/>
-                <a:cs typeface="Menlo" panose="020B0609030804020204" pitchFamily="49" charset="0"/>
-              </a:rPr>
-              <a:t>??</a:t>
-            </a:r>
-            <a:r>
-              <a:rPr kumimoji="1" lang="zh-TW" altLang="en-US" dirty="0">
-                <a:solidFill>
-                  <a:srgbClr val="FF0000"/>
-                </a:solidFill>
-                <a:latin typeface="Menlo" panose="020B0609030804020204" pitchFamily="49" charset="0"/>
-                <a:cs typeface="Menlo" panose="020B0609030804020204" pitchFamily="49" charset="0"/>
-              </a:rPr>
-              <a:t> </a:t>
-            </a:r>
-            <a:r>
-              <a:rPr kumimoji="1" lang="en-US" altLang="zh-TW" dirty="0">
-                <a:solidFill>
-                  <a:srgbClr val="FF0000"/>
-                </a:solidFill>
-                <a:latin typeface="Menlo" panose="020B0609030804020204" pitchFamily="49" charset="0"/>
-                <a:ea typeface="Menlo" panose="020B0609030804020204" pitchFamily="49" charset="0"/>
-                <a:cs typeface="Menlo" panose="020B0609030804020204" pitchFamily="49" charset="0"/>
-              </a:rPr>
-              <a:t>(</a:t>
-            </a:r>
-            <a:r>
-              <a:rPr kumimoji="1" lang="zh-TW" altLang="en-US" dirty="0">
-                <a:solidFill>
-                  <a:srgbClr val="FF0000"/>
-                </a:solidFill>
-                <a:latin typeface="Menlo" panose="020B0609030804020204" pitchFamily="49" charset="0"/>
-                <a:cs typeface="Menlo" panose="020B0609030804020204" pitchFamily="49" charset="0"/>
-              </a:rPr>
-              <a:t>錯很大</a:t>
-            </a:r>
-            <a:r>
-              <a:rPr kumimoji="1" lang="en-US" altLang="zh-TW" dirty="0">
-                <a:solidFill>
-                  <a:srgbClr val="FF0000"/>
-                </a:solidFill>
-                <a:latin typeface="Menlo" panose="020B0609030804020204" pitchFamily="49" charset="0"/>
-                <a:ea typeface="Menlo" panose="020B0609030804020204" pitchFamily="49" charset="0"/>
-                <a:cs typeface="Menlo" panose="020B0609030804020204" pitchFamily="49" charset="0"/>
-              </a:rPr>
-              <a:t>!)</a:t>
-            </a:r>
-            <a:endParaRPr kumimoji="1" lang="zh-TW" altLang="en-US" dirty="0">
-              <a:solidFill>
-                <a:srgbClr val="FF0000"/>
-              </a:solidFill>
-              <a:latin typeface="Menlo" panose="020B0609030804020204" pitchFamily="49" charset="0"/>
-              <a:cs typeface="Menlo" panose="020B0609030804020204" pitchFamily="49" charset="0"/>
-            </a:endParaRPr>
-          </a:p>
-        </p:txBody>
-      </p:sp>
-    </p:spTree>
-    <p:extLst>
-      <p:ext uri="{BB962C8B-B14F-4D97-AF65-F5344CB8AC3E}">
-        <p14:creationId xmlns:p14="http://schemas.microsoft.com/office/powerpoint/2010/main" val="792232509"/>
-      </p:ext>
-    </p:extLst>
-  </p:cSld>
-  <p:clrMapOvr>
-    <a:masterClrMapping/>
-  </p:clrMapOvr>
-</p:sld>
-</file>
-
-<file path=ppt/slides/slide8.xml><?xml version="1.0" encoding="utf-8"?>
-<p:sld xmlns:a="http://schemas.openxmlformats.org/drawingml/2006/main" xmlns:r="http://schemas.openxmlformats.org/officeDocument/2006/relationships" xmlns:p="http://schemas.openxmlformats.org/presentationml/2006/main">
-  <p:cSld>
-    <p:spTree>
-      <p:nvGrpSpPr>
-        <p:cNvPr id="1" name=""/>
-        <p:cNvGrpSpPr/>
-        <p:nvPr/>
-      </p:nvGrpSpPr>
-      <p:grpSpPr>
-        <a:xfrm>
-          <a:off x="0" y="0"/>
-          <a:ext cx="0" cy="0"/>
-          <a:chOff x="0" y="0"/>
-          <a:chExt cx="0" cy="0"/>
-        </a:xfrm>
-      </p:grpSpPr>
-      <p:sp>
-        <p:nvSpPr>
-          <p:cNvPr id="2" name="標題 1">
-            <a:extLst>
-              <a:ext uri="{FF2B5EF4-FFF2-40B4-BE49-F238E27FC236}">
-                <a16:creationId xmlns:a16="http://schemas.microsoft.com/office/drawing/2014/main" id="{C65986ED-7B34-4944-A9AD-638B60DA463F}"/>
-              </a:ext>
-            </a:extLst>
-          </p:cNvPr>
-          <p:cNvSpPr>
-            <a:spLocks noGrp="1"/>
-          </p:cNvSpPr>
-          <p:nvPr>
-            <p:ph type="title"/>
-          </p:nvPr>
-        </p:nvSpPr>
-        <p:spPr/>
-        <p:txBody>
-          <a:bodyPr/>
-          <a:lstStyle/>
-          <a:p>
-            <a:r>
-              <a:rPr kumimoji="1" lang="en-US" altLang="zh-TW" dirty="0"/>
-              <a:t>Performance Analysis</a:t>
-            </a:r>
-            <a:endParaRPr kumimoji="1" lang="zh-TW" altLang="en-US" dirty="0"/>
-          </a:p>
-        </p:txBody>
-      </p:sp>
-      <p:sp>
-        <p:nvSpPr>
-          <p:cNvPr id="3" name="內容版面配置區 2">
-            <a:extLst>
-              <a:ext uri="{FF2B5EF4-FFF2-40B4-BE49-F238E27FC236}">
-                <a16:creationId xmlns:a16="http://schemas.microsoft.com/office/drawing/2014/main" id="{DC8456C2-251A-C048-B861-9B4D8AC2ADFC}"/>
-              </a:ext>
-            </a:extLst>
-          </p:cNvPr>
-          <p:cNvSpPr>
-            <a:spLocks noGrp="1"/>
-          </p:cNvSpPr>
-          <p:nvPr>
-            <p:ph idx="1"/>
-          </p:nvPr>
-        </p:nvSpPr>
-        <p:spPr>
-          <a:xfrm>
-            <a:off x="677334" y="1818291"/>
-            <a:ext cx="8596668" cy="4223072"/>
-          </a:xfrm>
-        </p:spPr>
-        <p:txBody>
-          <a:bodyPr>
-            <a:normAutofit/>
-          </a:bodyPr>
-          <a:lstStyle/>
-          <a:p>
-            <a:r>
-              <a:rPr kumimoji="1" lang="en-US" altLang="zh-TW" sz="2000" dirty="0"/>
-              <a:t>Linear Search: </a:t>
-            </a:r>
-            <a:r>
-              <a:rPr kumimoji="1" lang="en-US" altLang="zh-TW" sz="2000" dirty="0">
-                <a:solidFill>
-                  <a:srgbClr val="FF0000"/>
-                </a:solidFill>
-              </a:rPr>
-              <a:t>O(N)</a:t>
-            </a:r>
-          </a:p>
-          <a:p>
-            <a:pPr lvl="1"/>
-            <a:r>
-              <a:rPr kumimoji="1" lang="en-US" altLang="zh-TW" sz="1800" dirty="0"/>
-              <a:t>Best: 1</a:t>
-            </a:r>
-          </a:p>
-          <a:p>
-            <a:pPr lvl="1"/>
-            <a:r>
-              <a:rPr kumimoji="1" lang="en-US" altLang="zh-TW" sz="1800" dirty="0"/>
-              <a:t>Worst: 100</a:t>
-            </a:r>
-          </a:p>
-          <a:p>
-            <a:pPr lvl="1"/>
-            <a:r>
-              <a:rPr kumimoji="1" lang="en-US" altLang="zh-TW" sz="1800" dirty="0"/>
-              <a:t>Average: (1+100) / 2</a:t>
-            </a:r>
-          </a:p>
-          <a:p>
-            <a:pPr lvl="1"/>
-            <a:r>
-              <a:rPr kumimoji="1" lang="zh-TW" altLang="en-US" sz="1800" dirty="0"/>
-              <a:t>注意</a:t>
-            </a:r>
-            <a:r>
-              <a:rPr kumimoji="1" lang="en-US" altLang="zh-TW" sz="1800" dirty="0"/>
-              <a:t>:</a:t>
-            </a:r>
-            <a:r>
-              <a:rPr kumimoji="1" lang="zh-TW" altLang="en-US" sz="1800" dirty="0"/>
-              <a:t> 不是每種演算法都能輕易計算出各種情境的效能</a:t>
-            </a:r>
-            <a:endParaRPr kumimoji="1" lang="en-US" altLang="zh-TW" sz="1800" dirty="0"/>
-          </a:p>
-          <a:p>
-            <a:pPr lvl="1"/>
-            <a:endParaRPr kumimoji="1" lang="en-US" altLang="zh-TW" sz="1800" dirty="0"/>
-          </a:p>
-          <a:p>
-            <a:r>
-              <a:rPr kumimoji="1" lang="en-US" altLang="zh-TW" sz="2000" dirty="0"/>
-              <a:t>Binary Search: </a:t>
-            </a:r>
-            <a:r>
-              <a:rPr kumimoji="1" lang="en-US" altLang="zh-TW" sz="2000" dirty="0">
-                <a:solidFill>
-                  <a:srgbClr val="FF0000"/>
-                </a:solidFill>
-              </a:rPr>
-              <a:t>O(log N)</a:t>
-            </a:r>
-          </a:p>
-          <a:p>
-            <a:pPr lvl="1"/>
-            <a:r>
-              <a:rPr kumimoji="1" lang="en-US" altLang="zh-TW" sz="1800" dirty="0"/>
-              <a:t>Worst: log2 100  (2^7 = 128, log2 128 = 7)</a:t>
-            </a:r>
-            <a:endParaRPr kumimoji="1" lang="zh-TW" altLang="en-US" sz="1800" dirty="0"/>
-          </a:p>
-        </p:txBody>
-      </p:sp>
-      <p:pic>
-        <p:nvPicPr>
-          <p:cNvPr id="4" name="圖片 3">
-            <a:extLst>
-              <a:ext uri="{FF2B5EF4-FFF2-40B4-BE49-F238E27FC236}">
-                <a16:creationId xmlns:a16="http://schemas.microsoft.com/office/drawing/2014/main" id="{B26A45F7-901B-7F4C-B49A-912731AECC17}"/>
-              </a:ext>
-            </a:extLst>
-          </p:cNvPr>
-          <p:cNvPicPr>
-            <a:picLocks noChangeAspect="1"/>
-          </p:cNvPicPr>
-          <p:nvPr/>
-        </p:nvPicPr>
-        <p:blipFill>
-          <a:blip r:embed="rId2"/>
-          <a:stretch>
-            <a:fillRect/>
-          </a:stretch>
-        </p:blipFill>
-        <p:spPr>
-          <a:xfrm>
-            <a:off x="7298661" y="1570496"/>
-            <a:ext cx="4512258" cy="4300746"/>
-          </a:xfrm>
-          <a:prstGeom prst="rect">
-            <a:avLst/>
-          </a:prstGeom>
-        </p:spPr>
-      </p:pic>
-    </p:spTree>
-    <p:extLst>
-      <p:ext uri="{BB962C8B-B14F-4D97-AF65-F5344CB8AC3E}">
-        <p14:creationId xmlns:p14="http://schemas.microsoft.com/office/powerpoint/2010/main" val="3186741031"/>
-      </p:ext>
-    </p:extLst>
-  </p:cSld>
-  <p:clrMapOvr>
-    <a:masterClrMapping/>
-  </p:clrMapOvr>
-</p:sld>
-</file>
-
-<file path=ppt/slides/slide9.xml><?xml version="1.0" encoding="utf-8"?>
-<p:sld xmlns:a="http://schemas.openxmlformats.org/drawingml/2006/main" xmlns:r="http://schemas.openxmlformats.org/officeDocument/2006/relationships" xmlns:p="http://schemas.openxmlformats.org/presentationml/2006/main">
-  <p:cSld>
-    <p:spTree>
-      <p:nvGrpSpPr>
-        <p:cNvPr id="1" name=""/>
-        <p:cNvGrpSpPr/>
-        <p:nvPr/>
-      </p:nvGrpSpPr>
-      <p:grpSpPr>
-        <a:xfrm>
-          <a:off x="0" y="0"/>
-          <a:ext cx="0" cy="0"/>
-          <a:chOff x="0" y="0"/>
-          <a:chExt cx="0" cy="0"/>
-        </a:xfrm>
-      </p:grpSpPr>
-      <p:sp>
-        <p:nvSpPr>
-          <p:cNvPr id="2" name="標題 1">
-            <a:extLst>
-              <a:ext uri="{FF2B5EF4-FFF2-40B4-BE49-F238E27FC236}">
-                <a16:creationId xmlns:a16="http://schemas.microsoft.com/office/drawing/2014/main" id="{823048A6-1B3B-0F46-86F8-200E6FBB5F8F}"/>
-              </a:ext>
-            </a:extLst>
-          </p:cNvPr>
-          <p:cNvSpPr>
-            <a:spLocks noGrp="1"/>
-          </p:cNvSpPr>
-          <p:nvPr>
-            <p:ph type="title"/>
-          </p:nvPr>
-        </p:nvSpPr>
-        <p:spPr/>
-        <p:txBody>
-          <a:bodyPr/>
-          <a:lstStyle/>
-          <a:p>
-            <a:r>
-              <a:rPr kumimoji="1" lang="zh-TW" altLang="en-US" dirty="0"/>
-              <a:t>再舉個例子</a:t>
-            </a:r>
-            <a:r>
-              <a:rPr kumimoji="1" lang="en-US" altLang="zh-TW" dirty="0"/>
-              <a:t>:</a:t>
-            </a:r>
-            <a:r>
-              <a:rPr kumimoji="1" lang="zh-TW" altLang="en-US" dirty="0"/>
-              <a:t> 費氏數列</a:t>
-            </a:r>
-            <a:br>
-              <a:rPr kumimoji="1" lang="en-US" altLang="zh-TW" dirty="0"/>
-            </a:br>
-            <a:r>
-              <a:rPr kumimoji="1" lang="en-US" altLang="zh-TW" dirty="0"/>
-              <a:t>Fibonacci number</a:t>
-            </a:r>
-            <a:endParaRPr kumimoji="1" lang="zh-TW" altLang="en-US" dirty="0"/>
-          </a:p>
-        </p:txBody>
-      </p:sp>
       <p:graphicFrame>
         <p:nvGraphicFramePr>
           <p:cNvPr id="4" name="表格 3">
@@ -10116,6 +6581,5500 @@
 </p:sld>
 </file>
 
+<file path=ppt/slides/slide11.xml><?xml version="1.0" encoding="utf-8"?>
+<p:sld xmlns:a="http://schemas.openxmlformats.org/drawingml/2006/main" xmlns:r="http://schemas.openxmlformats.org/officeDocument/2006/relationships" xmlns:p="http://schemas.openxmlformats.org/presentationml/2006/main">
+  <p:cSld>
+    <p:spTree>
+      <p:nvGrpSpPr>
+        <p:cNvPr id="1" name=""/>
+        <p:cNvGrpSpPr/>
+        <p:nvPr/>
+      </p:nvGrpSpPr>
+      <p:grpSpPr>
+        <a:xfrm>
+          <a:off x="0" y="0"/>
+          <a:ext cx="0" cy="0"/>
+          <a:chOff x="0" y="0"/>
+          <a:chExt cx="0" cy="0"/>
+        </a:xfrm>
+      </p:grpSpPr>
+      <p:sp>
+        <p:nvSpPr>
+          <p:cNvPr id="2" name="標題 1">
+            <a:extLst>
+              <a:ext uri="{FF2B5EF4-FFF2-40B4-BE49-F238E27FC236}">
+                <a16:creationId xmlns:a16="http://schemas.microsoft.com/office/drawing/2014/main" id="{823048A6-1B3B-0F46-86F8-200E6FBB5F8F}"/>
+              </a:ext>
+            </a:extLst>
+          </p:cNvPr>
+          <p:cNvSpPr>
+            <a:spLocks noGrp="1"/>
+          </p:cNvSpPr>
+          <p:nvPr>
+            <p:ph type="title"/>
+          </p:nvPr>
+        </p:nvSpPr>
+        <p:spPr/>
+        <p:txBody>
+          <a:bodyPr/>
+          <a:lstStyle/>
+          <a:p>
+            <a:r>
+              <a:rPr kumimoji="1" lang="zh-TW" altLang="en-US" dirty="0"/>
+              <a:t>再舉個例子</a:t>
+            </a:r>
+            <a:r>
+              <a:rPr kumimoji="1" lang="en-US" altLang="zh-TW" dirty="0"/>
+              <a:t>:</a:t>
+            </a:r>
+            <a:r>
+              <a:rPr kumimoji="1" lang="zh-TW" altLang="en-US" dirty="0"/>
+              <a:t> 費氏數列</a:t>
+            </a:r>
+            <a:br>
+              <a:rPr kumimoji="1" lang="en-US" altLang="zh-TW" dirty="0"/>
+            </a:br>
+            <a:r>
+              <a:rPr kumimoji="1" lang="en-US" altLang="zh-TW" dirty="0"/>
+              <a:t>Fibonacci number</a:t>
+            </a:r>
+            <a:endParaRPr kumimoji="1" lang="zh-TW" altLang="en-US" dirty="0"/>
+          </a:p>
+        </p:txBody>
+      </p:sp>
+      <p:sp>
+        <p:nvSpPr>
+          <p:cNvPr id="5" name="文字方塊 4">
+            <a:extLst>
+              <a:ext uri="{FF2B5EF4-FFF2-40B4-BE49-F238E27FC236}">
+                <a16:creationId xmlns:a16="http://schemas.microsoft.com/office/drawing/2014/main" id="{3AB9D118-DF2C-CD4D-8383-0B320FE8D615}"/>
+              </a:ext>
+            </a:extLst>
+          </p:cNvPr>
+          <p:cNvSpPr txBox="1"/>
+          <p:nvPr/>
+        </p:nvSpPr>
+        <p:spPr>
+          <a:xfrm>
+            <a:off x="677334" y="1930400"/>
+            <a:ext cx="3764172" cy="830997"/>
+          </a:xfrm>
+          <a:prstGeom prst="rect">
+            <a:avLst/>
+          </a:prstGeom>
+          <a:noFill/>
+        </p:spPr>
+        <p:txBody>
+          <a:bodyPr wrap="none" rtlCol="0">
+            <a:spAutoFit/>
+          </a:bodyPr>
+          <a:lstStyle/>
+          <a:p>
+            <a:r>
+              <a:rPr kumimoji="1" lang="en-US" altLang="zh-TW" sz="1600" dirty="0">
+                <a:latin typeface="Menlo" panose="020B0609030804020204" pitchFamily="49" charset="0"/>
+                <a:ea typeface="Menlo" panose="020B0609030804020204" pitchFamily="49" charset="0"/>
+                <a:cs typeface="Menlo" panose="020B0609030804020204" pitchFamily="49" charset="0"/>
+              </a:rPr>
+              <a:t>F(0) = 0</a:t>
+            </a:r>
+          </a:p>
+          <a:p>
+            <a:r>
+              <a:rPr kumimoji="1" lang="en-US" altLang="zh-TW" sz="1600" dirty="0">
+                <a:latin typeface="Menlo" panose="020B0609030804020204" pitchFamily="49" charset="0"/>
+                <a:ea typeface="Menlo" panose="020B0609030804020204" pitchFamily="49" charset="0"/>
+                <a:cs typeface="Menlo" panose="020B0609030804020204" pitchFamily="49" charset="0"/>
+              </a:rPr>
+              <a:t>F(1) = 1</a:t>
+            </a:r>
+          </a:p>
+          <a:p>
+            <a:r>
+              <a:rPr kumimoji="1" lang="en-US" altLang="zh-TW" sz="1600" dirty="0">
+                <a:latin typeface="Menlo" panose="020B0609030804020204" pitchFamily="49" charset="0"/>
+                <a:ea typeface="Menlo" panose="020B0609030804020204" pitchFamily="49" charset="0"/>
+                <a:cs typeface="Menlo" panose="020B0609030804020204" pitchFamily="49" charset="0"/>
+              </a:rPr>
+              <a:t>F(n) = F(n-1) + F(n-2),  n&gt;=2</a:t>
+            </a:r>
+            <a:endParaRPr kumimoji="1" lang="zh-TW" altLang="en-US" sz="1600" dirty="0">
+              <a:latin typeface="Menlo" panose="020B0609030804020204" pitchFamily="49" charset="0"/>
+              <a:cs typeface="Menlo" panose="020B0609030804020204" pitchFamily="49" charset="0"/>
+            </a:endParaRPr>
+          </a:p>
+        </p:txBody>
+      </p:sp>
+      <p:sp>
+        <p:nvSpPr>
+          <p:cNvPr id="6" name="文字方塊 5">
+            <a:extLst>
+              <a:ext uri="{FF2B5EF4-FFF2-40B4-BE49-F238E27FC236}">
+                <a16:creationId xmlns:a16="http://schemas.microsoft.com/office/drawing/2014/main" id="{315DC7D1-0A51-1148-9B67-0D81D790D3DC}"/>
+              </a:ext>
+            </a:extLst>
+          </p:cNvPr>
+          <p:cNvSpPr txBox="1"/>
+          <p:nvPr/>
+        </p:nvSpPr>
+        <p:spPr>
+          <a:xfrm>
+            <a:off x="677334" y="2980184"/>
+            <a:ext cx="3887603" cy="1877437"/>
+          </a:xfrm>
+          <a:prstGeom prst="rect">
+            <a:avLst/>
+          </a:prstGeom>
+          <a:noFill/>
+          <a:ln>
+            <a:solidFill>
+              <a:schemeClr val="accent1"/>
+            </a:solidFill>
+          </a:ln>
+        </p:spPr>
+        <p:txBody>
+          <a:bodyPr wrap="none" rtlCol="0">
+            <a:spAutoFit/>
+          </a:bodyPr>
+          <a:lstStyle/>
+          <a:p>
+            <a:r>
+              <a:rPr kumimoji="1" lang="en" altLang="zh-TW" sz="1600" dirty="0">
+                <a:solidFill>
+                  <a:srgbClr val="FF0000"/>
+                </a:solidFill>
+                <a:latin typeface="Menlo" panose="020B0609030804020204" pitchFamily="49" charset="0"/>
+                <a:ea typeface="Menlo" panose="020B0609030804020204" pitchFamily="49" charset="0"/>
+                <a:cs typeface="Menlo" panose="020B0609030804020204" pitchFamily="49" charset="0"/>
+              </a:rPr>
+              <a:t>#Fibonacci number - iterative</a:t>
+            </a:r>
+          </a:p>
+          <a:p>
+            <a:r>
+              <a:rPr kumimoji="1" lang="en" altLang="zh-TW" sz="1600" dirty="0">
+                <a:latin typeface="Menlo" panose="020B0609030804020204" pitchFamily="49" charset="0"/>
+                <a:ea typeface="Menlo" panose="020B0609030804020204" pitchFamily="49" charset="0"/>
+                <a:cs typeface="Menlo" panose="020B0609030804020204" pitchFamily="49" charset="0"/>
+              </a:rPr>
+              <a:t>N = 9</a:t>
+            </a:r>
+          </a:p>
+          <a:p>
+            <a:r>
+              <a:rPr kumimoji="1" lang="en" altLang="zh-TW" sz="1600" dirty="0">
+                <a:latin typeface="Menlo" panose="020B0609030804020204" pitchFamily="49" charset="0"/>
+                <a:ea typeface="Menlo" panose="020B0609030804020204" pitchFamily="49" charset="0"/>
+                <a:cs typeface="Menlo" panose="020B0609030804020204" pitchFamily="49" charset="0"/>
+              </a:rPr>
+              <a:t>F = [0, 1]</a:t>
+            </a:r>
+          </a:p>
+          <a:p>
+            <a:r>
+              <a:rPr kumimoji="1" lang="en" altLang="zh-TW" sz="1600" dirty="0">
+                <a:latin typeface="Menlo" panose="020B0609030804020204" pitchFamily="49" charset="0"/>
+                <a:ea typeface="Menlo" panose="020B0609030804020204" pitchFamily="49" charset="0"/>
+                <a:cs typeface="Menlo" panose="020B0609030804020204" pitchFamily="49" charset="0"/>
+              </a:rPr>
+              <a:t>for n in range(2, N+1):</a:t>
+            </a:r>
+          </a:p>
+          <a:p>
+            <a:r>
+              <a:rPr kumimoji="1" lang="en" altLang="zh-TW" sz="1600" dirty="0">
+                <a:latin typeface="Menlo" panose="020B0609030804020204" pitchFamily="49" charset="0"/>
+                <a:ea typeface="Menlo" panose="020B0609030804020204" pitchFamily="49" charset="0"/>
+                <a:cs typeface="Menlo" panose="020B0609030804020204" pitchFamily="49" charset="0"/>
+              </a:rPr>
+              <a:t>    </a:t>
+            </a:r>
+            <a:r>
+              <a:rPr kumimoji="1" lang="en" altLang="zh-TW" sz="1600" dirty="0" err="1">
+                <a:latin typeface="Menlo" panose="020B0609030804020204" pitchFamily="49" charset="0"/>
+                <a:ea typeface="Menlo" panose="020B0609030804020204" pitchFamily="49" charset="0"/>
+                <a:cs typeface="Menlo" panose="020B0609030804020204" pitchFamily="49" charset="0"/>
+              </a:rPr>
+              <a:t>F.append</a:t>
+            </a:r>
+            <a:r>
+              <a:rPr kumimoji="1" lang="en" altLang="zh-TW" sz="1600" dirty="0">
+                <a:latin typeface="Menlo" panose="020B0609030804020204" pitchFamily="49" charset="0"/>
+                <a:ea typeface="Menlo" panose="020B0609030804020204" pitchFamily="49" charset="0"/>
+                <a:cs typeface="Menlo" panose="020B0609030804020204" pitchFamily="49" charset="0"/>
+              </a:rPr>
+              <a:t>(F[n-1] + F[n-2])</a:t>
+            </a:r>
+          </a:p>
+          <a:p>
+            <a:r>
+              <a:rPr kumimoji="1" lang="en" altLang="zh-TW" sz="1600" dirty="0">
+                <a:latin typeface="Menlo" panose="020B0609030804020204" pitchFamily="49" charset="0"/>
+                <a:ea typeface="Menlo" panose="020B0609030804020204" pitchFamily="49" charset="0"/>
+                <a:cs typeface="Menlo" panose="020B0609030804020204" pitchFamily="49" charset="0"/>
+              </a:rPr>
+              <a:t>    </a:t>
+            </a:r>
+          </a:p>
+          <a:p>
+            <a:r>
+              <a:rPr kumimoji="1" lang="en" altLang="zh-TW" sz="1600" dirty="0">
+                <a:latin typeface="Menlo" panose="020B0609030804020204" pitchFamily="49" charset="0"/>
+                <a:ea typeface="Menlo" panose="020B0609030804020204" pitchFamily="49" charset="0"/>
+                <a:cs typeface="Menlo" panose="020B0609030804020204" pitchFamily="49" charset="0"/>
+              </a:rPr>
+              <a:t>print(F[N])</a:t>
+            </a:r>
+            <a:endParaRPr kumimoji="1" lang="zh-TW" altLang="en-US" sz="1600" dirty="0">
+              <a:latin typeface="Menlo" panose="020B0609030804020204" pitchFamily="49" charset="0"/>
+              <a:cs typeface="Menlo" panose="020B0609030804020204" pitchFamily="49" charset="0"/>
+            </a:endParaRPr>
+          </a:p>
+        </p:txBody>
+      </p:sp>
+      <p:sp>
+        <p:nvSpPr>
+          <p:cNvPr id="7" name="文字方塊 6">
+            <a:extLst>
+              <a:ext uri="{FF2B5EF4-FFF2-40B4-BE49-F238E27FC236}">
+                <a16:creationId xmlns:a16="http://schemas.microsoft.com/office/drawing/2014/main" id="{ACD7510D-DADC-B341-9E05-49049560EC32}"/>
+              </a:ext>
+            </a:extLst>
+          </p:cNvPr>
+          <p:cNvSpPr txBox="1"/>
+          <p:nvPr/>
+        </p:nvSpPr>
+        <p:spPr>
+          <a:xfrm>
+            <a:off x="5219751" y="2980184"/>
+            <a:ext cx="3887603" cy="2308324"/>
+          </a:xfrm>
+          <a:prstGeom prst="rect">
+            <a:avLst/>
+          </a:prstGeom>
+          <a:noFill/>
+          <a:ln>
+            <a:solidFill>
+              <a:schemeClr val="accent1"/>
+            </a:solidFill>
+          </a:ln>
+        </p:spPr>
+        <p:txBody>
+          <a:bodyPr wrap="none" rtlCol="0">
+            <a:spAutoFit/>
+          </a:bodyPr>
+          <a:lstStyle/>
+          <a:p>
+            <a:r>
+              <a:rPr kumimoji="1" lang="en" altLang="zh-TW" sz="1600" dirty="0">
+                <a:solidFill>
+                  <a:srgbClr val="FF0000"/>
+                </a:solidFill>
+                <a:latin typeface="Menlo" panose="020B0609030804020204" pitchFamily="49" charset="0"/>
+                <a:ea typeface="Menlo" panose="020B0609030804020204" pitchFamily="49" charset="0"/>
+                <a:cs typeface="Menlo" panose="020B0609030804020204" pitchFamily="49" charset="0"/>
+              </a:rPr>
+              <a:t>#Fibonacci number - recursion</a:t>
+            </a:r>
+          </a:p>
+          <a:p>
+            <a:r>
+              <a:rPr kumimoji="1" lang="en" altLang="zh-TW" sz="1600" dirty="0">
+                <a:latin typeface="Menlo" panose="020B0609030804020204" pitchFamily="49" charset="0"/>
+                <a:ea typeface="Menlo" panose="020B0609030804020204" pitchFamily="49" charset="0"/>
+                <a:cs typeface="Menlo" panose="020B0609030804020204" pitchFamily="49" charset="0"/>
+              </a:rPr>
+              <a:t>def F(n):</a:t>
+            </a:r>
+          </a:p>
+          <a:p>
+            <a:r>
+              <a:rPr kumimoji="1" lang="en" altLang="zh-TW" sz="1600" dirty="0">
+                <a:latin typeface="Menlo" panose="020B0609030804020204" pitchFamily="49" charset="0"/>
+                <a:ea typeface="Menlo" panose="020B0609030804020204" pitchFamily="49" charset="0"/>
+                <a:cs typeface="Menlo" panose="020B0609030804020204" pitchFamily="49" charset="0"/>
+              </a:rPr>
+              <a:t>    if n &lt;= 1:</a:t>
+            </a:r>
+          </a:p>
+          <a:p>
+            <a:r>
+              <a:rPr kumimoji="1" lang="en" altLang="zh-TW" sz="1600" dirty="0">
+                <a:latin typeface="Menlo" panose="020B0609030804020204" pitchFamily="49" charset="0"/>
+                <a:ea typeface="Menlo" panose="020B0609030804020204" pitchFamily="49" charset="0"/>
+                <a:cs typeface="Menlo" panose="020B0609030804020204" pitchFamily="49" charset="0"/>
+              </a:rPr>
+              <a:t>        return n</a:t>
+            </a:r>
+          </a:p>
+          <a:p>
+            <a:r>
+              <a:rPr kumimoji="1" lang="en" altLang="zh-TW" sz="1600" dirty="0">
+                <a:latin typeface="Menlo" panose="020B0609030804020204" pitchFamily="49" charset="0"/>
+                <a:ea typeface="Menlo" panose="020B0609030804020204" pitchFamily="49" charset="0"/>
+                <a:cs typeface="Menlo" panose="020B0609030804020204" pitchFamily="49" charset="0"/>
+              </a:rPr>
+              <a:t>    else:</a:t>
+            </a:r>
+          </a:p>
+          <a:p>
+            <a:r>
+              <a:rPr kumimoji="1" lang="en" altLang="zh-TW" sz="1600" dirty="0">
+                <a:latin typeface="Menlo" panose="020B0609030804020204" pitchFamily="49" charset="0"/>
+                <a:ea typeface="Menlo" panose="020B0609030804020204" pitchFamily="49" charset="0"/>
+                <a:cs typeface="Menlo" panose="020B0609030804020204" pitchFamily="49" charset="0"/>
+              </a:rPr>
+              <a:t>        return F(n-1) + F(n-2)</a:t>
+            </a:r>
+          </a:p>
+          <a:p>
+            <a:r>
+              <a:rPr kumimoji="1" lang="en" altLang="zh-TW" sz="1600" dirty="0">
+                <a:latin typeface="Menlo" panose="020B0609030804020204" pitchFamily="49" charset="0"/>
+                <a:ea typeface="Menlo" panose="020B0609030804020204" pitchFamily="49" charset="0"/>
+                <a:cs typeface="Menlo" panose="020B0609030804020204" pitchFamily="49" charset="0"/>
+              </a:rPr>
+              <a:t>    </a:t>
+            </a:r>
+          </a:p>
+          <a:p>
+            <a:r>
+              <a:rPr kumimoji="1" lang="en" altLang="zh-TW" sz="1600" dirty="0">
+                <a:latin typeface="Menlo" panose="020B0609030804020204" pitchFamily="49" charset="0"/>
+                <a:ea typeface="Menlo" panose="020B0609030804020204" pitchFamily="49" charset="0"/>
+                <a:cs typeface="Menlo" panose="020B0609030804020204" pitchFamily="49" charset="0"/>
+              </a:rPr>
+              <a:t>N = 9    </a:t>
+            </a:r>
+          </a:p>
+          <a:p>
+            <a:r>
+              <a:rPr kumimoji="1" lang="en" altLang="zh-TW" sz="1600" dirty="0">
+                <a:latin typeface="Menlo" panose="020B0609030804020204" pitchFamily="49" charset="0"/>
+                <a:ea typeface="Menlo" panose="020B0609030804020204" pitchFamily="49" charset="0"/>
+                <a:cs typeface="Menlo" panose="020B0609030804020204" pitchFamily="49" charset="0"/>
+              </a:rPr>
+              <a:t>print(F(N))</a:t>
+            </a:r>
+            <a:endParaRPr kumimoji="1" lang="zh-TW" altLang="en-US" sz="1600" dirty="0">
+              <a:latin typeface="Menlo" panose="020B0609030804020204" pitchFamily="49" charset="0"/>
+              <a:cs typeface="Menlo" panose="020B0609030804020204" pitchFamily="49" charset="0"/>
+            </a:endParaRPr>
+          </a:p>
+        </p:txBody>
+      </p:sp>
+      <p:sp>
+        <p:nvSpPr>
+          <p:cNvPr id="3" name="文字方塊 2">
+            <a:extLst>
+              <a:ext uri="{FF2B5EF4-FFF2-40B4-BE49-F238E27FC236}">
+                <a16:creationId xmlns:a16="http://schemas.microsoft.com/office/drawing/2014/main" id="{D7C7CAD8-0417-FE4E-8D11-BBC6208FBEE6}"/>
+              </a:ext>
+            </a:extLst>
+          </p:cNvPr>
+          <p:cNvSpPr txBox="1"/>
+          <p:nvPr/>
+        </p:nvSpPr>
+        <p:spPr>
+          <a:xfrm>
+            <a:off x="2230644" y="5722739"/>
+            <a:ext cx="657552" cy="369332"/>
+          </a:xfrm>
+          <a:prstGeom prst="rect">
+            <a:avLst/>
+          </a:prstGeom>
+          <a:noFill/>
+        </p:spPr>
+        <p:txBody>
+          <a:bodyPr wrap="none" rtlCol="0">
+            <a:spAutoFit/>
+          </a:bodyPr>
+          <a:lstStyle/>
+          <a:p>
+            <a:r>
+              <a:rPr kumimoji="1" lang="en-US" altLang="zh-TW" dirty="0">
+                <a:solidFill>
+                  <a:srgbClr val="FF0000"/>
+                </a:solidFill>
+              </a:rPr>
+              <a:t>O(N)</a:t>
+            </a:r>
+            <a:endParaRPr kumimoji="1" lang="zh-TW" altLang="en-US" dirty="0">
+              <a:solidFill>
+                <a:srgbClr val="FF0000"/>
+              </a:solidFill>
+            </a:endParaRPr>
+          </a:p>
+        </p:txBody>
+      </p:sp>
+      <p:sp>
+        <p:nvSpPr>
+          <p:cNvPr id="8" name="文字方塊 7">
+            <a:extLst>
+              <a:ext uri="{FF2B5EF4-FFF2-40B4-BE49-F238E27FC236}">
+                <a16:creationId xmlns:a16="http://schemas.microsoft.com/office/drawing/2014/main" id="{F428949A-759E-5F49-BD7A-4C4939B3FADA}"/>
+              </a:ext>
+            </a:extLst>
+          </p:cNvPr>
+          <p:cNvSpPr txBox="1"/>
+          <p:nvPr/>
+        </p:nvSpPr>
+        <p:spPr>
+          <a:xfrm>
+            <a:off x="6096000" y="5722739"/>
+            <a:ext cx="970137" cy="369332"/>
+          </a:xfrm>
+          <a:prstGeom prst="rect">
+            <a:avLst/>
+          </a:prstGeom>
+          <a:noFill/>
+        </p:spPr>
+        <p:txBody>
+          <a:bodyPr wrap="none" rtlCol="0">
+            <a:spAutoFit/>
+          </a:bodyPr>
+          <a:lstStyle/>
+          <a:p>
+            <a:r>
+              <a:rPr kumimoji="1" lang="en-US" altLang="zh-TW" dirty="0">
+                <a:solidFill>
+                  <a:srgbClr val="FF0000"/>
+                </a:solidFill>
+              </a:rPr>
+              <a:t>O(2^N) </a:t>
+            </a:r>
+            <a:endParaRPr kumimoji="1" lang="zh-TW" altLang="en-US" dirty="0">
+              <a:solidFill>
+                <a:srgbClr val="FF0000"/>
+              </a:solidFill>
+            </a:endParaRPr>
+          </a:p>
+        </p:txBody>
+      </p:sp>
+    </p:spTree>
+    <p:extLst>
+      <p:ext uri="{BB962C8B-B14F-4D97-AF65-F5344CB8AC3E}">
+        <p14:creationId xmlns:p14="http://schemas.microsoft.com/office/powerpoint/2010/main" val="2359172155"/>
+      </p:ext>
+    </p:extLst>
+  </p:cSld>
+  <p:clrMapOvr>
+    <a:masterClrMapping/>
+  </p:clrMapOvr>
+</p:sld>
+</file>
+
+<file path=ppt/slides/slide12.xml><?xml version="1.0" encoding="utf-8"?>
+<p:sld xmlns:a="http://schemas.openxmlformats.org/drawingml/2006/main" xmlns:r="http://schemas.openxmlformats.org/officeDocument/2006/relationships" xmlns:p="http://schemas.openxmlformats.org/presentationml/2006/main">
+  <p:cSld>
+    <p:spTree>
+      <p:nvGrpSpPr>
+        <p:cNvPr id="1" name=""/>
+        <p:cNvGrpSpPr/>
+        <p:nvPr/>
+      </p:nvGrpSpPr>
+      <p:grpSpPr>
+        <a:xfrm>
+          <a:off x="0" y="0"/>
+          <a:ext cx="0" cy="0"/>
+          <a:chOff x="0" y="0"/>
+          <a:chExt cx="0" cy="0"/>
+        </a:xfrm>
+      </p:grpSpPr>
+      <p:sp>
+        <p:nvSpPr>
+          <p:cNvPr id="2" name="標題 1">
+            <a:extLst>
+              <a:ext uri="{FF2B5EF4-FFF2-40B4-BE49-F238E27FC236}">
+                <a16:creationId xmlns:a16="http://schemas.microsoft.com/office/drawing/2014/main" id="{533C0DDF-ED57-8444-BC27-19827A2C500E}"/>
+              </a:ext>
+            </a:extLst>
+          </p:cNvPr>
+          <p:cNvSpPr>
+            <a:spLocks noGrp="1"/>
+          </p:cNvSpPr>
+          <p:nvPr>
+            <p:ph type="title"/>
+          </p:nvPr>
+        </p:nvSpPr>
+        <p:spPr/>
+        <p:txBody>
+          <a:bodyPr/>
+          <a:lstStyle/>
+          <a:p>
+            <a:r>
+              <a:rPr kumimoji="1" lang="zh-TW" altLang="en-US" dirty="0"/>
+              <a:t>再舉個例子</a:t>
+            </a:r>
+            <a:r>
+              <a:rPr kumimoji="1" lang="en-US" altLang="zh-TW" dirty="0"/>
+              <a:t>:</a:t>
+            </a:r>
+            <a:r>
+              <a:rPr kumimoji="1" lang="zh-TW" altLang="en-US" dirty="0"/>
+              <a:t> 費氏數列</a:t>
+            </a:r>
+            <a:br>
+              <a:rPr kumimoji="1" lang="en-US" altLang="zh-TW" dirty="0"/>
+            </a:br>
+            <a:r>
+              <a:rPr kumimoji="1" lang="en-US" altLang="zh-TW" dirty="0"/>
+              <a:t>Fibonacci number</a:t>
+            </a:r>
+            <a:endParaRPr kumimoji="1" lang="zh-TW" altLang="en-US" dirty="0"/>
+          </a:p>
+        </p:txBody>
+      </p:sp>
+      <p:pic>
+        <p:nvPicPr>
+          <p:cNvPr id="4" name="圖片 3">
+            <a:extLst>
+              <a:ext uri="{FF2B5EF4-FFF2-40B4-BE49-F238E27FC236}">
+                <a16:creationId xmlns:a16="http://schemas.microsoft.com/office/drawing/2014/main" id="{9D29579A-6E0A-B14E-9630-4AE2863F4C2D}"/>
+              </a:ext>
+            </a:extLst>
+          </p:cNvPr>
+          <p:cNvPicPr>
+            <a:picLocks noChangeAspect="1"/>
+          </p:cNvPicPr>
+          <p:nvPr/>
+        </p:nvPicPr>
+        <p:blipFill>
+          <a:blip r:embed="rId2"/>
+          <a:stretch>
+            <a:fillRect/>
+          </a:stretch>
+        </p:blipFill>
+        <p:spPr>
+          <a:xfrm>
+            <a:off x="454050" y="2699966"/>
+            <a:ext cx="8596668" cy="4051708"/>
+          </a:xfrm>
+          <a:prstGeom prst="rect">
+            <a:avLst/>
+          </a:prstGeom>
+        </p:spPr>
+      </p:pic>
+      <p:sp>
+        <p:nvSpPr>
+          <p:cNvPr id="5" name="文字方塊 4">
+            <a:extLst>
+              <a:ext uri="{FF2B5EF4-FFF2-40B4-BE49-F238E27FC236}">
+                <a16:creationId xmlns:a16="http://schemas.microsoft.com/office/drawing/2014/main" id="{06151BA8-1898-844A-B920-242268C8BA32}"/>
+              </a:ext>
+            </a:extLst>
+          </p:cNvPr>
+          <p:cNvSpPr txBox="1"/>
+          <p:nvPr/>
+        </p:nvSpPr>
+        <p:spPr>
+          <a:xfrm>
+            <a:off x="746625" y="1930400"/>
+            <a:ext cx="7157729" cy="646331"/>
+          </a:xfrm>
+          <a:prstGeom prst="rect">
+            <a:avLst/>
+          </a:prstGeom>
+          <a:noFill/>
+        </p:spPr>
+        <p:txBody>
+          <a:bodyPr wrap="none" rtlCol="0">
+            <a:spAutoFit/>
+          </a:bodyPr>
+          <a:lstStyle/>
+          <a:p>
+            <a:r>
+              <a:rPr kumimoji="1" lang="en-US" altLang="zh-TW" dirty="0">
+                <a:latin typeface="Menlo" panose="020B0609030804020204" pitchFamily="49" charset="0"/>
+                <a:ea typeface="Menlo" panose="020B0609030804020204" pitchFamily="49" charset="0"/>
+                <a:cs typeface="Menlo" panose="020B0609030804020204" pitchFamily="49" charset="0"/>
+              </a:rPr>
+              <a:t>Given N = 40 and assume one instruction takes 1ns,</a:t>
+            </a:r>
+          </a:p>
+          <a:p>
+            <a:r>
+              <a:rPr kumimoji="1" lang="en-US" altLang="zh-TW" dirty="0">
+                <a:latin typeface="Menlo" panose="020B0609030804020204" pitchFamily="49" charset="0"/>
+                <a:ea typeface="Menlo" panose="020B0609030804020204" pitchFamily="49" charset="0"/>
+                <a:cs typeface="Menlo" panose="020B0609030804020204" pitchFamily="49" charset="0"/>
+              </a:rPr>
+              <a:t>(2 ^ 40) * 1 ns = 18 minutes </a:t>
+            </a:r>
+            <a:r>
+              <a:rPr kumimoji="1" lang="zh-TW" altLang="en-US" dirty="0">
+                <a:solidFill>
+                  <a:srgbClr val="FF0000"/>
+                </a:solidFill>
+                <a:latin typeface="Menlo" panose="020B0609030804020204" pitchFamily="49" charset="0"/>
+                <a:ea typeface="Menlo" panose="020B0609030804020204" pitchFamily="49" charset="0"/>
+                <a:cs typeface="Menlo" panose="020B0609030804020204" pitchFamily="49" charset="0"/>
+              </a:rPr>
+              <a:t>我的電腦當掉了</a:t>
+            </a:r>
+            <a:r>
+              <a:rPr kumimoji="1" lang="en-US" altLang="zh-TW" dirty="0">
+                <a:solidFill>
+                  <a:srgbClr val="FF0000"/>
+                </a:solidFill>
+                <a:latin typeface="Menlo" panose="020B0609030804020204" pitchFamily="49" charset="0"/>
+                <a:ea typeface="Menlo" panose="020B0609030804020204" pitchFamily="49" charset="0"/>
+                <a:cs typeface="Menlo" panose="020B0609030804020204" pitchFamily="49" charset="0"/>
+              </a:rPr>
+              <a:t>?</a:t>
+            </a:r>
+            <a:endParaRPr kumimoji="1" lang="zh-TW" altLang="en-US" dirty="0">
+              <a:solidFill>
+                <a:srgbClr val="FF0000"/>
+              </a:solidFill>
+              <a:latin typeface="Menlo" panose="020B0609030804020204" pitchFamily="49" charset="0"/>
+              <a:cs typeface="Menlo" panose="020B0609030804020204" pitchFamily="49" charset="0"/>
+            </a:endParaRPr>
+          </a:p>
+        </p:txBody>
+      </p:sp>
+    </p:spTree>
+    <p:extLst>
+      <p:ext uri="{BB962C8B-B14F-4D97-AF65-F5344CB8AC3E}">
+        <p14:creationId xmlns:p14="http://schemas.microsoft.com/office/powerpoint/2010/main" val="1590573023"/>
+      </p:ext>
+    </p:extLst>
+  </p:cSld>
+  <p:clrMapOvr>
+    <a:masterClrMapping/>
+  </p:clrMapOvr>
+</p:sld>
+</file>
+
+<file path=ppt/slides/slide2.xml><?xml version="1.0" encoding="utf-8"?>
+<p:sld xmlns:a="http://schemas.openxmlformats.org/drawingml/2006/main" xmlns:r="http://schemas.openxmlformats.org/officeDocument/2006/relationships" xmlns:p="http://schemas.openxmlformats.org/presentationml/2006/main">
+  <p:cSld>
+    <p:spTree>
+      <p:nvGrpSpPr>
+        <p:cNvPr id="1" name=""/>
+        <p:cNvGrpSpPr/>
+        <p:nvPr/>
+      </p:nvGrpSpPr>
+      <p:grpSpPr>
+        <a:xfrm>
+          <a:off x="0" y="0"/>
+          <a:ext cx="0" cy="0"/>
+          <a:chOff x="0" y="0"/>
+          <a:chExt cx="0" cy="0"/>
+        </a:xfrm>
+      </p:grpSpPr>
+      <p:sp>
+        <p:nvSpPr>
+          <p:cNvPr id="2" name="標題 1">
+            <a:extLst>
+              <a:ext uri="{FF2B5EF4-FFF2-40B4-BE49-F238E27FC236}">
+                <a16:creationId xmlns:a16="http://schemas.microsoft.com/office/drawing/2014/main" id="{15CF083F-3988-EC48-B2BB-8020172997A0}"/>
+              </a:ext>
+            </a:extLst>
+          </p:cNvPr>
+          <p:cNvSpPr>
+            <a:spLocks noGrp="1"/>
+          </p:cNvSpPr>
+          <p:nvPr>
+            <p:ph type="title"/>
+          </p:nvPr>
+        </p:nvSpPr>
+        <p:spPr/>
+        <p:txBody>
+          <a:bodyPr/>
+          <a:lstStyle/>
+          <a:p>
+            <a:r>
+              <a:rPr kumimoji="1" lang="en-US" altLang="zh-TW" dirty="0"/>
+              <a:t>Data structure &amp; Algorithm</a:t>
+            </a:r>
+            <a:endParaRPr kumimoji="1" lang="zh-TW" altLang="en-US" dirty="0"/>
+          </a:p>
+        </p:txBody>
+      </p:sp>
+      <p:sp>
+        <p:nvSpPr>
+          <p:cNvPr id="3" name="內容版面配置區 2">
+            <a:extLst>
+              <a:ext uri="{FF2B5EF4-FFF2-40B4-BE49-F238E27FC236}">
+                <a16:creationId xmlns:a16="http://schemas.microsoft.com/office/drawing/2014/main" id="{BE7A79AA-6380-AF43-A962-31BB72735FEE}"/>
+              </a:ext>
+            </a:extLst>
+          </p:cNvPr>
+          <p:cNvSpPr>
+            <a:spLocks noGrp="1"/>
+          </p:cNvSpPr>
+          <p:nvPr>
+            <p:ph idx="1"/>
+          </p:nvPr>
+        </p:nvSpPr>
+        <p:spPr/>
+        <p:txBody>
+          <a:bodyPr>
+            <a:normAutofit/>
+          </a:bodyPr>
+          <a:lstStyle/>
+          <a:p>
+            <a:r>
+              <a:rPr lang="zh-TW" altLang="en-US" sz="2400" dirty="0"/>
+              <a:t>資料結構</a:t>
+            </a:r>
+            <a:r>
+              <a:rPr lang="en-US" altLang="zh-TW" sz="2400" dirty="0"/>
+              <a:t>(</a:t>
+            </a:r>
+            <a:r>
+              <a:rPr lang="en" altLang="zh-TW" sz="2400" dirty="0"/>
+              <a:t>data structure</a:t>
+            </a:r>
+            <a:r>
+              <a:rPr lang="en-US" altLang="zh-TW" sz="2400" dirty="0"/>
+              <a:t>):</a:t>
+            </a:r>
+            <a:r>
+              <a:rPr lang="zh-TW" altLang="en-US" sz="2400" dirty="0"/>
+              <a:t> 電腦中儲存、組織資料的方式</a:t>
+            </a:r>
+            <a:endParaRPr lang="en-US" altLang="zh-TW" sz="2400" dirty="0"/>
+          </a:p>
+          <a:p>
+            <a:r>
+              <a:rPr kumimoji="1" lang="zh-TW" altLang="en-US" sz="2400" dirty="0"/>
+              <a:t>演算法</a:t>
+            </a:r>
+            <a:r>
+              <a:rPr kumimoji="1" lang="en-US" altLang="zh-TW" sz="2400" dirty="0"/>
+              <a:t>(algorithm): </a:t>
+            </a:r>
+            <a:r>
+              <a:rPr kumimoji="1" lang="zh-TW" altLang="en-US" sz="2400" dirty="0"/>
+              <a:t>為完成任務而下達的一組指示</a:t>
+            </a:r>
+            <a:endParaRPr kumimoji="1" lang="en-US" altLang="zh-TW" sz="2400" dirty="0"/>
+          </a:p>
+          <a:p>
+            <a:endParaRPr kumimoji="1" lang="en-US" altLang="zh-TW" sz="2400" dirty="0"/>
+          </a:p>
+          <a:p>
+            <a:r>
+              <a:rPr kumimoji="1" lang="zh-TW" altLang="en-US" sz="2400" dirty="0"/>
+              <a:t>程式 </a:t>
+            </a:r>
+            <a:r>
+              <a:rPr kumimoji="1" lang="en-US" altLang="zh-TW" sz="2400" dirty="0"/>
+              <a:t>= </a:t>
+            </a:r>
+            <a:r>
+              <a:rPr lang="zh-TW" altLang="en-US" sz="2400" dirty="0"/>
+              <a:t>資料結構 </a:t>
+            </a:r>
+            <a:r>
+              <a:rPr lang="en-US" altLang="zh-TW" sz="2400" dirty="0"/>
+              <a:t>+</a:t>
+            </a:r>
+            <a:r>
+              <a:rPr kumimoji="1" lang="zh-TW" altLang="en-US" sz="2400" dirty="0"/>
+              <a:t>演算法</a:t>
+            </a:r>
+          </a:p>
+        </p:txBody>
+      </p:sp>
+    </p:spTree>
+    <p:extLst>
+      <p:ext uri="{BB962C8B-B14F-4D97-AF65-F5344CB8AC3E}">
+        <p14:creationId xmlns:p14="http://schemas.microsoft.com/office/powerpoint/2010/main" val="1691678760"/>
+      </p:ext>
+    </p:extLst>
+  </p:cSld>
+  <p:clrMapOvr>
+    <a:masterClrMapping/>
+  </p:clrMapOvr>
+</p:sld>
+</file>
+
+<file path=ppt/slides/slide3.xml><?xml version="1.0" encoding="utf-8"?>
+<p:sld xmlns:a="http://schemas.openxmlformats.org/drawingml/2006/main" xmlns:r="http://schemas.openxmlformats.org/officeDocument/2006/relationships" xmlns:p="http://schemas.openxmlformats.org/presentationml/2006/main">
+  <p:cSld>
+    <p:spTree>
+      <p:nvGrpSpPr>
+        <p:cNvPr id="1" name=""/>
+        <p:cNvGrpSpPr/>
+        <p:nvPr/>
+      </p:nvGrpSpPr>
+      <p:grpSpPr>
+        <a:xfrm>
+          <a:off x="0" y="0"/>
+          <a:ext cx="0" cy="0"/>
+          <a:chOff x="0" y="0"/>
+          <a:chExt cx="0" cy="0"/>
+        </a:xfrm>
+      </p:grpSpPr>
+      <p:sp>
+        <p:nvSpPr>
+          <p:cNvPr id="2" name="標題 1">
+            <a:extLst>
+              <a:ext uri="{FF2B5EF4-FFF2-40B4-BE49-F238E27FC236}">
+                <a16:creationId xmlns:a16="http://schemas.microsoft.com/office/drawing/2014/main" id="{2F50D663-0E83-E84C-926D-B584783E4759}"/>
+              </a:ext>
+            </a:extLst>
+          </p:cNvPr>
+          <p:cNvSpPr>
+            <a:spLocks noGrp="1"/>
+          </p:cNvSpPr>
+          <p:nvPr>
+            <p:ph type="title"/>
+          </p:nvPr>
+        </p:nvSpPr>
+        <p:spPr/>
+        <p:txBody>
+          <a:bodyPr/>
+          <a:lstStyle/>
+          <a:p>
+            <a:r>
+              <a:rPr kumimoji="1" lang="zh-TW" altLang="en-US" dirty="0"/>
+              <a:t>什麼是效能</a:t>
+            </a:r>
+            <a:r>
+              <a:rPr kumimoji="1" lang="en-US" altLang="zh-TW" dirty="0"/>
+              <a:t>(performance)?</a:t>
+            </a:r>
+            <a:endParaRPr kumimoji="1" lang="zh-TW" altLang="en-US" dirty="0"/>
+          </a:p>
+        </p:txBody>
+      </p:sp>
+      <p:sp>
+        <p:nvSpPr>
+          <p:cNvPr id="3" name="內容版面配置區 2">
+            <a:extLst>
+              <a:ext uri="{FF2B5EF4-FFF2-40B4-BE49-F238E27FC236}">
+                <a16:creationId xmlns:a16="http://schemas.microsoft.com/office/drawing/2014/main" id="{0B086387-F78C-4148-9848-4D58E7CF179D}"/>
+              </a:ext>
+            </a:extLst>
+          </p:cNvPr>
+          <p:cNvSpPr>
+            <a:spLocks noGrp="1"/>
+          </p:cNvSpPr>
+          <p:nvPr>
+            <p:ph idx="1"/>
+          </p:nvPr>
+        </p:nvSpPr>
+        <p:spPr/>
+        <p:txBody>
+          <a:bodyPr>
+            <a:normAutofit/>
+          </a:bodyPr>
+          <a:lstStyle/>
+          <a:p>
+            <a:r>
+              <a:rPr kumimoji="1" lang="zh-TW" altLang="en-US" sz="2400" dirty="0"/>
+              <a:t>演算法評估</a:t>
+            </a:r>
+            <a:r>
+              <a:rPr kumimoji="1" lang="en-US" altLang="zh-TW" sz="2400" dirty="0"/>
+              <a:t>(performance analysis)</a:t>
+            </a:r>
+          </a:p>
+          <a:p>
+            <a:pPr lvl="1"/>
+            <a:r>
+              <a:rPr kumimoji="1" lang="zh-TW" altLang="en-US" sz="2000" dirty="0"/>
+              <a:t>時間複雜度</a:t>
+            </a:r>
+            <a:r>
+              <a:rPr kumimoji="1" lang="en-US" altLang="zh-TW" sz="2000" dirty="0"/>
+              <a:t>(time complexity)</a:t>
+            </a:r>
+          </a:p>
+          <a:p>
+            <a:pPr lvl="1"/>
+            <a:r>
+              <a:rPr kumimoji="1" lang="zh-TW" altLang="en-US" sz="2000" dirty="0"/>
+              <a:t>空間複雜度</a:t>
+            </a:r>
+            <a:r>
+              <a:rPr kumimoji="1" lang="en-US" altLang="zh-TW" sz="2000" dirty="0"/>
+              <a:t>(space complexity)</a:t>
+            </a:r>
+            <a:endParaRPr kumimoji="1" lang="zh-TW" altLang="en-US" sz="2000" dirty="0"/>
+          </a:p>
+        </p:txBody>
+      </p:sp>
+    </p:spTree>
+    <p:extLst>
+      <p:ext uri="{BB962C8B-B14F-4D97-AF65-F5344CB8AC3E}">
+        <p14:creationId xmlns:p14="http://schemas.microsoft.com/office/powerpoint/2010/main" val="3761996790"/>
+      </p:ext>
+    </p:extLst>
+  </p:cSld>
+  <p:clrMapOvr>
+    <a:masterClrMapping/>
+  </p:clrMapOvr>
+</p:sld>
+</file>
+
+<file path=ppt/slides/slide4.xml><?xml version="1.0" encoding="utf-8"?>
+<p:sld xmlns:a="http://schemas.openxmlformats.org/drawingml/2006/main" xmlns:r="http://schemas.openxmlformats.org/officeDocument/2006/relationships" xmlns:p="http://schemas.openxmlformats.org/presentationml/2006/main">
+  <p:cSld>
+    <p:spTree>
+      <p:nvGrpSpPr>
+        <p:cNvPr id="1" name=""/>
+        <p:cNvGrpSpPr/>
+        <p:nvPr/>
+      </p:nvGrpSpPr>
+      <p:grpSpPr>
+        <a:xfrm>
+          <a:off x="0" y="0"/>
+          <a:ext cx="0" cy="0"/>
+          <a:chOff x="0" y="0"/>
+          <a:chExt cx="0" cy="0"/>
+        </a:xfrm>
+      </p:grpSpPr>
+      <p:sp>
+        <p:nvSpPr>
+          <p:cNvPr id="2" name="標題 1">
+            <a:extLst>
+              <a:ext uri="{FF2B5EF4-FFF2-40B4-BE49-F238E27FC236}">
+                <a16:creationId xmlns:a16="http://schemas.microsoft.com/office/drawing/2014/main" id="{F3D90B03-F381-8A41-BE9F-B670B21CCF26}"/>
+              </a:ext>
+            </a:extLst>
+          </p:cNvPr>
+          <p:cNvSpPr>
+            <a:spLocks noGrp="1"/>
+          </p:cNvSpPr>
+          <p:nvPr>
+            <p:ph type="title"/>
+          </p:nvPr>
+        </p:nvSpPr>
+        <p:spPr/>
+        <p:txBody>
+          <a:bodyPr/>
+          <a:lstStyle/>
+          <a:p>
+            <a:r>
+              <a:rPr kumimoji="1" lang="zh-TW" altLang="en-US" dirty="0"/>
+              <a:t>舉個例子</a:t>
+            </a:r>
+            <a:r>
+              <a:rPr kumimoji="1" lang="en-US" altLang="zh-TW" dirty="0"/>
+              <a:t>:</a:t>
+            </a:r>
+            <a:r>
+              <a:rPr kumimoji="1" lang="zh-TW" altLang="en-US" dirty="0"/>
+              <a:t> 搜尋</a:t>
+            </a:r>
+          </a:p>
+        </p:txBody>
+      </p:sp>
+      <p:sp>
+        <p:nvSpPr>
+          <p:cNvPr id="3" name="內容版面配置區 2">
+            <a:extLst>
+              <a:ext uri="{FF2B5EF4-FFF2-40B4-BE49-F238E27FC236}">
+                <a16:creationId xmlns:a16="http://schemas.microsoft.com/office/drawing/2014/main" id="{2C121A92-5229-E44A-A204-56FD73277E7D}"/>
+              </a:ext>
+            </a:extLst>
+          </p:cNvPr>
+          <p:cNvSpPr>
+            <a:spLocks noGrp="1"/>
+          </p:cNvSpPr>
+          <p:nvPr>
+            <p:ph idx="1"/>
+          </p:nvPr>
+        </p:nvSpPr>
+        <p:spPr>
+          <a:xfrm>
+            <a:off x="677334" y="1734207"/>
+            <a:ext cx="8596668" cy="4307155"/>
+          </a:xfrm>
+        </p:spPr>
+        <p:txBody>
+          <a:bodyPr>
+            <a:normAutofit/>
+          </a:bodyPr>
+          <a:lstStyle/>
+          <a:p>
+            <a:r>
+              <a:rPr kumimoji="1" lang="zh-TW" altLang="en-US" sz="2400" dirty="0"/>
+              <a:t>在手機裡</a:t>
+            </a:r>
+            <a:r>
+              <a:rPr kumimoji="1" lang="en-US" altLang="zh-TW" sz="2400" dirty="0"/>
+              <a:t>,</a:t>
+            </a:r>
+            <a:r>
+              <a:rPr kumimoji="1" lang="zh-TW" altLang="en-US" sz="2400" dirty="0"/>
+              <a:t> 搜尋朋友的電話號碼</a:t>
+            </a:r>
+            <a:endParaRPr kumimoji="1" lang="en-US" altLang="zh-TW" sz="2400" dirty="0"/>
+          </a:p>
+          <a:p>
+            <a:r>
+              <a:rPr kumimoji="1" lang="zh-TW" altLang="en-US" sz="2400" dirty="0"/>
+              <a:t>在臉書</a:t>
+            </a:r>
+            <a:r>
+              <a:rPr kumimoji="1" lang="en-US" altLang="zh-TW" sz="2400" dirty="0"/>
+              <a:t>( &gt; 20</a:t>
+            </a:r>
+            <a:r>
+              <a:rPr kumimoji="1" lang="zh-TW" altLang="en-US" sz="2400" dirty="0"/>
+              <a:t>億用戶</a:t>
+            </a:r>
+            <a:r>
+              <a:rPr kumimoji="1" lang="en-US" altLang="zh-TW" sz="2400" dirty="0"/>
+              <a:t>)</a:t>
+            </a:r>
+            <a:r>
+              <a:rPr kumimoji="1" lang="zh-TW" altLang="en-US" sz="2400" dirty="0"/>
+              <a:t>上搜尋某個人名</a:t>
+            </a:r>
+            <a:endParaRPr kumimoji="1" lang="en-US" altLang="zh-TW" sz="2400" dirty="0"/>
+          </a:p>
+          <a:p>
+            <a:endParaRPr kumimoji="1" lang="en-US" altLang="zh-TW" sz="2400" dirty="0"/>
+          </a:p>
+          <a:p>
+            <a:r>
+              <a:rPr kumimoji="1" lang="zh-TW" altLang="en-US" sz="2400" dirty="0"/>
+              <a:t>怎麼快速將一張方形的紙分成</a:t>
+            </a:r>
+            <a:r>
+              <a:rPr kumimoji="1" lang="en-US" altLang="zh-TW" sz="2400" dirty="0"/>
+              <a:t>16</a:t>
+            </a:r>
+            <a:r>
+              <a:rPr kumimoji="1" lang="zh-TW" altLang="en-US" sz="2400" dirty="0"/>
+              <a:t>個小正方格</a:t>
+            </a:r>
+            <a:r>
+              <a:rPr kumimoji="1" lang="en-US" altLang="zh-TW" sz="2400" dirty="0"/>
+              <a:t>?</a:t>
+            </a:r>
+          </a:p>
+        </p:txBody>
+      </p:sp>
+      <p:graphicFrame>
+        <p:nvGraphicFramePr>
+          <p:cNvPr id="4" name="表格 3">
+            <a:extLst>
+              <a:ext uri="{FF2B5EF4-FFF2-40B4-BE49-F238E27FC236}">
+                <a16:creationId xmlns:a16="http://schemas.microsoft.com/office/drawing/2014/main" id="{A1FAB45D-B94D-7F4D-9EFC-29FC3F109FC8}"/>
+              </a:ext>
+            </a:extLst>
+          </p:cNvPr>
+          <p:cNvGraphicFramePr>
+            <a:graphicFrameLocks noGrp="1"/>
+          </p:cNvGraphicFramePr>
+          <p:nvPr>
+            <p:extLst>
+              <p:ext uri="{D42A27DB-BD31-4B8C-83A1-F6EECF244321}">
+                <p14:modId xmlns:p14="http://schemas.microsoft.com/office/powerpoint/2010/main" val="4200145334"/>
+              </p:ext>
+            </p:extLst>
+          </p:nvPr>
+        </p:nvGraphicFramePr>
+        <p:xfrm>
+          <a:off x="2917998" y="3962402"/>
+          <a:ext cx="2592000" cy="2606564"/>
+        </p:xfrm>
+        <a:graphic>
+          <a:graphicData uri="http://schemas.openxmlformats.org/drawingml/2006/table">
+            <a:tbl>
+              <a:tblPr>
+                <a:tableStyleId>{5C22544A-7EE6-4342-B048-85BDC9FD1C3A}</a:tableStyleId>
+              </a:tblPr>
+              <a:tblGrid>
+                <a:gridCol w="648000">
+                  <a:extLst>
+                    <a:ext uri="{9D8B030D-6E8A-4147-A177-3AD203B41FA5}">
+                      <a16:colId xmlns:a16="http://schemas.microsoft.com/office/drawing/2014/main" val="2027960892"/>
+                    </a:ext>
+                  </a:extLst>
+                </a:gridCol>
+                <a:gridCol w="648000">
+                  <a:extLst>
+                    <a:ext uri="{9D8B030D-6E8A-4147-A177-3AD203B41FA5}">
+                      <a16:colId xmlns:a16="http://schemas.microsoft.com/office/drawing/2014/main" val="2411747044"/>
+                    </a:ext>
+                  </a:extLst>
+                </a:gridCol>
+                <a:gridCol w="648000">
+                  <a:extLst>
+                    <a:ext uri="{9D8B030D-6E8A-4147-A177-3AD203B41FA5}">
+                      <a16:colId xmlns:a16="http://schemas.microsoft.com/office/drawing/2014/main" val="3832473954"/>
+                    </a:ext>
+                  </a:extLst>
+                </a:gridCol>
+                <a:gridCol w="648000">
+                  <a:extLst>
+                    <a:ext uri="{9D8B030D-6E8A-4147-A177-3AD203B41FA5}">
+                      <a16:colId xmlns:a16="http://schemas.microsoft.com/office/drawing/2014/main" val="3863754015"/>
+                    </a:ext>
+                  </a:extLst>
+                </a:gridCol>
+              </a:tblGrid>
+              <a:tr h="651641">
+                <a:tc>
+                  <a:txBody>
+                    <a:bodyPr/>
+                    <a:lstStyle/>
+                    <a:p>
+                      <a:endParaRPr lang="zh-TW" altLang="en-US" dirty="0"/>
+                    </a:p>
+                  </a:txBody>
+                  <a:tcPr>
+                    <a:lnR w="6350" cap="flat" cmpd="sng" algn="ctr">
+                      <a:solidFill>
+                        <a:schemeClr val="tx1">
+                          <a:lumMod val="65000"/>
+                          <a:lumOff val="35000"/>
+                        </a:schemeClr>
+                      </a:solidFill>
+                      <a:prstDash val="sysDash"/>
+                      <a:round/>
+                      <a:headEnd type="none" w="med" len="med"/>
+                      <a:tailEnd type="none" w="med" len="med"/>
+                    </a:lnR>
+                    <a:lnB w="6350" cap="flat" cmpd="sng" algn="ctr">
+                      <a:solidFill>
+                        <a:schemeClr val="tx1">
+                          <a:lumMod val="65000"/>
+                          <a:lumOff val="35000"/>
+                        </a:schemeClr>
+                      </a:solidFill>
+                      <a:prstDash val="sysDash"/>
+                      <a:round/>
+                      <a:headEnd type="none" w="med" len="med"/>
+                      <a:tailEnd type="none" w="med" len="med"/>
+                    </a:lnB>
+                  </a:tcPr>
+                </a:tc>
+                <a:tc>
+                  <a:txBody>
+                    <a:bodyPr/>
+                    <a:lstStyle/>
+                    <a:p>
+                      <a:endParaRPr lang="zh-TW" altLang="en-US" dirty="0"/>
+                    </a:p>
+                  </a:txBody>
+                  <a:tcPr>
+                    <a:lnL w="6350" cap="flat" cmpd="sng" algn="ctr">
+                      <a:solidFill>
+                        <a:schemeClr val="tx1">
+                          <a:lumMod val="65000"/>
+                          <a:lumOff val="35000"/>
+                        </a:schemeClr>
+                      </a:solidFill>
+                      <a:prstDash val="sysDash"/>
+                      <a:round/>
+                      <a:headEnd type="none" w="med" len="med"/>
+                      <a:tailEnd type="none" w="med" len="med"/>
+                    </a:lnL>
+                    <a:lnR w="6350" cap="flat" cmpd="sng" algn="ctr">
+                      <a:solidFill>
+                        <a:schemeClr val="tx1">
+                          <a:lumMod val="65000"/>
+                          <a:lumOff val="35000"/>
+                        </a:schemeClr>
+                      </a:solidFill>
+                      <a:prstDash val="sysDash"/>
+                      <a:round/>
+                      <a:headEnd type="none" w="med" len="med"/>
+                      <a:tailEnd type="none" w="med" len="med"/>
+                    </a:lnR>
+                    <a:lnB w="6350" cap="flat" cmpd="sng" algn="ctr">
+                      <a:solidFill>
+                        <a:schemeClr val="tx1">
+                          <a:lumMod val="65000"/>
+                          <a:lumOff val="35000"/>
+                        </a:schemeClr>
+                      </a:solidFill>
+                      <a:prstDash val="sysDash"/>
+                      <a:round/>
+                      <a:headEnd type="none" w="med" len="med"/>
+                      <a:tailEnd type="none" w="med" len="med"/>
+                    </a:lnB>
+                  </a:tcPr>
+                </a:tc>
+                <a:tc>
+                  <a:txBody>
+                    <a:bodyPr/>
+                    <a:lstStyle/>
+                    <a:p>
+                      <a:endParaRPr lang="zh-TW" altLang="en-US" dirty="0"/>
+                    </a:p>
+                  </a:txBody>
+                  <a:tcPr>
+                    <a:lnL w="6350" cap="flat" cmpd="sng" algn="ctr">
+                      <a:solidFill>
+                        <a:schemeClr val="tx1">
+                          <a:lumMod val="65000"/>
+                          <a:lumOff val="35000"/>
+                        </a:schemeClr>
+                      </a:solidFill>
+                      <a:prstDash val="sysDash"/>
+                      <a:round/>
+                      <a:headEnd type="none" w="med" len="med"/>
+                      <a:tailEnd type="none" w="med" len="med"/>
+                    </a:lnL>
+                    <a:lnR w="6350" cap="flat" cmpd="sng" algn="ctr">
+                      <a:solidFill>
+                        <a:schemeClr val="tx1">
+                          <a:lumMod val="65000"/>
+                          <a:lumOff val="35000"/>
+                        </a:schemeClr>
+                      </a:solidFill>
+                      <a:prstDash val="sysDash"/>
+                      <a:round/>
+                      <a:headEnd type="none" w="med" len="med"/>
+                      <a:tailEnd type="none" w="med" len="med"/>
+                    </a:lnR>
+                    <a:lnB w="6350" cap="flat" cmpd="sng" algn="ctr">
+                      <a:solidFill>
+                        <a:schemeClr val="tx1">
+                          <a:lumMod val="65000"/>
+                          <a:lumOff val="35000"/>
+                        </a:schemeClr>
+                      </a:solidFill>
+                      <a:prstDash val="sysDash"/>
+                      <a:round/>
+                      <a:headEnd type="none" w="med" len="med"/>
+                      <a:tailEnd type="none" w="med" len="med"/>
+                    </a:lnB>
+                  </a:tcPr>
+                </a:tc>
+                <a:tc>
+                  <a:txBody>
+                    <a:bodyPr/>
+                    <a:lstStyle/>
+                    <a:p>
+                      <a:endParaRPr lang="zh-TW" altLang="en-US"/>
+                    </a:p>
+                  </a:txBody>
+                  <a:tcPr>
+                    <a:lnL w="6350" cap="flat" cmpd="sng" algn="ctr">
+                      <a:solidFill>
+                        <a:schemeClr val="tx1">
+                          <a:lumMod val="65000"/>
+                          <a:lumOff val="35000"/>
+                        </a:schemeClr>
+                      </a:solidFill>
+                      <a:prstDash val="sysDash"/>
+                      <a:round/>
+                      <a:headEnd type="none" w="med" len="med"/>
+                      <a:tailEnd type="none" w="med" len="med"/>
+                    </a:lnL>
+                    <a:lnB w="6350" cap="flat" cmpd="sng" algn="ctr">
+                      <a:solidFill>
+                        <a:schemeClr val="tx1">
+                          <a:lumMod val="65000"/>
+                          <a:lumOff val="35000"/>
+                        </a:schemeClr>
+                      </a:solidFill>
+                      <a:prstDash val="sysDash"/>
+                      <a:round/>
+                      <a:headEnd type="none" w="med" len="med"/>
+                      <a:tailEnd type="none" w="med" len="med"/>
+                    </a:lnB>
+                  </a:tcPr>
+                </a:tc>
+                <a:extLst>
+                  <a:ext uri="{0D108BD9-81ED-4DB2-BD59-A6C34878D82A}">
+                    <a16:rowId xmlns:a16="http://schemas.microsoft.com/office/drawing/2014/main" val="1304001626"/>
+                  </a:ext>
+                </a:extLst>
+              </a:tr>
+              <a:tr h="651641">
+                <a:tc>
+                  <a:txBody>
+                    <a:bodyPr/>
+                    <a:lstStyle/>
+                    <a:p>
+                      <a:endParaRPr lang="zh-TW" altLang="en-US"/>
+                    </a:p>
+                  </a:txBody>
+                  <a:tcPr>
+                    <a:lnR w="6350" cap="flat" cmpd="sng" algn="ctr">
+                      <a:solidFill>
+                        <a:schemeClr val="tx1">
+                          <a:lumMod val="65000"/>
+                          <a:lumOff val="35000"/>
+                        </a:schemeClr>
+                      </a:solidFill>
+                      <a:prstDash val="sysDash"/>
+                      <a:round/>
+                      <a:headEnd type="none" w="med" len="med"/>
+                      <a:tailEnd type="none" w="med" len="med"/>
+                    </a:lnR>
+                    <a:lnT w="6350" cap="flat" cmpd="sng" algn="ctr">
+                      <a:solidFill>
+                        <a:schemeClr val="tx1">
+                          <a:lumMod val="65000"/>
+                          <a:lumOff val="35000"/>
+                        </a:schemeClr>
+                      </a:solidFill>
+                      <a:prstDash val="sysDash"/>
+                      <a:round/>
+                      <a:headEnd type="none" w="med" len="med"/>
+                      <a:tailEnd type="none" w="med" len="med"/>
+                    </a:lnT>
+                    <a:lnB w="6350" cap="flat" cmpd="sng" algn="ctr">
+                      <a:solidFill>
+                        <a:schemeClr val="tx1">
+                          <a:lumMod val="65000"/>
+                          <a:lumOff val="35000"/>
+                        </a:schemeClr>
+                      </a:solidFill>
+                      <a:prstDash val="sysDash"/>
+                      <a:round/>
+                      <a:headEnd type="none" w="med" len="med"/>
+                      <a:tailEnd type="none" w="med" len="med"/>
+                    </a:lnB>
+                  </a:tcPr>
+                </a:tc>
+                <a:tc>
+                  <a:txBody>
+                    <a:bodyPr/>
+                    <a:lstStyle/>
+                    <a:p>
+                      <a:endParaRPr lang="zh-TW" altLang="en-US"/>
+                    </a:p>
+                  </a:txBody>
+                  <a:tcPr>
+                    <a:lnL w="6350" cap="flat" cmpd="sng" algn="ctr">
+                      <a:solidFill>
+                        <a:schemeClr val="tx1">
+                          <a:lumMod val="65000"/>
+                          <a:lumOff val="35000"/>
+                        </a:schemeClr>
+                      </a:solidFill>
+                      <a:prstDash val="sysDash"/>
+                      <a:round/>
+                      <a:headEnd type="none" w="med" len="med"/>
+                      <a:tailEnd type="none" w="med" len="med"/>
+                    </a:lnL>
+                    <a:lnR w="6350" cap="flat" cmpd="sng" algn="ctr">
+                      <a:solidFill>
+                        <a:schemeClr val="tx1">
+                          <a:lumMod val="65000"/>
+                          <a:lumOff val="35000"/>
+                        </a:schemeClr>
+                      </a:solidFill>
+                      <a:prstDash val="sysDash"/>
+                      <a:round/>
+                      <a:headEnd type="none" w="med" len="med"/>
+                      <a:tailEnd type="none" w="med" len="med"/>
+                    </a:lnR>
+                    <a:lnT w="6350" cap="flat" cmpd="sng" algn="ctr">
+                      <a:solidFill>
+                        <a:schemeClr val="tx1">
+                          <a:lumMod val="65000"/>
+                          <a:lumOff val="35000"/>
+                        </a:schemeClr>
+                      </a:solidFill>
+                      <a:prstDash val="sysDash"/>
+                      <a:round/>
+                      <a:headEnd type="none" w="med" len="med"/>
+                      <a:tailEnd type="none" w="med" len="med"/>
+                    </a:lnT>
+                    <a:lnB w="6350" cap="flat" cmpd="sng" algn="ctr">
+                      <a:solidFill>
+                        <a:schemeClr val="tx1">
+                          <a:lumMod val="65000"/>
+                          <a:lumOff val="35000"/>
+                        </a:schemeClr>
+                      </a:solidFill>
+                      <a:prstDash val="sysDash"/>
+                      <a:round/>
+                      <a:headEnd type="none" w="med" len="med"/>
+                      <a:tailEnd type="none" w="med" len="med"/>
+                    </a:lnB>
+                  </a:tcPr>
+                </a:tc>
+                <a:tc>
+                  <a:txBody>
+                    <a:bodyPr/>
+                    <a:lstStyle/>
+                    <a:p>
+                      <a:endParaRPr lang="zh-TW" altLang="en-US"/>
+                    </a:p>
+                  </a:txBody>
+                  <a:tcPr>
+                    <a:lnL w="6350" cap="flat" cmpd="sng" algn="ctr">
+                      <a:solidFill>
+                        <a:schemeClr val="tx1">
+                          <a:lumMod val="65000"/>
+                          <a:lumOff val="35000"/>
+                        </a:schemeClr>
+                      </a:solidFill>
+                      <a:prstDash val="sysDash"/>
+                      <a:round/>
+                      <a:headEnd type="none" w="med" len="med"/>
+                      <a:tailEnd type="none" w="med" len="med"/>
+                    </a:lnL>
+                    <a:lnR w="6350" cap="flat" cmpd="sng" algn="ctr">
+                      <a:solidFill>
+                        <a:schemeClr val="tx1">
+                          <a:lumMod val="65000"/>
+                          <a:lumOff val="35000"/>
+                        </a:schemeClr>
+                      </a:solidFill>
+                      <a:prstDash val="sysDash"/>
+                      <a:round/>
+                      <a:headEnd type="none" w="med" len="med"/>
+                      <a:tailEnd type="none" w="med" len="med"/>
+                    </a:lnR>
+                    <a:lnT w="6350" cap="flat" cmpd="sng" algn="ctr">
+                      <a:solidFill>
+                        <a:schemeClr val="tx1">
+                          <a:lumMod val="65000"/>
+                          <a:lumOff val="35000"/>
+                        </a:schemeClr>
+                      </a:solidFill>
+                      <a:prstDash val="sysDash"/>
+                      <a:round/>
+                      <a:headEnd type="none" w="med" len="med"/>
+                      <a:tailEnd type="none" w="med" len="med"/>
+                    </a:lnT>
+                    <a:lnB w="6350" cap="flat" cmpd="sng" algn="ctr">
+                      <a:solidFill>
+                        <a:schemeClr val="tx1">
+                          <a:lumMod val="65000"/>
+                          <a:lumOff val="35000"/>
+                        </a:schemeClr>
+                      </a:solidFill>
+                      <a:prstDash val="sysDash"/>
+                      <a:round/>
+                      <a:headEnd type="none" w="med" len="med"/>
+                      <a:tailEnd type="none" w="med" len="med"/>
+                    </a:lnB>
+                  </a:tcPr>
+                </a:tc>
+                <a:tc>
+                  <a:txBody>
+                    <a:bodyPr/>
+                    <a:lstStyle/>
+                    <a:p>
+                      <a:endParaRPr lang="zh-TW" altLang="en-US" dirty="0"/>
+                    </a:p>
+                  </a:txBody>
+                  <a:tcPr>
+                    <a:lnL w="6350" cap="flat" cmpd="sng" algn="ctr">
+                      <a:solidFill>
+                        <a:schemeClr val="tx1">
+                          <a:lumMod val="65000"/>
+                          <a:lumOff val="35000"/>
+                        </a:schemeClr>
+                      </a:solidFill>
+                      <a:prstDash val="sysDash"/>
+                      <a:round/>
+                      <a:headEnd type="none" w="med" len="med"/>
+                      <a:tailEnd type="none" w="med" len="med"/>
+                    </a:lnL>
+                    <a:lnT w="6350" cap="flat" cmpd="sng" algn="ctr">
+                      <a:solidFill>
+                        <a:schemeClr val="tx1">
+                          <a:lumMod val="65000"/>
+                          <a:lumOff val="35000"/>
+                        </a:schemeClr>
+                      </a:solidFill>
+                      <a:prstDash val="sysDash"/>
+                      <a:round/>
+                      <a:headEnd type="none" w="med" len="med"/>
+                      <a:tailEnd type="none" w="med" len="med"/>
+                    </a:lnT>
+                    <a:lnB w="6350" cap="flat" cmpd="sng" algn="ctr">
+                      <a:solidFill>
+                        <a:schemeClr val="tx1">
+                          <a:lumMod val="65000"/>
+                          <a:lumOff val="35000"/>
+                        </a:schemeClr>
+                      </a:solidFill>
+                      <a:prstDash val="sysDash"/>
+                      <a:round/>
+                      <a:headEnd type="none" w="med" len="med"/>
+                      <a:tailEnd type="none" w="med" len="med"/>
+                    </a:lnB>
+                  </a:tcPr>
+                </a:tc>
+                <a:extLst>
+                  <a:ext uri="{0D108BD9-81ED-4DB2-BD59-A6C34878D82A}">
+                    <a16:rowId xmlns:a16="http://schemas.microsoft.com/office/drawing/2014/main" val="1752641281"/>
+                  </a:ext>
+                </a:extLst>
+              </a:tr>
+              <a:tr h="651641">
+                <a:tc>
+                  <a:txBody>
+                    <a:bodyPr/>
+                    <a:lstStyle/>
+                    <a:p>
+                      <a:endParaRPr lang="zh-TW" altLang="en-US"/>
+                    </a:p>
+                  </a:txBody>
+                  <a:tcPr>
+                    <a:lnR w="6350" cap="flat" cmpd="sng" algn="ctr">
+                      <a:solidFill>
+                        <a:schemeClr val="tx1">
+                          <a:lumMod val="65000"/>
+                          <a:lumOff val="35000"/>
+                        </a:schemeClr>
+                      </a:solidFill>
+                      <a:prstDash val="sysDash"/>
+                      <a:round/>
+                      <a:headEnd type="none" w="med" len="med"/>
+                      <a:tailEnd type="none" w="med" len="med"/>
+                    </a:lnR>
+                    <a:lnT w="6350" cap="flat" cmpd="sng" algn="ctr">
+                      <a:solidFill>
+                        <a:schemeClr val="tx1">
+                          <a:lumMod val="65000"/>
+                          <a:lumOff val="35000"/>
+                        </a:schemeClr>
+                      </a:solidFill>
+                      <a:prstDash val="sysDash"/>
+                      <a:round/>
+                      <a:headEnd type="none" w="med" len="med"/>
+                      <a:tailEnd type="none" w="med" len="med"/>
+                    </a:lnT>
+                    <a:lnB w="6350" cap="flat" cmpd="sng" algn="ctr">
+                      <a:solidFill>
+                        <a:schemeClr val="tx1">
+                          <a:lumMod val="65000"/>
+                          <a:lumOff val="35000"/>
+                        </a:schemeClr>
+                      </a:solidFill>
+                      <a:prstDash val="sysDash"/>
+                      <a:round/>
+                      <a:headEnd type="none" w="med" len="med"/>
+                      <a:tailEnd type="none" w="med" len="med"/>
+                    </a:lnB>
+                  </a:tcPr>
+                </a:tc>
+                <a:tc>
+                  <a:txBody>
+                    <a:bodyPr/>
+                    <a:lstStyle/>
+                    <a:p>
+                      <a:endParaRPr lang="zh-TW" altLang="en-US"/>
+                    </a:p>
+                  </a:txBody>
+                  <a:tcPr>
+                    <a:lnL w="6350" cap="flat" cmpd="sng" algn="ctr">
+                      <a:solidFill>
+                        <a:schemeClr val="tx1">
+                          <a:lumMod val="65000"/>
+                          <a:lumOff val="35000"/>
+                        </a:schemeClr>
+                      </a:solidFill>
+                      <a:prstDash val="sysDash"/>
+                      <a:round/>
+                      <a:headEnd type="none" w="med" len="med"/>
+                      <a:tailEnd type="none" w="med" len="med"/>
+                    </a:lnL>
+                    <a:lnR w="6350" cap="flat" cmpd="sng" algn="ctr">
+                      <a:solidFill>
+                        <a:schemeClr val="tx1">
+                          <a:lumMod val="65000"/>
+                          <a:lumOff val="35000"/>
+                        </a:schemeClr>
+                      </a:solidFill>
+                      <a:prstDash val="sysDash"/>
+                      <a:round/>
+                      <a:headEnd type="none" w="med" len="med"/>
+                      <a:tailEnd type="none" w="med" len="med"/>
+                    </a:lnR>
+                    <a:lnT w="6350" cap="flat" cmpd="sng" algn="ctr">
+                      <a:solidFill>
+                        <a:schemeClr val="tx1">
+                          <a:lumMod val="65000"/>
+                          <a:lumOff val="35000"/>
+                        </a:schemeClr>
+                      </a:solidFill>
+                      <a:prstDash val="sysDash"/>
+                      <a:round/>
+                      <a:headEnd type="none" w="med" len="med"/>
+                      <a:tailEnd type="none" w="med" len="med"/>
+                    </a:lnT>
+                    <a:lnB w="6350" cap="flat" cmpd="sng" algn="ctr">
+                      <a:solidFill>
+                        <a:schemeClr val="tx1">
+                          <a:lumMod val="65000"/>
+                          <a:lumOff val="35000"/>
+                        </a:schemeClr>
+                      </a:solidFill>
+                      <a:prstDash val="sysDash"/>
+                      <a:round/>
+                      <a:headEnd type="none" w="med" len="med"/>
+                      <a:tailEnd type="none" w="med" len="med"/>
+                    </a:lnB>
+                  </a:tcPr>
+                </a:tc>
+                <a:tc>
+                  <a:txBody>
+                    <a:bodyPr/>
+                    <a:lstStyle/>
+                    <a:p>
+                      <a:endParaRPr lang="zh-TW" altLang="en-US"/>
+                    </a:p>
+                  </a:txBody>
+                  <a:tcPr>
+                    <a:lnL w="6350" cap="flat" cmpd="sng" algn="ctr">
+                      <a:solidFill>
+                        <a:schemeClr val="tx1">
+                          <a:lumMod val="65000"/>
+                          <a:lumOff val="35000"/>
+                        </a:schemeClr>
+                      </a:solidFill>
+                      <a:prstDash val="sysDash"/>
+                      <a:round/>
+                      <a:headEnd type="none" w="med" len="med"/>
+                      <a:tailEnd type="none" w="med" len="med"/>
+                    </a:lnL>
+                    <a:lnR w="6350" cap="flat" cmpd="sng" algn="ctr">
+                      <a:solidFill>
+                        <a:schemeClr val="tx1">
+                          <a:lumMod val="65000"/>
+                          <a:lumOff val="35000"/>
+                        </a:schemeClr>
+                      </a:solidFill>
+                      <a:prstDash val="sysDash"/>
+                      <a:round/>
+                      <a:headEnd type="none" w="med" len="med"/>
+                      <a:tailEnd type="none" w="med" len="med"/>
+                    </a:lnR>
+                    <a:lnT w="6350" cap="flat" cmpd="sng" algn="ctr">
+                      <a:solidFill>
+                        <a:schemeClr val="tx1">
+                          <a:lumMod val="65000"/>
+                          <a:lumOff val="35000"/>
+                        </a:schemeClr>
+                      </a:solidFill>
+                      <a:prstDash val="sysDash"/>
+                      <a:round/>
+                      <a:headEnd type="none" w="med" len="med"/>
+                      <a:tailEnd type="none" w="med" len="med"/>
+                    </a:lnT>
+                    <a:lnB w="6350" cap="flat" cmpd="sng" algn="ctr">
+                      <a:solidFill>
+                        <a:schemeClr val="tx1">
+                          <a:lumMod val="65000"/>
+                          <a:lumOff val="35000"/>
+                        </a:schemeClr>
+                      </a:solidFill>
+                      <a:prstDash val="sysDash"/>
+                      <a:round/>
+                      <a:headEnd type="none" w="med" len="med"/>
+                      <a:tailEnd type="none" w="med" len="med"/>
+                    </a:lnB>
+                  </a:tcPr>
+                </a:tc>
+                <a:tc>
+                  <a:txBody>
+                    <a:bodyPr/>
+                    <a:lstStyle/>
+                    <a:p>
+                      <a:endParaRPr lang="zh-TW" altLang="en-US" dirty="0"/>
+                    </a:p>
+                  </a:txBody>
+                  <a:tcPr>
+                    <a:lnL w="6350" cap="flat" cmpd="sng" algn="ctr">
+                      <a:solidFill>
+                        <a:schemeClr val="tx1">
+                          <a:lumMod val="65000"/>
+                          <a:lumOff val="35000"/>
+                        </a:schemeClr>
+                      </a:solidFill>
+                      <a:prstDash val="sysDash"/>
+                      <a:round/>
+                      <a:headEnd type="none" w="med" len="med"/>
+                      <a:tailEnd type="none" w="med" len="med"/>
+                    </a:lnL>
+                    <a:lnT w="6350" cap="flat" cmpd="sng" algn="ctr">
+                      <a:solidFill>
+                        <a:schemeClr val="tx1">
+                          <a:lumMod val="65000"/>
+                          <a:lumOff val="35000"/>
+                        </a:schemeClr>
+                      </a:solidFill>
+                      <a:prstDash val="sysDash"/>
+                      <a:round/>
+                      <a:headEnd type="none" w="med" len="med"/>
+                      <a:tailEnd type="none" w="med" len="med"/>
+                    </a:lnT>
+                    <a:lnB w="6350" cap="flat" cmpd="sng" algn="ctr">
+                      <a:solidFill>
+                        <a:schemeClr val="tx1">
+                          <a:lumMod val="65000"/>
+                          <a:lumOff val="35000"/>
+                        </a:schemeClr>
+                      </a:solidFill>
+                      <a:prstDash val="sysDash"/>
+                      <a:round/>
+                      <a:headEnd type="none" w="med" len="med"/>
+                      <a:tailEnd type="none" w="med" len="med"/>
+                    </a:lnB>
+                  </a:tcPr>
+                </a:tc>
+                <a:extLst>
+                  <a:ext uri="{0D108BD9-81ED-4DB2-BD59-A6C34878D82A}">
+                    <a16:rowId xmlns:a16="http://schemas.microsoft.com/office/drawing/2014/main" val="2460345196"/>
+                  </a:ext>
+                </a:extLst>
+              </a:tr>
+              <a:tr h="651641">
+                <a:tc>
+                  <a:txBody>
+                    <a:bodyPr/>
+                    <a:lstStyle/>
+                    <a:p>
+                      <a:endParaRPr lang="zh-TW" altLang="en-US"/>
+                    </a:p>
+                  </a:txBody>
+                  <a:tcPr>
+                    <a:lnR w="6350" cap="flat" cmpd="sng" algn="ctr">
+                      <a:solidFill>
+                        <a:schemeClr val="tx1">
+                          <a:lumMod val="65000"/>
+                          <a:lumOff val="35000"/>
+                        </a:schemeClr>
+                      </a:solidFill>
+                      <a:prstDash val="sysDash"/>
+                      <a:round/>
+                      <a:headEnd type="none" w="med" len="med"/>
+                      <a:tailEnd type="none" w="med" len="med"/>
+                    </a:lnR>
+                    <a:lnT w="6350" cap="flat" cmpd="sng" algn="ctr">
+                      <a:solidFill>
+                        <a:schemeClr val="tx1">
+                          <a:lumMod val="65000"/>
+                          <a:lumOff val="35000"/>
+                        </a:schemeClr>
+                      </a:solidFill>
+                      <a:prstDash val="sysDash"/>
+                      <a:round/>
+                      <a:headEnd type="none" w="med" len="med"/>
+                      <a:tailEnd type="none" w="med" len="med"/>
+                    </a:lnT>
+                  </a:tcPr>
+                </a:tc>
+                <a:tc>
+                  <a:txBody>
+                    <a:bodyPr/>
+                    <a:lstStyle/>
+                    <a:p>
+                      <a:endParaRPr lang="zh-TW" altLang="en-US"/>
+                    </a:p>
+                  </a:txBody>
+                  <a:tcPr>
+                    <a:lnL w="6350" cap="flat" cmpd="sng" algn="ctr">
+                      <a:solidFill>
+                        <a:schemeClr val="tx1">
+                          <a:lumMod val="65000"/>
+                          <a:lumOff val="35000"/>
+                        </a:schemeClr>
+                      </a:solidFill>
+                      <a:prstDash val="sysDash"/>
+                      <a:round/>
+                      <a:headEnd type="none" w="med" len="med"/>
+                      <a:tailEnd type="none" w="med" len="med"/>
+                    </a:lnL>
+                    <a:lnR w="6350" cap="flat" cmpd="sng" algn="ctr">
+                      <a:solidFill>
+                        <a:schemeClr val="tx1">
+                          <a:lumMod val="65000"/>
+                          <a:lumOff val="35000"/>
+                        </a:schemeClr>
+                      </a:solidFill>
+                      <a:prstDash val="sysDash"/>
+                      <a:round/>
+                      <a:headEnd type="none" w="med" len="med"/>
+                      <a:tailEnd type="none" w="med" len="med"/>
+                    </a:lnR>
+                    <a:lnT w="6350" cap="flat" cmpd="sng" algn="ctr">
+                      <a:solidFill>
+                        <a:schemeClr val="tx1">
+                          <a:lumMod val="65000"/>
+                          <a:lumOff val="35000"/>
+                        </a:schemeClr>
+                      </a:solidFill>
+                      <a:prstDash val="sysDash"/>
+                      <a:round/>
+                      <a:headEnd type="none" w="med" len="med"/>
+                      <a:tailEnd type="none" w="med" len="med"/>
+                    </a:lnT>
+                  </a:tcPr>
+                </a:tc>
+                <a:tc>
+                  <a:txBody>
+                    <a:bodyPr/>
+                    <a:lstStyle/>
+                    <a:p>
+                      <a:endParaRPr lang="zh-TW" altLang="en-US"/>
+                    </a:p>
+                  </a:txBody>
+                  <a:tcPr>
+                    <a:lnL w="6350" cap="flat" cmpd="sng" algn="ctr">
+                      <a:solidFill>
+                        <a:schemeClr val="tx1">
+                          <a:lumMod val="65000"/>
+                          <a:lumOff val="35000"/>
+                        </a:schemeClr>
+                      </a:solidFill>
+                      <a:prstDash val="sysDash"/>
+                      <a:round/>
+                      <a:headEnd type="none" w="med" len="med"/>
+                      <a:tailEnd type="none" w="med" len="med"/>
+                    </a:lnL>
+                    <a:lnR w="6350" cap="flat" cmpd="sng" algn="ctr">
+                      <a:solidFill>
+                        <a:schemeClr val="tx1">
+                          <a:lumMod val="65000"/>
+                          <a:lumOff val="35000"/>
+                        </a:schemeClr>
+                      </a:solidFill>
+                      <a:prstDash val="sysDash"/>
+                      <a:round/>
+                      <a:headEnd type="none" w="med" len="med"/>
+                      <a:tailEnd type="none" w="med" len="med"/>
+                    </a:lnR>
+                    <a:lnT w="6350" cap="flat" cmpd="sng" algn="ctr">
+                      <a:solidFill>
+                        <a:schemeClr val="tx1">
+                          <a:lumMod val="65000"/>
+                          <a:lumOff val="35000"/>
+                        </a:schemeClr>
+                      </a:solidFill>
+                      <a:prstDash val="sysDash"/>
+                      <a:round/>
+                      <a:headEnd type="none" w="med" len="med"/>
+                      <a:tailEnd type="none" w="med" len="med"/>
+                    </a:lnT>
+                  </a:tcPr>
+                </a:tc>
+                <a:tc>
+                  <a:txBody>
+                    <a:bodyPr/>
+                    <a:lstStyle/>
+                    <a:p>
+                      <a:endParaRPr lang="zh-TW" altLang="en-US" dirty="0"/>
+                    </a:p>
+                  </a:txBody>
+                  <a:tcPr>
+                    <a:lnL w="6350" cap="flat" cmpd="sng" algn="ctr">
+                      <a:solidFill>
+                        <a:schemeClr val="tx1">
+                          <a:lumMod val="65000"/>
+                          <a:lumOff val="35000"/>
+                        </a:schemeClr>
+                      </a:solidFill>
+                      <a:prstDash val="sysDash"/>
+                      <a:round/>
+                      <a:headEnd type="none" w="med" len="med"/>
+                      <a:tailEnd type="none" w="med" len="med"/>
+                    </a:lnL>
+                    <a:lnT w="6350" cap="flat" cmpd="sng" algn="ctr">
+                      <a:solidFill>
+                        <a:schemeClr val="tx1">
+                          <a:lumMod val="65000"/>
+                          <a:lumOff val="35000"/>
+                        </a:schemeClr>
+                      </a:solidFill>
+                      <a:prstDash val="sysDash"/>
+                      <a:round/>
+                      <a:headEnd type="none" w="med" len="med"/>
+                      <a:tailEnd type="none" w="med" len="med"/>
+                    </a:lnT>
+                  </a:tcPr>
+                </a:tc>
+                <a:extLst>
+                  <a:ext uri="{0D108BD9-81ED-4DB2-BD59-A6C34878D82A}">
+                    <a16:rowId xmlns:a16="http://schemas.microsoft.com/office/drawing/2014/main" val="2850686439"/>
+                  </a:ext>
+                </a:extLst>
+              </a:tr>
+            </a:tbl>
+          </a:graphicData>
+        </a:graphic>
+      </p:graphicFrame>
+    </p:spTree>
+    <p:extLst>
+      <p:ext uri="{BB962C8B-B14F-4D97-AF65-F5344CB8AC3E}">
+        <p14:creationId xmlns:p14="http://schemas.microsoft.com/office/powerpoint/2010/main" val="2174169679"/>
+      </p:ext>
+    </p:extLst>
+  </p:cSld>
+  <p:clrMapOvr>
+    <a:masterClrMapping/>
+  </p:clrMapOvr>
+</p:sld>
+</file>
+
+<file path=ppt/slides/slide5.xml><?xml version="1.0" encoding="utf-8"?>
+<p:sld xmlns:a="http://schemas.openxmlformats.org/drawingml/2006/main" xmlns:r="http://schemas.openxmlformats.org/officeDocument/2006/relationships" xmlns:p="http://schemas.openxmlformats.org/presentationml/2006/main">
+  <p:cSld>
+    <p:spTree>
+      <p:nvGrpSpPr>
+        <p:cNvPr id="1" name=""/>
+        <p:cNvGrpSpPr/>
+        <p:nvPr/>
+      </p:nvGrpSpPr>
+      <p:grpSpPr>
+        <a:xfrm>
+          <a:off x="0" y="0"/>
+          <a:ext cx="0" cy="0"/>
+          <a:chOff x="0" y="0"/>
+          <a:chExt cx="0" cy="0"/>
+        </a:xfrm>
+      </p:grpSpPr>
+      <p:sp>
+        <p:nvSpPr>
+          <p:cNvPr id="2" name="標題 1">
+            <a:extLst>
+              <a:ext uri="{FF2B5EF4-FFF2-40B4-BE49-F238E27FC236}">
+                <a16:creationId xmlns:a16="http://schemas.microsoft.com/office/drawing/2014/main" id="{20222027-6953-F34F-B414-0AFEE556573D}"/>
+              </a:ext>
+            </a:extLst>
+          </p:cNvPr>
+          <p:cNvSpPr>
+            <a:spLocks noGrp="1"/>
+          </p:cNvSpPr>
+          <p:nvPr>
+            <p:ph type="title"/>
+          </p:nvPr>
+        </p:nvSpPr>
+        <p:spPr/>
+        <p:txBody>
+          <a:bodyPr/>
+          <a:lstStyle/>
+          <a:p>
+            <a:r>
+              <a:rPr kumimoji="1" lang="zh-TW" altLang="en-US" dirty="0"/>
+              <a:t>猜數字 </a:t>
+            </a:r>
+            <a:r>
+              <a:rPr kumimoji="1" lang="en-US" altLang="zh-TW" dirty="0"/>
+              <a:t>(Linear Search)</a:t>
+            </a:r>
+            <a:endParaRPr kumimoji="1" lang="zh-TW" altLang="en-US" dirty="0"/>
+          </a:p>
+        </p:txBody>
+      </p:sp>
+      <p:sp>
+        <p:nvSpPr>
+          <p:cNvPr id="3" name="內容版面配置區 2">
+            <a:extLst>
+              <a:ext uri="{FF2B5EF4-FFF2-40B4-BE49-F238E27FC236}">
+                <a16:creationId xmlns:a16="http://schemas.microsoft.com/office/drawing/2014/main" id="{E65A9056-5C71-3047-9726-B93C5DF18CCB}"/>
+              </a:ext>
+            </a:extLst>
+          </p:cNvPr>
+          <p:cNvSpPr>
+            <a:spLocks noGrp="1"/>
+          </p:cNvSpPr>
+          <p:nvPr>
+            <p:ph idx="1"/>
+          </p:nvPr>
+        </p:nvSpPr>
+        <p:spPr>
+          <a:xfrm>
+            <a:off x="677334" y="1534511"/>
+            <a:ext cx="8596668" cy="4506852"/>
+          </a:xfrm>
+        </p:spPr>
+        <p:txBody>
+          <a:bodyPr>
+            <a:normAutofit/>
+          </a:bodyPr>
+          <a:lstStyle/>
+          <a:p>
+            <a:r>
+              <a:rPr kumimoji="1" lang="en-US" altLang="zh-TW" sz="2400" dirty="0"/>
+              <a:t>1~100,</a:t>
+            </a:r>
+            <a:r>
+              <a:rPr kumimoji="1" lang="zh-TW" altLang="en-US" sz="2400" dirty="0"/>
+              <a:t> 我心裡想的是哪一個數字</a:t>
+            </a:r>
+            <a:r>
+              <a:rPr kumimoji="1" lang="en-US" altLang="zh-TW" sz="2400" dirty="0"/>
+              <a:t>?</a:t>
+            </a:r>
+          </a:p>
+          <a:p>
+            <a:r>
+              <a:rPr kumimoji="1" lang="en-US" altLang="zh-TW" sz="2400" dirty="0"/>
+              <a:t>(</a:t>
+            </a:r>
+            <a:r>
+              <a:rPr kumimoji="1" lang="zh-TW" altLang="en-US" sz="2400" dirty="0"/>
+              <a:t>提示</a:t>
+            </a:r>
+            <a:r>
+              <a:rPr kumimoji="1" lang="en-US" altLang="zh-TW" sz="2400" dirty="0"/>
+              <a:t>:</a:t>
+            </a:r>
+            <a:r>
+              <a:rPr kumimoji="1" lang="zh-TW" altLang="en-US" sz="2400" dirty="0"/>
+              <a:t> 太高、太低或正確</a:t>
+            </a:r>
+            <a:r>
+              <a:rPr kumimoji="1" lang="en-US" altLang="zh-TW" sz="2400" dirty="0"/>
+              <a:t>)</a:t>
+            </a:r>
+            <a:endParaRPr kumimoji="1" lang="zh-TW" altLang="en-US" sz="2400" dirty="0"/>
+          </a:p>
+        </p:txBody>
+      </p:sp>
+      <p:graphicFrame>
+        <p:nvGraphicFramePr>
+          <p:cNvPr id="4" name="表格 3">
+            <a:extLst>
+              <a:ext uri="{FF2B5EF4-FFF2-40B4-BE49-F238E27FC236}">
+                <a16:creationId xmlns:a16="http://schemas.microsoft.com/office/drawing/2014/main" id="{A21013F5-F966-6C4C-BE46-DC9590890B20}"/>
+              </a:ext>
+            </a:extLst>
+          </p:cNvPr>
+          <p:cNvGraphicFramePr>
+            <a:graphicFrameLocks noGrp="1"/>
+          </p:cNvGraphicFramePr>
+          <p:nvPr>
+            <p:extLst>
+              <p:ext uri="{D42A27DB-BD31-4B8C-83A1-F6EECF244321}">
+                <p14:modId xmlns:p14="http://schemas.microsoft.com/office/powerpoint/2010/main" val="4001582964"/>
+              </p:ext>
+            </p:extLst>
+          </p:nvPr>
+        </p:nvGraphicFramePr>
+        <p:xfrm>
+          <a:off x="1072429" y="3429000"/>
+          <a:ext cx="8128000" cy="370840"/>
+        </p:xfrm>
+        <a:graphic>
+          <a:graphicData uri="http://schemas.openxmlformats.org/drawingml/2006/table">
+            <a:tbl>
+              <a:tblPr>
+                <a:tableStyleId>{5C22544A-7EE6-4342-B048-85BDC9FD1C3A}</a:tableStyleId>
+              </a:tblPr>
+              <a:tblGrid>
+                <a:gridCol w="812800">
+                  <a:extLst>
+                    <a:ext uri="{9D8B030D-6E8A-4147-A177-3AD203B41FA5}">
+                      <a16:colId xmlns:a16="http://schemas.microsoft.com/office/drawing/2014/main" val="2444827006"/>
+                    </a:ext>
+                  </a:extLst>
+                </a:gridCol>
+                <a:gridCol w="812800">
+                  <a:extLst>
+                    <a:ext uri="{9D8B030D-6E8A-4147-A177-3AD203B41FA5}">
+                      <a16:colId xmlns:a16="http://schemas.microsoft.com/office/drawing/2014/main" val="2642972237"/>
+                    </a:ext>
+                  </a:extLst>
+                </a:gridCol>
+                <a:gridCol w="812800">
+                  <a:extLst>
+                    <a:ext uri="{9D8B030D-6E8A-4147-A177-3AD203B41FA5}">
+                      <a16:colId xmlns:a16="http://schemas.microsoft.com/office/drawing/2014/main" val="347857361"/>
+                    </a:ext>
+                  </a:extLst>
+                </a:gridCol>
+                <a:gridCol w="812800">
+                  <a:extLst>
+                    <a:ext uri="{9D8B030D-6E8A-4147-A177-3AD203B41FA5}">
+                      <a16:colId xmlns:a16="http://schemas.microsoft.com/office/drawing/2014/main" val="2317528319"/>
+                    </a:ext>
+                  </a:extLst>
+                </a:gridCol>
+                <a:gridCol w="812800">
+                  <a:extLst>
+                    <a:ext uri="{9D8B030D-6E8A-4147-A177-3AD203B41FA5}">
+                      <a16:colId xmlns:a16="http://schemas.microsoft.com/office/drawing/2014/main" val="3134997849"/>
+                    </a:ext>
+                  </a:extLst>
+                </a:gridCol>
+                <a:gridCol w="812800">
+                  <a:extLst>
+                    <a:ext uri="{9D8B030D-6E8A-4147-A177-3AD203B41FA5}">
+                      <a16:colId xmlns:a16="http://schemas.microsoft.com/office/drawing/2014/main" val="2005934046"/>
+                    </a:ext>
+                  </a:extLst>
+                </a:gridCol>
+                <a:gridCol w="812800">
+                  <a:extLst>
+                    <a:ext uri="{9D8B030D-6E8A-4147-A177-3AD203B41FA5}">
+                      <a16:colId xmlns:a16="http://schemas.microsoft.com/office/drawing/2014/main" val="2466201454"/>
+                    </a:ext>
+                  </a:extLst>
+                </a:gridCol>
+                <a:gridCol w="812800">
+                  <a:extLst>
+                    <a:ext uri="{9D8B030D-6E8A-4147-A177-3AD203B41FA5}">
+                      <a16:colId xmlns:a16="http://schemas.microsoft.com/office/drawing/2014/main" val="2637974380"/>
+                    </a:ext>
+                  </a:extLst>
+                </a:gridCol>
+                <a:gridCol w="812800">
+                  <a:extLst>
+                    <a:ext uri="{9D8B030D-6E8A-4147-A177-3AD203B41FA5}">
+                      <a16:colId xmlns:a16="http://schemas.microsoft.com/office/drawing/2014/main" val="1065718783"/>
+                    </a:ext>
+                  </a:extLst>
+                </a:gridCol>
+                <a:gridCol w="812800">
+                  <a:extLst>
+                    <a:ext uri="{9D8B030D-6E8A-4147-A177-3AD203B41FA5}">
+                      <a16:colId xmlns:a16="http://schemas.microsoft.com/office/drawing/2014/main" val="1928985985"/>
+                    </a:ext>
+                  </a:extLst>
+                </a:gridCol>
+              </a:tblGrid>
+              <a:tr h="370840">
+                <a:tc>
+                  <a:txBody>
+                    <a:bodyPr/>
+                    <a:lstStyle/>
+                    <a:p>
+                      <a:pPr algn="ctr"/>
+                      <a:r>
+                        <a:rPr lang="en-US" altLang="zh-TW" dirty="0">
+                          <a:latin typeface="Menlo" panose="020B0609030804020204" pitchFamily="49" charset="0"/>
+                          <a:ea typeface="Menlo" panose="020B0609030804020204" pitchFamily="49" charset="0"/>
+                          <a:cs typeface="Menlo" panose="020B0609030804020204" pitchFamily="49" charset="0"/>
+                        </a:rPr>
+                        <a:t>1</a:t>
+                      </a:r>
+                      <a:endParaRPr lang="zh-TW" altLang="en-US" dirty="0">
+                        <a:latin typeface="Menlo" panose="020B0609030804020204" pitchFamily="49" charset="0"/>
+                        <a:cs typeface="Menlo" panose="020B0609030804020204" pitchFamily="49" charset="0"/>
+                      </a:endParaRPr>
+                    </a:p>
+                  </a:txBody>
+                  <a:tcPr/>
+                </a:tc>
+                <a:tc>
+                  <a:txBody>
+                    <a:bodyPr/>
+                    <a:lstStyle/>
+                    <a:p>
+                      <a:pPr algn="ctr"/>
+                      <a:r>
+                        <a:rPr lang="en-US" altLang="zh-TW" dirty="0">
+                          <a:latin typeface="Menlo" panose="020B0609030804020204" pitchFamily="49" charset="0"/>
+                          <a:ea typeface="Menlo" panose="020B0609030804020204" pitchFamily="49" charset="0"/>
+                          <a:cs typeface="Menlo" panose="020B0609030804020204" pitchFamily="49" charset="0"/>
+                        </a:rPr>
+                        <a:t>2</a:t>
+                      </a:r>
+                      <a:endParaRPr lang="zh-TW" altLang="en-US" dirty="0">
+                        <a:latin typeface="Menlo" panose="020B0609030804020204" pitchFamily="49" charset="0"/>
+                        <a:cs typeface="Menlo" panose="020B0609030804020204" pitchFamily="49" charset="0"/>
+                      </a:endParaRPr>
+                    </a:p>
+                  </a:txBody>
+                  <a:tcPr/>
+                </a:tc>
+                <a:tc>
+                  <a:txBody>
+                    <a:bodyPr/>
+                    <a:lstStyle/>
+                    <a:p>
+                      <a:pPr algn="ctr"/>
+                      <a:r>
+                        <a:rPr lang="en-US" altLang="zh-TW" dirty="0">
+                          <a:latin typeface="Menlo" panose="020B0609030804020204" pitchFamily="49" charset="0"/>
+                          <a:ea typeface="Menlo" panose="020B0609030804020204" pitchFamily="49" charset="0"/>
+                          <a:cs typeface="Menlo" panose="020B0609030804020204" pitchFamily="49" charset="0"/>
+                        </a:rPr>
+                        <a:t>3</a:t>
+                      </a:r>
+                      <a:endParaRPr lang="zh-TW" altLang="en-US" dirty="0">
+                        <a:latin typeface="Menlo" panose="020B0609030804020204" pitchFamily="49" charset="0"/>
+                        <a:cs typeface="Menlo" panose="020B0609030804020204" pitchFamily="49" charset="0"/>
+                      </a:endParaRPr>
+                    </a:p>
+                  </a:txBody>
+                  <a:tcPr/>
+                </a:tc>
+                <a:tc>
+                  <a:txBody>
+                    <a:bodyPr/>
+                    <a:lstStyle/>
+                    <a:p>
+                      <a:pPr algn="ctr"/>
+                      <a:r>
+                        <a:rPr lang="en-US" altLang="zh-TW" dirty="0">
+                          <a:latin typeface="Menlo" panose="020B0609030804020204" pitchFamily="49" charset="0"/>
+                          <a:ea typeface="Menlo" panose="020B0609030804020204" pitchFamily="49" charset="0"/>
+                          <a:cs typeface="Menlo" panose="020B0609030804020204" pitchFamily="49" charset="0"/>
+                        </a:rPr>
+                        <a:t>4</a:t>
+                      </a:r>
+                      <a:endParaRPr lang="zh-TW" altLang="en-US" dirty="0">
+                        <a:latin typeface="Menlo" panose="020B0609030804020204" pitchFamily="49" charset="0"/>
+                        <a:cs typeface="Menlo" panose="020B0609030804020204" pitchFamily="49" charset="0"/>
+                      </a:endParaRPr>
+                    </a:p>
+                  </a:txBody>
+                  <a:tcPr/>
+                </a:tc>
+                <a:tc>
+                  <a:txBody>
+                    <a:bodyPr/>
+                    <a:lstStyle/>
+                    <a:p>
+                      <a:pPr algn="ctr"/>
+                      <a:r>
+                        <a:rPr lang="en-US" altLang="zh-TW" dirty="0">
+                          <a:latin typeface="Menlo" panose="020B0609030804020204" pitchFamily="49" charset="0"/>
+                          <a:ea typeface="Menlo" panose="020B0609030804020204" pitchFamily="49" charset="0"/>
+                          <a:cs typeface="Menlo" panose="020B0609030804020204" pitchFamily="49" charset="0"/>
+                        </a:rPr>
+                        <a:t>.</a:t>
+                      </a:r>
+                      <a:r>
+                        <a:rPr lang="zh-TW" altLang="en-US" dirty="0">
+                          <a:latin typeface="Menlo" panose="020B0609030804020204" pitchFamily="49" charset="0"/>
+                          <a:cs typeface="Menlo" panose="020B0609030804020204" pitchFamily="49" charset="0"/>
+                        </a:rPr>
+                        <a:t> </a:t>
+                      </a:r>
+                      <a:r>
+                        <a:rPr lang="en-US" altLang="zh-TW" dirty="0">
+                          <a:latin typeface="Menlo" panose="020B0609030804020204" pitchFamily="49" charset="0"/>
+                          <a:ea typeface="Menlo" panose="020B0609030804020204" pitchFamily="49" charset="0"/>
+                          <a:cs typeface="Menlo" panose="020B0609030804020204" pitchFamily="49" charset="0"/>
+                        </a:rPr>
+                        <a:t>.</a:t>
+                      </a:r>
+                      <a:r>
+                        <a:rPr lang="zh-TW" altLang="en-US" dirty="0">
+                          <a:latin typeface="Menlo" panose="020B0609030804020204" pitchFamily="49" charset="0"/>
+                          <a:cs typeface="Menlo" panose="020B0609030804020204" pitchFamily="49" charset="0"/>
+                        </a:rPr>
+                        <a:t> </a:t>
+                      </a:r>
+                      <a:r>
+                        <a:rPr lang="en-US" altLang="zh-TW" dirty="0">
+                          <a:latin typeface="Menlo" panose="020B0609030804020204" pitchFamily="49" charset="0"/>
+                          <a:ea typeface="Menlo" panose="020B0609030804020204" pitchFamily="49" charset="0"/>
+                          <a:cs typeface="Menlo" panose="020B0609030804020204" pitchFamily="49" charset="0"/>
+                        </a:rPr>
+                        <a:t>.</a:t>
+                      </a:r>
+                      <a:r>
+                        <a:rPr lang="zh-TW" altLang="en-US" dirty="0">
+                          <a:latin typeface="Menlo" panose="020B0609030804020204" pitchFamily="49" charset="0"/>
+                          <a:cs typeface="Menlo" panose="020B0609030804020204" pitchFamily="49" charset="0"/>
+                        </a:rPr>
+                        <a:t> </a:t>
+                      </a:r>
+                    </a:p>
+                  </a:txBody>
+                  <a:tcPr/>
+                </a:tc>
+                <a:tc>
+                  <a:txBody>
+                    <a:bodyPr/>
+                    <a:lstStyle/>
+                    <a:p>
+                      <a:pPr algn="ctr"/>
+                      <a:r>
+                        <a:rPr lang="en-US" altLang="zh-TW" dirty="0">
+                          <a:latin typeface="Menlo" panose="020B0609030804020204" pitchFamily="49" charset="0"/>
+                          <a:ea typeface="Menlo" panose="020B0609030804020204" pitchFamily="49" charset="0"/>
+                          <a:cs typeface="Menlo" panose="020B0609030804020204" pitchFamily="49" charset="0"/>
+                        </a:rPr>
+                        <a:t>.</a:t>
+                      </a:r>
+                      <a:r>
+                        <a:rPr lang="zh-TW" altLang="en-US" dirty="0">
+                          <a:latin typeface="Menlo" panose="020B0609030804020204" pitchFamily="49" charset="0"/>
+                          <a:cs typeface="Menlo" panose="020B0609030804020204" pitchFamily="49" charset="0"/>
+                        </a:rPr>
+                        <a:t> </a:t>
+                      </a:r>
+                      <a:r>
+                        <a:rPr lang="en-US" altLang="zh-TW" dirty="0">
+                          <a:latin typeface="Menlo" panose="020B0609030804020204" pitchFamily="49" charset="0"/>
+                          <a:ea typeface="Menlo" panose="020B0609030804020204" pitchFamily="49" charset="0"/>
+                          <a:cs typeface="Menlo" panose="020B0609030804020204" pitchFamily="49" charset="0"/>
+                        </a:rPr>
+                        <a:t>.</a:t>
+                      </a:r>
+                      <a:r>
+                        <a:rPr lang="zh-TW" altLang="en-US" dirty="0">
+                          <a:latin typeface="Menlo" panose="020B0609030804020204" pitchFamily="49" charset="0"/>
+                          <a:cs typeface="Menlo" panose="020B0609030804020204" pitchFamily="49" charset="0"/>
+                        </a:rPr>
+                        <a:t> </a:t>
+                      </a:r>
+                      <a:r>
+                        <a:rPr lang="en-US" altLang="zh-TW" dirty="0">
+                          <a:latin typeface="Menlo" panose="020B0609030804020204" pitchFamily="49" charset="0"/>
+                          <a:ea typeface="Menlo" panose="020B0609030804020204" pitchFamily="49" charset="0"/>
+                          <a:cs typeface="Menlo" panose="020B0609030804020204" pitchFamily="49" charset="0"/>
+                        </a:rPr>
+                        <a:t>.</a:t>
+                      </a:r>
+                      <a:r>
+                        <a:rPr lang="zh-TW" altLang="en-US" dirty="0">
+                          <a:latin typeface="Menlo" panose="020B0609030804020204" pitchFamily="49" charset="0"/>
+                          <a:cs typeface="Menlo" panose="020B0609030804020204" pitchFamily="49" charset="0"/>
+                        </a:rPr>
+                        <a:t> </a:t>
+                      </a:r>
+                    </a:p>
+                  </a:txBody>
+                  <a:tcPr/>
+                </a:tc>
+                <a:tc>
+                  <a:txBody>
+                    <a:bodyPr/>
+                    <a:lstStyle/>
+                    <a:p>
+                      <a:pPr algn="ctr"/>
+                      <a:r>
+                        <a:rPr lang="en-US" altLang="zh-TW" dirty="0">
+                          <a:latin typeface="Menlo" panose="020B0609030804020204" pitchFamily="49" charset="0"/>
+                          <a:ea typeface="Menlo" panose="020B0609030804020204" pitchFamily="49" charset="0"/>
+                          <a:cs typeface="Menlo" panose="020B0609030804020204" pitchFamily="49" charset="0"/>
+                        </a:rPr>
+                        <a:t>97</a:t>
+                      </a:r>
+                      <a:endParaRPr lang="zh-TW" altLang="en-US" dirty="0">
+                        <a:latin typeface="Menlo" panose="020B0609030804020204" pitchFamily="49" charset="0"/>
+                        <a:cs typeface="Menlo" panose="020B0609030804020204" pitchFamily="49" charset="0"/>
+                      </a:endParaRPr>
+                    </a:p>
+                  </a:txBody>
+                  <a:tcPr/>
+                </a:tc>
+                <a:tc>
+                  <a:txBody>
+                    <a:bodyPr/>
+                    <a:lstStyle/>
+                    <a:p>
+                      <a:pPr algn="ctr"/>
+                      <a:r>
+                        <a:rPr lang="en-US" altLang="zh-TW" dirty="0">
+                          <a:latin typeface="Menlo" panose="020B0609030804020204" pitchFamily="49" charset="0"/>
+                          <a:ea typeface="Menlo" panose="020B0609030804020204" pitchFamily="49" charset="0"/>
+                          <a:cs typeface="Menlo" panose="020B0609030804020204" pitchFamily="49" charset="0"/>
+                        </a:rPr>
+                        <a:t>98</a:t>
+                      </a:r>
+                      <a:endParaRPr lang="zh-TW" altLang="en-US" dirty="0">
+                        <a:latin typeface="Menlo" panose="020B0609030804020204" pitchFamily="49" charset="0"/>
+                        <a:cs typeface="Menlo" panose="020B0609030804020204" pitchFamily="49" charset="0"/>
+                      </a:endParaRPr>
+                    </a:p>
+                  </a:txBody>
+                  <a:tcPr/>
+                </a:tc>
+                <a:tc>
+                  <a:txBody>
+                    <a:bodyPr/>
+                    <a:lstStyle/>
+                    <a:p>
+                      <a:pPr algn="ctr"/>
+                      <a:r>
+                        <a:rPr lang="en-US" altLang="zh-TW" dirty="0">
+                          <a:latin typeface="Menlo" panose="020B0609030804020204" pitchFamily="49" charset="0"/>
+                          <a:ea typeface="Menlo" panose="020B0609030804020204" pitchFamily="49" charset="0"/>
+                          <a:cs typeface="Menlo" panose="020B0609030804020204" pitchFamily="49" charset="0"/>
+                        </a:rPr>
+                        <a:t>99</a:t>
+                      </a:r>
+                      <a:endParaRPr lang="zh-TW" altLang="en-US" dirty="0">
+                        <a:latin typeface="Menlo" panose="020B0609030804020204" pitchFamily="49" charset="0"/>
+                        <a:cs typeface="Menlo" panose="020B0609030804020204" pitchFamily="49" charset="0"/>
+                      </a:endParaRPr>
+                    </a:p>
+                  </a:txBody>
+                  <a:tcPr/>
+                </a:tc>
+                <a:tc>
+                  <a:txBody>
+                    <a:bodyPr/>
+                    <a:lstStyle/>
+                    <a:p>
+                      <a:pPr algn="ctr"/>
+                      <a:r>
+                        <a:rPr lang="en-US" altLang="zh-TW" dirty="0">
+                          <a:latin typeface="Menlo" panose="020B0609030804020204" pitchFamily="49" charset="0"/>
+                          <a:ea typeface="Menlo" panose="020B0609030804020204" pitchFamily="49" charset="0"/>
+                          <a:cs typeface="Menlo" panose="020B0609030804020204" pitchFamily="49" charset="0"/>
+                        </a:rPr>
+                        <a:t>100</a:t>
+                      </a:r>
+                      <a:endParaRPr lang="zh-TW" altLang="en-US" dirty="0">
+                        <a:latin typeface="Menlo" panose="020B0609030804020204" pitchFamily="49" charset="0"/>
+                        <a:cs typeface="Menlo" panose="020B0609030804020204" pitchFamily="49" charset="0"/>
+                      </a:endParaRPr>
+                    </a:p>
+                  </a:txBody>
+                  <a:tcPr/>
+                </a:tc>
+                <a:extLst>
+                  <a:ext uri="{0D108BD9-81ED-4DB2-BD59-A6C34878D82A}">
+                    <a16:rowId xmlns:a16="http://schemas.microsoft.com/office/drawing/2014/main" val="2284863870"/>
+                  </a:ext>
+                </a:extLst>
+              </a:tr>
+            </a:tbl>
+          </a:graphicData>
+        </a:graphic>
+      </p:graphicFrame>
+      <p:sp>
+        <p:nvSpPr>
+          <p:cNvPr id="6" name="文字方塊 5">
+            <a:extLst>
+              <a:ext uri="{FF2B5EF4-FFF2-40B4-BE49-F238E27FC236}">
+                <a16:creationId xmlns:a16="http://schemas.microsoft.com/office/drawing/2014/main" id="{D636400C-5B5C-DD48-8B23-8D1C0406BA6F}"/>
+              </a:ext>
+            </a:extLst>
+          </p:cNvPr>
+          <p:cNvSpPr txBox="1"/>
+          <p:nvPr/>
+        </p:nvSpPr>
+        <p:spPr>
+          <a:xfrm>
+            <a:off x="3776488" y="4495809"/>
+            <a:ext cx="2529860" cy="954107"/>
+          </a:xfrm>
+          <a:prstGeom prst="rect">
+            <a:avLst/>
+          </a:prstGeom>
+          <a:noFill/>
+        </p:spPr>
+        <p:txBody>
+          <a:bodyPr wrap="none" rtlCol="0">
+            <a:spAutoFit/>
+          </a:bodyPr>
+          <a:lstStyle/>
+          <a:p>
+            <a:r>
+              <a:rPr kumimoji="1" lang="zh-TW" altLang="en-US" sz="2800" dirty="0">
+                <a:solidFill>
+                  <a:srgbClr val="FF0000"/>
+                </a:solidFill>
+              </a:rPr>
+              <a:t>從 </a:t>
+            </a:r>
+            <a:r>
+              <a:rPr kumimoji="1" lang="en-US" altLang="zh-TW" sz="2800" dirty="0">
+                <a:solidFill>
+                  <a:srgbClr val="FF0000"/>
+                </a:solidFill>
+              </a:rPr>
+              <a:t>1</a:t>
+            </a:r>
+            <a:r>
+              <a:rPr kumimoji="1" lang="zh-TW" altLang="en-US" sz="2800" dirty="0">
+                <a:solidFill>
+                  <a:srgbClr val="FF0000"/>
+                </a:solidFill>
+              </a:rPr>
+              <a:t> 開始猜</a:t>
+            </a:r>
+            <a:r>
+              <a:rPr kumimoji="1" lang="en-US" altLang="zh-TW" sz="2800" dirty="0">
+                <a:solidFill>
+                  <a:srgbClr val="FF0000"/>
+                </a:solidFill>
+              </a:rPr>
+              <a:t>?</a:t>
+            </a:r>
+          </a:p>
+          <a:p>
+            <a:r>
+              <a:rPr kumimoji="1" lang="zh-TW" altLang="en-US" sz="2800" dirty="0">
+                <a:solidFill>
+                  <a:srgbClr val="FF0000"/>
+                </a:solidFill>
+              </a:rPr>
+              <a:t>從 </a:t>
+            </a:r>
+            <a:r>
+              <a:rPr kumimoji="1" lang="en-US" altLang="zh-TW" sz="2800" dirty="0">
+                <a:solidFill>
+                  <a:srgbClr val="FF0000"/>
+                </a:solidFill>
+              </a:rPr>
+              <a:t>100</a:t>
+            </a:r>
+            <a:r>
+              <a:rPr kumimoji="1" lang="zh-TW" altLang="en-US" sz="2800" dirty="0">
+                <a:solidFill>
+                  <a:srgbClr val="FF0000"/>
+                </a:solidFill>
+              </a:rPr>
+              <a:t> 開始猜</a:t>
+            </a:r>
+            <a:r>
+              <a:rPr kumimoji="1" lang="en-US" altLang="zh-TW" sz="2800" dirty="0">
+                <a:solidFill>
+                  <a:srgbClr val="FF0000"/>
+                </a:solidFill>
+              </a:rPr>
+              <a:t>?</a:t>
+            </a:r>
+            <a:endParaRPr kumimoji="1" lang="zh-TW" altLang="en-US" sz="2800" dirty="0">
+              <a:solidFill>
+                <a:srgbClr val="FF0000"/>
+              </a:solidFill>
+            </a:endParaRPr>
+          </a:p>
+        </p:txBody>
+      </p:sp>
+    </p:spTree>
+    <p:extLst>
+      <p:ext uri="{BB962C8B-B14F-4D97-AF65-F5344CB8AC3E}">
+        <p14:creationId xmlns:p14="http://schemas.microsoft.com/office/powerpoint/2010/main" val="441273958"/>
+      </p:ext>
+    </p:extLst>
+  </p:cSld>
+  <p:clrMapOvr>
+    <a:masterClrMapping/>
+  </p:clrMapOvr>
+</p:sld>
+</file>
+
+<file path=ppt/slides/slide6.xml><?xml version="1.0" encoding="utf-8"?>
+<p:sld xmlns:a="http://schemas.openxmlformats.org/drawingml/2006/main" xmlns:r="http://schemas.openxmlformats.org/officeDocument/2006/relationships" xmlns:p="http://schemas.openxmlformats.org/presentationml/2006/main">
+  <p:cSld>
+    <p:spTree>
+      <p:nvGrpSpPr>
+        <p:cNvPr id="1" name=""/>
+        <p:cNvGrpSpPr/>
+        <p:nvPr/>
+      </p:nvGrpSpPr>
+      <p:grpSpPr>
+        <a:xfrm>
+          <a:off x="0" y="0"/>
+          <a:ext cx="0" cy="0"/>
+          <a:chOff x="0" y="0"/>
+          <a:chExt cx="0" cy="0"/>
+        </a:xfrm>
+      </p:grpSpPr>
+      <p:sp>
+        <p:nvSpPr>
+          <p:cNvPr id="2" name="標題 1">
+            <a:extLst>
+              <a:ext uri="{FF2B5EF4-FFF2-40B4-BE49-F238E27FC236}">
+                <a16:creationId xmlns:a16="http://schemas.microsoft.com/office/drawing/2014/main" id="{20222027-6953-F34F-B414-0AFEE556573D}"/>
+              </a:ext>
+            </a:extLst>
+          </p:cNvPr>
+          <p:cNvSpPr>
+            <a:spLocks noGrp="1"/>
+          </p:cNvSpPr>
+          <p:nvPr>
+            <p:ph type="title"/>
+          </p:nvPr>
+        </p:nvSpPr>
+        <p:spPr/>
+        <p:txBody>
+          <a:bodyPr/>
+          <a:lstStyle/>
+          <a:p>
+            <a:r>
+              <a:rPr kumimoji="1" lang="zh-TW" altLang="en-US" dirty="0"/>
+              <a:t>猜數字</a:t>
+            </a:r>
+            <a:r>
+              <a:rPr kumimoji="1" lang="en-US" altLang="zh-TW" dirty="0"/>
+              <a:t> (Binary Search)</a:t>
+            </a:r>
+            <a:endParaRPr kumimoji="1" lang="zh-TW" altLang="en-US" dirty="0"/>
+          </a:p>
+        </p:txBody>
+      </p:sp>
+      <p:sp>
+        <p:nvSpPr>
+          <p:cNvPr id="3" name="內容版面配置區 2">
+            <a:extLst>
+              <a:ext uri="{FF2B5EF4-FFF2-40B4-BE49-F238E27FC236}">
+                <a16:creationId xmlns:a16="http://schemas.microsoft.com/office/drawing/2014/main" id="{E65A9056-5C71-3047-9726-B93C5DF18CCB}"/>
+              </a:ext>
+            </a:extLst>
+          </p:cNvPr>
+          <p:cNvSpPr>
+            <a:spLocks noGrp="1"/>
+          </p:cNvSpPr>
+          <p:nvPr>
+            <p:ph idx="1"/>
+          </p:nvPr>
+        </p:nvSpPr>
+        <p:spPr>
+          <a:xfrm>
+            <a:off x="677334" y="1534511"/>
+            <a:ext cx="8596668" cy="4506852"/>
+          </a:xfrm>
+        </p:spPr>
+        <p:txBody>
+          <a:bodyPr>
+            <a:normAutofit/>
+          </a:bodyPr>
+          <a:lstStyle/>
+          <a:p>
+            <a:r>
+              <a:rPr kumimoji="1" lang="en-US" altLang="zh-TW" sz="2400" dirty="0"/>
+              <a:t>1~100,</a:t>
+            </a:r>
+            <a:r>
+              <a:rPr kumimoji="1" lang="zh-TW" altLang="en-US" sz="2400" dirty="0"/>
+              <a:t> 我心裡想的是哪一個數字</a:t>
+            </a:r>
+            <a:r>
+              <a:rPr kumimoji="1" lang="en-US" altLang="zh-TW" sz="2400" dirty="0"/>
+              <a:t>?</a:t>
+            </a:r>
+          </a:p>
+          <a:p>
+            <a:r>
+              <a:rPr kumimoji="1" lang="en-US" altLang="zh-TW" sz="2400" dirty="0"/>
+              <a:t>(</a:t>
+            </a:r>
+            <a:r>
+              <a:rPr kumimoji="1" lang="zh-TW" altLang="en-US" sz="2400" dirty="0"/>
+              <a:t>提示</a:t>
+            </a:r>
+            <a:r>
+              <a:rPr kumimoji="1" lang="en-US" altLang="zh-TW" sz="2400" dirty="0"/>
+              <a:t>:</a:t>
+            </a:r>
+            <a:r>
+              <a:rPr kumimoji="1" lang="zh-TW" altLang="en-US" sz="2400" dirty="0"/>
+              <a:t> 太高、太低或正確</a:t>
+            </a:r>
+            <a:r>
+              <a:rPr kumimoji="1" lang="en-US" altLang="zh-TW" sz="2400" dirty="0"/>
+              <a:t>)</a:t>
+            </a:r>
+            <a:endParaRPr kumimoji="1" lang="zh-TW" altLang="en-US" sz="2400" dirty="0"/>
+          </a:p>
+        </p:txBody>
+      </p:sp>
+      <p:graphicFrame>
+        <p:nvGraphicFramePr>
+          <p:cNvPr id="4" name="表格 3">
+            <a:extLst>
+              <a:ext uri="{FF2B5EF4-FFF2-40B4-BE49-F238E27FC236}">
+                <a16:creationId xmlns:a16="http://schemas.microsoft.com/office/drawing/2014/main" id="{A21013F5-F966-6C4C-BE46-DC9590890B20}"/>
+              </a:ext>
+            </a:extLst>
+          </p:cNvPr>
+          <p:cNvGraphicFramePr>
+            <a:graphicFrameLocks noGrp="1"/>
+          </p:cNvGraphicFramePr>
+          <p:nvPr>
+            <p:extLst>
+              <p:ext uri="{D42A27DB-BD31-4B8C-83A1-F6EECF244321}">
+                <p14:modId xmlns:p14="http://schemas.microsoft.com/office/powerpoint/2010/main" val="998150992"/>
+              </p:ext>
+            </p:extLst>
+          </p:nvPr>
+        </p:nvGraphicFramePr>
+        <p:xfrm>
+          <a:off x="1146002" y="2699223"/>
+          <a:ext cx="8128000" cy="370840"/>
+        </p:xfrm>
+        <a:graphic>
+          <a:graphicData uri="http://schemas.openxmlformats.org/drawingml/2006/table">
+            <a:tbl>
+              <a:tblPr>
+                <a:tableStyleId>{5C22544A-7EE6-4342-B048-85BDC9FD1C3A}</a:tableStyleId>
+              </a:tblPr>
+              <a:tblGrid>
+                <a:gridCol w="812800">
+                  <a:extLst>
+                    <a:ext uri="{9D8B030D-6E8A-4147-A177-3AD203B41FA5}">
+                      <a16:colId xmlns:a16="http://schemas.microsoft.com/office/drawing/2014/main" val="2444827006"/>
+                    </a:ext>
+                  </a:extLst>
+                </a:gridCol>
+                <a:gridCol w="812800">
+                  <a:extLst>
+                    <a:ext uri="{9D8B030D-6E8A-4147-A177-3AD203B41FA5}">
+                      <a16:colId xmlns:a16="http://schemas.microsoft.com/office/drawing/2014/main" val="2642972237"/>
+                    </a:ext>
+                  </a:extLst>
+                </a:gridCol>
+                <a:gridCol w="812800">
+                  <a:extLst>
+                    <a:ext uri="{9D8B030D-6E8A-4147-A177-3AD203B41FA5}">
+                      <a16:colId xmlns:a16="http://schemas.microsoft.com/office/drawing/2014/main" val="347857361"/>
+                    </a:ext>
+                  </a:extLst>
+                </a:gridCol>
+                <a:gridCol w="812800">
+                  <a:extLst>
+                    <a:ext uri="{9D8B030D-6E8A-4147-A177-3AD203B41FA5}">
+                      <a16:colId xmlns:a16="http://schemas.microsoft.com/office/drawing/2014/main" val="2317528319"/>
+                    </a:ext>
+                  </a:extLst>
+                </a:gridCol>
+                <a:gridCol w="812800">
+                  <a:extLst>
+                    <a:ext uri="{9D8B030D-6E8A-4147-A177-3AD203B41FA5}">
+                      <a16:colId xmlns:a16="http://schemas.microsoft.com/office/drawing/2014/main" val="3134997849"/>
+                    </a:ext>
+                  </a:extLst>
+                </a:gridCol>
+                <a:gridCol w="812800">
+                  <a:extLst>
+                    <a:ext uri="{9D8B030D-6E8A-4147-A177-3AD203B41FA5}">
+                      <a16:colId xmlns:a16="http://schemas.microsoft.com/office/drawing/2014/main" val="2005934046"/>
+                    </a:ext>
+                  </a:extLst>
+                </a:gridCol>
+                <a:gridCol w="812800">
+                  <a:extLst>
+                    <a:ext uri="{9D8B030D-6E8A-4147-A177-3AD203B41FA5}">
+                      <a16:colId xmlns:a16="http://schemas.microsoft.com/office/drawing/2014/main" val="2466201454"/>
+                    </a:ext>
+                  </a:extLst>
+                </a:gridCol>
+                <a:gridCol w="812800">
+                  <a:extLst>
+                    <a:ext uri="{9D8B030D-6E8A-4147-A177-3AD203B41FA5}">
+                      <a16:colId xmlns:a16="http://schemas.microsoft.com/office/drawing/2014/main" val="2637974380"/>
+                    </a:ext>
+                  </a:extLst>
+                </a:gridCol>
+                <a:gridCol w="812800">
+                  <a:extLst>
+                    <a:ext uri="{9D8B030D-6E8A-4147-A177-3AD203B41FA5}">
+                      <a16:colId xmlns:a16="http://schemas.microsoft.com/office/drawing/2014/main" val="1065718783"/>
+                    </a:ext>
+                  </a:extLst>
+                </a:gridCol>
+                <a:gridCol w="812800">
+                  <a:extLst>
+                    <a:ext uri="{9D8B030D-6E8A-4147-A177-3AD203B41FA5}">
+                      <a16:colId xmlns:a16="http://schemas.microsoft.com/office/drawing/2014/main" val="1928985985"/>
+                    </a:ext>
+                  </a:extLst>
+                </a:gridCol>
+              </a:tblGrid>
+              <a:tr h="370840">
+                <a:tc>
+                  <a:txBody>
+                    <a:bodyPr/>
+                    <a:lstStyle/>
+                    <a:p>
+                      <a:pPr algn="ctr"/>
+                      <a:r>
+                        <a:rPr lang="en-US" altLang="zh-TW" dirty="0">
+                          <a:latin typeface="Menlo" panose="020B0609030804020204" pitchFamily="49" charset="0"/>
+                          <a:ea typeface="Menlo" panose="020B0609030804020204" pitchFamily="49" charset="0"/>
+                          <a:cs typeface="Menlo" panose="020B0609030804020204" pitchFamily="49" charset="0"/>
+                        </a:rPr>
+                        <a:t>1</a:t>
+                      </a:r>
+                      <a:endParaRPr lang="zh-TW" altLang="en-US" dirty="0">
+                        <a:latin typeface="Menlo" panose="020B0609030804020204" pitchFamily="49" charset="0"/>
+                        <a:cs typeface="Menlo" panose="020B0609030804020204" pitchFamily="49" charset="0"/>
+                      </a:endParaRPr>
+                    </a:p>
+                  </a:txBody>
+                  <a:tcPr/>
+                </a:tc>
+                <a:tc>
+                  <a:txBody>
+                    <a:bodyPr/>
+                    <a:lstStyle/>
+                    <a:p>
+                      <a:pPr algn="ctr"/>
+                      <a:r>
+                        <a:rPr lang="en-US" altLang="zh-TW" dirty="0">
+                          <a:latin typeface="Menlo" panose="020B0609030804020204" pitchFamily="49" charset="0"/>
+                          <a:ea typeface="Menlo" panose="020B0609030804020204" pitchFamily="49" charset="0"/>
+                          <a:cs typeface="Menlo" panose="020B0609030804020204" pitchFamily="49" charset="0"/>
+                        </a:rPr>
+                        <a:t>2</a:t>
+                      </a:r>
+                      <a:endParaRPr lang="zh-TW" altLang="en-US" dirty="0">
+                        <a:latin typeface="Menlo" panose="020B0609030804020204" pitchFamily="49" charset="0"/>
+                        <a:cs typeface="Menlo" panose="020B0609030804020204" pitchFamily="49" charset="0"/>
+                      </a:endParaRPr>
+                    </a:p>
+                  </a:txBody>
+                  <a:tcPr/>
+                </a:tc>
+                <a:tc>
+                  <a:txBody>
+                    <a:bodyPr/>
+                    <a:lstStyle/>
+                    <a:p>
+                      <a:pPr algn="ctr"/>
+                      <a:r>
+                        <a:rPr lang="en-US" altLang="zh-TW" dirty="0">
+                          <a:latin typeface="Menlo" panose="020B0609030804020204" pitchFamily="49" charset="0"/>
+                          <a:ea typeface="Menlo" panose="020B0609030804020204" pitchFamily="49" charset="0"/>
+                          <a:cs typeface="Menlo" panose="020B0609030804020204" pitchFamily="49" charset="0"/>
+                        </a:rPr>
+                        <a:t>3</a:t>
+                      </a:r>
+                      <a:endParaRPr lang="zh-TW" altLang="en-US" dirty="0">
+                        <a:latin typeface="Menlo" panose="020B0609030804020204" pitchFamily="49" charset="0"/>
+                        <a:cs typeface="Menlo" panose="020B0609030804020204" pitchFamily="49" charset="0"/>
+                      </a:endParaRPr>
+                    </a:p>
+                  </a:txBody>
+                  <a:tcPr/>
+                </a:tc>
+                <a:tc>
+                  <a:txBody>
+                    <a:bodyPr/>
+                    <a:lstStyle/>
+                    <a:p>
+                      <a:pPr algn="ctr"/>
+                      <a:r>
+                        <a:rPr lang="en-US" altLang="zh-TW" dirty="0">
+                          <a:latin typeface="Menlo" panose="020B0609030804020204" pitchFamily="49" charset="0"/>
+                          <a:ea typeface="Menlo" panose="020B0609030804020204" pitchFamily="49" charset="0"/>
+                          <a:cs typeface="Menlo" panose="020B0609030804020204" pitchFamily="49" charset="0"/>
+                        </a:rPr>
+                        <a:t>4</a:t>
+                      </a:r>
+                      <a:endParaRPr lang="zh-TW" altLang="en-US" dirty="0">
+                        <a:latin typeface="Menlo" panose="020B0609030804020204" pitchFamily="49" charset="0"/>
+                        <a:cs typeface="Menlo" panose="020B0609030804020204" pitchFamily="49" charset="0"/>
+                      </a:endParaRPr>
+                    </a:p>
+                  </a:txBody>
+                  <a:tcPr/>
+                </a:tc>
+                <a:tc>
+                  <a:txBody>
+                    <a:bodyPr/>
+                    <a:lstStyle/>
+                    <a:p>
+                      <a:pPr algn="ctr"/>
+                      <a:r>
+                        <a:rPr lang="en-US" altLang="zh-TW" dirty="0">
+                          <a:latin typeface="Menlo" panose="020B0609030804020204" pitchFamily="49" charset="0"/>
+                          <a:ea typeface="Menlo" panose="020B0609030804020204" pitchFamily="49" charset="0"/>
+                          <a:cs typeface="Menlo" panose="020B0609030804020204" pitchFamily="49" charset="0"/>
+                        </a:rPr>
+                        <a:t>.</a:t>
+                      </a:r>
+                      <a:r>
+                        <a:rPr lang="zh-TW" altLang="en-US" dirty="0">
+                          <a:latin typeface="Menlo" panose="020B0609030804020204" pitchFamily="49" charset="0"/>
+                          <a:cs typeface="Menlo" panose="020B0609030804020204" pitchFamily="49" charset="0"/>
+                        </a:rPr>
+                        <a:t> </a:t>
+                      </a:r>
+                      <a:r>
+                        <a:rPr lang="en-US" altLang="zh-TW" dirty="0">
+                          <a:latin typeface="Menlo" panose="020B0609030804020204" pitchFamily="49" charset="0"/>
+                          <a:ea typeface="Menlo" panose="020B0609030804020204" pitchFamily="49" charset="0"/>
+                          <a:cs typeface="Menlo" panose="020B0609030804020204" pitchFamily="49" charset="0"/>
+                        </a:rPr>
+                        <a:t>.</a:t>
+                      </a:r>
+                      <a:r>
+                        <a:rPr lang="zh-TW" altLang="en-US" dirty="0">
+                          <a:latin typeface="Menlo" panose="020B0609030804020204" pitchFamily="49" charset="0"/>
+                          <a:cs typeface="Menlo" panose="020B0609030804020204" pitchFamily="49" charset="0"/>
+                        </a:rPr>
+                        <a:t> </a:t>
+                      </a:r>
+                      <a:r>
+                        <a:rPr lang="en-US" altLang="zh-TW" dirty="0">
+                          <a:latin typeface="Menlo" panose="020B0609030804020204" pitchFamily="49" charset="0"/>
+                          <a:ea typeface="Menlo" panose="020B0609030804020204" pitchFamily="49" charset="0"/>
+                          <a:cs typeface="Menlo" panose="020B0609030804020204" pitchFamily="49" charset="0"/>
+                        </a:rPr>
+                        <a:t>.</a:t>
+                      </a:r>
+                      <a:r>
+                        <a:rPr lang="zh-TW" altLang="en-US" dirty="0">
+                          <a:latin typeface="Menlo" panose="020B0609030804020204" pitchFamily="49" charset="0"/>
+                          <a:cs typeface="Menlo" panose="020B0609030804020204" pitchFamily="49" charset="0"/>
+                        </a:rPr>
+                        <a:t> </a:t>
+                      </a:r>
+                    </a:p>
+                  </a:txBody>
+                  <a:tcPr/>
+                </a:tc>
+                <a:tc>
+                  <a:txBody>
+                    <a:bodyPr/>
+                    <a:lstStyle/>
+                    <a:p>
+                      <a:pPr algn="ctr"/>
+                      <a:r>
+                        <a:rPr lang="en-US" altLang="zh-TW" dirty="0">
+                          <a:latin typeface="Menlo" panose="020B0609030804020204" pitchFamily="49" charset="0"/>
+                          <a:ea typeface="Menlo" panose="020B0609030804020204" pitchFamily="49" charset="0"/>
+                          <a:cs typeface="Menlo" panose="020B0609030804020204" pitchFamily="49" charset="0"/>
+                        </a:rPr>
+                        <a:t>.</a:t>
+                      </a:r>
+                      <a:r>
+                        <a:rPr lang="zh-TW" altLang="en-US" dirty="0">
+                          <a:latin typeface="Menlo" panose="020B0609030804020204" pitchFamily="49" charset="0"/>
+                          <a:cs typeface="Menlo" panose="020B0609030804020204" pitchFamily="49" charset="0"/>
+                        </a:rPr>
+                        <a:t> </a:t>
+                      </a:r>
+                      <a:r>
+                        <a:rPr lang="en-US" altLang="zh-TW" dirty="0">
+                          <a:latin typeface="Menlo" panose="020B0609030804020204" pitchFamily="49" charset="0"/>
+                          <a:ea typeface="Menlo" panose="020B0609030804020204" pitchFamily="49" charset="0"/>
+                          <a:cs typeface="Menlo" panose="020B0609030804020204" pitchFamily="49" charset="0"/>
+                        </a:rPr>
+                        <a:t>.</a:t>
+                      </a:r>
+                      <a:r>
+                        <a:rPr lang="zh-TW" altLang="en-US" dirty="0">
+                          <a:latin typeface="Menlo" panose="020B0609030804020204" pitchFamily="49" charset="0"/>
+                          <a:cs typeface="Menlo" panose="020B0609030804020204" pitchFamily="49" charset="0"/>
+                        </a:rPr>
+                        <a:t> </a:t>
+                      </a:r>
+                      <a:r>
+                        <a:rPr lang="en-US" altLang="zh-TW" dirty="0">
+                          <a:latin typeface="Menlo" panose="020B0609030804020204" pitchFamily="49" charset="0"/>
+                          <a:ea typeface="Menlo" panose="020B0609030804020204" pitchFamily="49" charset="0"/>
+                          <a:cs typeface="Menlo" panose="020B0609030804020204" pitchFamily="49" charset="0"/>
+                        </a:rPr>
+                        <a:t>.</a:t>
+                      </a:r>
+                      <a:r>
+                        <a:rPr lang="zh-TW" altLang="en-US" dirty="0">
+                          <a:latin typeface="Menlo" panose="020B0609030804020204" pitchFamily="49" charset="0"/>
+                          <a:cs typeface="Menlo" panose="020B0609030804020204" pitchFamily="49" charset="0"/>
+                        </a:rPr>
+                        <a:t> </a:t>
+                      </a:r>
+                    </a:p>
+                  </a:txBody>
+                  <a:tcPr/>
+                </a:tc>
+                <a:tc>
+                  <a:txBody>
+                    <a:bodyPr/>
+                    <a:lstStyle/>
+                    <a:p>
+                      <a:pPr algn="ctr"/>
+                      <a:r>
+                        <a:rPr lang="en-US" altLang="zh-TW" dirty="0">
+                          <a:latin typeface="Menlo" panose="020B0609030804020204" pitchFamily="49" charset="0"/>
+                          <a:ea typeface="Menlo" panose="020B0609030804020204" pitchFamily="49" charset="0"/>
+                          <a:cs typeface="Menlo" panose="020B0609030804020204" pitchFamily="49" charset="0"/>
+                        </a:rPr>
+                        <a:t>97</a:t>
+                      </a:r>
+                      <a:endParaRPr lang="zh-TW" altLang="en-US" dirty="0">
+                        <a:latin typeface="Menlo" panose="020B0609030804020204" pitchFamily="49" charset="0"/>
+                        <a:cs typeface="Menlo" panose="020B0609030804020204" pitchFamily="49" charset="0"/>
+                      </a:endParaRPr>
+                    </a:p>
+                  </a:txBody>
+                  <a:tcPr/>
+                </a:tc>
+                <a:tc>
+                  <a:txBody>
+                    <a:bodyPr/>
+                    <a:lstStyle/>
+                    <a:p>
+                      <a:pPr algn="ctr"/>
+                      <a:r>
+                        <a:rPr lang="en-US" altLang="zh-TW" dirty="0">
+                          <a:latin typeface="Menlo" panose="020B0609030804020204" pitchFamily="49" charset="0"/>
+                          <a:ea typeface="Menlo" panose="020B0609030804020204" pitchFamily="49" charset="0"/>
+                          <a:cs typeface="Menlo" panose="020B0609030804020204" pitchFamily="49" charset="0"/>
+                        </a:rPr>
+                        <a:t>98</a:t>
+                      </a:r>
+                      <a:endParaRPr lang="zh-TW" altLang="en-US" dirty="0">
+                        <a:latin typeface="Menlo" panose="020B0609030804020204" pitchFamily="49" charset="0"/>
+                        <a:cs typeface="Menlo" panose="020B0609030804020204" pitchFamily="49" charset="0"/>
+                      </a:endParaRPr>
+                    </a:p>
+                  </a:txBody>
+                  <a:tcPr/>
+                </a:tc>
+                <a:tc>
+                  <a:txBody>
+                    <a:bodyPr/>
+                    <a:lstStyle/>
+                    <a:p>
+                      <a:pPr algn="ctr"/>
+                      <a:r>
+                        <a:rPr lang="en-US" altLang="zh-TW" dirty="0">
+                          <a:latin typeface="Menlo" panose="020B0609030804020204" pitchFamily="49" charset="0"/>
+                          <a:ea typeface="Menlo" panose="020B0609030804020204" pitchFamily="49" charset="0"/>
+                          <a:cs typeface="Menlo" panose="020B0609030804020204" pitchFamily="49" charset="0"/>
+                        </a:rPr>
+                        <a:t>99</a:t>
+                      </a:r>
+                      <a:endParaRPr lang="zh-TW" altLang="en-US" dirty="0">
+                        <a:latin typeface="Menlo" panose="020B0609030804020204" pitchFamily="49" charset="0"/>
+                        <a:cs typeface="Menlo" panose="020B0609030804020204" pitchFamily="49" charset="0"/>
+                      </a:endParaRPr>
+                    </a:p>
+                  </a:txBody>
+                  <a:tcPr/>
+                </a:tc>
+                <a:tc>
+                  <a:txBody>
+                    <a:bodyPr/>
+                    <a:lstStyle/>
+                    <a:p>
+                      <a:pPr algn="ctr"/>
+                      <a:r>
+                        <a:rPr lang="en-US" altLang="zh-TW" dirty="0">
+                          <a:latin typeface="Menlo" panose="020B0609030804020204" pitchFamily="49" charset="0"/>
+                          <a:ea typeface="Menlo" panose="020B0609030804020204" pitchFamily="49" charset="0"/>
+                          <a:cs typeface="Menlo" panose="020B0609030804020204" pitchFamily="49" charset="0"/>
+                        </a:rPr>
+                        <a:t>100</a:t>
+                      </a:r>
+                      <a:endParaRPr lang="zh-TW" altLang="en-US" dirty="0">
+                        <a:latin typeface="Menlo" panose="020B0609030804020204" pitchFamily="49" charset="0"/>
+                        <a:cs typeface="Menlo" panose="020B0609030804020204" pitchFamily="49" charset="0"/>
+                      </a:endParaRPr>
+                    </a:p>
+                  </a:txBody>
+                  <a:tcPr/>
+                </a:tc>
+                <a:extLst>
+                  <a:ext uri="{0D108BD9-81ED-4DB2-BD59-A6C34878D82A}">
+                    <a16:rowId xmlns:a16="http://schemas.microsoft.com/office/drawing/2014/main" val="2284863870"/>
+                  </a:ext>
+                </a:extLst>
+              </a:tr>
+            </a:tbl>
+          </a:graphicData>
+        </a:graphic>
+      </p:graphicFrame>
+      <p:sp>
+        <p:nvSpPr>
+          <p:cNvPr id="5" name="文字方塊 4">
+            <a:extLst>
+              <a:ext uri="{FF2B5EF4-FFF2-40B4-BE49-F238E27FC236}">
+                <a16:creationId xmlns:a16="http://schemas.microsoft.com/office/drawing/2014/main" id="{AFDCD3DE-E959-E843-BFD1-5E350B249776}"/>
+              </a:ext>
+            </a:extLst>
+          </p:cNvPr>
+          <p:cNvSpPr txBox="1"/>
+          <p:nvPr/>
+        </p:nvSpPr>
+        <p:spPr>
+          <a:xfrm>
+            <a:off x="1146002" y="3317091"/>
+            <a:ext cx="2685351" cy="2308324"/>
+          </a:xfrm>
+          <a:prstGeom prst="rect">
+            <a:avLst/>
+          </a:prstGeom>
+          <a:noFill/>
+        </p:spPr>
+        <p:txBody>
+          <a:bodyPr wrap="none" rtlCol="0">
+            <a:spAutoFit/>
+          </a:bodyPr>
+          <a:lstStyle/>
+          <a:p>
+            <a:r>
+              <a:rPr kumimoji="1" lang="en-US" altLang="zh-TW" dirty="0">
+                <a:latin typeface="Menlo" panose="020B0609030804020204" pitchFamily="49" charset="0"/>
+                <a:ea typeface="Menlo" panose="020B0609030804020204" pitchFamily="49" charset="0"/>
+                <a:cs typeface="Menlo" panose="020B0609030804020204" pitchFamily="49" charset="0"/>
+              </a:rPr>
+              <a:t>1~100</a:t>
+            </a:r>
+          </a:p>
+          <a:p>
+            <a:r>
+              <a:rPr kumimoji="1" lang="en-US" altLang="zh-TW" dirty="0">
+                <a:latin typeface="Menlo" panose="020B0609030804020204" pitchFamily="49" charset="0"/>
+                <a:ea typeface="Menlo" panose="020B0609030804020204" pitchFamily="49" charset="0"/>
+                <a:cs typeface="Menlo" panose="020B0609030804020204" pitchFamily="49" charset="0"/>
+              </a:rPr>
+              <a:t>50?</a:t>
+            </a:r>
+            <a:r>
+              <a:rPr kumimoji="1" lang="zh-TW" altLang="en-US" dirty="0">
+                <a:latin typeface="Menlo" panose="020B0609030804020204" pitchFamily="49" charset="0"/>
+                <a:cs typeface="Menlo" panose="020B0609030804020204" pitchFamily="49" charset="0"/>
+              </a:rPr>
+              <a:t> </a:t>
+            </a:r>
+            <a:r>
+              <a:rPr kumimoji="1" lang="en-US" altLang="zh-TW" dirty="0">
+                <a:latin typeface="Menlo" panose="020B0609030804020204" pitchFamily="49" charset="0"/>
+                <a:ea typeface="Menlo" panose="020B0609030804020204" pitchFamily="49" charset="0"/>
+                <a:cs typeface="Menlo" panose="020B0609030804020204" pitchFamily="49" charset="0"/>
+              </a:rPr>
+              <a:t>(</a:t>
+            </a:r>
+            <a:r>
+              <a:rPr kumimoji="1" lang="zh-TW" altLang="en-US" dirty="0">
+                <a:latin typeface="Menlo" panose="020B0609030804020204" pitchFamily="49" charset="0"/>
+                <a:cs typeface="Menlo" panose="020B0609030804020204" pitchFamily="49" charset="0"/>
+              </a:rPr>
+              <a:t>太高 </a:t>
+            </a:r>
+            <a:r>
+              <a:rPr kumimoji="1" lang="en-US" altLang="zh-TW" dirty="0">
+                <a:latin typeface="Menlo" panose="020B0609030804020204" pitchFamily="49" charset="0"/>
+                <a:ea typeface="Menlo" panose="020B0609030804020204" pitchFamily="49" charset="0"/>
+                <a:cs typeface="Menlo" panose="020B0609030804020204" pitchFamily="49" charset="0"/>
+                <a:sym typeface="Wingdings" pitchFamily="2" charset="2"/>
+              </a:rPr>
+              <a:t> 1~49</a:t>
+            </a:r>
+            <a:r>
+              <a:rPr kumimoji="1" lang="en-US" altLang="zh-TW" dirty="0">
+                <a:latin typeface="Menlo" panose="020B0609030804020204" pitchFamily="49" charset="0"/>
+                <a:ea typeface="Menlo" panose="020B0609030804020204" pitchFamily="49" charset="0"/>
+                <a:cs typeface="Menlo" panose="020B0609030804020204" pitchFamily="49" charset="0"/>
+              </a:rPr>
+              <a:t>)</a:t>
+            </a:r>
+          </a:p>
+          <a:p>
+            <a:r>
+              <a:rPr kumimoji="1" lang="en-US" altLang="zh-TW" dirty="0">
+                <a:latin typeface="Menlo" panose="020B0609030804020204" pitchFamily="49" charset="0"/>
+                <a:ea typeface="Menlo" panose="020B0609030804020204" pitchFamily="49" charset="0"/>
+                <a:cs typeface="Menlo" panose="020B0609030804020204" pitchFamily="49" charset="0"/>
+              </a:rPr>
+              <a:t>25?</a:t>
+            </a:r>
+            <a:r>
+              <a:rPr kumimoji="1" lang="zh-TW" altLang="en-US" dirty="0">
+                <a:latin typeface="Menlo" panose="020B0609030804020204" pitchFamily="49" charset="0"/>
+                <a:cs typeface="Menlo" panose="020B0609030804020204" pitchFamily="49" charset="0"/>
+              </a:rPr>
+              <a:t> </a:t>
+            </a:r>
+            <a:r>
+              <a:rPr kumimoji="1" lang="en-US" altLang="zh-TW" dirty="0">
+                <a:latin typeface="Menlo" panose="020B0609030804020204" pitchFamily="49" charset="0"/>
+                <a:ea typeface="Menlo" panose="020B0609030804020204" pitchFamily="49" charset="0"/>
+                <a:cs typeface="Menlo" panose="020B0609030804020204" pitchFamily="49" charset="0"/>
+              </a:rPr>
+              <a:t>(</a:t>
+            </a:r>
+            <a:r>
+              <a:rPr kumimoji="1" lang="zh-TW" altLang="en-US" dirty="0">
+                <a:latin typeface="Menlo" panose="020B0609030804020204" pitchFamily="49" charset="0"/>
+                <a:cs typeface="Menlo" panose="020B0609030804020204" pitchFamily="49" charset="0"/>
+              </a:rPr>
+              <a:t>太低</a:t>
+            </a:r>
+            <a:r>
+              <a:rPr kumimoji="1" lang="en-US" altLang="zh-TW" dirty="0">
+                <a:latin typeface="Menlo" panose="020B0609030804020204" pitchFamily="49" charset="0"/>
+                <a:ea typeface="Menlo" panose="020B0609030804020204" pitchFamily="49" charset="0"/>
+                <a:cs typeface="Menlo" panose="020B0609030804020204" pitchFamily="49" charset="0"/>
+              </a:rPr>
+              <a:t> </a:t>
+            </a:r>
+            <a:r>
+              <a:rPr kumimoji="1" lang="en-US" altLang="zh-TW" dirty="0">
+                <a:latin typeface="Menlo" panose="020B0609030804020204" pitchFamily="49" charset="0"/>
+                <a:ea typeface="Menlo" panose="020B0609030804020204" pitchFamily="49" charset="0"/>
+                <a:cs typeface="Menlo" panose="020B0609030804020204" pitchFamily="49" charset="0"/>
+                <a:sym typeface="Wingdings" pitchFamily="2" charset="2"/>
+              </a:rPr>
+              <a:t> 26~49)</a:t>
+            </a:r>
+          </a:p>
+          <a:p>
+            <a:r>
+              <a:rPr kumimoji="1" lang="en-US" altLang="zh-TW" dirty="0">
+                <a:latin typeface="Menlo" panose="020B0609030804020204" pitchFamily="49" charset="0"/>
+                <a:ea typeface="Menlo" panose="020B0609030804020204" pitchFamily="49" charset="0"/>
+                <a:cs typeface="Menlo" panose="020B0609030804020204" pitchFamily="49" charset="0"/>
+                <a:sym typeface="Wingdings" pitchFamily="2" charset="2"/>
+              </a:rPr>
+              <a:t>37? (</a:t>
+            </a:r>
+            <a:r>
+              <a:rPr kumimoji="1" lang="zh-TW" altLang="en-US" dirty="0">
+                <a:latin typeface="Menlo" panose="020B0609030804020204" pitchFamily="49" charset="0"/>
+                <a:ea typeface="Menlo" panose="020B0609030804020204" pitchFamily="49" charset="0"/>
+                <a:cs typeface="Menlo" panose="020B0609030804020204" pitchFamily="49" charset="0"/>
+                <a:sym typeface="Wingdings" pitchFamily="2" charset="2"/>
+              </a:rPr>
+              <a:t>太高 </a:t>
+            </a:r>
+            <a:r>
+              <a:rPr kumimoji="1" lang="en-US" altLang="zh-TW" dirty="0">
+                <a:latin typeface="Menlo" panose="020B0609030804020204" pitchFamily="49" charset="0"/>
+                <a:ea typeface="Menlo" panose="020B0609030804020204" pitchFamily="49" charset="0"/>
+                <a:cs typeface="Menlo" panose="020B0609030804020204" pitchFamily="49" charset="0"/>
+                <a:sym typeface="Wingdings" pitchFamily="2" charset="2"/>
+              </a:rPr>
+              <a:t> 26~36)</a:t>
+            </a:r>
+          </a:p>
+          <a:p>
+            <a:r>
+              <a:rPr kumimoji="1" lang="en-US" altLang="zh-TW" dirty="0">
+                <a:latin typeface="Menlo" panose="020B0609030804020204" pitchFamily="49" charset="0"/>
+                <a:ea typeface="Menlo" panose="020B0609030804020204" pitchFamily="49" charset="0"/>
+                <a:cs typeface="Menlo" panose="020B0609030804020204" pitchFamily="49" charset="0"/>
+                <a:sym typeface="Wingdings" pitchFamily="2" charset="2"/>
+              </a:rPr>
+              <a:t>31?</a:t>
+            </a:r>
+          </a:p>
+          <a:p>
+            <a:r>
+              <a:rPr kumimoji="1" lang="en-US" altLang="zh-TW" dirty="0">
+                <a:latin typeface="Menlo" panose="020B0609030804020204" pitchFamily="49" charset="0"/>
+                <a:ea typeface="Menlo" panose="020B0609030804020204" pitchFamily="49" charset="0"/>
+                <a:cs typeface="Menlo" panose="020B0609030804020204" pitchFamily="49" charset="0"/>
+                <a:sym typeface="Wingdings" pitchFamily="2" charset="2"/>
+              </a:rPr>
+              <a:t>.</a:t>
+            </a:r>
+          </a:p>
+          <a:p>
+            <a:r>
+              <a:rPr kumimoji="1" lang="en-US" altLang="zh-TW" dirty="0">
+                <a:latin typeface="Menlo" panose="020B0609030804020204" pitchFamily="49" charset="0"/>
+                <a:ea typeface="Menlo" panose="020B0609030804020204" pitchFamily="49" charset="0"/>
+                <a:cs typeface="Menlo" panose="020B0609030804020204" pitchFamily="49" charset="0"/>
+                <a:sym typeface="Wingdings" pitchFamily="2" charset="2"/>
+              </a:rPr>
+              <a:t>.</a:t>
+            </a:r>
+          </a:p>
+          <a:p>
+            <a:r>
+              <a:rPr kumimoji="1" lang="en-US" altLang="zh-TW" dirty="0">
+                <a:latin typeface="Menlo" panose="020B0609030804020204" pitchFamily="49" charset="0"/>
+                <a:ea typeface="Menlo" panose="020B0609030804020204" pitchFamily="49" charset="0"/>
+                <a:cs typeface="Menlo" panose="020B0609030804020204" pitchFamily="49" charset="0"/>
+                <a:sym typeface="Wingdings" pitchFamily="2" charset="2"/>
+              </a:rPr>
+              <a:t>.</a:t>
+            </a:r>
+          </a:p>
+        </p:txBody>
+      </p:sp>
+      <p:sp>
+        <p:nvSpPr>
+          <p:cNvPr id="6" name="文字方塊 5">
+            <a:extLst>
+              <a:ext uri="{FF2B5EF4-FFF2-40B4-BE49-F238E27FC236}">
+                <a16:creationId xmlns:a16="http://schemas.microsoft.com/office/drawing/2014/main" id="{7F7E5F12-E766-C74F-9727-0A3962E9B76E}"/>
+              </a:ext>
+            </a:extLst>
+          </p:cNvPr>
+          <p:cNvSpPr txBox="1"/>
+          <p:nvPr/>
+        </p:nvSpPr>
+        <p:spPr>
+          <a:xfrm>
+            <a:off x="1073866" y="5779753"/>
+            <a:ext cx="2829621" cy="523220"/>
+          </a:xfrm>
+          <a:prstGeom prst="rect">
+            <a:avLst/>
+          </a:prstGeom>
+          <a:noFill/>
+        </p:spPr>
+        <p:txBody>
+          <a:bodyPr wrap="none" rtlCol="0">
+            <a:spAutoFit/>
+          </a:bodyPr>
+          <a:lstStyle/>
+          <a:p>
+            <a:r>
+              <a:rPr kumimoji="1" lang="zh-TW" altLang="en-US" sz="2800" dirty="0">
+                <a:solidFill>
+                  <a:srgbClr val="FF0000"/>
+                </a:solidFill>
+              </a:rPr>
+              <a:t>最多需要猜幾次</a:t>
+            </a:r>
+            <a:r>
+              <a:rPr kumimoji="1" lang="en-US" altLang="zh-TW" sz="2800" dirty="0">
+                <a:solidFill>
+                  <a:srgbClr val="FF0000"/>
+                </a:solidFill>
+              </a:rPr>
+              <a:t>?</a:t>
+            </a:r>
+            <a:endParaRPr kumimoji="1" lang="zh-TW" altLang="en-US" sz="2800" dirty="0">
+              <a:solidFill>
+                <a:srgbClr val="FF0000"/>
+              </a:solidFill>
+            </a:endParaRPr>
+          </a:p>
+        </p:txBody>
+      </p:sp>
+    </p:spTree>
+    <p:extLst>
+      <p:ext uri="{BB962C8B-B14F-4D97-AF65-F5344CB8AC3E}">
+        <p14:creationId xmlns:p14="http://schemas.microsoft.com/office/powerpoint/2010/main" val="1201685758"/>
+      </p:ext>
+    </p:extLst>
+  </p:cSld>
+  <p:clrMapOvr>
+    <a:masterClrMapping/>
+  </p:clrMapOvr>
+</p:sld>
+</file>
+
+<file path=ppt/slides/slide7.xml><?xml version="1.0" encoding="utf-8"?>
+<p:sld xmlns:a="http://schemas.openxmlformats.org/drawingml/2006/main" xmlns:r="http://schemas.openxmlformats.org/officeDocument/2006/relationships" xmlns:p="http://schemas.openxmlformats.org/presentationml/2006/main">
+  <p:cSld>
+    <p:spTree>
+      <p:nvGrpSpPr>
+        <p:cNvPr id="1" name=""/>
+        <p:cNvGrpSpPr/>
+        <p:nvPr/>
+      </p:nvGrpSpPr>
+      <p:grpSpPr>
+        <a:xfrm>
+          <a:off x="0" y="0"/>
+          <a:ext cx="0" cy="0"/>
+          <a:chOff x="0" y="0"/>
+          <a:chExt cx="0" cy="0"/>
+        </a:xfrm>
+      </p:grpSpPr>
+      <p:sp>
+        <p:nvSpPr>
+          <p:cNvPr id="2" name="標題 1">
+            <a:extLst>
+              <a:ext uri="{FF2B5EF4-FFF2-40B4-BE49-F238E27FC236}">
+                <a16:creationId xmlns:a16="http://schemas.microsoft.com/office/drawing/2014/main" id="{40FABC1D-4A66-8846-AA32-01FD2E0DE12F}"/>
+              </a:ext>
+            </a:extLst>
+          </p:cNvPr>
+          <p:cNvSpPr>
+            <a:spLocks noGrp="1"/>
+          </p:cNvSpPr>
+          <p:nvPr>
+            <p:ph type="title"/>
+          </p:nvPr>
+        </p:nvSpPr>
+        <p:spPr/>
+        <p:txBody>
+          <a:bodyPr/>
+          <a:lstStyle/>
+          <a:p>
+            <a:r>
+              <a:rPr kumimoji="1" lang="zh-TW" altLang="en-US" dirty="0"/>
+              <a:t>如何在</a:t>
+            </a:r>
+            <a:r>
+              <a:rPr kumimoji="1" lang="en-US" altLang="zh-TW" dirty="0"/>
+              <a:t>10</a:t>
+            </a:r>
+            <a:r>
+              <a:rPr kumimoji="1" lang="zh-TW" altLang="en-US" dirty="0"/>
+              <a:t>秒內</a:t>
+            </a:r>
+            <a:r>
+              <a:rPr kumimoji="1" lang="en-US" altLang="zh-TW" dirty="0"/>
+              <a:t>,</a:t>
+            </a:r>
+            <a:r>
+              <a:rPr kumimoji="1" lang="zh-TW" altLang="en-US" dirty="0"/>
+              <a:t> 決定火箭登陸月球的地點</a:t>
+            </a:r>
+          </a:p>
+        </p:txBody>
+      </p:sp>
+      <p:graphicFrame>
+        <p:nvGraphicFramePr>
+          <p:cNvPr id="4" name="表格 3">
+            <a:extLst>
+              <a:ext uri="{FF2B5EF4-FFF2-40B4-BE49-F238E27FC236}">
+                <a16:creationId xmlns:a16="http://schemas.microsoft.com/office/drawing/2014/main" id="{07F1E964-2D3B-C64F-89F0-24265182D6CF}"/>
+              </a:ext>
+            </a:extLst>
+          </p:cNvPr>
+          <p:cNvGraphicFramePr>
+            <a:graphicFrameLocks noGrp="1"/>
+          </p:cNvGraphicFramePr>
+          <p:nvPr>
+            <p:extLst>
+              <p:ext uri="{D42A27DB-BD31-4B8C-83A1-F6EECF244321}">
+                <p14:modId xmlns:p14="http://schemas.microsoft.com/office/powerpoint/2010/main" val="12736124"/>
+              </p:ext>
+            </p:extLst>
+          </p:nvPr>
+        </p:nvGraphicFramePr>
+        <p:xfrm>
+          <a:off x="677334" y="1930400"/>
+          <a:ext cx="7342059" cy="3606800"/>
+        </p:xfrm>
+        <a:graphic>
+          <a:graphicData uri="http://schemas.openxmlformats.org/drawingml/2006/table">
+            <a:tbl>
+              <a:tblPr firstRow="1" bandRow="1">
+                <a:tableStyleId>{5C22544A-7EE6-4342-B048-85BDC9FD1C3A}</a:tableStyleId>
+              </a:tblPr>
+              <a:tblGrid>
+                <a:gridCol w="2447353">
+                  <a:extLst>
+                    <a:ext uri="{9D8B030D-6E8A-4147-A177-3AD203B41FA5}">
+                      <a16:colId xmlns:a16="http://schemas.microsoft.com/office/drawing/2014/main" val="1019328401"/>
+                    </a:ext>
+                  </a:extLst>
+                </a:gridCol>
+                <a:gridCol w="2447353">
+                  <a:extLst>
+                    <a:ext uri="{9D8B030D-6E8A-4147-A177-3AD203B41FA5}">
+                      <a16:colId xmlns:a16="http://schemas.microsoft.com/office/drawing/2014/main" val="1347877166"/>
+                    </a:ext>
+                  </a:extLst>
+                </a:gridCol>
+                <a:gridCol w="2447353">
+                  <a:extLst>
+                    <a:ext uri="{9D8B030D-6E8A-4147-A177-3AD203B41FA5}">
+                      <a16:colId xmlns:a16="http://schemas.microsoft.com/office/drawing/2014/main" val="340287349"/>
+                    </a:ext>
+                  </a:extLst>
+                </a:gridCol>
+              </a:tblGrid>
+              <a:tr h="370840">
+                <a:tc>
+                  <a:txBody>
+                    <a:bodyPr/>
+                    <a:lstStyle/>
+                    <a:p>
+                      <a:r>
+                        <a:rPr lang="zh-TW" altLang="en-US" dirty="0">
+                          <a:latin typeface="Menlo" panose="020B0609030804020204" pitchFamily="49" charset="0"/>
+                          <a:cs typeface="Menlo" panose="020B0609030804020204" pitchFamily="49" charset="0"/>
+                        </a:rPr>
+                        <a:t>數字個數</a:t>
+                      </a:r>
+                      <a:r>
+                        <a:rPr lang="en-US" altLang="zh-TW" dirty="0">
+                          <a:latin typeface="Menlo" panose="020B0609030804020204" pitchFamily="49" charset="0"/>
+                          <a:cs typeface="Menlo" panose="020B0609030804020204" pitchFamily="49" charset="0"/>
+                        </a:rPr>
+                        <a:t>(N)</a:t>
+                      </a:r>
+                      <a:endParaRPr lang="zh-TW" altLang="en-US" dirty="0">
+                        <a:latin typeface="Menlo" panose="020B0609030804020204" pitchFamily="49" charset="0"/>
+                        <a:cs typeface="Menlo" panose="020B0609030804020204" pitchFamily="49" charset="0"/>
+                      </a:endParaRPr>
+                    </a:p>
+                  </a:txBody>
+                  <a:tcPr/>
+                </a:tc>
+                <a:tc>
+                  <a:txBody>
+                    <a:bodyPr/>
+                    <a:lstStyle/>
+                    <a:p>
+                      <a:r>
+                        <a:rPr lang="en-US" altLang="zh-TW" dirty="0">
+                          <a:latin typeface="Menlo" panose="020B0609030804020204" pitchFamily="49" charset="0"/>
+                          <a:ea typeface="Menlo" panose="020B0609030804020204" pitchFamily="49" charset="0"/>
+                          <a:cs typeface="Menlo" panose="020B0609030804020204" pitchFamily="49" charset="0"/>
+                        </a:rPr>
+                        <a:t>Linear Search</a:t>
+                      </a:r>
+                      <a:endParaRPr lang="zh-TW" altLang="en-US" dirty="0">
+                        <a:latin typeface="Menlo" panose="020B0609030804020204" pitchFamily="49" charset="0"/>
+                        <a:cs typeface="Menlo" panose="020B0609030804020204" pitchFamily="49" charset="0"/>
+                      </a:endParaRPr>
+                    </a:p>
+                  </a:txBody>
+                  <a:tcPr/>
+                </a:tc>
+                <a:tc>
+                  <a:txBody>
+                    <a:bodyPr/>
+                    <a:lstStyle/>
+                    <a:p>
+                      <a:r>
+                        <a:rPr lang="en-US" altLang="zh-TW" dirty="0">
+                          <a:latin typeface="Menlo" panose="020B0609030804020204" pitchFamily="49" charset="0"/>
+                          <a:ea typeface="Menlo" panose="020B0609030804020204" pitchFamily="49" charset="0"/>
+                          <a:cs typeface="Menlo" panose="020B0609030804020204" pitchFamily="49" charset="0"/>
+                        </a:rPr>
+                        <a:t>Binary Search</a:t>
+                      </a:r>
+                      <a:endParaRPr lang="zh-TW" altLang="en-US" dirty="0">
+                        <a:latin typeface="Menlo" panose="020B0609030804020204" pitchFamily="49" charset="0"/>
+                        <a:cs typeface="Menlo" panose="020B0609030804020204" pitchFamily="49" charset="0"/>
+                      </a:endParaRPr>
+                    </a:p>
+                  </a:txBody>
+                  <a:tcPr/>
+                </a:tc>
+                <a:extLst>
+                  <a:ext uri="{0D108BD9-81ED-4DB2-BD59-A6C34878D82A}">
+                    <a16:rowId xmlns:a16="http://schemas.microsoft.com/office/drawing/2014/main" val="2057730909"/>
+                  </a:ext>
+                </a:extLst>
+              </a:tr>
+              <a:tr h="370840">
+                <a:tc>
+                  <a:txBody>
+                    <a:bodyPr/>
+                    <a:lstStyle/>
+                    <a:p>
+                      <a:endParaRPr lang="zh-TW" altLang="en-US" dirty="0">
+                        <a:latin typeface="Menlo" panose="020B0609030804020204" pitchFamily="49" charset="0"/>
+                        <a:cs typeface="Menlo" panose="020B0609030804020204" pitchFamily="49" charset="0"/>
+                      </a:endParaRPr>
+                    </a:p>
+                  </a:txBody>
+                  <a:tcPr/>
+                </a:tc>
+                <a:tc>
+                  <a:txBody>
+                    <a:bodyPr/>
+                    <a:lstStyle/>
+                    <a:p>
+                      <a:endParaRPr lang="zh-TW" altLang="en-US" dirty="0">
+                        <a:latin typeface="Menlo" panose="020B0609030804020204" pitchFamily="49" charset="0"/>
+                        <a:cs typeface="Menlo" panose="020B0609030804020204" pitchFamily="49" charset="0"/>
+                      </a:endParaRPr>
+                    </a:p>
+                  </a:txBody>
+                  <a:tcPr/>
+                </a:tc>
+                <a:tc>
+                  <a:txBody>
+                    <a:bodyPr/>
+                    <a:lstStyle/>
+                    <a:p>
+                      <a:endParaRPr lang="zh-TW" altLang="en-US" dirty="0">
+                        <a:latin typeface="Menlo" panose="020B0609030804020204" pitchFamily="49" charset="0"/>
+                        <a:cs typeface="Menlo" panose="020B0609030804020204" pitchFamily="49" charset="0"/>
+                      </a:endParaRPr>
+                    </a:p>
+                  </a:txBody>
+                  <a:tcPr/>
+                </a:tc>
+                <a:extLst>
+                  <a:ext uri="{0D108BD9-81ED-4DB2-BD59-A6C34878D82A}">
+                    <a16:rowId xmlns:a16="http://schemas.microsoft.com/office/drawing/2014/main" val="763440303"/>
+                  </a:ext>
+                </a:extLst>
+              </a:tr>
+              <a:tr h="370840">
+                <a:tc>
+                  <a:txBody>
+                    <a:bodyPr/>
+                    <a:lstStyle/>
+                    <a:p>
+                      <a:endParaRPr lang="zh-TW" altLang="en-US" dirty="0">
+                        <a:latin typeface="Menlo" panose="020B0609030804020204" pitchFamily="49" charset="0"/>
+                        <a:cs typeface="Menlo" panose="020B0609030804020204" pitchFamily="49" charset="0"/>
+                      </a:endParaRPr>
+                    </a:p>
+                  </a:txBody>
+                  <a:tcPr/>
+                </a:tc>
+                <a:tc>
+                  <a:txBody>
+                    <a:bodyPr/>
+                    <a:lstStyle/>
+                    <a:p>
+                      <a:endParaRPr lang="zh-TW" altLang="en-US" dirty="0">
+                        <a:latin typeface="Menlo" panose="020B0609030804020204" pitchFamily="49" charset="0"/>
+                        <a:cs typeface="Menlo" panose="020B0609030804020204" pitchFamily="49" charset="0"/>
+                      </a:endParaRPr>
+                    </a:p>
+                  </a:txBody>
+                  <a:tcPr/>
+                </a:tc>
+                <a:tc>
+                  <a:txBody>
+                    <a:bodyPr/>
+                    <a:lstStyle/>
+                    <a:p>
+                      <a:endParaRPr lang="zh-TW" altLang="en-US" dirty="0">
+                        <a:latin typeface="Menlo" panose="020B0609030804020204" pitchFamily="49" charset="0"/>
+                        <a:cs typeface="Menlo" panose="020B0609030804020204" pitchFamily="49" charset="0"/>
+                      </a:endParaRPr>
+                    </a:p>
+                  </a:txBody>
+                  <a:tcPr/>
+                </a:tc>
+                <a:extLst>
+                  <a:ext uri="{0D108BD9-81ED-4DB2-BD59-A6C34878D82A}">
+                    <a16:rowId xmlns:a16="http://schemas.microsoft.com/office/drawing/2014/main" val="2812763644"/>
+                  </a:ext>
+                </a:extLst>
+              </a:tr>
+              <a:tr h="370840">
+                <a:tc>
+                  <a:txBody>
+                    <a:bodyPr/>
+                    <a:lstStyle/>
+                    <a:p>
+                      <a:r>
+                        <a:rPr lang="en-US" altLang="zh-TW" dirty="0">
+                          <a:latin typeface="Menlo" panose="020B0609030804020204" pitchFamily="49" charset="0"/>
+                          <a:ea typeface="Menlo" panose="020B0609030804020204" pitchFamily="49" charset="0"/>
+                          <a:cs typeface="Menlo" panose="020B0609030804020204" pitchFamily="49" charset="0"/>
+                        </a:rPr>
+                        <a:t>100</a:t>
+                      </a:r>
+                      <a:endParaRPr lang="zh-TW" altLang="en-US" dirty="0">
+                        <a:latin typeface="Menlo" panose="020B0609030804020204" pitchFamily="49" charset="0"/>
+                        <a:cs typeface="Menlo" panose="020B0609030804020204" pitchFamily="49" charset="0"/>
+                      </a:endParaRPr>
+                    </a:p>
+                  </a:txBody>
+                  <a:tcPr/>
+                </a:tc>
+                <a:tc>
+                  <a:txBody>
+                    <a:bodyPr/>
+                    <a:lstStyle/>
+                    <a:p>
+                      <a:r>
+                        <a:rPr lang="en-US" altLang="zh-TW" dirty="0">
+                          <a:latin typeface="Menlo" panose="020B0609030804020204" pitchFamily="49" charset="0"/>
+                          <a:ea typeface="Menlo" panose="020B0609030804020204" pitchFamily="49" charset="0"/>
+                          <a:cs typeface="Menlo" panose="020B0609030804020204" pitchFamily="49" charset="0"/>
+                        </a:rPr>
+                        <a:t>100 </a:t>
+                      </a:r>
+                      <a:r>
+                        <a:rPr lang="en-US" altLang="zh-TW" dirty="0" err="1">
+                          <a:latin typeface="Menlo" panose="020B0609030804020204" pitchFamily="49" charset="0"/>
+                          <a:ea typeface="Menlo" panose="020B0609030804020204" pitchFamily="49" charset="0"/>
+                          <a:cs typeface="Menlo" panose="020B0609030804020204" pitchFamily="49" charset="0"/>
+                        </a:rPr>
+                        <a:t>ms</a:t>
+                      </a:r>
+                      <a:endParaRPr lang="zh-TW" altLang="en-US" dirty="0">
+                        <a:latin typeface="Menlo" panose="020B0609030804020204" pitchFamily="49" charset="0"/>
+                        <a:cs typeface="Menlo" panose="020B0609030804020204" pitchFamily="49" charset="0"/>
+                      </a:endParaRPr>
+                    </a:p>
+                  </a:txBody>
+                  <a:tcPr/>
+                </a:tc>
+                <a:tc>
+                  <a:txBody>
+                    <a:bodyPr/>
+                    <a:lstStyle/>
+                    <a:p>
+                      <a:r>
+                        <a:rPr lang="en-US" altLang="zh-TW" dirty="0">
+                          <a:latin typeface="Menlo" panose="020B0609030804020204" pitchFamily="49" charset="0"/>
+                          <a:ea typeface="Menlo" panose="020B0609030804020204" pitchFamily="49" charset="0"/>
+                          <a:cs typeface="Menlo" panose="020B0609030804020204" pitchFamily="49" charset="0"/>
+                        </a:rPr>
+                        <a:t>7</a:t>
+                      </a:r>
+                      <a:r>
+                        <a:rPr lang="zh-TW" altLang="en-US" dirty="0">
+                          <a:latin typeface="Menlo" panose="020B0609030804020204" pitchFamily="49" charset="0"/>
+                          <a:ea typeface="Menlo" panose="020B0609030804020204" pitchFamily="49" charset="0"/>
+                          <a:cs typeface="Menlo" panose="020B0609030804020204" pitchFamily="49" charset="0"/>
+                        </a:rPr>
+                        <a:t> </a:t>
+                      </a:r>
+                      <a:r>
+                        <a:rPr lang="en-US" altLang="zh-TW" dirty="0" err="1">
+                          <a:latin typeface="Menlo" panose="020B0609030804020204" pitchFamily="49" charset="0"/>
+                          <a:ea typeface="Menlo" panose="020B0609030804020204" pitchFamily="49" charset="0"/>
+                          <a:cs typeface="Menlo" panose="020B0609030804020204" pitchFamily="49" charset="0"/>
+                        </a:rPr>
+                        <a:t>ms</a:t>
+                      </a:r>
+                      <a:endParaRPr lang="zh-TW" altLang="en-US" dirty="0">
+                        <a:latin typeface="Menlo" panose="020B0609030804020204" pitchFamily="49" charset="0"/>
+                        <a:cs typeface="Menlo" panose="020B0609030804020204" pitchFamily="49" charset="0"/>
+                      </a:endParaRPr>
+                    </a:p>
+                  </a:txBody>
+                  <a:tcPr/>
+                </a:tc>
+                <a:extLst>
+                  <a:ext uri="{0D108BD9-81ED-4DB2-BD59-A6C34878D82A}">
+                    <a16:rowId xmlns:a16="http://schemas.microsoft.com/office/drawing/2014/main" val="2899947400"/>
+                  </a:ext>
+                </a:extLst>
+              </a:tr>
+              <a:tr h="370840">
+                <a:tc>
+                  <a:txBody>
+                    <a:bodyPr/>
+                    <a:lstStyle/>
+                    <a:p>
+                      <a:endParaRPr lang="zh-TW" altLang="en-US" dirty="0">
+                        <a:latin typeface="Menlo" panose="020B0609030804020204" pitchFamily="49" charset="0"/>
+                        <a:cs typeface="Menlo" panose="020B0609030804020204" pitchFamily="49" charset="0"/>
+                      </a:endParaRPr>
+                    </a:p>
+                  </a:txBody>
+                  <a:tcPr/>
+                </a:tc>
+                <a:tc>
+                  <a:txBody>
+                    <a:bodyPr/>
+                    <a:lstStyle/>
+                    <a:p>
+                      <a:endParaRPr lang="zh-TW" altLang="en-US" dirty="0">
+                        <a:latin typeface="Menlo" panose="020B0609030804020204" pitchFamily="49" charset="0"/>
+                        <a:cs typeface="Menlo" panose="020B0609030804020204" pitchFamily="49" charset="0"/>
+                      </a:endParaRPr>
+                    </a:p>
+                  </a:txBody>
+                  <a:tcPr/>
+                </a:tc>
+                <a:tc>
+                  <a:txBody>
+                    <a:bodyPr/>
+                    <a:lstStyle/>
+                    <a:p>
+                      <a:endParaRPr lang="zh-TW" altLang="en-US" dirty="0">
+                        <a:latin typeface="Menlo" panose="020B0609030804020204" pitchFamily="49" charset="0"/>
+                        <a:cs typeface="Menlo" panose="020B0609030804020204" pitchFamily="49" charset="0"/>
+                      </a:endParaRPr>
+                    </a:p>
+                  </a:txBody>
+                  <a:tcPr/>
+                </a:tc>
+                <a:extLst>
+                  <a:ext uri="{0D108BD9-81ED-4DB2-BD59-A6C34878D82A}">
+                    <a16:rowId xmlns:a16="http://schemas.microsoft.com/office/drawing/2014/main" val="794740129"/>
+                  </a:ext>
+                </a:extLst>
+              </a:tr>
+              <a:tr h="370840">
+                <a:tc>
+                  <a:txBody>
+                    <a:bodyPr/>
+                    <a:lstStyle/>
+                    <a:p>
+                      <a:endParaRPr lang="zh-TW" altLang="en-US" dirty="0">
+                        <a:latin typeface="Menlo" panose="020B0609030804020204" pitchFamily="49" charset="0"/>
+                        <a:cs typeface="Menlo" panose="020B0609030804020204" pitchFamily="49" charset="0"/>
+                      </a:endParaRPr>
+                    </a:p>
+                  </a:txBody>
+                  <a:tcPr/>
+                </a:tc>
+                <a:tc>
+                  <a:txBody>
+                    <a:bodyPr/>
+                    <a:lstStyle/>
+                    <a:p>
+                      <a:endParaRPr lang="zh-TW" altLang="en-US" dirty="0">
+                        <a:latin typeface="Menlo" panose="020B0609030804020204" pitchFamily="49" charset="0"/>
+                        <a:cs typeface="Menlo" panose="020B0609030804020204" pitchFamily="49" charset="0"/>
+                      </a:endParaRPr>
+                    </a:p>
+                  </a:txBody>
+                  <a:tcPr/>
+                </a:tc>
+                <a:tc>
+                  <a:txBody>
+                    <a:bodyPr/>
+                    <a:lstStyle/>
+                    <a:p>
+                      <a:endParaRPr lang="zh-TW" altLang="en-US" dirty="0">
+                        <a:latin typeface="Menlo" panose="020B0609030804020204" pitchFamily="49" charset="0"/>
+                        <a:cs typeface="Menlo" panose="020B0609030804020204" pitchFamily="49" charset="0"/>
+                      </a:endParaRPr>
+                    </a:p>
+                  </a:txBody>
+                  <a:tcPr/>
+                </a:tc>
+                <a:extLst>
+                  <a:ext uri="{0D108BD9-81ED-4DB2-BD59-A6C34878D82A}">
+                    <a16:rowId xmlns:a16="http://schemas.microsoft.com/office/drawing/2014/main" val="177599134"/>
+                  </a:ext>
+                </a:extLst>
+              </a:tr>
+              <a:tr h="370840">
+                <a:tc>
+                  <a:txBody>
+                    <a:bodyPr/>
+                    <a:lstStyle/>
+                    <a:p>
+                      <a:endParaRPr lang="zh-TW" altLang="en-US" dirty="0">
+                        <a:latin typeface="Menlo" panose="020B0609030804020204" pitchFamily="49" charset="0"/>
+                        <a:cs typeface="Menlo" panose="020B0609030804020204" pitchFamily="49" charset="0"/>
+                      </a:endParaRPr>
+                    </a:p>
+                  </a:txBody>
+                  <a:tcPr/>
+                </a:tc>
+                <a:tc>
+                  <a:txBody>
+                    <a:bodyPr/>
+                    <a:lstStyle/>
+                    <a:p>
+                      <a:endParaRPr lang="zh-TW" altLang="en-US" dirty="0">
+                        <a:latin typeface="Menlo" panose="020B0609030804020204" pitchFamily="49" charset="0"/>
+                        <a:cs typeface="Menlo" panose="020B0609030804020204" pitchFamily="49" charset="0"/>
+                      </a:endParaRPr>
+                    </a:p>
+                  </a:txBody>
+                  <a:tcPr/>
+                </a:tc>
+                <a:tc>
+                  <a:txBody>
+                    <a:bodyPr/>
+                    <a:lstStyle/>
+                    <a:p>
+                      <a:endParaRPr lang="zh-TW" altLang="en-US" dirty="0">
+                        <a:latin typeface="Menlo" panose="020B0609030804020204" pitchFamily="49" charset="0"/>
+                        <a:cs typeface="Menlo" panose="020B0609030804020204" pitchFamily="49" charset="0"/>
+                      </a:endParaRPr>
+                    </a:p>
+                  </a:txBody>
+                  <a:tcPr/>
+                </a:tc>
+                <a:extLst>
+                  <a:ext uri="{0D108BD9-81ED-4DB2-BD59-A6C34878D82A}">
+                    <a16:rowId xmlns:a16="http://schemas.microsoft.com/office/drawing/2014/main" val="2125198806"/>
+                  </a:ext>
+                </a:extLst>
+              </a:tr>
+              <a:tr h="370840">
+                <a:tc>
+                  <a:txBody>
+                    <a:bodyPr/>
+                    <a:lstStyle/>
+                    <a:p>
+                      <a:r>
+                        <a:rPr lang="en-US" altLang="zh-TW" dirty="0">
+                          <a:latin typeface="Menlo" panose="020B0609030804020204" pitchFamily="49" charset="0"/>
+                          <a:ea typeface="Menlo" panose="020B0609030804020204" pitchFamily="49" charset="0"/>
+                          <a:cs typeface="Menlo" panose="020B0609030804020204" pitchFamily="49" charset="0"/>
+                        </a:rPr>
+                        <a:t>1,000,000,000</a:t>
+                      </a:r>
+                      <a:endParaRPr lang="zh-TW" altLang="en-US" dirty="0">
+                        <a:latin typeface="Menlo" panose="020B0609030804020204" pitchFamily="49" charset="0"/>
+                        <a:cs typeface="Menlo" panose="020B0609030804020204" pitchFamily="49" charset="0"/>
+                      </a:endParaRPr>
+                    </a:p>
+                  </a:txBody>
+                  <a:tcPr/>
+                </a:tc>
+                <a:tc>
+                  <a:txBody>
+                    <a:bodyPr/>
+                    <a:lstStyle/>
+                    <a:p>
+                      <a:pPr marL="0" marR="0" lvl="0" indent="0" algn="l" defTabSz="457200" rtl="0" eaLnBrk="1" fontAlgn="auto" latinLnBrk="0" hangingPunct="1">
+                        <a:lnSpc>
+                          <a:spcPct val="100000"/>
+                        </a:lnSpc>
+                        <a:spcBef>
+                          <a:spcPts val="0"/>
+                        </a:spcBef>
+                        <a:spcAft>
+                          <a:spcPts val="0"/>
+                        </a:spcAft>
+                        <a:buClrTx/>
+                        <a:buSzTx/>
+                        <a:buFontTx/>
+                        <a:buNone/>
+                        <a:tabLst/>
+                        <a:defRPr/>
+                      </a:pPr>
+                      <a:r>
+                        <a:rPr lang="en-US" altLang="zh-TW" dirty="0">
+                          <a:latin typeface="Menlo" panose="020B0609030804020204" pitchFamily="49" charset="0"/>
+                          <a:ea typeface="Menlo" panose="020B0609030804020204" pitchFamily="49" charset="0"/>
+                          <a:cs typeface="Menlo" panose="020B0609030804020204" pitchFamily="49" charset="0"/>
+                        </a:rPr>
+                        <a:t>30us * 15 = </a:t>
+                      </a:r>
+                      <a:r>
+                        <a:rPr lang="en-US" altLang="zh-TW" dirty="0">
+                          <a:solidFill>
+                            <a:srgbClr val="FF0000"/>
+                          </a:solidFill>
+                          <a:latin typeface="Menlo" panose="020B0609030804020204" pitchFamily="49" charset="0"/>
+                          <a:ea typeface="Menlo" panose="020B0609030804020204" pitchFamily="49" charset="0"/>
+                          <a:cs typeface="Menlo" panose="020B0609030804020204" pitchFamily="49" charset="0"/>
+                        </a:rPr>
+                        <a:t>450ms</a:t>
+                      </a:r>
+                      <a:endParaRPr lang="zh-TW" altLang="en-US" dirty="0">
+                        <a:solidFill>
+                          <a:srgbClr val="FF0000"/>
+                        </a:solidFill>
+                        <a:latin typeface="Menlo" panose="020B0609030804020204" pitchFamily="49" charset="0"/>
+                        <a:cs typeface="Menlo" panose="020B0609030804020204" pitchFamily="49" charset="0"/>
+                      </a:endParaRPr>
+                    </a:p>
+                  </a:txBody>
+                  <a:tcPr/>
+                </a:tc>
+                <a:tc>
+                  <a:txBody>
+                    <a:bodyPr/>
+                    <a:lstStyle/>
+                    <a:p>
+                      <a:r>
+                        <a:rPr lang="en-US" altLang="zh-TW" dirty="0">
+                          <a:latin typeface="Menlo" panose="020B0609030804020204" pitchFamily="49" charset="0"/>
+                          <a:ea typeface="Menlo" panose="020B0609030804020204" pitchFamily="49" charset="0"/>
+                          <a:cs typeface="Menlo" panose="020B0609030804020204" pitchFamily="49" charset="0"/>
+                        </a:rPr>
+                        <a:t>30 </a:t>
+                      </a:r>
+                      <a:r>
+                        <a:rPr lang="en-US" altLang="zh-TW" dirty="0" err="1">
+                          <a:latin typeface="Menlo" panose="020B0609030804020204" pitchFamily="49" charset="0"/>
+                          <a:ea typeface="Menlo" panose="020B0609030804020204" pitchFamily="49" charset="0"/>
+                          <a:cs typeface="Menlo" panose="020B0609030804020204" pitchFamily="49" charset="0"/>
+                        </a:rPr>
+                        <a:t>ms</a:t>
+                      </a:r>
+                      <a:endParaRPr lang="zh-TW" altLang="en-US" dirty="0">
+                        <a:latin typeface="Menlo" panose="020B0609030804020204" pitchFamily="49" charset="0"/>
+                        <a:cs typeface="Menlo" panose="020B0609030804020204" pitchFamily="49" charset="0"/>
+                      </a:endParaRPr>
+                    </a:p>
+                  </a:txBody>
+                  <a:tcPr/>
+                </a:tc>
+                <a:extLst>
+                  <a:ext uri="{0D108BD9-81ED-4DB2-BD59-A6C34878D82A}">
+                    <a16:rowId xmlns:a16="http://schemas.microsoft.com/office/drawing/2014/main" val="1191617602"/>
+                  </a:ext>
+                </a:extLst>
+              </a:tr>
+              <a:tr h="370840">
+                <a:tc>
+                  <a:txBody>
+                    <a:bodyPr/>
+                    <a:lstStyle/>
+                    <a:p>
+                      <a:endParaRPr lang="zh-TW" altLang="en-US">
+                        <a:latin typeface="Menlo" panose="020B0609030804020204" pitchFamily="49" charset="0"/>
+                        <a:cs typeface="Menlo" panose="020B0609030804020204" pitchFamily="49" charset="0"/>
+                      </a:endParaRPr>
+                    </a:p>
+                  </a:txBody>
+                  <a:tcPr/>
+                </a:tc>
+                <a:tc>
+                  <a:txBody>
+                    <a:bodyPr/>
+                    <a:lstStyle/>
+                    <a:p>
+                      <a:endParaRPr lang="zh-TW" altLang="en-US" dirty="0">
+                        <a:latin typeface="Menlo" panose="020B0609030804020204" pitchFamily="49" charset="0"/>
+                        <a:cs typeface="Menlo" panose="020B0609030804020204" pitchFamily="49" charset="0"/>
+                      </a:endParaRPr>
+                    </a:p>
+                  </a:txBody>
+                  <a:tcPr/>
+                </a:tc>
+                <a:tc>
+                  <a:txBody>
+                    <a:bodyPr/>
+                    <a:lstStyle/>
+                    <a:p>
+                      <a:endParaRPr lang="zh-TW" altLang="en-US" dirty="0">
+                        <a:latin typeface="Menlo" panose="020B0609030804020204" pitchFamily="49" charset="0"/>
+                        <a:cs typeface="Menlo" panose="020B0609030804020204" pitchFamily="49" charset="0"/>
+                      </a:endParaRPr>
+                    </a:p>
+                  </a:txBody>
+                  <a:tcPr/>
+                </a:tc>
+                <a:extLst>
+                  <a:ext uri="{0D108BD9-81ED-4DB2-BD59-A6C34878D82A}">
+                    <a16:rowId xmlns:a16="http://schemas.microsoft.com/office/drawing/2014/main" val="329051383"/>
+                  </a:ext>
+                </a:extLst>
+              </a:tr>
+            </a:tbl>
+          </a:graphicData>
+        </a:graphic>
+      </p:graphicFrame>
+      <p:sp>
+        <p:nvSpPr>
+          <p:cNvPr id="3" name="矩形 2">
+            <a:extLst>
+              <a:ext uri="{FF2B5EF4-FFF2-40B4-BE49-F238E27FC236}">
+                <a16:creationId xmlns:a16="http://schemas.microsoft.com/office/drawing/2014/main" id="{C7146ABD-5768-6E46-909D-18D1DDDF3B2D}"/>
+              </a:ext>
+            </a:extLst>
+          </p:cNvPr>
+          <p:cNvSpPr/>
+          <p:nvPr/>
+        </p:nvSpPr>
+        <p:spPr>
+          <a:xfrm>
+            <a:off x="677334" y="3019096"/>
+            <a:ext cx="7342059" cy="441434"/>
+          </a:xfrm>
+          <a:prstGeom prst="rect">
+            <a:avLst/>
+          </a:prstGeom>
+          <a:noFill/>
+          <a:ln>
+            <a:solidFill>
+              <a:srgbClr val="FF0000"/>
+            </a:solidFill>
+          </a:ln>
+        </p:spPr>
+        <p:style>
+          <a:lnRef idx="2">
+            <a:schemeClr val="accent1">
+              <a:shade val="50000"/>
+            </a:schemeClr>
+          </a:lnRef>
+          <a:fillRef idx="1">
+            <a:schemeClr val="accent1"/>
+          </a:fillRef>
+          <a:effectRef idx="0">
+            <a:schemeClr val="accent1"/>
+          </a:effectRef>
+          <a:fontRef idx="minor">
+            <a:schemeClr val="lt1"/>
+          </a:fontRef>
+        </p:style>
+        <p:txBody>
+          <a:bodyPr rtlCol="0" anchor="ctr"/>
+          <a:lstStyle/>
+          <a:p>
+            <a:pPr algn="ctr"/>
+            <a:endParaRPr kumimoji="1" lang="zh-TW" altLang="en-US"/>
+          </a:p>
+        </p:txBody>
+      </p:sp>
+      <p:sp>
+        <p:nvSpPr>
+          <p:cNvPr id="6" name="文字方塊 5">
+            <a:extLst>
+              <a:ext uri="{FF2B5EF4-FFF2-40B4-BE49-F238E27FC236}">
+                <a16:creationId xmlns:a16="http://schemas.microsoft.com/office/drawing/2014/main" id="{46D44915-7D1E-0643-9A69-02BEC14F9496}"/>
+              </a:ext>
+            </a:extLst>
+          </p:cNvPr>
+          <p:cNvSpPr txBox="1"/>
+          <p:nvPr/>
+        </p:nvSpPr>
+        <p:spPr>
+          <a:xfrm>
+            <a:off x="8019393" y="3045182"/>
+            <a:ext cx="2214068" cy="646331"/>
+          </a:xfrm>
+          <a:prstGeom prst="rect">
+            <a:avLst/>
+          </a:prstGeom>
+          <a:noFill/>
+        </p:spPr>
+        <p:txBody>
+          <a:bodyPr wrap="none" rtlCol="0">
+            <a:spAutoFit/>
+          </a:bodyPr>
+          <a:lstStyle/>
+          <a:p>
+            <a:r>
+              <a:rPr kumimoji="1" lang="zh-TW" altLang="en-US" dirty="0">
+                <a:solidFill>
+                  <a:srgbClr val="FF0000"/>
+                </a:solidFill>
+                <a:latin typeface="Menlo" panose="020B0609030804020204" pitchFamily="49" charset="0"/>
+                <a:ea typeface="Menlo" panose="020B0609030804020204" pitchFamily="49" charset="0"/>
+                <a:cs typeface="Menlo" panose="020B0609030804020204" pitchFamily="49" charset="0"/>
+              </a:rPr>
+              <a:t>先做個小實驗 </a:t>
+            </a:r>
+            <a:endParaRPr kumimoji="1" lang="en-US" altLang="zh-TW" dirty="0">
+              <a:solidFill>
+                <a:srgbClr val="FF0000"/>
+              </a:solidFill>
+              <a:latin typeface="Menlo" panose="020B0609030804020204" pitchFamily="49" charset="0"/>
+              <a:ea typeface="Menlo" panose="020B0609030804020204" pitchFamily="49" charset="0"/>
+              <a:cs typeface="Menlo" panose="020B0609030804020204" pitchFamily="49" charset="0"/>
+            </a:endParaRPr>
+          </a:p>
+          <a:p>
+            <a:r>
+              <a:rPr kumimoji="1" lang="en-US" altLang="zh-TW" dirty="0">
+                <a:solidFill>
+                  <a:srgbClr val="FF0000"/>
+                </a:solidFill>
+                <a:latin typeface="Menlo" panose="020B0609030804020204" pitchFamily="49" charset="0"/>
+                <a:ea typeface="Menlo" panose="020B0609030804020204" pitchFamily="49" charset="0"/>
+                <a:cs typeface="Menlo" panose="020B0609030804020204" pitchFamily="49" charset="0"/>
+                <a:sym typeface="Wingdings" pitchFamily="2" charset="2"/>
+              </a:rPr>
+              <a:t> </a:t>
+            </a:r>
+            <a:r>
+              <a:rPr kumimoji="1" lang="zh-TW" altLang="en-US" dirty="0">
+                <a:solidFill>
+                  <a:srgbClr val="FF0000"/>
+                </a:solidFill>
+                <a:latin typeface="Menlo" panose="020B0609030804020204" pitchFamily="49" charset="0"/>
+                <a:ea typeface="Menlo" panose="020B0609030804020204" pitchFamily="49" charset="0"/>
+                <a:cs typeface="Menlo" panose="020B0609030804020204" pitchFamily="49" charset="0"/>
+                <a:sym typeface="Wingdings" pitchFamily="2" charset="2"/>
+              </a:rPr>
+              <a:t>兩種方法差</a:t>
+            </a:r>
+            <a:r>
+              <a:rPr kumimoji="1" lang="en-US" altLang="zh-TW" dirty="0">
+                <a:solidFill>
+                  <a:srgbClr val="FF0000"/>
+                </a:solidFill>
+                <a:latin typeface="Menlo" panose="020B0609030804020204" pitchFamily="49" charset="0"/>
+                <a:ea typeface="Menlo" panose="020B0609030804020204" pitchFamily="49" charset="0"/>
+                <a:cs typeface="Menlo" panose="020B0609030804020204" pitchFamily="49" charset="0"/>
+              </a:rPr>
+              <a:t>15</a:t>
+            </a:r>
+            <a:r>
+              <a:rPr kumimoji="1" lang="zh-TW" altLang="en-US" dirty="0">
+                <a:solidFill>
+                  <a:srgbClr val="FF0000"/>
+                </a:solidFill>
+                <a:latin typeface="Menlo" panose="020B0609030804020204" pitchFamily="49" charset="0"/>
+                <a:cs typeface="Menlo" panose="020B0609030804020204" pitchFamily="49" charset="0"/>
+              </a:rPr>
+              <a:t>倍</a:t>
+            </a:r>
+          </a:p>
+        </p:txBody>
+      </p:sp>
+      <p:sp>
+        <p:nvSpPr>
+          <p:cNvPr id="7" name="文字方塊 6">
+            <a:extLst>
+              <a:ext uri="{FF2B5EF4-FFF2-40B4-BE49-F238E27FC236}">
+                <a16:creationId xmlns:a16="http://schemas.microsoft.com/office/drawing/2014/main" id="{9558B9E7-36D2-5448-B114-413EA519419E}"/>
+              </a:ext>
+            </a:extLst>
+          </p:cNvPr>
+          <p:cNvSpPr txBox="1"/>
+          <p:nvPr/>
+        </p:nvSpPr>
+        <p:spPr>
+          <a:xfrm>
+            <a:off x="3105806" y="5709554"/>
+            <a:ext cx="4262705" cy="369332"/>
+          </a:xfrm>
+          <a:prstGeom prst="rect">
+            <a:avLst/>
+          </a:prstGeom>
+          <a:noFill/>
+        </p:spPr>
+        <p:txBody>
+          <a:bodyPr wrap="none" rtlCol="0">
+            <a:spAutoFit/>
+          </a:bodyPr>
+          <a:lstStyle/>
+          <a:p>
+            <a:r>
+              <a:rPr kumimoji="1" lang="en-US" altLang="zh-TW" dirty="0">
+                <a:solidFill>
+                  <a:srgbClr val="FF0000"/>
+                </a:solidFill>
+                <a:latin typeface="Menlo" panose="020B0609030804020204" pitchFamily="49" charset="0"/>
+                <a:ea typeface="Menlo" panose="020B0609030804020204" pitchFamily="49" charset="0"/>
+                <a:cs typeface="Menlo" panose="020B0609030804020204" pitchFamily="49" charset="0"/>
+              </a:rPr>
+              <a:t>Linear search</a:t>
+            </a:r>
+            <a:r>
+              <a:rPr kumimoji="1" lang="zh-TW" altLang="en-US" dirty="0">
+                <a:solidFill>
+                  <a:srgbClr val="FF0000"/>
+                </a:solidFill>
+                <a:latin typeface="Menlo" panose="020B0609030804020204" pitchFamily="49" charset="0"/>
+                <a:ea typeface="Menlo" panose="020B0609030804020204" pitchFamily="49" charset="0"/>
+                <a:cs typeface="Menlo" panose="020B0609030804020204" pitchFamily="49" charset="0"/>
+              </a:rPr>
+              <a:t>就足以應付了</a:t>
+            </a:r>
+            <a:r>
+              <a:rPr kumimoji="1" lang="en-US" altLang="zh-TW" dirty="0">
+                <a:solidFill>
+                  <a:srgbClr val="FF0000"/>
+                </a:solidFill>
+                <a:latin typeface="Menlo" panose="020B0609030804020204" pitchFamily="49" charset="0"/>
+                <a:ea typeface="Menlo" panose="020B0609030804020204" pitchFamily="49" charset="0"/>
+                <a:cs typeface="Menlo" panose="020B0609030804020204" pitchFamily="49" charset="0"/>
+              </a:rPr>
+              <a:t>,</a:t>
+            </a:r>
+            <a:r>
+              <a:rPr kumimoji="1" lang="zh-TW" altLang="en-US" dirty="0">
+                <a:solidFill>
+                  <a:srgbClr val="FF0000"/>
+                </a:solidFill>
+                <a:latin typeface="Menlo" panose="020B0609030804020204" pitchFamily="49" charset="0"/>
+                <a:ea typeface="Menlo" panose="020B0609030804020204" pitchFamily="49" charset="0"/>
+                <a:cs typeface="Menlo" panose="020B0609030804020204" pitchFamily="49" charset="0"/>
+              </a:rPr>
+              <a:t> 對嗎</a:t>
+            </a:r>
+            <a:r>
+              <a:rPr kumimoji="1" lang="en-US" altLang="zh-TW" dirty="0">
+                <a:solidFill>
+                  <a:srgbClr val="FF0000"/>
+                </a:solidFill>
+                <a:latin typeface="Menlo" panose="020B0609030804020204" pitchFamily="49" charset="0"/>
+                <a:ea typeface="Menlo" panose="020B0609030804020204" pitchFamily="49" charset="0"/>
+                <a:cs typeface="Menlo" panose="020B0609030804020204" pitchFamily="49" charset="0"/>
+              </a:rPr>
+              <a:t>?</a:t>
+            </a:r>
+            <a:endParaRPr kumimoji="1" lang="zh-TW" altLang="en-US" dirty="0">
+              <a:solidFill>
+                <a:srgbClr val="FF0000"/>
+              </a:solidFill>
+              <a:latin typeface="Menlo" panose="020B0609030804020204" pitchFamily="49" charset="0"/>
+              <a:cs typeface="Menlo" panose="020B0609030804020204" pitchFamily="49" charset="0"/>
+            </a:endParaRPr>
+          </a:p>
+        </p:txBody>
+      </p:sp>
+    </p:spTree>
+    <p:extLst>
+      <p:ext uri="{BB962C8B-B14F-4D97-AF65-F5344CB8AC3E}">
+        <p14:creationId xmlns:p14="http://schemas.microsoft.com/office/powerpoint/2010/main" val="792232509"/>
+      </p:ext>
+    </p:extLst>
+  </p:cSld>
+  <p:clrMapOvr>
+    <a:masterClrMapping/>
+  </p:clrMapOvr>
+</p:sld>
+</file>
+
+<file path=ppt/slides/slide8.xml><?xml version="1.0" encoding="utf-8"?>
+<p:sld xmlns:a="http://schemas.openxmlformats.org/drawingml/2006/main" xmlns:r="http://schemas.openxmlformats.org/officeDocument/2006/relationships" xmlns:p="http://schemas.openxmlformats.org/presentationml/2006/main">
+  <p:cSld>
+    <p:spTree>
+      <p:nvGrpSpPr>
+        <p:cNvPr id="1" name=""/>
+        <p:cNvGrpSpPr/>
+        <p:nvPr/>
+      </p:nvGrpSpPr>
+      <p:grpSpPr>
+        <a:xfrm>
+          <a:off x="0" y="0"/>
+          <a:ext cx="0" cy="0"/>
+          <a:chOff x="0" y="0"/>
+          <a:chExt cx="0" cy="0"/>
+        </a:xfrm>
+      </p:grpSpPr>
+      <p:sp>
+        <p:nvSpPr>
+          <p:cNvPr id="2" name="標題 1">
+            <a:extLst>
+              <a:ext uri="{FF2B5EF4-FFF2-40B4-BE49-F238E27FC236}">
+                <a16:creationId xmlns:a16="http://schemas.microsoft.com/office/drawing/2014/main" id="{40FABC1D-4A66-8846-AA32-01FD2E0DE12F}"/>
+              </a:ext>
+            </a:extLst>
+          </p:cNvPr>
+          <p:cNvSpPr>
+            <a:spLocks noGrp="1"/>
+          </p:cNvSpPr>
+          <p:nvPr>
+            <p:ph type="title"/>
+          </p:nvPr>
+        </p:nvSpPr>
+        <p:spPr/>
+        <p:txBody>
+          <a:bodyPr/>
+          <a:lstStyle/>
+          <a:p>
+            <a:r>
+              <a:rPr kumimoji="1" lang="zh-TW" altLang="en-US" dirty="0"/>
+              <a:t>執行時間隨搜尋項目的「增長率」</a:t>
+            </a:r>
+          </a:p>
+        </p:txBody>
+      </p:sp>
+      <p:graphicFrame>
+        <p:nvGraphicFramePr>
+          <p:cNvPr id="4" name="表格 3">
+            <a:extLst>
+              <a:ext uri="{FF2B5EF4-FFF2-40B4-BE49-F238E27FC236}">
+                <a16:creationId xmlns:a16="http://schemas.microsoft.com/office/drawing/2014/main" id="{07F1E964-2D3B-C64F-89F0-24265182D6CF}"/>
+              </a:ext>
+            </a:extLst>
+          </p:cNvPr>
+          <p:cNvGraphicFramePr>
+            <a:graphicFrameLocks noGrp="1"/>
+          </p:cNvGraphicFramePr>
+          <p:nvPr>
+            <p:extLst>
+              <p:ext uri="{D42A27DB-BD31-4B8C-83A1-F6EECF244321}">
+                <p14:modId xmlns:p14="http://schemas.microsoft.com/office/powerpoint/2010/main" val="3542162263"/>
+              </p:ext>
+            </p:extLst>
+          </p:nvPr>
+        </p:nvGraphicFramePr>
+        <p:xfrm>
+          <a:off x="677334" y="1930400"/>
+          <a:ext cx="7342059" cy="3337560"/>
+        </p:xfrm>
+        <a:graphic>
+          <a:graphicData uri="http://schemas.openxmlformats.org/drawingml/2006/table">
+            <a:tbl>
+              <a:tblPr firstRow="1" bandRow="1">
+                <a:tableStyleId>{5C22544A-7EE6-4342-B048-85BDC9FD1C3A}</a:tableStyleId>
+              </a:tblPr>
+              <a:tblGrid>
+                <a:gridCol w="2447353">
+                  <a:extLst>
+                    <a:ext uri="{9D8B030D-6E8A-4147-A177-3AD203B41FA5}">
+                      <a16:colId xmlns:a16="http://schemas.microsoft.com/office/drawing/2014/main" val="1019328401"/>
+                    </a:ext>
+                  </a:extLst>
+                </a:gridCol>
+                <a:gridCol w="2447353">
+                  <a:extLst>
+                    <a:ext uri="{9D8B030D-6E8A-4147-A177-3AD203B41FA5}">
+                      <a16:colId xmlns:a16="http://schemas.microsoft.com/office/drawing/2014/main" val="1347877166"/>
+                    </a:ext>
+                  </a:extLst>
+                </a:gridCol>
+                <a:gridCol w="2447353">
+                  <a:extLst>
+                    <a:ext uri="{9D8B030D-6E8A-4147-A177-3AD203B41FA5}">
+                      <a16:colId xmlns:a16="http://schemas.microsoft.com/office/drawing/2014/main" val="340287349"/>
+                    </a:ext>
+                  </a:extLst>
+                </a:gridCol>
+              </a:tblGrid>
+              <a:tr h="370840">
+                <a:tc>
+                  <a:txBody>
+                    <a:bodyPr/>
+                    <a:lstStyle/>
+                    <a:p>
+                      <a:r>
+                        <a:rPr lang="zh-TW" altLang="en-US" dirty="0">
+                          <a:latin typeface="Menlo" panose="020B0609030804020204" pitchFamily="49" charset="0"/>
+                          <a:cs typeface="Menlo" panose="020B0609030804020204" pitchFamily="49" charset="0"/>
+                        </a:rPr>
+                        <a:t>數字個數</a:t>
+                      </a:r>
+                      <a:r>
+                        <a:rPr lang="en-US" altLang="zh-TW" dirty="0">
+                          <a:latin typeface="Menlo" panose="020B0609030804020204" pitchFamily="49" charset="0"/>
+                          <a:cs typeface="Menlo" panose="020B0609030804020204" pitchFamily="49" charset="0"/>
+                        </a:rPr>
+                        <a:t>(N)</a:t>
+                      </a:r>
+                      <a:endParaRPr lang="zh-TW" altLang="en-US" dirty="0">
+                        <a:latin typeface="Menlo" panose="020B0609030804020204" pitchFamily="49" charset="0"/>
+                        <a:cs typeface="Menlo" panose="020B0609030804020204" pitchFamily="49" charset="0"/>
+                      </a:endParaRPr>
+                    </a:p>
+                  </a:txBody>
+                  <a:tcPr/>
+                </a:tc>
+                <a:tc>
+                  <a:txBody>
+                    <a:bodyPr/>
+                    <a:lstStyle/>
+                    <a:p>
+                      <a:r>
+                        <a:rPr lang="en-US" altLang="zh-TW" dirty="0">
+                          <a:latin typeface="Menlo" panose="020B0609030804020204" pitchFamily="49" charset="0"/>
+                          <a:ea typeface="Menlo" panose="020B0609030804020204" pitchFamily="49" charset="0"/>
+                          <a:cs typeface="Menlo" panose="020B0609030804020204" pitchFamily="49" charset="0"/>
+                        </a:rPr>
+                        <a:t>Linear Search</a:t>
+                      </a:r>
+                      <a:endParaRPr lang="zh-TW" altLang="en-US" dirty="0">
+                        <a:latin typeface="Menlo" panose="020B0609030804020204" pitchFamily="49" charset="0"/>
+                        <a:cs typeface="Menlo" panose="020B0609030804020204" pitchFamily="49" charset="0"/>
+                      </a:endParaRPr>
+                    </a:p>
+                  </a:txBody>
+                  <a:tcPr/>
+                </a:tc>
+                <a:tc>
+                  <a:txBody>
+                    <a:bodyPr/>
+                    <a:lstStyle/>
+                    <a:p>
+                      <a:r>
+                        <a:rPr lang="en-US" altLang="zh-TW" dirty="0">
+                          <a:latin typeface="Menlo" panose="020B0609030804020204" pitchFamily="49" charset="0"/>
+                          <a:ea typeface="Menlo" panose="020B0609030804020204" pitchFamily="49" charset="0"/>
+                          <a:cs typeface="Menlo" panose="020B0609030804020204" pitchFamily="49" charset="0"/>
+                        </a:rPr>
+                        <a:t>Binary Search</a:t>
+                      </a:r>
+                      <a:endParaRPr lang="zh-TW" altLang="en-US" dirty="0">
+                        <a:latin typeface="Menlo" panose="020B0609030804020204" pitchFamily="49" charset="0"/>
+                        <a:cs typeface="Menlo" panose="020B0609030804020204" pitchFamily="49" charset="0"/>
+                      </a:endParaRPr>
+                    </a:p>
+                  </a:txBody>
+                  <a:tcPr/>
+                </a:tc>
+                <a:extLst>
+                  <a:ext uri="{0D108BD9-81ED-4DB2-BD59-A6C34878D82A}">
+                    <a16:rowId xmlns:a16="http://schemas.microsoft.com/office/drawing/2014/main" val="2057730909"/>
+                  </a:ext>
+                </a:extLst>
+              </a:tr>
+              <a:tr h="370840">
+                <a:tc>
+                  <a:txBody>
+                    <a:bodyPr/>
+                    <a:lstStyle/>
+                    <a:p>
+                      <a:r>
+                        <a:rPr lang="en-US" altLang="zh-TW" dirty="0">
+                          <a:latin typeface="Menlo" panose="020B0609030804020204" pitchFamily="49" charset="0"/>
+                          <a:cs typeface="Menlo" panose="020B0609030804020204" pitchFamily="49" charset="0"/>
+                        </a:rPr>
+                        <a:t>1</a:t>
+                      </a:r>
+                      <a:endParaRPr lang="zh-TW" altLang="en-US" dirty="0">
+                        <a:latin typeface="Menlo" panose="020B0609030804020204" pitchFamily="49" charset="0"/>
+                        <a:cs typeface="Menlo" panose="020B0609030804020204" pitchFamily="49" charset="0"/>
+                      </a:endParaRPr>
+                    </a:p>
+                  </a:txBody>
+                  <a:tcPr/>
+                </a:tc>
+                <a:tc>
+                  <a:txBody>
+                    <a:bodyPr/>
+                    <a:lstStyle/>
+                    <a:p>
+                      <a:r>
+                        <a:rPr lang="en-US" altLang="zh-TW" dirty="0">
+                          <a:latin typeface="Menlo" panose="020B0609030804020204" pitchFamily="49" charset="0"/>
+                          <a:cs typeface="Menlo" panose="020B0609030804020204" pitchFamily="49" charset="0"/>
+                        </a:rPr>
+                        <a:t>1</a:t>
+                      </a:r>
+                      <a:endParaRPr lang="zh-TW" altLang="en-US" dirty="0">
+                        <a:latin typeface="Menlo" panose="020B0609030804020204" pitchFamily="49" charset="0"/>
+                        <a:cs typeface="Menlo" panose="020B0609030804020204" pitchFamily="49" charset="0"/>
+                      </a:endParaRPr>
+                    </a:p>
+                  </a:txBody>
+                  <a:tcPr/>
+                </a:tc>
+                <a:tc>
+                  <a:txBody>
+                    <a:bodyPr/>
+                    <a:lstStyle/>
+                    <a:p>
+                      <a:r>
+                        <a:rPr lang="en-US" altLang="zh-TW" dirty="0">
+                          <a:latin typeface="Menlo" panose="020B0609030804020204" pitchFamily="49" charset="0"/>
+                          <a:cs typeface="Menlo" panose="020B0609030804020204" pitchFamily="49" charset="0"/>
+                        </a:rPr>
+                        <a:t>1</a:t>
+                      </a:r>
+                      <a:endParaRPr lang="zh-TW" altLang="en-US" dirty="0">
+                        <a:latin typeface="Menlo" panose="020B0609030804020204" pitchFamily="49" charset="0"/>
+                        <a:cs typeface="Menlo" panose="020B0609030804020204" pitchFamily="49" charset="0"/>
+                      </a:endParaRPr>
+                    </a:p>
+                  </a:txBody>
+                  <a:tcPr/>
+                </a:tc>
+                <a:extLst>
+                  <a:ext uri="{0D108BD9-81ED-4DB2-BD59-A6C34878D82A}">
+                    <a16:rowId xmlns:a16="http://schemas.microsoft.com/office/drawing/2014/main" val="763440303"/>
+                  </a:ext>
+                </a:extLst>
+              </a:tr>
+              <a:tr h="370840">
+                <a:tc>
+                  <a:txBody>
+                    <a:bodyPr/>
+                    <a:lstStyle/>
+                    <a:p>
+                      <a:r>
+                        <a:rPr lang="en-US" altLang="zh-TW" dirty="0">
+                          <a:latin typeface="Menlo" panose="020B0609030804020204" pitchFamily="49" charset="0"/>
+                          <a:cs typeface="Menlo" panose="020B0609030804020204" pitchFamily="49" charset="0"/>
+                        </a:rPr>
+                        <a:t>10</a:t>
+                      </a:r>
+                      <a:endParaRPr lang="zh-TW" altLang="en-US" dirty="0">
+                        <a:latin typeface="Menlo" panose="020B0609030804020204" pitchFamily="49" charset="0"/>
+                        <a:cs typeface="Menlo" panose="020B0609030804020204" pitchFamily="49" charset="0"/>
+                      </a:endParaRPr>
+                    </a:p>
+                  </a:txBody>
+                  <a:tcPr/>
+                </a:tc>
+                <a:tc>
+                  <a:txBody>
+                    <a:bodyPr/>
+                    <a:lstStyle/>
+                    <a:p>
+                      <a:r>
+                        <a:rPr lang="en-US" altLang="zh-TW" dirty="0">
+                          <a:latin typeface="Menlo" panose="020B0609030804020204" pitchFamily="49" charset="0"/>
+                          <a:cs typeface="Menlo" panose="020B0609030804020204" pitchFamily="49" charset="0"/>
+                        </a:rPr>
+                        <a:t>10</a:t>
+                      </a:r>
+                      <a:endParaRPr lang="zh-TW" altLang="en-US" dirty="0">
+                        <a:latin typeface="Menlo" panose="020B0609030804020204" pitchFamily="49" charset="0"/>
+                        <a:cs typeface="Menlo" panose="020B0609030804020204" pitchFamily="49" charset="0"/>
+                      </a:endParaRPr>
+                    </a:p>
+                  </a:txBody>
+                  <a:tcPr/>
+                </a:tc>
+                <a:tc>
+                  <a:txBody>
+                    <a:bodyPr/>
+                    <a:lstStyle/>
+                    <a:p>
+                      <a:r>
+                        <a:rPr lang="en-US" altLang="zh-TW" dirty="0">
+                          <a:latin typeface="Menlo" panose="020B0609030804020204" pitchFamily="49" charset="0"/>
+                          <a:cs typeface="Menlo" panose="020B0609030804020204" pitchFamily="49" charset="0"/>
+                        </a:rPr>
+                        <a:t>4</a:t>
+                      </a:r>
+                      <a:endParaRPr lang="zh-TW" altLang="en-US" dirty="0">
+                        <a:latin typeface="Menlo" panose="020B0609030804020204" pitchFamily="49" charset="0"/>
+                        <a:cs typeface="Menlo" panose="020B0609030804020204" pitchFamily="49" charset="0"/>
+                      </a:endParaRPr>
+                    </a:p>
+                  </a:txBody>
+                  <a:tcPr/>
+                </a:tc>
+                <a:extLst>
+                  <a:ext uri="{0D108BD9-81ED-4DB2-BD59-A6C34878D82A}">
+                    <a16:rowId xmlns:a16="http://schemas.microsoft.com/office/drawing/2014/main" val="2812763644"/>
+                  </a:ext>
+                </a:extLst>
+              </a:tr>
+              <a:tr h="370840">
+                <a:tc>
+                  <a:txBody>
+                    <a:bodyPr/>
+                    <a:lstStyle/>
+                    <a:p>
+                      <a:r>
+                        <a:rPr lang="en-US" altLang="zh-TW" dirty="0">
+                          <a:latin typeface="Menlo" panose="020B0609030804020204" pitchFamily="49" charset="0"/>
+                          <a:ea typeface="Menlo" panose="020B0609030804020204" pitchFamily="49" charset="0"/>
+                          <a:cs typeface="Menlo" panose="020B0609030804020204" pitchFamily="49" charset="0"/>
+                        </a:rPr>
+                        <a:t>100</a:t>
+                      </a:r>
+                      <a:endParaRPr lang="zh-TW" altLang="en-US" dirty="0">
+                        <a:latin typeface="Menlo" panose="020B0609030804020204" pitchFamily="49" charset="0"/>
+                        <a:cs typeface="Menlo" panose="020B0609030804020204" pitchFamily="49" charset="0"/>
+                      </a:endParaRPr>
+                    </a:p>
+                  </a:txBody>
+                  <a:tcPr/>
+                </a:tc>
+                <a:tc>
+                  <a:txBody>
+                    <a:bodyPr/>
+                    <a:lstStyle/>
+                    <a:p>
+                      <a:r>
+                        <a:rPr lang="en-US" altLang="zh-TW" dirty="0">
+                          <a:latin typeface="Menlo" panose="020B0609030804020204" pitchFamily="49" charset="0"/>
+                          <a:ea typeface="Menlo" panose="020B0609030804020204" pitchFamily="49" charset="0"/>
+                          <a:cs typeface="Menlo" panose="020B0609030804020204" pitchFamily="49" charset="0"/>
+                        </a:rPr>
+                        <a:t>100</a:t>
+                      </a:r>
+                      <a:endParaRPr lang="zh-TW" altLang="en-US" dirty="0">
+                        <a:latin typeface="Menlo" panose="020B0609030804020204" pitchFamily="49" charset="0"/>
+                        <a:cs typeface="Menlo" panose="020B0609030804020204" pitchFamily="49" charset="0"/>
+                      </a:endParaRPr>
+                    </a:p>
+                  </a:txBody>
+                  <a:tcPr/>
+                </a:tc>
+                <a:tc>
+                  <a:txBody>
+                    <a:bodyPr/>
+                    <a:lstStyle/>
+                    <a:p>
+                      <a:r>
+                        <a:rPr lang="en-US" altLang="zh-TW" dirty="0">
+                          <a:latin typeface="Menlo" panose="020B0609030804020204" pitchFamily="49" charset="0"/>
+                          <a:ea typeface="Menlo" panose="020B0609030804020204" pitchFamily="49" charset="0"/>
+                          <a:cs typeface="Menlo" panose="020B0609030804020204" pitchFamily="49" charset="0"/>
+                        </a:rPr>
+                        <a:t>7</a:t>
+                      </a:r>
+                      <a:endParaRPr lang="zh-TW" altLang="en-US" dirty="0">
+                        <a:latin typeface="Menlo" panose="020B0609030804020204" pitchFamily="49" charset="0"/>
+                        <a:cs typeface="Menlo" panose="020B0609030804020204" pitchFamily="49" charset="0"/>
+                      </a:endParaRPr>
+                    </a:p>
+                  </a:txBody>
+                  <a:tcPr/>
+                </a:tc>
+                <a:extLst>
+                  <a:ext uri="{0D108BD9-81ED-4DB2-BD59-A6C34878D82A}">
+                    <a16:rowId xmlns:a16="http://schemas.microsoft.com/office/drawing/2014/main" val="2899947400"/>
+                  </a:ext>
+                </a:extLst>
+              </a:tr>
+              <a:tr h="370840">
+                <a:tc>
+                  <a:txBody>
+                    <a:bodyPr/>
+                    <a:lstStyle/>
+                    <a:p>
+                      <a:r>
+                        <a:rPr lang="en-US" altLang="zh-TW" dirty="0">
+                          <a:latin typeface="Menlo" panose="020B0609030804020204" pitchFamily="49" charset="0"/>
+                          <a:ea typeface="Menlo" panose="020B0609030804020204" pitchFamily="49" charset="0"/>
+                          <a:cs typeface="Menlo" panose="020B0609030804020204" pitchFamily="49" charset="0"/>
+                        </a:rPr>
+                        <a:t>1000</a:t>
+                      </a:r>
+                      <a:endParaRPr lang="zh-TW" altLang="en-US" dirty="0">
+                        <a:latin typeface="Menlo" panose="020B0609030804020204" pitchFamily="49" charset="0"/>
+                        <a:cs typeface="Menlo" panose="020B0609030804020204" pitchFamily="49" charset="0"/>
+                      </a:endParaRPr>
+                    </a:p>
+                  </a:txBody>
+                  <a:tcPr/>
+                </a:tc>
+                <a:tc>
+                  <a:txBody>
+                    <a:bodyPr/>
+                    <a:lstStyle/>
+                    <a:p>
+                      <a:r>
+                        <a:rPr lang="en-US" altLang="zh-TW" dirty="0">
+                          <a:latin typeface="Menlo" panose="020B0609030804020204" pitchFamily="49" charset="0"/>
+                          <a:ea typeface="Menlo" panose="020B0609030804020204" pitchFamily="49" charset="0"/>
+                          <a:cs typeface="Menlo" panose="020B0609030804020204" pitchFamily="49" charset="0"/>
+                        </a:rPr>
+                        <a:t>1000</a:t>
+                      </a:r>
+                      <a:endParaRPr lang="zh-TW" altLang="en-US" dirty="0">
+                        <a:latin typeface="Menlo" panose="020B0609030804020204" pitchFamily="49" charset="0"/>
+                        <a:cs typeface="Menlo" panose="020B0609030804020204" pitchFamily="49" charset="0"/>
+                      </a:endParaRPr>
+                    </a:p>
+                  </a:txBody>
+                  <a:tcPr/>
+                </a:tc>
+                <a:tc>
+                  <a:txBody>
+                    <a:bodyPr/>
+                    <a:lstStyle/>
+                    <a:p>
+                      <a:r>
+                        <a:rPr lang="en-US" altLang="zh-TW" dirty="0">
+                          <a:latin typeface="Menlo" panose="020B0609030804020204" pitchFamily="49" charset="0"/>
+                          <a:ea typeface="Menlo" panose="020B0609030804020204" pitchFamily="49" charset="0"/>
+                          <a:cs typeface="Menlo" panose="020B0609030804020204" pitchFamily="49" charset="0"/>
+                        </a:rPr>
+                        <a:t>10</a:t>
+                      </a:r>
+                      <a:endParaRPr lang="zh-TW" altLang="en-US" dirty="0">
+                        <a:latin typeface="Menlo" panose="020B0609030804020204" pitchFamily="49" charset="0"/>
+                        <a:cs typeface="Menlo" panose="020B0609030804020204" pitchFamily="49" charset="0"/>
+                      </a:endParaRPr>
+                    </a:p>
+                  </a:txBody>
+                  <a:tcPr/>
+                </a:tc>
+                <a:extLst>
+                  <a:ext uri="{0D108BD9-81ED-4DB2-BD59-A6C34878D82A}">
+                    <a16:rowId xmlns:a16="http://schemas.microsoft.com/office/drawing/2014/main" val="794740129"/>
+                  </a:ext>
+                </a:extLst>
+              </a:tr>
+              <a:tr h="370840">
+                <a:tc>
+                  <a:txBody>
+                    <a:bodyPr/>
+                    <a:lstStyle/>
+                    <a:p>
+                      <a:r>
+                        <a:rPr lang="en-US" altLang="zh-TW" dirty="0">
+                          <a:latin typeface="Menlo" panose="020B0609030804020204" pitchFamily="49" charset="0"/>
+                          <a:ea typeface="Menlo" panose="020B0609030804020204" pitchFamily="49" charset="0"/>
+                          <a:cs typeface="Menlo" panose="020B0609030804020204" pitchFamily="49" charset="0"/>
+                        </a:rPr>
+                        <a:t>10000</a:t>
+                      </a:r>
+                      <a:endParaRPr lang="zh-TW" altLang="en-US" dirty="0">
+                        <a:latin typeface="Menlo" panose="020B0609030804020204" pitchFamily="49" charset="0"/>
+                        <a:cs typeface="Menlo" panose="020B0609030804020204" pitchFamily="49" charset="0"/>
+                      </a:endParaRPr>
+                    </a:p>
+                  </a:txBody>
+                  <a:tcPr/>
+                </a:tc>
+                <a:tc>
+                  <a:txBody>
+                    <a:bodyPr/>
+                    <a:lstStyle/>
+                    <a:p>
+                      <a:r>
+                        <a:rPr lang="en-US" altLang="zh-TW" dirty="0">
+                          <a:latin typeface="Menlo" panose="020B0609030804020204" pitchFamily="49" charset="0"/>
+                          <a:ea typeface="Menlo" panose="020B0609030804020204" pitchFamily="49" charset="0"/>
+                          <a:cs typeface="Menlo" panose="020B0609030804020204" pitchFamily="49" charset="0"/>
+                        </a:rPr>
+                        <a:t>10000</a:t>
+                      </a:r>
+                      <a:endParaRPr lang="zh-TW" altLang="en-US" dirty="0">
+                        <a:latin typeface="Menlo" panose="020B0609030804020204" pitchFamily="49" charset="0"/>
+                        <a:cs typeface="Menlo" panose="020B0609030804020204" pitchFamily="49" charset="0"/>
+                      </a:endParaRPr>
+                    </a:p>
+                  </a:txBody>
+                  <a:tcPr/>
+                </a:tc>
+                <a:tc>
+                  <a:txBody>
+                    <a:bodyPr/>
+                    <a:lstStyle/>
+                    <a:p>
+                      <a:r>
+                        <a:rPr lang="en-US" altLang="zh-TW" dirty="0">
+                          <a:latin typeface="Menlo" panose="020B0609030804020204" pitchFamily="49" charset="0"/>
+                          <a:ea typeface="Menlo" panose="020B0609030804020204" pitchFamily="49" charset="0"/>
+                          <a:cs typeface="Menlo" panose="020B0609030804020204" pitchFamily="49" charset="0"/>
+                        </a:rPr>
+                        <a:t>14</a:t>
+                      </a:r>
+                      <a:endParaRPr lang="zh-TW" altLang="en-US" dirty="0">
+                        <a:latin typeface="Menlo" panose="020B0609030804020204" pitchFamily="49" charset="0"/>
+                        <a:cs typeface="Menlo" panose="020B0609030804020204" pitchFamily="49" charset="0"/>
+                      </a:endParaRPr>
+                    </a:p>
+                  </a:txBody>
+                  <a:tcPr/>
+                </a:tc>
+                <a:extLst>
+                  <a:ext uri="{0D108BD9-81ED-4DB2-BD59-A6C34878D82A}">
+                    <a16:rowId xmlns:a16="http://schemas.microsoft.com/office/drawing/2014/main" val="177599134"/>
+                  </a:ext>
+                </a:extLst>
+              </a:tr>
+              <a:tr h="370840">
+                <a:tc>
+                  <a:txBody>
+                    <a:bodyPr/>
+                    <a:lstStyle/>
+                    <a:p>
+                      <a:r>
+                        <a:rPr lang="en-US" altLang="zh-TW" dirty="0">
+                          <a:latin typeface="Menlo" panose="020B0609030804020204" pitchFamily="49" charset="0"/>
+                          <a:ea typeface="Menlo" panose="020B0609030804020204" pitchFamily="49" charset="0"/>
+                          <a:cs typeface="Menlo" panose="020B0609030804020204" pitchFamily="49" charset="0"/>
+                        </a:rPr>
+                        <a:t>100000</a:t>
+                      </a:r>
+                      <a:endParaRPr lang="zh-TW" altLang="en-US" dirty="0">
+                        <a:latin typeface="Menlo" panose="020B0609030804020204" pitchFamily="49" charset="0"/>
+                        <a:cs typeface="Menlo" panose="020B0609030804020204" pitchFamily="49" charset="0"/>
+                      </a:endParaRPr>
+                    </a:p>
+                  </a:txBody>
+                  <a:tcPr/>
+                </a:tc>
+                <a:tc>
+                  <a:txBody>
+                    <a:bodyPr/>
+                    <a:lstStyle/>
+                    <a:p>
+                      <a:r>
+                        <a:rPr lang="en-US" altLang="zh-TW" dirty="0">
+                          <a:latin typeface="Menlo" panose="020B0609030804020204" pitchFamily="49" charset="0"/>
+                          <a:ea typeface="Menlo" panose="020B0609030804020204" pitchFamily="49" charset="0"/>
+                          <a:cs typeface="Menlo" panose="020B0609030804020204" pitchFamily="49" charset="0"/>
+                        </a:rPr>
+                        <a:t>100000</a:t>
+                      </a:r>
+                      <a:endParaRPr lang="zh-TW" altLang="en-US" dirty="0">
+                        <a:latin typeface="Menlo" panose="020B0609030804020204" pitchFamily="49" charset="0"/>
+                        <a:cs typeface="Menlo" panose="020B0609030804020204" pitchFamily="49" charset="0"/>
+                      </a:endParaRPr>
+                    </a:p>
+                  </a:txBody>
+                  <a:tcPr/>
+                </a:tc>
+                <a:tc>
+                  <a:txBody>
+                    <a:bodyPr/>
+                    <a:lstStyle/>
+                    <a:p>
+                      <a:r>
+                        <a:rPr lang="en-US" altLang="zh-TW" dirty="0">
+                          <a:latin typeface="Menlo" panose="020B0609030804020204" pitchFamily="49" charset="0"/>
+                          <a:ea typeface="Menlo" panose="020B0609030804020204" pitchFamily="49" charset="0"/>
+                          <a:cs typeface="Menlo" panose="020B0609030804020204" pitchFamily="49" charset="0"/>
+                        </a:rPr>
+                        <a:t>17</a:t>
+                      </a:r>
+                      <a:endParaRPr lang="zh-TW" altLang="en-US" dirty="0">
+                        <a:latin typeface="Menlo" panose="020B0609030804020204" pitchFamily="49" charset="0"/>
+                        <a:cs typeface="Menlo" panose="020B0609030804020204" pitchFamily="49" charset="0"/>
+                      </a:endParaRPr>
+                    </a:p>
+                  </a:txBody>
+                  <a:tcPr/>
+                </a:tc>
+                <a:extLst>
+                  <a:ext uri="{0D108BD9-81ED-4DB2-BD59-A6C34878D82A}">
+                    <a16:rowId xmlns:a16="http://schemas.microsoft.com/office/drawing/2014/main" val="2125198806"/>
+                  </a:ext>
+                </a:extLst>
+              </a:tr>
+              <a:tr h="370840">
+                <a:tc>
+                  <a:txBody>
+                    <a:bodyPr/>
+                    <a:lstStyle/>
+                    <a:p>
+                      <a:r>
+                        <a:rPr lang="en-US" altLang="zh-TW" dirty="0">
+                          <a:latin typeface="Menlo" panose="020B0609030804020204" pitchFamily="49" charset="0"/>
+                          <a:ea typeface="Menlo" panose="020B0609030804020204" pitchFamily="49" charset="0"/>
+                          <a:cs typeface="Menlo" panose="020B0609030804020204" pitchFamily="49" charset="0"/>
+                        </a:rPr>
+                        <a:t>1000000000</a:t>
+                      </a:r>
+                      <a:endParaRPr lang="zh-TW" altLang="en-US" dirty="0">
+                        <a:latin typeface="Menlo" panose="020B0609030804020204" pitchFamily="49" charset="0"/>
+                        <a:cs typeface="Menlo" panose="020B0609030804020204" pitchFamily="49" charset="0"/>
+                      </a:endParaRPr>
+                    </a:p>
+                  </a:txBody>
+                  <a:tcPr/>
+                </a:tc>
+                <a:tc>
+                  <a:txBody>
+                    <a:bodyPr/>
+                    <a:lstStyle/>
+                    <a:p>
+                      <a:pPr marL="0" marR="0" lvl="0" indent="0" algn="l" defTabSz="457200" rtl="0" eaLnBrk="1" fontAlgn="auto" latinLnBrk="0" hangingPunct="1">
+                        <a:lnSpc>
+                          <a:spcPct val="100000"/>
+                        </a:lnSpc>
+                        <a:spcBef>
+                          <a:spcPts val="0"/>
+                        </a:spcBef>
+                        <a:spcAft>
+                          <a:spcPts val="0"/>
+                        </a:spcAft>
+                        <a:buClrTx/>
+                        <a:buSzTx/>
+                        <a:buFontTx/>
+                        <a:buNone/>
+                        <a:tabLst/>
+                        <a:defRPr/>
+                      </a:pPr>
+                      <a:r>
+                        <a:rPr lang="en-US" altLang="zh-TW" dirty="0">
+                          <a:latin typeface="Menlo" panose="020B0609030804020204" pitchFamily="49" charset="0"/>
+                          <a:ea typeface="Menlo" panose="020B0609030804020204" pitchFamily="49" charset="0"/>
+                          <a:cs typeface="Menlo" panose="020B0609030804020204" pitchFamily="49" charset="0"/>
+                        </a:rPr>
+                        <a:t>1000000000</a:t>
+                      </a:r>
+                      <a:r>
+                        <a:rPr lang="zh-TW" altLang="en-US" dirty="0">
+                          <a:latin typeface="Menlo" panose="020B0609030804020204" pitchFamily="49" charset="0"/>
+                          <a:ea typeface="Menlo" panose="020B0609030804020204" pitchFamily="49" charset="0"/>
+                          <a:cs typeface="Menlo" panose="020B0609030804020204" pitchFamily="49" charset="0"/>
+                        </a:rPr>
+                        <a:t> </a:t>
+                      </a:r>
+                      <a:r>
+                        <a:rPr lang="en-US" altLang="zh-TW" dirty="0">
+                          <a:latin typeface="Menlo" panose="020B0609030804020204" pitchFamily="49" charset="0"/>
+                          <a:ea typeface="Menlo" panose="020B0609030804020204" pitchFamily="49" charset="0"/>
+                          <a:cs typeface="Menlo" panose="020B0609030804020204" pitchFamily="49" charset="0"/>
+                        </a:rPr>
+                        <a:t>(11</a:t>
+                      </a:r>
+                      <a:r>
+                        <a:rPr lang="zh-TW" altLang="en-US" dirty="0">
+                          <a:latin typeface="Menlo" panose="020B0609030804020204" pitchFamily="49" charset="0"/>
+                          <a:ea typeface="Menlo" panose="020B0609030804020204" pitchFamily="49" charset="0"/>
+                          <a:cs typeface="Menlo" panose="020B0609030804020204" pitchFamily="49" charset="0"/>
+                        </a:rPr>
+                        <a:t>天</a:t>
+                      </a:r>
+                      <a:r>
+                        <a:rPr lang="en-US" altLang="zh-TW" dirty="0">
+                          <a:latin typeface="Menlo" panose="020B0609030804020204" pitchFamily="49" charset="0"/>
+                          <a:ea typeface="Menlo" panose="020B0609030804020204" pitchFamily="49" charset="0"/>
+                          <a:cs typeface="Menlo" panose="020B0609030804020204" pitchFamily="49" charset="0"/>
+                        </a:rPr>
+                        <a:t>)</a:t>
+                      </a:r>
+                      <a:endParaRPr lang="zh-TW" altLang="en-US" dirty="0">
+                        <a:latin typeface="Menlo" panose="020B0609030804020204" pitchFamily="49" charset="0"/>
+                        <a:cs typeface="Menlo" panose="020B0609030804020204" pitchFamily="49" charset="0"/>
+                      </a:endParaRPr>
+                    </a:p>
+                  </a:txBody>
+                  <a:tcPr/>
+                </a:tc>
+                <a:tc>
+                  <a:txBody>
+                    <a:bodyPr/>
+                    <a:lstStyle/>
+                    <a:p>
+                      <a:r>
+                        <a:rPr lang="en-US" altLang="zh-TW" dirty="0">
+                          <a:latin typeface="Menlo" panose="020B0609030804020204" pitchFamily="49" charset="0"/>
+                          <a:ea typeface="Menlo" panose="020B0609030804020204" pitchFamily="49" charset="0"/>
+                          <a:cs typeface="Menlo" panose="020B0609030804020204" pitchFamily="49" charset="0"/>
+                        </a:rPr>
+                        <a:t>30 </a:t>
+                      </a:r>
+                      <a:r>
+                        <a:rPr lang="en-US" altLang="zh-TW" dirty="0" err="1">
+                          <a:latin typeface="Menlo" panose="020B0609030804020204" pitchFamily="49" charset="0"/>
+                          <a:ea typeface="Menlo" panose="020B0609030804020204" pitchFamily="49" charset="0"/>
+                          <a:cs typeface="Menlo" panose="020B0609030804020204" pitchFamily="49" charset="0"/>
+                        </a:rPr>
+                        <a:t>ms</a:t>
+                      </a:r>
+                      <a:endParaRPr lang="zh-TW" altLang="en-US" dirty="0">
+                        <a:latin typeface="Menlo" panose="020B0609030804020204" pitchFamily="49" charset="0"/>
+                        <a:cs typeface="Menlo" panose="020B0609030804020204" pitchFamily="49" charset="0"/>
+                      </a:endParaRPr>
+                    </a:p>
+                  </a:txBody>
+                  <a:tcPr/>
+                </a:tc>
+                <a:extLst>
+                  <a:ext uri="{0D108BD9-81ED-4DB2-BD59-A6C34878D82A}">
+                    <a16:rowId xmlns:a16="http://schemas.microsoft.com/office/drawing/2014/main" val="1191617602"/>
+                  </a:ext>
+                </a:extLst>
+              </a:tr>
+              <a:tr h="370840">
+                <a:tc>
+                  <a:txBody>
+                    <a:bodyPr/>
+                    <a:lstStyle/>
+                    <a:p>
+                      <a:endParaRPr lang="zh-TW" altLang="en-US">
+                        <a:latin typeface="Menlo" panose="020B0609030804020204" pitchFamily="49" charset="0"/>
+                        <a:cs typeface="Menlo" panose="020B0609030804020204" pitchFamily="49" charset="0"/>
+                      </a:endParaRPr>
+                    </a:p>
+                  </a:txBody>
+                  <a:tcPr/>
+                </a:tc>
+                <a:tc>
+                  <a:txBody>
+                    <a:bodyPr/>
+                    <a:lstStyle/>
+                    <a:p>
+                      <a:r>
+                        <a:rPr lang="en-US" altLang="zh-TW" dirty="0">
+                          <a:solidFill>
+                            <a:srgbClr val="FF0000"/>
+                          </a:solidFill>
+                          <a:latin typeface="Menlo" panose="020B0609030804020204" pitchFamily="49" charset="0"/>
+                          <a:ea typeface="Menlo" panose="020B0609030804020204" pitchFamily="49" charset="0"/>
+                          <a:cs typeface="Menlo" panose="020B0609030804020204" pitchFamily="49" charset="0"/>
+                        </a:rPr>
+                        <a:t>O(N)</a:t>
+                      </a:r>
+                      <a:endParaRPr lang="zh-TW" altLang="en-US" dirty="0">
+                        <a:solidFill>
+                          <a:srgbClr val="FF0000"/>
+                        </a:solidFill>
+                        <a:latin typeface="Menlo" panose="020B0609030804020204" pitchFamily="49" charset="0"/>
+                        <a:cs typeface="Menlo" panose="020B0609030804020204" pitchFamily="49" charset="0"/>
+                      </a:endParaRPr>
+                    </a:p>
+                  </a:txBody>
+                  <a:tcPr/>
+                </a:tc>
+                <a:tc>
+                  <a:txBody>
+                    <a:bodyPr/>
+                    <a:lstStyle/>
+                    <a:p>
+                      <a:r>
+                        <a:rPr lang="en-US" altLang="zh-TW" dirty="0">
+                          <a:solidFill>
+                            <a:srgbClr val="FF0000"/>
+                          </a:solidFill>
+                          <a:latin typeface="Menlo" panose="020B0609030804020204" pitchFamily="49" charset="0"/>
+                          <a:ea typeface="Menlo" panose="020B0609030804020204" pitchFamily="49" charset="0"/>
+                          <a:cs typeface="Menlo" panose="020B0609030804020204" pitchFamily="49" charset="0"/>
+                        </a:rPr>
+                        <a:t>O(log N)</a:t>
+                      </a:r>
+                      <a:endParaRPr lang="zh-TW" altLang="en-US" dirty="0">
+                        <a:solidFill>
+                          <a:srgbClr val="FF0000"/>
+                        </a:solidFill>
+                        <a:latin typeface="Menlo" panose="020B0609030804020204" pitchFamily="49" charset="0"/>
+                        <a:cs typeface="Menlo" panose="020B0609030804020204" pitchFamily="49" charset="0"/>
+                      </a:endParaRPr>
+                    </a:p>
+                  </a:txBody>
+                  <a:tcPr/>
+                </a:tc>
+                <a:extLst>
+                  <a:ext uri="{0D108BD9-81ED-4DB2-BD59-A6C34878D82A}">
+                    <a16:rowId xmlns:a16="http://schemas.microsoft.com/office/drawing/2014/main" val="329051383"/>
+                  </a:ext>
+                </a:extLst>
+              </a:tr>
+            </a:tbl>
+          </a:graphicData>
+        </a:graphic>
+      </p:graphicFrame>
+      <p:sp>
+        <p:nvSpPr>
+          <p:cNvPr id="5" name="文字方塊 4">
+            <a:extLst>
+              <a:ext uri="{FF2B5EF4-FFF2-40B4-BE49-F238E27FC236}">
+                <a16:creationId xmlns:a16="http://schemas.microsoft.com/office/drawing/2014/main" id="{0CE4A261-2AF2-9C43-8586-1F70AC7B85D3}"/>
+              </a:ext>
+            </a:extLst>
+          </p:cNvPr>
+          <p:cNvSpPr txBox="1"/>
+          <p:nvPr/>
+        </p:nvSpPr>
+        <p:spPr>
+          <a:xfrm>
+            <a:off x="5609541" y="5407388"/>
+            <a:ext cx="1221809" cy="461665"/>
+          </a:xfrm>
+          <a:prstGeom prst="rect">
+            <a:avLst/>
+          </a:prstGeom>
+          <a:noFill/>
+        </p:spPr>
+        <p:txBody>
+          <a:bodyPr wrap="none" rtlCol="0">
+            <a:spAutoFit/>
+          </a:bodyPr>
+          <a:lstStyle/>
+          <a:p>
+            <a:r>
+              <a:rPr kumimoji="1" lang="zh-TW" altLang="en-US" sz="2400" dirty="0">
+                <a:solidFill>
+                  <a:srgbClr val="FF0000"/>
+                </a:solidFill>
+              </a:rPr>
+              <a:t>省很大</a:t>
+            </a:r>
+            <a:r>
+              <a:rPr kumimoji="1" lang="en-US" altLang="zh-TW" sz="2400" dirty="0">
+                <a:solidFill>
+                  <a:srgbClr val="FF0000"/>
+                </a:solidFill>
+              </a:rPr>
+              <a:t>!</a:t>
+            </a:r>
+            <a:endParaRPr kumimoji="1" lang="zh-TW" altLang="en-US" sz="2400" dirty="0">
+              <a:solidFill>
+                <a:srgbClr val="FF0000"/>
+              </a:solidFill>
+            </a:endParaRPr>
+          </a:p>
+        </p:txBody>
+      </p:sp>
+      <p:sp>
+        <p:nvSpPr>
+          <p:cNvPr id="3" name="矩形 2">
+            <a:extLst>
+              <a:ext uri="{FF2B5EF4-FFF2-40B4-BE49-F238E27FC236}">
+                <a16:creationId xmlns:a16="http://schemas.microsoft.com/office/drawing/2014/main" id="{C7146ABD-5768-6E46-909D-18D1DDDF3B2D}"/>
+              </a:ext>
+            </a:extLst>
+          </p:cNvPr>
+          <p:cNvSpPr/>
+          <p:nvPr/>
+        </p:nvSpPr>
+        <p:spPr>
+          <a:xfrm>
+            <a:off x="677333" y="2998953"/>
+            <a:ext cx="7342059" cy="441434"/>
+          </a:xfrm>
+          <a:prstGeom prst="rect">
+            <a:avLst/>
+          </a:prstGeom>
+          <a:noFill/>
+          <a:ln>
+            <a:solidFill>
+              <a:srgbClr val="FF0000"/>
+            </a:solidFill>
+          </a:ln>
+        </p:spPr>
+        <p:style>
+          <a:lnRef idx="2">
+            <a:schemeClr val="accent1">
+              <a:shade val="50000"/>
+            </a:schemeClr>
+          </a:lnRef>
+          <a:fillRef idx="1">
+            <a:schemeClr val="accent1"/>
+          </a:fillRef>
+          <a:effectRef idx="0">
+            <a:schemeClr val="accent1"/>
+          </a:effectRef>
+          <a:fontRef idx="minor">
+            <a:schemeClr val="lt1"/>
+          </a:fontRef>
+        </p:style>
+        <p:txBody>
+          <a:bodyPr rtlCol="0" anchor="ctr"/>
+          <a:lstStyle/>
+          <a:p>
+            <a:pPr algn="ctr"/>
+            <a:endParaRPr kumimoji="1" lang="zh-TW" altLang="en-US"/>
+          </a:p>
+        </p:txBody>
+      </p:sp>
+      <p:sp>
+        <p:nvSpPr>
+          <p:cNvPr id="6" name="文字方塊 5">
+            <a:extLst>
+              <a:ext uri="{FF2B5EF4-FFF2-40B4-BE49-F238E27FC236}">
+                <a16:creationId xmlns:a16="http://schemas.microsoft.com/office/drawing/2014/main" id="{46D44915-7D1E-0643-9A69-02BEC14F9496}"/>
+              </a:ext>
+            </a:extLst>
+          </p:cNvPr>
+          <p:cNvSpPr txBox="1"/>
+          <p:nvPr/>
+        </p:nvSpPr>
+        <p:spPr>
+          <a:xfrm>
+            <a:off x="8019392" y="3035004"/>
+            <a:ext cx="2223686" cy="369332"/>
+          </a:xfrm>
+          <a:prstGeom prst="rect">
+            <a:avLst/>
+          </a:prstGeom>
+          <a:noFill/>
+        </p:spPr>
+        <p:txBody>
+          <a:bodyPr wrap="none" rtlCol="0">
+            <a:spAutoFit/>
+          </a:bodyPr>
+          <a:lstStyle/>
+          <a:p>
+            <a:r>
+              <a:rPr kumimoji="1" lang="en-US" altLang="zh-TW" dirty="0">
+                <a:solidFill>
+                  <a:srgbClr val="FF0000"/>
+                </a:solidFill>
+                <a:latin typeface="Menlo" panose="020B0609030804020204" pitchFamily="49" charset="0"/>
+                <a:ea typeface="Menlo" panose="020B0609030804020204" pitchFamily="49" charset="0"/>
+                <a:cs typeface="Menlo" panose="020B0609030804020204" pitchFamily="49" charset="0"/>
+              </a:rPr>
+              <a:t>15</a:t>
+            </a:r>
+            <a:r>
+              <a:rPr kumimoji="1" lang="zh-TW" altLang="en-US" dirty="0">
+                <a:solidFill>
+                  <a:srgbClr val="FF0000"/>
+                </a:solidFill>
+                <a:latin typeface="Menlo" panose="020B0609030804020204" pitchFamily="49" charset="0"/>
+                <a:cs typeface="Menlo" panose="020B0609030804020204" pitchFamily="49" charset="0"/>
+              </a:rPr>
+              <a:t>倍</a:t>
+            </a:r>
+            <a:r>
+              <a:rPr kumimoji="1" lang="en-US" altLang="zh-TW" dirty="0">
+                <a:solidFill>
+                  <a:srgbClr val="FF0000"/>
+                </a:solidFill>
+                <a:latin typeface="Menlo" panose="020B0609030804020204" pitchFamily="49" charset="0"/>
+                <a:ea typeface="Menlo" panose="020B0609030804020204" pitchFamily="49" charset="0"/>
+                <a:cs typeface="Menlo" panose="020B0609030804020204" pitchFamily="49" charset="0"/>
+              </a:rPr>
+              <a:t>??</a:t>
+            </a:r>
+            <a:r>
+              <a:rPr kumimoji="1" lang="zh-TW" altLang="en-US" dirty="0">
+                <a:solidFill>
+                  <a:srgbClr val="FF0000"/>
+                </a:solidFill>
+                <a:latin typeface="Menlo" panose="020B0609030804020204" pitchFamily="49" charset="0"/>
+                <a:cs typeface="Menlo" panose="020B0609030804020204" pitchFamily="49" charset="0"/>
+              </a:rPr>
+              <a:t> </a:t>
+            </a:r>
+            <a:r>
+              <a:rPr kumimoji="1" lang="en-US" altLang="zh-TW" dirty="0">
+                <a:solidFill>
+                  <a:srgbClr val="FF0000"/>
+                </a:solidFill>
+                <a:latin typeface="Menlo" panose="020B0609030804020204" pitchFamily="49" charset="0"/>
+                <a:ea typeface="Menlo" panose="020B0609030804020204" pitchFamily="49" charset="0"/>
+                <a:cs typeface="Menlo" panose="020B0609030804020204" pitchFamily="49" charset="0"/>
+              </a:rPr>
+              <a:t>(</a:t>
+            </a:r>
+            <a:r>
+              <a:rPr kumimoji="1" lang="zh-TW" altLang="en-US" dirty="0">
+                <a:solidFill>
+                  <a:srgbClr val="FF0000"/>
+                </a:solidFill>
+                <a:latin typeface="Menlo" panose="020B0609030804020204" pitchFamily="49" charset="0"/>
+                <a:cs typeface="Menlo" panose="020B0609030804020204" pitchFamily="49" charset="0"/>
+              </a:rPr>
+              <a:t>錯很大</a:t>
+            </a:r>
+            <a:r>
+              <a:rPr kumimoji="1" lang="en-US" altLang="zh-TW" dirty="0">
+                <a:solidFill>
+                  <a:srgbClr val="FF0000"/>
+                </a:solidFill>
+                <a:latin typeface="Menlo" panose="020B0609030804020204" pitchFamily="49" charset="0"/>
+                <a:ea typeface="Menlo" panose="020B0609030804020204" pitchFamily="49" charset="0"/>
+                <a:cs typeface="Menlo" panose="020B0609030804020204" pitchFamily="49" charset="0"/>
+              </a:rPr>
+              <a:t>!)</a:t>
+            </a:r>
+            <a:endParaRPr kumimoji="1" lang="zh-TW" altLang="en-US" dirty="0">
+              <a:solidFill>
+                <a:srgbClr val="FF0000"/>
+              </a:solidFill>
+              <a:latin typeface="Menlo" panose="020B0609030804020204" pitchFamily="49" charset="0"/>
+              <a:cs typeface="Menlo" panose="020B0609030804020204" pitchFamily="49" charset="0"/>
+            </a:endParaRPr>
+          </a:p>
+        </p:txBody>
+      </p:sp>
+    </p:spTree>
+    <p:extLst>
+      <p:ext uri="{BB962C8B-B14F-4D97-AF65-F5344CB8AC3E}">
+        <p14:creationId xmlns:p14="http://schemas.microsoft.com/office/powerpoint/2010/main" val="751838579"/>
+      </p:ext>
+    </p:extLst>
+  </p:cSld>
+  <p:clrMapOvr>
+    <a:masterClrMapping/>
+  </p:clrMapOvr>
+</p:sld>
+</file>
+
+<file path=ppt/slides/slide9.xml><?xml version="1.0" encoding="utf-8"?>
+<p:sld xmlns:a="http://schemas.openxmlformats.org/drawingml/2006/main" xmlns:r="http://schemas.openxmlformats.org/officeDocument/2006/relationships" xmlns:p="http://schemas.openxmlformats.org/presentationml/2006/main">
+  <p:cSld>
+    <p:spTree>
+      <p:nvGrpSpPr>
+        <p:cNvPr id="1" name=""/>
+        <p:cNvGrpSpPr/>
+        <p:nvPr/>
+      </p:nvGrpSpPr>
+      <p:grpSpPr>
+        <a:xfrm>
+          <a:off x="0" y="0"/>
+          <a:ext cx="0" cy="0"/>
+          <a:chOff x="0" y="0"/>
+          <a:chExt cx="0" cy="0"/>
+        </a:xfrm>
+      </p:grpSpPr>
+      <p:sp>
+        <p:nvSpPr>
+          <p:cNvPr id="2" name="標題 1">
+            <a:extLst>
+              <a:ext uri="{FF2B5EF4-FFF2-40B4-BE49-F238E27FC236}">
+                <a16:creationId xmlns:a16="http://schemas.microsoft.com/office/drawing/2014/main" id="{C65986ED-7B34-4944-A9AD-638B60DA463F}"/>
+              </a:ext>
+            </a:extLst>
+          </p:cNvPr>
+          <p:cNvSpPr>
+            <a:spLocks noGrp="1"/>
+          </p:cNvSpPr>
+          <p:nvPr>
+            <p:ph type="title"/>
+          </p:nvPr>
+        </p:nvSpPr>
+        <p:spPr/>
+        <p:txBody>
+          <a:bodyPr/>
+          <a:lstStyle/>
+          <a:p>
+            <a:r>
+              <a:rPr kumimoji="1" lang="en-US" altLang="zh-TW" dirty="0"/>
+              <a:t>Performance Analysis</a:t>
+            </a:r>
+            <a:endParaRPr kumimoji="1" lang="zh-TW" altLang="en-US" dirty="0"/>
+          </a:p>
+        </p:txBody>
+      </p:sp>
+      <p:sp>
+        <p:nvSpPr>
+          <p:cNvPr id="3" name="內容版面配置區 2">
+            <a:extLst>
+              <a:ext uri="{FF2B5EF4-FFF2-40B4-BE49-F238E27FC236}">
+                <a16:creationId xmlns:a16="http://schemas.microsoft.com/office/drawing/2014/main" id="{DC8456C2-251A-C048-B861-9B4D8AC2ADFC}"/>
+              </a:ext>
+            </a:extLst>
+          </p:cNvPr>
+          <p:cNvSpPr>
+            <a:spLocks noGrp="1"/>
+          </p:cNvSpPr>
+          <p:nvPr>
+            <p:ph idx="1"/>
+          </p:nvPr>
+        </p:nvSpPr>
+        <p:spPr>
+          <a:xfrm>
+            <a:off x="677334" y="1818291"/>
+            <a:ext cx="8596668" cy="4223072"/>
+          </a:xfrm>
+        </p:spPr>
+        <p:txBody>
+          <a:bodyPr>
+            <a:normAutofit/>
+          </a:bodyPr>
+          <a:lstStyle/>
+          <a:p>
+            <a:r>
+              <a:rPr kumimoji="1" lang="en-US" altLang="zh-TW" sz="2000" dirty="0"/>
+              <a:t>Linear Search: </a:t>
+            </a:r>
+            <a:r>
+              <a:rPr kumimoji="1" lang="en-US" altLang="zh-TW" sz="2000" dirty="0">
+                <a:solidFill>
+                  <a:srgbClr val="FF0000"/>
+                </a:solidFill>
+              </a:rPr>
+              <a:t>O(N)</a:t>
+            </a:r>
+          </a:p>
+          <a:p>
+            <a:pPr lvl="1"/>
+            <a:r>
+              <a:rPr kumimoji="1" lang="en-US" altLang="zh-TW" sz="1800" dirty="0"/>
+              <a:t>Best: 1</a:t>
+            </a:r>
+          </a:p>
+          <a:p>
+            <a:pPr lvl="1"/>
+            <a:r>
+              <a:rPr kumimoji="1" lang="en-US" altLang="zh-TW" sz="1800" dirty="0"/>
+              <a:t>Worst: 100</a:t>
+            </a:r>
+          </a:p>
+          <a:p>
+            <a:pPr lvl="1"/>
+            <a:r>
+              <a:rPr kumimoji="1" lang="en-US" altLang="zh-TW" sz="1800" dirty="0"/>
+              <a:t>Average: (1+100) / 2</a:t>
+            </a:r>
+          </a:p>
+          <a:p>
+            <a:pPr lvl="1"/>
+            <a:r>
+              <a:rPr kumimoji="1" lang="zh-TW" altLang="en-US" sz="1800" dirty="0"/>
+              <a:t>注意</a:t>
+            </a:r>
+            <a:r>
+              <a:rPr kumimoji="1" lang="en-US" altLang="zh-TW" sz="1800" dirty="0"/>
+              <a:t>:</a:t>
+            </a:r>
+            <a:r>
+              <a:rPr kumimoji="1" lang="zh-TW" altLang="en-US" sz="1800" dirty="0"/>
+              <a:t> 不是每種演算法都能計算出各種情境的效能</a:t>
+            </a:r>
+            <a:endParaRPr kumimoji="1" lang="en-US" altLang="zh-TW" sz="1800" dirty="0"/>
+          </a:p>
+          <a:p>
+            <a:pPr lvl="1"/>
+            <a:endParaRPr kumimoji="1" lang="en-US" altLang="zh-TW" sz="1800" dirty="0"/>
+          </a:p>
+          <a:p>
+            <a:r>
+              <a:rPr kumimoji="1" lang="en-US" altLang="zh-TW" sz="2000" dirty="0"/>
+              <a:t>Binary Search: </a:t>
+            </a:r>
+            <a:r>
+              <a:rPr kumimoji="1" lang="en-US" altLang="zh-TW" sz="2000" dirty="0">
+                <a:solidFill>
+                  <a:srgbClr val="FF0000"/>
+                </a:solidFill>
+              </a:rPr>
+              <a:t>O(log N)</a:t>
+            </a:r>
+          </a:p>
+          <a:p>
+            <a:pPr lvl="1"/>
+            <a:r>
+              <a:rPr kumimoji="1" lang="en-US" altLang="zh-TW" sz="1800" dirty="0"/>
+              <a:t>Worst: log2 100  (2^7 = 128, log2 128 = 7)</a:t>
+            </a:r>
+            <a:endParaRPr kumimoji="1" lang="zh-TW" altLang="en-US" sz="1800" dirty="0"/>
+          </a:p>
+        </p:txBody>
+      </p:sp>
+      <p:pic>
+        <p:nvPicPr>
+          <p:cNvPr id="4" name="圖片 3">
+            <a:extLst>
+              <a:ext uri="{FF2B5EF4-FFF2-40B4-BE49-F238E27FC236}">
+                <a16:creationId xmlns:a16="http://schemas.microsoft.com/office/drawing/2014/main" id="{B26A45F7-901B-7F4C-B49A-912731AECC17}"/>
+              </a:ext>
+            </a:extLst>
+          </p:cNvPr>
+          <p:cNvPicPr>
+            <a:picLocks noChangeAspect="1"/>
+          </p:cNvPicPr>
+          <p:nvPr/>
+        </p:nvPicPr>
+        <p:blipFill>
+          <a:blip r:embed="rId2"/>
+          <a:stretch>
+            <a:fillRect/>
+          </a:stretch>
+        </p:blipFill>
+        <p:spPr>
+          <a:xfrm>
+            <a:off x="7298661" y="1570496"/>
+            <a:ext cx="4512258" cy="4300746"/>
+          </a:xfrm>
+          <a:prstGeom prst="rect">
+            <a:avLst/>
+          </a:prstGeom>
+        </p:spPr>
+      </p:pic>
+    </p:spTree>
+    <p:extLst>
+      <p:ext uri="{BB962C8B-B14F-4D97-AF65-F5344CB8AC3E}">
+        <p14:creationId xmlns:p14="http://schemas.microsoft.com/office/powerpoint/2010/main" val="3186741031"/>
+      </p:ext>
+    </p:extLst>
+  </p:cSld>
+  <p:clrMapOvr>
+    <a:masterClrMapping/>
+  </p:clrMapOvr>
+</p:sld>
+</file>
+
 <file path=ppt/theme/theme1.xml><?xml version="1.0" encoding="utf-8"?>
 <a:theme xmlns:a="http://schemas.openxmlformats.org/drawingml/2006/main" name="多面向">
   <a:themeElements>
